--- a/version_control_git.pptx
+++ b/version_control_git.pptx
@@ -716,6 +716,90 @@
           <a:bodyPr/>
           <a:lstStyle/>
           <a:p>
+            <a:endParaRPr lang="en-BE" dirty="0"/>
+          </a:p>
+        </p:txBody>
+      </p:sp>
+      <p:sp>
+        <p:nvSpPr>
+          <p:cNvPr id="4" name="Slide Number Placeholder 3"/>
+          <p:cNvSpPr>
+            <a:spLocks noGrp="1"/>
+          </p:cNvSpPr>
+          <p:nvPr>
+            <p:ph type="sldNum" sz="quarter" idx="5"/>
+          </p:nvPr>
+        </p:nvSpPr>
+        <p:spPr/>
+        <p:txBody>
+          <a:bodyPr/>
+          <a:lstStyle/>
+          <a:p>
+            <a:fld id="{1A571F42-F258-455F-A3F1-D2E86FDFEB4C}" type="slidenum">
+              <a:rPr lang="nl-BE" smtClean="0"/>
+              <a:t>26</a:t>
+            </a:fld>
+            <a:endParaRPr lang="nl-BE"/>
+          </a:p>
+        </p:txBody>
+      </p:sp>
+    </p:spTree>
+    <p:extLst>
+      <p:ext uri="{BB962C8B-B14F-4D97-AF65-F5344CB8AC3E}">
+        <p14:creationId xmlns:p14="http://schemas.microsoft.com/office/powerpoint/2010/main" val="3127300386"/>
+      </p:ext>
+    </p:extLst>
+  </p:cSld>
+  <p:clrMapOvr>
+    <a:masterClrMapping/>
+  </p:clrMapOvr>
+</p:notes>
+</file>
+
+<file path=ppt/notesSlides/notesSlide2.xml><?xml version="1.0" encoding="utf-8"?>
+<p:notes xmlns:a="http://schemas.openxmlformats.org/drawingml/2006/main" xmlns:r="http://schemas.openxmlformats.org/officeDocument/2006/relationships" xmlns:p="http://schemas.openxmlformats.org/presentationml/2006/main">
+  <p:cSld>
+    <p:spTree>
+      <p:nvGrpSpPr>
+        <p:cNvPr id="1" name=""/>
+        <p:cNvGrpSpPr/>
+        <p:nvPr/>
+      </p:nvGrpSpPr>
+      <p:grpSpPr>
+        <a:xfrm>
+          <a:off x="0" y="0"/>
+          <a:ext cx="0" cy="0"/>
+          <a:chOff x="0" y="0"/>
+          <a:chExt cx="0" cy="0"/>
+        </a:xfrm>
+      </p:grpSpPr>
+      <p:sp>
+        <p:nvSpPr>
+          <p:cNvPr id="2" name="Slide Image Placeholder 1"/>
+          <p:cNvSpPr>
+            <a:spLocks noGrp="1" noRot="1" noChangeAspect="1"/>
+          </p:cNvSpPr>
+          <p:nvPr>
+            <p:ph type="sldImg"/>
+          </p:nvPr>
+        </p:nvSpPr>
+        <p:spPr/>
+      </p:sp>
+      <p:sp>
+        <p:nvSpPr>
+          <p:cNvPr id="3" name="Notes Placeholder 2"/>
+          <p:cNvSpPr>
+            <a:spLocks noGrp="1"/>
+          </p:cNvSpPr>
+          <p:nvPr>
+            <p:ph type="body" idx="1"/>
+          </p:nvPr>
+        </p:nvSpPr>
+        <p:spPr/>
+        <p:txBody>
+          <a:bodyPr/>
+          <a:lstStyle/>
+          <a:p>
             <a:endParaRPr lang="en-US" dirty="0"/>
           </a:p>
         </p:txBody>
@@ -756,7 +840,7 @@
 </p:notes>
 </file>
 
-<file path=ppt/notesSlides/notesSlide2.xml><?xml version="1.0" encoding="utf-8"?>
+<file path=ppt/notesSlides/notesSlide3.xml><?xml version="1.0" encoding="utf-8"?>
 <p:notes xmlns:a="http://schemas.openxmlformats.org/drawingml/2006/main" xmlns:r="http://schemas.openxmlformats.org/officeDocument/2006/relationships" xmlns:p="http://schemas.openxmlformats.org/presentationml/2006/main">
   <p:cSld>
     <p:spTree>
@@ -14652,7 +14736,7 @@
             </a:r>
             <a:r>
               <a:rPr lang="en-US" dirty="0"/>
-              <a:t>: asci graph representation of branches/merges</a:t>
+              <a:t>: ASCII graph representation of branches/merges</a:t>
             </a:r>
           </a:p>
           <a:p>
@@ -25303,7 +25387,13 @@
       </p:sp>
       <p:sp>
         <p:nvSpPr>
-          <p:cNvPr id="3" name="Text Placeholder 2"/>
+          <p:cNvPr id="7" name="Text Placeholder 6">
+            <a:extLst>
+              <a:ext uri="{FF2B5EF4-FFF2-40B4-BE49-F238E27FC236}">
+                <a16:creationId xmlns:a16="http://schemas.microsoft.com/office/drawing/2014/main" id="{5E5541F9-3505-4651-A7D4-8314D508B24C}"/>
+              </a:ext>
+            </a:extLst>
+          </p:cNvPr>
           <p:cNvSpPr>
             <a:spLocks noGrp="1"/>
           </p:cNvSpPr>
@@ -25316,7 +25406,7 @@
           <a:bodyPr/>
           <a:lstStyle/>
           <a:p>
-            <a:endParaRPr lang="nl-BE"/>
+            <a:endParaRPr lang="en-BE"/>
           </a:p>
         </p:txBody>
       </p:sp>
@@ -25337,6 +25427,7 @@
           <a:p>
             <a:fld id="{BB52A05A-A776-4391-ACD7-D6BC34D3145C}" type="slidenum">
               <a:rPr lang="nl-BE" smtClean="0"/>
+              <a:pPr/>
               <a:t>41</a:t>
             </a:fld>
             <a:endParaRPr lang="nl-BE"/>
@@ -38811,7 +38902,7 @@
         <p:spPr>
           <a:xfrm>
             <a:off x="251520" y="2708920"/>
-            <a:ext cx="6840761" cy="3139321"/>
+            <a:ext cx="6840761" cy="3416320"/>
           </a:xfrm>
           <a:prstGeom prst="rect">
             <a:avLst/>
@@ -38834,7 +38925,27 @@
                 <a:latin typeface="Courier New" pitchFamily="49" charset="0"/>
                 <a:cs typeface="Courier New" pitchFamily="49" charset="0"/>
               </a:rPr>
-              <a:t>$ git clone$ git log --oneline --graph</a:t>
+              <a:t>$ git </a:t>
+            </a:r>
+            <a:r>
+              <a:rPr lang="nl-BE" dirty="0" err="1">
+                <a:latin typeface="Courier New" pitchFamily="49" charset="0"/>
+                <a:cs typeface="Courier New" pitchFamily="49" charset="0"/>
+              </a:rPr>
+              <a:t>clone</a:t>
+            </a:r>
+            <a:endParaRPr lang="nl-BE" dirty="0">
+              <a:latin typeface="Courier New" pitchFamily="49" charset="0"/>
+              <a:cs typeface="Courier New" pitchFamily="49" charset="0"/>
+            </a:endParaRPr>
+          </a:p>
+          <a:p>
+            <a:r>
+              <a:rPr lang="nl-BE" dirty="0">
+                <a:latin typeface="Courier New" pitchFamily="49" charset="0"/>
+                <a:cs typeface="Courier New" pitchFamily="49" charset="0"/>
+              </a:rPr>
+              <a:t>$ git log --oneline --graph</a:t>
             </a:r>
           </a:p>
           <a:p>
@@ -38937,7 +39048,7 @@
         </p:nvGrpSpPr>
         <p:grpSpPr>
           <a:xfrm>
-            <a:off x="6507202" y="3320285"/>
+            <a:off x="6507202" y="3622209"/>
             <a:ext cx="2465913" cy="814903"/>
             <a:chOff x="6012160" y="4401363"/>
             <a:chExt cx="2465913" cy="814903"/>
@@ -39094,7 +39205,7 @@
         </p:nvGrpSpPr>
         <p:grpSpPr>
           <a:xfrm>
-            <a:off x="6002207" y="4128326"/>
+            <a:off x="6002207" y="4437112"/>
             <a:ext cx="2997778" cy="747554"/>
             <a:chOff x="6012160" y="4653135"/>
             <a:chExt cx="2997778" cy="747554"/>
@@ -39251,7 +39362,7 @@
         </p:nvSpPr>
         <p:spPr>
           <a:xfrm>
-            <a:off x="6240187" y="5287149"/>
+            <a:off x="6240187" y="5373216"/>
             <a:ext cx="2732928" cy="954107"/>
           </a:xfrm>
           <a:prstGeom prst="rect">
@@ -45407,43 +45518,21 @@
                                   </p:childTnLst>
                                 </p:cTn>
                               </p:par>
-                            </p:childTnLst>
-                          </p:cTn>
-                        </p:par>
-                      </p:childTnLst>
-                    </p:cTn>
-                  </p:par>
-                  <p:par>
-                    <p:cTn id="13" fill="hold">
-                      <p:stCondLst>
-                        <p:cond delay="indefinite"/>
-                      </p:stCondLst>
-                      <p:childTnLst>
-                        <p:par>
-                          <p:cTn id="14" fill="hold">
-                            <p:stCondLst>
-                              <p:cond delay="0"/>
-                            </p:stCondLst>
-                            <p:childTnLst>
                               <p:par>
-                                <p:cTn id="15" presetID="1" presetClass="entr" presetSubtype="0" fill="hold" grpId="0" nodeType="clickEffect">
+                                <p:cTn id="13" presetID="1" presetClass="entr" presetSubtype="0" fill="hold" grpId="0" nodeType="withEffect">
                                   <p:stCondLst>
                                     <p:cond delay="0"/>
                                   </p:stCondLst>
                                   <p:childTnLst>
                                     <p:set>
                                       <p:cBhvr>
-                                        <p:cTn id="16" dur="1" fill="hold">
+                                        <p:cTn id="14" dur="1" fill="hold">
                                           <p:stCondLst>
                                             <p:cond delay="0"/>
                                           </p:stCondLst>
                                         </p:cTn>
                                         <p:tgtEl>
-                                          <p:spTgt spid="3">
-                                            <p:txEl>
-                                              <p:pRg st="4" end="4"/>
-                                            </p:txEl>
-                                          </p:spTgt>
+                                          <p:spTgt spid="6"/>
                                         </p:tgtEl>
                                         <p:attrNameLst>
                                           <p:attrName>style.visibility</p:attrName>
@@ -45456,8 +45545,26 @@
                                   </p:childTnLst>
                                 </p:cTn>
                               </p:par>
+                            </p:childTnLst>
+                          </p:cTn>
+                        </p:par>
+                      </p:childTnLst>
+                    </p:cTn>
+                  </p:par>
+                  <p:par>
+                    <p:cTn id="15" fill="hold">
+                      <p:stCondLst>
+                        <p:cond delay="indefinite"/>
+                      </p:stCondLst>
+                      <p:childTnLst>
+                        <p:par>
+                          <p:cTn id="16" fill="hold">
+                            <p:stCondLst>
+                              <p:cond delay="0"/>
+                            </p:stCondLst>
+                            <p:childTnLst>
                               <p:par>
-                                <p:cTn id="17" presetID="1" presetClass="entr" presetSubtype="0" fill="hold" grpId="0" nodeType="withEffect">
+                                <p:cTn id="17" presetID="1" presetClass="entr" presetSubtype="0" fill="hold" grpId="0" nodeType="clickEffect">
                                   <p:stCondLst>
                                     <p:cond delay="0"/>
                                   </p:stCondLst>
@@ -45470,7 +45577,11 @@
                                           </p:stCondLst>
                                         </p:cTn>
                                         <p:tgtEl>
-                                          <p:spTgt spid="6"/>
+                                          <p:spTgt spid="3">
+                                            <p:txEl>
+                                              <p:pRg st="4" end="4"/>
+                                            </p:txEl>
+                                          </p:spTgt>
                                         </p:tgtEl>
                                         <p:attrNameLst>
                                           <p:attrName>style.visibility</p:attrName>
@@ -45938,7 +46049,7 @@
         <p:spPr>
           <a:xfrm>
             <a:off x="270181" y="5864553"/>
-            <a:ext cx="8603637" cy="523220"/>
+            <a:ext cx="8512267" cy="523220"/>
           </a:xfrm>
           <a:prstGeom prst="rect">
             <a:avLst/>
@@ -45958,7 +46069,7 @@
           <a:p>
             <a:r>
               <a:rPr lang="en-US" sz="2800" dirty="0"/>
-              <a:t>Note: repository should be hosted by service, e.g., GitHub</a:t>
+              <a:t>Note: repository should be hosted by service, e.g., GitLab</a:t>
             </a:r>
             <a:endParaRPr lang="nl-BE" sz="2800" dirty="0"/>
           </a:p>
@@ -48927,29 +49038,21 @@
             <a:pPr lvl="1"/>
             <a:r>
               <a:rPr lang="en-US" dirty="0" err="1"/>
-              <a:t>git</a:t>
+              <a:t>SmartGit</a:t>
             </a:r>
             <a:r>
               <a:rPr lang="en-US" dirty="0"/>
-              <a:t>-cola: </a:t>
+              <a:t>: </a:t>
             </a:r>
             <a:r>
               <a:rPr lang="en-US" dirty="0">
                 <a:hlinkClick r:id="rId6"/>
               </a:rPr>
-              <a:t>http://git-cola.github.io/</a:t>
+              <a:t>https://www.syntevo.com/smartgit/</a:t>
             </a:r>
             <a:r>
               <a:rPr lang="en-US" dirty="0"/>
-              <a:t> (Linux/Windows/</a:t>
-            </a:r>
-            <a:r>
-              <a:rPr lang="en-US" dirty="0" err="1"/>
-              <a:t>MacOS</a:t>
-            </a:r>
-            <a:r>
-              <a:rPr lang="en-US" dirty="0"/>
-              <a:t> X)</a:t>
+              <a:t> (Linux/Windows/MacOS X)</a:t>
             </a:r>
           </a:p>
           <a:p>
@@ -49102,17 +49205,12 @@
               <a:rPr lang="en-US" dirty="0">
                 <a:hlinkClick r:id="rId2"/>
               </a:rPr>
-              <a:t>SVS service</a:t>
-            </a:r>
-            <a:endParaRPr lang="en-US" dirty="0"/>
-          </a:p>
-          <a:p>
-            <a:pPr lvl="1"/>
+              <a:t>https://gitlab.kuleuven.be/</a:t>
+            </a:r>
             <a:r>
               <a:rPr lang="en-US" dirty="0"/>
-              <a:t>Issue tracking, wiki, hosted on premise</a:t>
-            </a:r>
-            <a:endParaRPr lang="en-US" sz="1600" dirty="0"/>
+              <a:t> </a:t>
+            </a:r>
           </a:p>
           <a:p>
             <a:r>
@@ -49255,15 +49353,33 @@
                                   </p:childTnLst>
                                 </p:cTn>
                               </p:par>
+                            </p:childTnLst>
+                          </p:cTn>
+                        </p:par>
+                      </p:childTnLst>
+                    </p:cTn>
+                  </p:par>
+                  <p:par>
+                    <p:cTn id="7" fill="hold">
+                      <p:stCondLst>
+                        <p:cond delay="indefinite"/>
+                      </p:stCondLst>
+                      <p:childTnLst>
+                        <p:par>
+                          <p:cTn id="8" fill="hold">
+                            <p:stCondLst>
+                              <p:cond delay="0"/>
+                            </p:stCondLst>
+                            <p:childTnLst>
                               <p:par>
-                                <p:cTn id="7" presetID="1" presetClass="entr" presetSubtype="0" fill="hold" grpId="0" nodeType="withEffect">
+                                <p:cTn id="9" presetID="1" presetClass="entr" presetSubtype="0" fill="hold" grpId="0" nodeType="clickEffect">
                                   <p:stCondLst>
                                     <p:cond delay="0"/>
                                   </p:stCondLst>
                                   <p:childTnLst>
                                     <p:set>
                                       <p:cBhvr>
-                                        <p:cTn id="8" dur="1" fill="hold">
+                                        <p:cTn id="10" dur="1" fill="hold">
                                           <p:stCondLst>
                                             <p:cond delay="0"/>
                                           </p:stCondLst>
@@ -49286,26 +49402,8 @@
                                   </p:childTnLst>
                                 </p:cTn>
                               </p:par>
-                            </p:childTnLst>
-                          </p:cTn>
-                        </p:par>
-                      </p:childTnLst>
-                    </p:cTn>
-                  </p:par>
-                  <p:par>
-                    <p:cTn id="9" fill="hold">
-                      <p:stCondLst>
-                        <p:cond delay="indefinite"/>
-                      </p:stCondLst>
-                      <p:childTnLst>
-                        <p:par>
-                          <p:cTn id="10" fill="hold">
-                            <p:stCondLst>
-                              <p:cond delay="0"/>
-                            </p:stCondLst>
-                            <p:childTnLst>
                               <p:par>
-                                <p:cTn id="11" presetID="1" presetClass="entr" presetSubtype="0" fill="hold" grpId="0" nodeType="clickEffect">
+                                <p:cTn id="11" presetID="1" presetClass="entr" presetSubtype="0" fill="hold" grpId="0" nodeType="withEffect">
                                   <p:stCondLst>
                                     <p:cond delay="0"/>
                                   </p:stCondLst>
@@ -49335,15 +49433,33 @@
                                   </p:childTnLst>
                                 </p:cTn>
                               </p:par>
+                            </p:childTnLst>
+                          </p:cTn>
+                        </p:par>
+                      </p:childTnLst>
+                    </p:cTn>
+                  </p:par>
+                  <p:par>
+                    <p:cTn id="13" fill="hold">
+                      <p:stCondLst>
+                        <p:cond delay="indefinite"/>
+                      </p:stCondLst>
+                      <p:childTnLst>
+                        <p:par>
+                          <p:cTn id="14" fill="hold">
+                            <p:stCondLst>
+                              <p:cond delay="0"/>
+                            </p:stCondLst>
+                            <p:childTnLst>
                               <p:par>
-                                <p:cTn id="13" presetID="1" presetClass="entr" presetSubtype="0" fill="hold" grpId="0" nodeType="withEffect">
+                                <p:cTn id="15" presetID="1" presetClass="entr" presetSubtype="0" fill="hold" grpId="0" nodeType="clickEffect">
                                   <p:stCondLst>
                                     <p:cond delay="0"/>
                                   </p:stCondLst>
                                   <p:childTnLst>
                                     <p:set>
                                       <p:cBhvr>
-                                        <p:cTn id="14" dur="1" fill="hold">
+                                        <p:cTn id="16" dur="1" fill="hold">
                                           <p:stCondLst>
                                             <p:cond delay="0"/>
                                           </p:stCondLst>
@@ -49366,26 +49482,8 @@
                                   </p:childTnLst>
                                 </p:cTn>
                               </p:par>
-                            </p:childTnLst>
-                          </p:cTn>
-                        </p:par>
-                      </p:childTnLst>
-                    </p:cTn>
-                  </p:par>
-                  <p:par>
-                    <p:cTn id="15" fill="hold">
-                      <p:stCondLst>
-                        <p:cond delay="indefinite"/>
-                      </p:stCondLst>
-                      <p:childTnLst>
-                        <p:par>
-                          <p:cTn id="16" fill="hold">
-                            <p:stCondLst>
-                              <p:cond delay="0"/>
-                            </p:stCondLst>
-                            <p:childTnLst>
                               <p:par>
-                                <p:cTn id="17" presetID="1" presetClass="entr" presetSubtype="0" fill="hold" grpId="0" nodeType="clickEffect">
+                                <p:cTn id="17" presetID="1" presetClass="entr" presetSubtype="0" fill="hold" grpId="0" nodeType="withEffect">
                                   <p:stCondLst>
                                     <p:cond delay="0"/>
                                   </p:stCondLst>
@@ -49415,15 +49513,33 @@
                                   </p:childTnLst>
                                 </p:cTn>
                               </p:par>
+                            </p:childTnLst>
+                          </p:cTn>
+                        </p:par>
+                      </p:childTnLst>
+                    </p:cTn>
+                  </p:par>
+                  <p:par>
+                    <p:cTn id="19" fill="hold">
+                      <p:stCondLst>
+                        <p:cond delay="indefinite"/>
+                      </p:stCondLst>
+                      <p:childTnLst>
+                        <p:par>
+                          <p:cTn id="20" fill="hold">
+                            <p:stCondLst>
+                              <p:cond delay="0"/>
+                            </p:stCondLst>
+                            <p:childTnLst>
                               <p:par>
-                                <p:cTn id="19" presetID="1" presetClass="entr" presetSubtype="0" fill="hold" grpId="0" nodeType="withEffect">
+                                <p:cTn id="21" presetID="1" presetClass="entr" presetSubtype="0" fill="hold" grpId="0" nodeType="clickEffect">
                                   <p:stCondLst>
                                     <p:cond delay="0"/>
                                   </p:stCondLst>
                                   <p:childTnLst>
                                     <p:set>
                                       <p:cBhvr>
-                                        <p:cTn id="20" dur="1" fill="hold">
+                                        <p:cTn id="22" dur="1" fill="hold">
                                           <p:stCondLst>
                                             <p:cond delay="0"/>
                                           </p:stCondLst>
@@ -49446,26 +49562,8 @@
                                   </p:childTnLst>
                                 </p:cTn>
                               </p:par>
-                            </p:childTnLst>
-                          </p:cTn>
-                        </p:par>
-                      </p:childTnLst>
-                    </p:cTn>
-                  </p:par>
-                  <p:par>
-                    <p:cTn id="21" fill="hold">
-                      <p:stCondLst>
-                        <p:cond delay="indefinite"/>
-                      </p:stCondLst>
-                      <p:childTnLst>
-                        <p:par>
-                          <p:cTn id="22" fill="hold">
-                            <p:stCondLst>
-                              <p:cond delay="0"/>
-                            </p:stCondLst>
-                            <p:childTnLst>
                               <p:par>
-                                <p:cTn id="23" presetID="1" presetClass="entr" presetSubtype="0" fill="hold" grpId="0" nodeType="clickEffect">
+                                <p:cTn id="23" presetID="1" presetClass="entr" presetSubtype="0" fill="hold" grpId="0" nodeType="withEffect">
                                   <p:stCondLst>
                                     <p:cond delay="0"/>
                                   </p:stCondLst>
@@ -49481,37 +49579,6 @@
                                           <p:spTgt spid="3">
                                             <p:txEl>
                                               <p:pRg st="6" end="6"/>
-                                            </p:txEl>
-                                          </p:spTgt>
-                                        </p:tgtEl>
-                                        <p:attrNameLst>
-                                          <p:attrName>style.visibility</p:attrName>
-                                        </p:attrNameLst>
-                                      </p:cBhvr>
-                                      <p:to>
-                                        <p:strVal val="visible"/>
-                                      </p:to>
-                                    </p:set>
-                                  </p:childTnLst>
-                                </p:cTn>
-                              </p:par>
-                              <p:par>
-                                <p:cTn id="25" presetID="1" presetClass="entr" presetSubtype="0" fill="hold" grpId="0" nodeType="withEffect">
-                                  <p:stCondLst>
-                                    <p:cond delay="0"/>
-                                  </p:stCondLst>
-                                  <p:childTnLst>
-                                    <p:set>
-                                      <p:cBhvr>
-                                        <p:cTn id="26" dur="1" fill="hold">
-                                          <p:stCondLst>
-                                            <p:cond delay="0"/>
-                                          </p:stCondLst>
-                                        </p:cTn>
-                                        <p:tgtEl>
-                                          <p:spTgt spid="3">
-                                            <p:txEl>
-                                              <p:pRg st="7" end="7"/>
                                             </p:txEl>
                                           </p:spTgt>
                                         </p:tgtEl>

--- a/version_control_git.pptx
+++ b/version_control_git.pptx
@@ -404,7 +404,7 @@
           <a:p>
             <a:fld id="{11D3E7B2-0861-45F0-B59E-BA867D5C805D}" type="datetimeFigureOut">
               <a:rPr lang="nl-BE" smtClean="0"/>
-              <a:t>24/10/2020</a:t>
+              <a:t>27/10/2020</a:t>
             </a:fld>
             <a:endParaRPr lang="nl-BE"/>
           </a:p>
@@ -1105,7 +1105,7 @@
           <a:p>
             <a:fld id="{208C4982-2142-4DAC-808C-52C1A6ABA40A}" type="datetime1">
               <a:rPr lang="nl-BE" smtClean="0"/>
-              <a:t>24/10/2020</a:t>
+              <a:t>27/10/2020</a:t>
             </a:fld>
             <a:endParaRPr lang="nl-BE"/>
           </a:p>
@@ -1275,7 +1275,7 @@
           <a:p>
             <a:fld id="{596A4774-AA95-4CEA-9215-BE91EC5FD3A2}" type="datetime1">
               <a:rPr lang="nl-BE" smtClean="0"/>
-              <a:t>24/10/2020</a:t>
+              <a:t>27/10/2020</a:t>
             </a:fld>
             <a:endParaRPr lang="nl-BE"/>
           </a:p>
@@ -1455,7 +1455,7 @@
           <a:p>
             <a:fld id="{E3C938DE-9D5A-4A9D-B2A9-9053FBBA636A}" type="datetime1">
               <a:rPr lang="nl-BE" smtClean="0"/>
-              <a:t>24/10/2020</a:t>
+              <a:t>27/10/2020</a:t>
             </a:fld>
             <a:endParaRPr lang="nl-BE"/>
           </a:p>
@@ -1625,7 +1625,7 @@
           <a:p>
             <a:fld id="{70B73439-F632-4142-A813-39A8890A9414}" type="datetime1">
               <a:rPr lang="nl-BE" smtClean="0"/>
-              <a:t>24/10/2020</a:t>
+              <a:t>27/10/2020</a:t>
             </a:fld>
             <a:endParaRPr lang="nl-BE"/>
           </a:p>
@@ -1871,7 +1871,7 @@
           <a:p>
             <a:fld id="{2DA105E3-7574-4472-893A-A0C7A919BAE6}" type="datetime1">
               <a:rPr lang="nl-BE" smtClean="0"/>
-              <a:t>24/10/2020</a:t>
+              <a:t>27/10/2020</a:t>
             </a:fld>
             <a:endParaRPr lang="nl-BE"/>
           </a:p>
@@ -2159,7 +2159,7 @@
           <a:p>
             <a:fld id="{184B200F-AF61-4171-AE34-7A4B12E0FBA3}" type="datetime1">
               <a:rPr lang="nl-BE" smtClean="0"/>
-              <a:t>24/10/2020</a:t>
+              <a:t>27/10/2020</a:t>
             </a:fld>
             <a:endParaRPr lang="nl-BE"/>
           </a:p>
@@ -2581,7 +2581,7 @@
           <a:p>
             <a:fld id="{4DDD3743-DAF8-4465-AEC2-93735E02B3D0}" type="datetime1">
               <a:rPr lang="nl-BE" smtClean="0"/>
-              <a:t>24/10/2020</a:t>
+              <a:t>27/10/2020</a:t>
             </a:fld>
             <a:endParaRPr lang="nl-BE"/>
           </a:p>
@@ -2699,7 +2699,7 @@
           <a:p>
             <a:fld id="{0E48E2E9-C147-459B-ACCB-D6DDC51735D3}" type="datetime1">
               <a:rPr lang="nl-BE" smtClean="0"/>
-              <a:t>24/10/2020</a:t>
+              <a:t>27/10/2020</a:t>
             </a:fld>
             <a:endParaRPr lang="nl-BE"/>
           </a:p>
@@ -2794,7 +2794,7 @@
           <a:p>
             <a:fld id="{C92A24F5-0967-4B11-849A-0009476290B5}" type="datetime1">
               <a:rPr lang="nl-BE" smtClean="0"/>
-              <a:t>24/10/2020</a:t>
+              <a:t>27/10/2020</a:t>
             </a:fld>
             <a:endParaRPr lang="nl-BE"/>
           </a:p>
@@ -3071,7 +3071,7 @@
           <a:p>
             <a:fld id="{CAAB6B0C-E333-4316-A6EC-161EFC5CB4BD}" type="datetime1">
               <a:rPr lang="nl-BE" smtClean="0"/>
-              <a:t>24/10/2020</a:t>
+              <a:t>27/10/2020</a:t>
             </a:fld>
             <a:endParaRPr lang="nl-BE"/>
           </a:p>
@@ -3324,7 +3324,7 @@
           <a:p>
             <a:fld id="{5AC2428B-24E8-4004-8AB4-EA69DDAD1475}" type="datetime1">
               <a:rPr lang="nl-BE" smtClean="0"/>
-              <a:t>24/10/2020</a:t>
+              <a:t>27/10/2020</a:t>
             </a:fld>
             <a:endParaRPr lang="nl-BE"/>
           </a:p>
@@ -3537,7 +3537,7 @@
           <a:p>
             <a:fld id="{063E4CA3-87AF-44C9-B256-93720A95DFC3}" type="datetime1">
               <a:rPr lang="nl-BE" smtClean="0"/>
-              <a:t>24/10/2020</a:t>
+              <a:t>27/10/2020</a:t>
             </a:fld>
             <a:endParaRPr lang="nl-BE"/>
           </a:p>

--- a/version_control_git.pptx
+++ b/version_control_git.pptx
@@ -404,7 +404,7 @@
           <a:p>
             <a:fld id="{11D3E7B2-0861-45F0-B59E-BA867D5C805D}" type="datetimeFigureOut">
               <a:rPr lang="nl-BE" smtClean="0"/>
-              <a:t>27/10/2020</a:t>
+              <a:t>8/11/2021</a:t>
             </a:fld>
             <a:endParaRPr lang="nl-BE"/>
           </a:p>
@@ -1105,7 +1105,7 @@
           <a:p>
             <a:fld id="{208C4982-2142-4DAC-808C-52C1A6ABA40A}" type="datetime1">
               <a:rPr lang="nl-BE" smtClean="0"/>
-              <a:t>27/10/2020</a:t>
+              <a:t>8/11/2021</a:t>
             </a:fld>
             <a:endParaRPr lang="nl-BE"/>
           </a:p>
@@ -1275,7 +1275,7 @@
           <a:p>
             <a:fld id="{596A4774-AA95-4CEA-9215-BE91EC5FD3A2}" type="datetime1">
               <a:rPr lang="nl-BE" smtClean="0"/>
-              <a:t>27/10/2020</a:t>
+              <a:t>8/11/2021</a:t>
             </a:fld>
             <a:endParaRPr lang="nl-BE"/>
           </a:p>
@@ -1455,7 +1455,7 @@
           <a:p>
             <a:fld id="{E3C938DE-9D5A-4A9D-B2A9-9053FBBA636A}" type="datetime1">
               <a:rPr lang="nl-BE" smtClean="0"/>
-              <a:t>27/10/2020</a:t>
+              <a:t>8/11/2021</a:t>
             </a:fld>
             <a:endParaRPr lang="nl-BE"/>
           </a:p>
@@ -1625,7 +1625,7 @@
           <a:p>
             <a:fld id="{70B73439-F632-4142-A813-39A8890A9414}" type="datetime1">
               <a:rPr lang="nl-BE" smtClean="0"/>
-              <a:t>27/10/2020</a:t>
+              <a:t>8/11/2021</a:t>
             </a:fld>
             <a:endParaRPr lang="nl-BE"/>
           </a:p>
@@ -1871,7 +1871,7 @@
           <a:p>
             <a:fld id="{2DA105E3-7574-4472-893A-A0C7A919BAE6}" type="datetime1">
               <a:rPr lang="nl-BE" smtClean="0"/>
-              <a:t>27/10/2020</a:t>
+              <a:t>8/11/2021</a:t>
             </a:fld>
             <a:endParaRPr lang="nl-BE"/>
           </a:p>
@@ -2159,7 +2159,7 @@
           <a:p>
             <a:fld id="{184B200F-AF61-4171-AE34-7A4B12E0FBA3}" type="datetime1">
               <a:rPr lang="nl-BE" smtClean="0"/>
-              <a:t>27/10/2020</a:t>
+              <a:t>8/11/2021</a:t>
             </a:fld>
             <a:endParaRPr lang="nl-BE"/>
           </a:p>
@@ -2581,7 +2581,7 @@
           <a:p>
             <a:fld id="{4DDD3743-DAF8-4465-AEC2-93735E02B3D0}" type="datetime1">
               <a:rPr lang="nl-BE" smtClean="0"/>
-              <a:t>27/10/2020</a:t>
+              <a:t>8/11/2021</a:t>
             </a:fld>
             <a:endParaRPr lang="nl-BE"/>
           </a:p>
@@ -2699,7 +2699,7 @@
           <a:p>
             <a:fld id="{0E48E2E9-C147-459B-ACCB-D6DDC51735D3}" type="datetime1">
               <a:rPr lang="nl-BE" smtClean="0"/>
-              <a:t>27/10/2020</a:t>
+              <a:t>8/11/2021</a:t>
             </a:fld>
             <a:endParaRPr lang="nl-BE"/>
           </a:p>
@@ -2794,7 +2794,7 @@
           <a:p>
             <a:fld id="{C92A24F5-0967-4B11-849A-0009476290B5}" type="datetime1">
               <a:rPr lang="nl-BE" smtClean="0"/>
-              <a:t>27/10/2020</a:t>
+              <a:t>8/11/2021</a:t>
             </a:fld>
             <a:endParaRPr lang="nl-BE"/>
           </a:p>
@@ -3071,7 +3071,7 @@
           <a:p>
             <a:fld id="{CAAB6B0C-E333-4316-A6EC-161EFC5CB4BD}" type="datetime1">
               <a:rPr lang="nl-BE" smtClean="0"/>
-              <a:t>27/10/2020</a:t>
+              <a:t>8/11/2021</a:t>
             </a:fld>
             <a:endParaRPr lang="nl-BE"/>
           </a:p>
@@ -3324,7 +3324,7 @@
           <a:p>
             <a:fld id="{5AC2428B-24E8-4004-8AB4-EA69DDAD1475}" type="datetime1">
               <a:rPr lang="nl-BE" smtClean="0"/>
-              <a:t>27/10/2020</a:t>
+              <a:t>8/11/2021</a:t>
             </a:fld>
             <a:endParaRPr lang="nl-BE"/>
           </a:p>
@@ -3537,7 +3537,7 @@
           <a:p>
             <a:fld id="{063E4CA3-87AF-44C9-B256-93720A95DFC3}" type="datetime1">
               <a:rPr lang="nl-BE" smtClean="0"/>
-              <a:t>27/10/2020</a:t>
+              <a:t>8/11/2021</a:t>
             </a:fld>
             <a:endParaRPr lang="nl-BE"/>
           </a:p>
@@ -11485,7 +11485,7 @@
                 <a:latin typeface="Courier New" panose="02070309020205020404" pitchFamily="49" charset="0"/>
                 <a:cs typeface="Courier New" panose="02070309020205020404" pitchFamily="49" charset="0"/>
               </a:rPr>
-              <a:t>On branch master</a:t>
+              <a:t>On branch main</a:t>
             </a:r>
           </a:p>
           <a:p>
@@ -14954,7 +14954,7 @@
                 <a:latin typeface="Courier New" panose="02070309020205020404" pitchFamily="49" charset="0"/>
                 <a:cs typeface="Courier New" panose="02070309020205020404" pitchFamily="49" charset="0"/>
               </a:rPr>
-              <a:t>769cdd7 (HEAD -&gt; master) Introduced square function</a:t>
+              <a:t>769cdd7 (HEAD -&gt; main) Introduced square function</a:t>
             </a:r>
           </a:p>
           <a:p>
@@ -19780,7 +19780,7 @@
             <a:pPr lvl="1"/>
             <a:r>
               <a:rPr lang="en-US" dirty="0"/>
-              <a:t>Don't commit stuff in master that doesn't work (i.e., that doesn't compile without errors) when working in team</a:t>
+              <a:t>Don't commit stuff in main that doesn't work (i.e., that doesn't compile without errors) when working in team</a:t>
             </a:r>
           </a:p>
           <a:p>
@@ -26137,7 +26137,7 @@
         <p:spPr>
           <a:xfrm>
             <a:off x="1259632" y="1988840"/>
-            <a:ext cx="3768980" cy="369332"/>
+            <a:ext cx="3493264" cy="369332"/>
           </a:xfrm>
           <a:prstGeom prst="rect">
             <a:avLst/>
@@ -26179,8 +26179,19 @@
                 <a:latin typeface="Courier New" pitchFamily="49" charset="0"/>
                 <a:cs typeface="Courier New" pitchFamily="49" charset="0"/>
               </a:rPr>
-              <a:t>  master</a:t>
-            </a:r>
+              <a:t>  </a:t>
+            </a:r>
+            <a:r>
+              <a:rPr lang="nl-BE" dirty="0" err="1">
+                <a:latin typeface="Courier New" pitchFamily="49" charset="0"/>
+                <a:cs typeface="Courier New" pitchFamily="49" charset="0"/>
+              </a:rPr>
+              <a:t>main</a:t>
+            </a:r>
+            <a:endParaRPr lang="nl-BE" dirty="0">
+              <a:latin typeface="Courier New" pitchFamily="49" charset="0"/>
+              <a:cs typeface="Courier New" pitchFamily="49" charset="0"/>
+            </a:endParaRPr>
           </a:p>
         </p:txBody>
       </p:sp>
@@ -26295,7 +26306,7 @@
         <p:spPr>
           <a:xfrm>
             <a:off x="1259632" y="3717032"/>
-            <a:ext cx="3768980" cy="369332"/>
+            <a:ext cx="3493264" cy="369332"/>
           </a:xfrm>
           <a:prstGeom prst="rect">
             <a:avLst/>
@@ -26337,8 +26348,19 @@
                 <a:latin typeface="Courier New" pitchFamily="49" charset="0"/>
                 <a:cs typeface="Courier New" pitchFamily="49" charset="0"/>
               </a:rPr>
-              <a:t>  master</a:t>
-            </a:r>
+              <a:t>  </a:t>
+            </a:r>
+            <a:r>
+              <a:rPr lang="nl-BE" dirty="0" err="1">
+                <a:latin typeface="Courier New" pitchFamily="49" charset="0"/>
+                <a:cs typeface="Courier New" pitchFamily="49" charset="0"/>
+              </a:rPr>
+              <a:t>main</a:t>
+            </a:r>
+            <a:endParaRPr lang="nl-BE" dirty="0">
+              <a:latin typeface="Courier New" pitchFamily="49" charset="0"/>
+              <a:cs typeface="Courier New" pitchFamily="49" charset="0"/>
+            </a:endParaRPr>
           </a:p>
         </p:txBody>
       </p:sp>
@@ -26351,7 +26373,7 @@
         <p:spPr>
           <a:xfrm>
             <a:off x="1259632" y="6011996"/>
-            <a:ext cx="3768980" cy="369332"/>
+            <a:ext cx="3493264" cy="369332"/>
           </a:xfrm>
           <a:prstGeom prst="rect">
             <a:avLst/>
@@ -26393,8 +26415,19 @@
                 <a:latin typeface="Courier New" pitchFamily="49" charset="0"/>
                 <a:cs typeface="Courier New" pitchFamily="49" charset="0"/>
               </a:rPr>
-              <a:t>  master</a:t>
-            </a:r>
+              <a:t>  </a:t>
+            </a:r>
+            <a:r>
+              <a:rPr lang="nl-BE" dirty="0" err="1">
+                <a:latin typeface="Courier New" pitchFamily="49" charset="0"/>
+                <a:cs typeface="Courier New" pitchFamily="49" charset="0"/>
+              </a:rPr>
+              <a:t>main</a:t>
+            </a:r>
+            <a:endParaRPr lang="nl-BE" dirty="0">
+              <a:latin typeface="Courier New" pitchFamily="49" charset="0"/>
+              <a:cs typeface="Courier New" pitchFamily="49" charset="0"/>
+            </a:endParaRPr>
           </a:p>
         </p:txBody>
       </p:sp>
@@ -29611,7 +29644,7 @@
                 <a:latin typeface="Courier New" pitchFamily="49" charset="0"/>
                 <a:cs typeface="Courier New" pitchFamily="49" charset="0"/>
               </a:rPr>
-              <a:t>&gt;&gt;&gt;&gt;&gt;&gt;&gt; master</a:t>
+              <a:t>&gt;&gt;&gt;&gt;&gt;&gt;&gt; main</a:t>
             </a:r>
           </a:p>
           <a:p>
@@ -30999,7 +31032,7 @@
             </a:r>
             <a:r>
               <a:rPr lang="en-US" dirty="0"/>
-              <a:t> from master</a:t>
+              <a:t> from main</a:t>
             </a:r>
           </a:p>
           <a:p>
@@ -31025,7 +31058,7 @@
             </a:r>
             <a:r>
               <a:rPr lang="en-US" dirty="0"/>
-              <a:t> from master</a:t>
+              <a:t> from main</a:t>
             </a:r>
           </a:p>
           <a:p>
@@ -31051,7 +31084,7 @@
             </a:r>
             <a:r>
               <a:rPr lang="en-US" dirty="0"/>
-              <a:t> back into master</a:t>
+              <a:t> back into main</a:t>
             </a:r>
             <a:endParaRPr lang="en-US" i="1" dirty="0"/>
           </a:p>
@@ -31078,7 +31111,7 @@
             </a:r>
             <a:r>
               <a:rPr lang="en-US" dirty="0"/>
-              <a:t> back into master</a:t>
+              <a:t> back into main</a:t>
             </a:r>
           </a:p>
         </p:txBody>
@@ -31240,9 +31273,9 @@
         <p:grpSpPr>
           <a:xfrm>
             <a:off x="1179651" y="4869160"/>
-            <a:ext cx="915379" cy="377796"/>
+            <a:ext cx="880453" cy="377796"/>
             <a:chOff x="883235" y="6219556"/>
-            <a:chExt cx="915379" cy="377796"/>
+            <a:chExt cx="880453" cy="377796"/>
           </a:xfrm>
         </p:grpSpPr>
         <p:sp>
@@ -31300,7 +31333,7 @@
           <p:spPr>
             <a:xfrm>
               <a:off x="883235" y="6219556"/>
-              <a:ext cx="915379" cy="369332"/>
+              <a:ext cx="732893" cy="369332"/>
             </a:xfrm>
             <a:prstGeom prst="rect">
               <a:avLst/>
@@ -31315,7 +31348,7 @@
             <a:p>
               <a:r>
                 <a:rPr lang="en-US" dirty="0"/>
-                <a:t>master</a:t>
+                <a:t>main</a:t>
               </a:r>
               <a:r>
                 <a:rPr lang="en-US" baseline="-25000" dirty="0"/>
@@ -31481,10 +31514,10 @@
         </p:nvGrpSpPr>
         <p:grpSpPr>
           <a:xfrm>
-            <a:off x="1637340" y="5238492"/>
-            <a:ext cx="1206468" cy="638780"/>
-            <a:chOff x="1637340" y="5238492"/>
-            <a:chExt cx="1206468" cy="638780"/>
+            <a:off x="1546098" y="5238492"/>
+            <a:ext cx="1297710" cy="638780"/>
+            <a:chOff x="1546098" y="5238492"/>
+            <a:chExt cx="1297710" cy="638780"/>
           </a:xfrm>
         </p:grpSpPr>
         <p:grpSp>
@@ -31592,8 +31625,8 @@
           </p:nvCxnSpPr>
           <p:spPr>
             <a:xfrm rot="16200000" flipH="1">
-              <a:off x="1579146" y="5296686"/>
-              <a:ext cx="458760" cy="342371"/>
+              <a:off x="1533525" y="5251065"/>
+              <a:ext cx="458760" cy="433614"/>
             </a:xfrm>
             <a:prstGeom prst="bentConnector2">
               <a:avLst/>
@@ -32000,7 +32033,7 @@
             <p:spPr>
               <a:xfrm>
                 <a:off x="848309" y="6219556"/>
-                <a:ext cx="915379" cy="369332"/>
+                <a:ext cx="732893" cy="369332"/>
               </a:xfrm>
               <a:prstGeom prst="rect">
                 <a:avLst/>
@@ -32015,7 +32048,7 @@
               <a:p>
                 <a:r>
                   <a:rPr lang="en-US" dirty="0"/>
-                  <a:t>master</a:t>
+                  <a:t>main</a:t>
                 </a:r>
                 <a:r>
                   <a:rPr lang="en-US" baseline="-25000" dirty="0"/>
@@ -32077,7 +32110,7 @@
           <p:spPr>
             <a:xfrm flipV="1">
               <a:off x="5796136" y="5238492"/>
-              <a:ext cx="190383" cy="1106832"/>
+              <a:ext cx="99140" cy="1106832"/>
             </a:xfrm>
             <a:prstGeom prst="bentConnector2">
               <a:avLst/>
@@ -32113,10 +32146,10 @@
         </p:nvGrpSpPr>
         <p:grpSpPr>
           <a:xfrm>
-            <a:off x="6444208" y="4869160"/>
-            <a:ext cx="1495868" cy="828092"/>
-            <a:chOff x="6444208" y="4869160"/>
-            <a:chExt cx="1495868" cy="828092"/>
+            <a:off x="6261722" y="4869160"/>
+            <a:ext cx="1622646" cy="828092"/>
+            <a:chOff x="6261722" y="4869160"/>
+            <a:chExt cx="1622646" cy="828092"/>
           </a:xfrm>
         </p:grpSpPr>
         <p:grpSp>
@@ -32128,9 +32161,9 @@
           <p:grpSpPr>
             <a:xfrm>
               <a:off x="7020272" y="4869160"/>
-              <a:ext cx="919804" cy="377796"/>
+              <a:ext cx="864096" cy="377796"/>
               <a:chOff x="899592" y="6219556"/>
-              <a:chExt cx="919804" cy="377796"/>
+              <a:chExt cx="864096" cy="377796"/>
             </a:xfrm>
           </p:grpSpPr>
           <p:sp>
@@ -32188,7 +32221,7 @@
             <p:spPr>
               <a:xfrm>
                 <a:off x="904017" y="6219556"/>
-                <a:ext cx="915379" cy="369332"/>
+                <a:ext cx="732893" cy="369332"/>
               </a:xfrm>
               <a:prstGeom prst="rect">
                 <a:avLst/>
@@ -32203,7 +32236,7 @@
               <a:p>
                 <a:r>
                   <a:rPr lang="en-US" dirty="0"/>
-                  <a:t>master</a:t>
+                  <a:t>main</a:t>
                 </a:r>
                 <a:r>
                   <a:rPr lang="en-US" baseline="-25000" dirty="0"/>
@@ -32224,8 +32257,8 @@
           </p:nvCxnSpPr>
           <p:spPr>
             <a:xfrm>
-              <a:off x="6444208" y="5053826"/>
-              <a:ext cx="576064" cy="13110"/>
+              <a:off x="6261722" y="5053826"/>
+              <a:ext cx="758550" cy="13110"/>
             </a:xfrm>
             <a:prstGeom prst="straightConnector1">
               <a:avLst/>
@@ -34452,7 +34485,7 @@
             </a:pPr>
             <a:r>
               <a:rPr lang="en-US" dirty="0"/>
-              <a:t>Switch back to master branch</a:t>
+              <a:t>Switch back to main branch</a:t>
             </a:r>
           </a:p>
           <a:p>
@@ -34469,7 +34502,7 @@
             </a:pPr>
             <a:r>
               <a:rPr lang="en-US" dirty="0"/>
-              <a:t>Merge branch into master</a:t>
+              <a:t>Merge branch into main</a:t>
             </a:r>
           </a:p>
           <a:p>
@@ -34547,8 +34580,19 @@
                 <a:latin typeface="Courier New" pitchFamily="49" charset="0"/>
                 <a:cs typeface="Courier New" pitchFamily="49" charset="0"/>
               </a:rPr>
-              <a:t>  master</a:t>
-            </a:r>
+              <a:t>  </a:t>
+            </a:r>
+            <a:r>
+              <a:rPr lang="nl-BE" dirty="0" err="1">
+                <a:latin typeface="Courier New" pitchFamily="49" charset="0"/>
+                <a:cs typeface="Courier New" pitchFamily="49" charset="0"/>
+              </a:rPr>
+              <a:t>main</a:t>
+            </a:r>
+            <a:endParaRPr lang="nl-BE" dirty="0">
+              <a:latin typeface="Courier New" pitchFamily="49" charset="0"/>
+              <a:cs typeface="Courier New" pitchFamily="49" charset="0"/>
+            </a:endParaRPr>
           </a:p>
         </p:txBody>
       </p:sp>
@@ -35704,7 +35748,7 @@
             <a:pPr lvl="2"/>
             <a:r>
               <a:rPr lang="en-US" dirty="0"/>
-              <a:t>master</a:t>
+              <a:t>main</a:t>
             </a:r>
           </a:p>
           <a:p>
@@ -38954,7 +38998,21 @@
                 <a:latin typeface="Courier New" pitchFamily="49" charset="0"/>
                 <a:cs typeface="Courier New" pitchFamily="49" charset="0"/>
               </a:rPr>
-              <a:t>*   889d71a (HEAD -&gt; master) Add bye application</a:t>
+              <a:t>*   889d71a (HEAD -&gt; </a:t>
+            </a:r>
+            <a:r>
+              <a:rPr lang="nl-BE" dirty="0" err="1">
+                <a:latin typeface="Courier New" pitchFamily="49" charset="0"/>
+                <a:cs typeface="Courier New" pitchFamily="49" charset="0"/>
+              </a:rPr>
+              <a:t>main</a:t>
+            </a:r>
+            <a:r>
+              <a:rPr lang="nl-BE" dirty="0">
+                <a:latin typeface="Courier New" pitchFamily="49" charset="0"/>
+                <a:cs typeface="Courier New" pitchFamily="49" charset="0"/>
+              </a:rPr>
+              <a:t>) Add bye application</a:t>
             </a:r>
           </a:p>
           <a:p>
@@ -39206,9 +39264,9 @@
         <p:grpSpPr>
           <a:xfrm>
             <a:off x="6002207" y="4437112"/>
-            <a:ext cx="2997778" cy="747554"/>
+            <a:ext cx="2752903" cy="747554"/>
             <a:chOff x="6012160" y="4653135"/>
-            <a:chExt cx="2997778" cy="747554"/>
+            <a:chExt cx="2752903" cy="747554"/>
           </a:xfrm>
         </p:grpSpPr>
         <p:grpSp>
@@ -39220,9 +39278,9 @@
           <p:grpSpPr>
             <a:xfrm>
               <a:off x="6228184" y="4939024"/>
-              <a:ext cx="2781754" cy="461665"/>
+              <a:ext cx="2536879" cy="461665"/>
               <a:chOff x="5290202" y="2132856"/>
-              <a:chExt cx="2781754" cy="461665"/>
+              <a:chExt cx="2536879" cy="461665"/>
             </a:xfrm>
           </p:grpSpPr>
           <p:cxnSp>
@@ -39272,7 +39330,7 @@
             <p:spPr>
               <a:xfrm>
                 <a:off x="6084168" y="2132856"/>
-                <a:ext cx="1987788" cy="461665"/>
+                <a:ext cx="1742913" cy="461665"/>
               </a:xfrm>
               <a:prstGeom prst="rect">
                 <a:avLst/>
@@ -39294,7 +39352,7 @@
               <a:p>
                 <a:r>
                   <a:rPr lang="en-US" sz="2400" dirty="0"/>
-                  <a:t>master branch</a:t>
+                  <a:t>main branch</a:t>
                 </a:r>
                 <a:endParaRPr lang="nl-BE" sz="2400" dirty="0"/>
               </a:p>
@@ -39793,7 +39851,21 @@
                 <a:latin typeface="Courier New" pitchFamily="49" charset="0"/>
                 <a:cs typeface="Courier New" pitchFamily="49" charset="0"/>
               </a:rPr>
-              <a:t>*   889d71a (master) Add bye application</a:t>
+              <a:t>*   889d71a (</a:t>
+            </a:r>
+            <a:r>
+              <a:rPr lang="nl-BE" dirty="0" err="1">
+                <a:latin typeface="Courier New" pitchFamily="49" charset="0"/>
+                <a:cs typeface="Courier New" pitchFamily="49" charset="0"/>
+              </a:rPr>
+              <a:t>main</a:t>
+            </a:r>
+            <a:r>
+              <a:rPr lang="nl-BE" dirty="0">
+                <a:latin typeface="Courier New" pitchFamily="49" charset="0"/>
+                <a:cs typeface="Courier New" pitchFamily="49" charset="0"/>
+              </a:rPr>
+              <a:t>) Add bye application</a:t>
             </a:r>
           </a:p>
           <a:p>
@@ -41737,7 +41809,7 @@
                 <a:latin typeface="Courier New" panose="02070309020205020404" pitchFamily="49" charset="0"/>
                 <a:cs typeface="Courier New" panose="02070309020205020404" pitchFamily="49" charset="0"/>
               </a:rPr>
-              <a:t>master</a:t>
+              <a:t>main</a:t>
             </a:r>
           </a:p>
           <a:p>
@@ -41827,7 +41899,28 @@
                 <a:latin typeface="Courier New" pitchFamily="49" charset="0"/>
                 <a:cs typeface="Courier New" pitchFamily="49" charset="0"/>
               </a:rPr>
-              <a:t>$ git diff  master</a:t>
+              <a:t>$ git </a:t>
+            </a:r>
+            <a:r>
+              <a:rPr lang="nl-BE" dirty="0" err="1">
+                <a:latin typeface="Courier New" pitchFamily="49" charset="0"/>
+                <a:cs typeface="Courier New" pitchFamily="49" charset="0"/>
+              </a:rPr>
+              <a:t>diff</a:t>
+            </a:r>
+            <a:r>
+              <a:rPr lang="nl-BE" dirty="0">
+                <a:latin typeface="Courier New" pitchFamily="49" charset="0"/>
+                <a:cs typeface="Courier New" pitchFamily="49" charset="0"/>
+              </a:rPr>
+              <a:t>  </a:t>
+            </a:r>
+            <a:r>
+              <a:rPr lang="nl-BE" dirty="0" err="1">
+                <a:latin typeface="Courier New" pitchFamily="49" charset="0"/>
+                <a:cs typeface="Courier New" pitchFamily="49" charset="0"/>
+              </a:rPr>
+              <a:t>main</a:t>
             </a:r>
             <a:endParaRPr lang="nl-BE" b="1" dirty="0">
               <a:solidFill>
@@ -41871,7 +41964,28 @@
                 <a:latin typeface="Courier New" pitchFamily="49" charset="0"/>
                 <a:cs typeface="Courier New" pitchFamily="49" charset="0"/>
               </a:rPr>
-              <a:t>$ git diff  --name-only  master</a:t>
+              <a:t>$ git diff  --name-</a:t>
+            </a:r>
+            <a:r>
+              <a:rPr lang="nl-BE" dirty="0" err="1">
+                <a:latin typeface="Courier New" pitchFamily="49" charset="0"/>
+                <a:cs typeface="Courier New" pitchFamily="49" charset="0"/>
+              </a:rPr>
+              <a:t>only</a:t>
+            </a:r>
+            <a:r>
+              <a:rPr lang="nl-BE" dirty="0">
+                <a:latin typeface="Courier New" pitchFamily="49" charset="0"/>
+                <a:cs typeface="Courier New" pitchFamily="49" charset="0"/>
+              </a:rPr>
+              <a:t>  </a:t>
+            </a:r>
+            <a:r>
+              <a:rPr lang="nl-BE" dirty="0" err="1">
+                <a:latin typeface="Courier New" pitchFamily="49" charset="0"/>
+                <a:cs typeface="Courier New" pitchFamily="49" charset="0"/>
+              </a:rPr>
+              <a:t>main</a:t>
             </a:r>
             <a:endParaRPr lang="nl-BE" b="1" dirty="0">
               <a:solidFill>
@@ -41915,7 +42029,28 @@
                 <a:latin typeface="Courier New" pitchFamily="49" charset="0"/>
                 <a:cs typeface="Courier New" pitchFamily="49" charset="0"/>
               </a:rPr>
-              <a:t>$ git diff  --  eq.c  master:eq.c</a:t>
+              <a:t>$ git diff  --  </a:t>
+            </a:r>
+            <a:r>
+              <a:rPr lang="nl-BE" dirty="0" err="1">
+                <a:latin typeface="Courier New" pitchFamily="49" charset="0"/>
+                <a:cs typeface="Courier New" pitchFamily="49" charset="0"/>
+              </a:rPr>
+              <a:t>eq.c</a:t>
+            </a:r>
+            <a:r>
+              <a:rPr lang="nl-BE" dirty="0">
+                <a:latin typeface="Courier New" pitchFamily="49" charset="0"/>
+                <a:cs typeface="Courier New" pitchFamily="49" charset="0"/>
+              </a:rPr>
+              <a:t>  </a:t>
+            </a:r>
+            <a:r>
+              <a:rPr lang="nl-BE" dirty="0" err="1">
+                <a:latin typeface="Courier New" pitchFamily="49" charset="0"/>
+                <a:cs typeface="Courier New" pitchFamily="49" charset="0"/>
+              </a:rPr>
+              <a:t>main:eq.c</a:t>
             </a:r>
             <a:endParaRPr lang="nl-BE" b="1" dirty="0">
               <a:solidFill>
@@ -44501,7 +44636,21 @@
                 <a:latin typeface="Courier New" pitchFamily="49" charset="0"/>
                 <a:cs typeface="Courier New" pitchFamily="49" charset="0"/>
               </a:rPr>
-              <a:t>  master  |  </a:t>
+              <a:t>  </a:t>
+            </a:r>
+            <a:r>
+              <a:rPr lang="nl-BE" dirty="0" err="1">
+                <a:latin typeface="Courier New" pitchFamily="49" charset="0"/>
+                <a:cs typeface="Courier New" pitchFamily="49" charset="0"/>
+              </a:rPr>
+              <a:t>main</a:t>
+            </a:r>
+            <a:r>
+              <a:rPr lang="nl-BE" dirty="0">
+                <a:latin typeface="Courier New" pitchFamily="49" charset="0"/>
+                <a:cs typeface="Courier New" pitchFamily="49" charset="0"/>
+              </a:rPr>
+              <a:t>  |  </a:t>
             </a:r>
             <a:r>
               <a:rPr lang="nl-BE" dirty="0" err="1">
@@ -44566,7 +44715,21 @@
                 <a:latin typeface="Courier New" pitchFamily="49" charset="0"/>
                 <a:cs typeface="Courier New" pitchFamily="49" charset="0"/>
               </a:rPr>
-              <a:t>  --format=zip  master  &gt;  ~/my_project.zip</a:t>
+              <a:t>  --format=zip  </a:t>
+            </a:r>
+            <a:r>
+              <a:rPr lang="nl-BE" dirty="0" err="1">
+                <a:latin typeface="Courier New" pitchFamily="49" charset="0"/>
+                <a:cs typeface="Courier New" pitchFamily="49" charset="0"/>
+              </a:rPr>
+              <a:t>main</a:t>
+            </a:r>
+            <a:r>
+              <a:rPr lang="nl-BE" dirty="0">
+                <a:latin typeface="Courier New" pitchFamily="49" charset="0"/>
+                <a:cs typeface="Courier New" pitchFamily="49" charset="0"/>
+              </a:rPr>
+              <a:t>  &gt;  ~/my_project.zip</a:t>
             </a:r>
           </a:p>
         </p:txBody>
@@ -46658,7 +46821,7 @@
                 <a:latin typeface="Courier New" panose="02070309020205020404" pitchFamily="49" charset="0"/>
                 <a:cs typeface="Courier New" panose="02070309020205020404" pitchFamily="49" charset="0"/>
               </a:rPr>
-              <a:t>master</a:t>
+              <a:t>main</a:t>
             </a:r>
           </a:p>
         </p:txBody>
@@ -47656,7 +47819,7 @@
             <a:pPr lvl="1"/>
             <a:r>
               <a:rPr lang="en-US" dirty="0"/>
-              <a:t>If okay, merge remote branch into, e.g., master or development</a:t>
+              <a:t>If okay, merge remote branch into, e.g., main or development</a:t>
             </a:r>
           </a:p>
           <a:p>

--- a/version_control_git.pptx
+++ b/version_control_git.pptx
@@ -404,7 +404,7 @@
           <a:p>
             <a:fld id="{11D3E7B2-0861-45F0-B59E-BA867D5C805D}" type="datetimeFigureOut">
               <a:rPr lang="nl-BE" smtClean="0"/>
-              <a:t>8/11/2021</a:t>
+              <a:t>15/11/2021</a:t>
             </a:fld>
             <a:endParaRPr lang="nl-BE"/>
           </a:p>
@@ -1105,7 +1105,7 @@
           <a:p>
             <a:fld id="{208C4982-2142-4DAC-808C-52C1A6ABA40A}" type="datetime1">
               <a:rPr lang="nl-BE" smtClean="0"/>
-              <a:t>8/11/2021</a:t>
+              <a:t>15/11/2021</a:t>
             </a:fld>
             <a:endParaRPr lang="nl-BE"/>
           </a:p>
@@ -1275,7 +1275,7 @@
           <a:p>
             <a:fld id="{596A4774-AA95-4CEA-9215-BE91EC5FD3A2}" type="datetime1">
               <a:rPr lang="nl-BE" smtClean="0"/>
-              <a:t>8/11/2021</a:t>
+              <a:t>15/11/2021</a:t>
             </a:fld>
             <a:endParaRPr lang="nl-BE"/>
           </a:p>
@@ -1455,7 +1455,7 @@
           <a:p>
             <a:fld id="{E3C938DE-9D5A-4A9D-B2A9-9053FBBA636A}" type="datetime1">
               <a:rPr lang="nl-BE" smtClean="0"/>
-              <a:t>8/11/2021</a:t>
+              <a:t>15/11/2021</a:t>
             </a:fld>
             <a:endParaRPr lang="nl-BE"/>
           </a:p>
@@ -1625,7 +1625,7 @@
           <a:p>
             <a:fld id="{70B73439-F632-4142-A813-39A8890A9414}" type="datetime1">
               <a:rPr lang="nl-BE" smtClean="0"/>
-              <a:t>8/11/2021</a:t>
+              <a:t>15/11/2021</a:t>
             </a:fld>
             <a:endParaRPr lang="nl-BE"/>
           </a:p>
@@ -1871,7 +1871,7 @@
           <a:p>
             <a:fld id="{2DA105E3-7574-4472-893A-A0C7A919BAE6}" type="datetime1">
               <a:rPr lang="nl-BE" smtClean="0"/>
-              <a:t>8/11/2021</a:t>
+              <a:t>15/11/2021</a:t>
             </a:fld>
             <a:endParaRPr lang="nl-BE"/>
           </a:p>
@@ -2159,7 +2159,7 @@
           <a:p>
             <a:fld id="{184B200F-AF61-4171-AE34-7A4B12E0FBA3}" type="datetime1">
               <a:rPr lang="nl-BE" smtClean="0"/>
-              <a:t>8/11/2021</a:t>
+              <a:t>15/11/2021</a:t>
             </a:fld>
             <a:endParaRPr lang="nl-BE"/>
           </a:p>
@@ -2581,7 +2581,7 @@
           <a:p>
             <a:fld id="{4DDD3743-DAF8-4465-AEC2-93735E02B3D0}" type="datetime1">
               <a:rPr lang="nl-BE" smtClean="0"/>
-              <a:t>8/11/2021</a:t>
+              <a:t>15/11/2021</a:t>
             </a:fld>
             <a:endParaRPr lang="nl-BE"/>
           </a:p>
@@ -2699,7 +2699,7 @@
           <a:p>
             <a:fld id="{0E48E2E9-C147-459B-ACCB-D6DDC51735D3}" type="datetime1">
               <a:rPr lang="nl-BE" smtClean="0"/>
-              <a:t>8/11/2021</a:t>
+              <a:t>15/11/2021</a:t>
             </a:fld>
             <a:endParaRPr lang="nl-BE"/>
           </a:p>
@@ -2794,7 +2794,7 @@
           <a:p>
             <a:fld id="{C92A24F5-0967-4B11-849A-0009476290B5}" type="datetime1">
               <a:rPr lang="nl-BE" smtClean="0"/>
-              <a:t>8/11/2021</a:t>
+              <a:t>15/11/2021</a:t>
             </a:fld>
             <a:endParaRPr lang="nl-BE"/>
           </a:p>
@@ -3071,7 +3071,7 @@
           <a:p>
             <a:fld id="{CAAB6B0C-E333-4316-A6EC-161EFC5CB4BD}" type="datetime1">
               <a:rPr lang="nl-BE" smtClean="0"/>
-              <a:t>8/11/2021</a:t>
+              <a:t>15/11/2021</a:t>
             </a:fld>
             <a:endParaRPr lang="nl-BE"/>
           </a:p>
@@ -3324,7 +3324,7 @@
           <a:p>
             <a:fld id="{5AC2428B-24E8-4004-8AB4-EA69DDAD1475}" type="datetime1">
               <a:rPr lang="nl-BE" smtClean="0"/>
-              <a:t>8/11/2021</a:t>
+              <a:t>15/11/2021</a:t>
             </a:fld>
             <a:endParaRPr lang="nl-BE"/>
           </a:p>
@@ -3537,7 +3537,7 @@
           <a:p>
             <a:fld id="{063E4CA3-87AF-44C9-B256-93720A95DFC3}" type="datetime1">
               <a:rPr lang="nl-BE" smtClean="0"/>
-              <a:t>8/11/2021</a:t>
+              <a:t>15/11/2021</a:t>
             </a:fld>
             <a:endParaRPr lang="nl-BE"/>
           </a:p>
@@ -19780,7 +19780,18 @@
             <a:pPr lvl="1"/>
             <a:r>
               <a:rPr lang="en-US" dirty="0"/>
-              <a:t>Don't commit stuff in main that doesn't work (i.e., that doesn't compile without errors) when working in team</a:t>
+              <a:t>Don't commit stuff in </a:t>
+            </a:r>
+            <a:r>
+              <a:rPr lang="en-US" dirty="0">
+                <a:latin typeface="Courier New" panose="02070309020205020404" pitchFamily="49" charset="0"/>
+                <a:cs typeface="Courier New" panose="02070309020205020404" pitchFamily="49" charset="0"/>
+              </a:rPr>
+              <a:t>main</a:t>
+            </a:r>
+            <a:r>
+              <a:rPr lang="en-US" dirty="0"/>
+              <a:t> that doesn't work (i.e., that doesn't compile without errors) when working in team</a:t>
             </a:r>
           </a:p>
           <a:p>
@@ -31032,7 +31043,14 @@
             </a:r>
             <a:r>
               <a:rPr lang="en-US" dirty="0"/>
-              <a:t> from main</a:t>
+              <a:t> from </a:t>
+            </a:r>
+            <a:r>
+              <a:rPr lang="en-US" dirty="0">
+                <a:latin typeface="Courier New" panose="02070309020205020404" pitchFamily="49" charset="0"/>
+                <a:cs typeface="Courier New" panose="02070309020205020404" pitchFamily="49" charset="0"/>
+              </a:rPr>
+              <a:t>main</a:t>
             </a:r>
           </a:p>
           <a:p>
@@ -31058,7 +31076,14 @@
             </a:r>
             <a:r>
               <a:rPr lang="en-US" dirty="0"/>
-              <a:t> from main</a:t>
+              <a:t> from </a:t>
+            </a:r>
+            <a:r>
+              <a:rPr lang="en-US" dirty="0">
+                <a:latin typeface="Courier New" panose="02070309020205020404" pitchFamily="49" charset="0"/>
+                <a:cs typeface="Courier New" panose="02070309020205020404" pitchFamily="49" charset="0"/>
+              </a:rPr>
+              <a:t>main</a:t>
             </a:r>
           </a:p>
           <a:p>
@@ -31084,9 +31109,19 @@
             </a:r>
             <a:r>
               <a:rPr lang="en-US" dirty="0"/>
-              <a:t> back into main</a:t>
-            </a:r>
-            <a:endParaRPr lang="en-US" i="1" dirty="0"/>
+              <a:t> back into </a:t>
+            </a:r>
+            <a:r>
+              <a:rPr lang="en-US" dirty="0">
+                <a:latin typeface="Courier New" panose="02070309020205020404" pitchFamily="49" charset="0"/>
+                <a:cs typeface="Courier New" panose="02070309020205020404" pitchFamily="49" charset="0"/>
+              </a:rPr>
+              <a:t>main</a:t>
+            </a:r>
+            <a:endParaRPr lang="en-US" i="1" dirty="0">
+              <a:latin typeface="Courier New" panose="02070309020205020404" pitchFamily="49" charset="0"/>
+              <a:cs typeface="Courier New" panose="02070309020205020404" pitchFamily="49" charset="0"/>
+            </a:endParaRPr>
           </a:p>
           <a:p>
             <a:pPr lvl="1"/>
@@ -31111,7 +31146,14 @@
             </a:r>
             <a:r>
               <a:rPr lang="en-US" dirty="0"/>
-              <a:t> back into main</a:t>
+              <a:t> back into </a:t>
+            </a:r>
+            <a:r>
+              <a:rPr lang="en-US" dirty="0">
+                <a:latin typeface="Courier New" panose="02070309020205020404" pitchFamily="49" charset="0"/>
+                <a:cs typeface="Courier New" panose="02070309020205020404" pitchFamily="49" charset="0"/>
+              </a:rPr>
+              <a:t>main</a:t>
             </a:r>
           </a:p>
         </p:txBody>
@@ -34485,7 +34527,18 @@
             </a:pPr>
             <a:r>
               <a:rPr lang="en-US" dirty="0"/>
-              <a:t>Switch back to main branch</a:t>
+              <a:t>Switch back to </a:t>
+            </a:r>
+            <a:r>
+              <a:rPr lang="en-US" dirty="0">
+                <a:latin typeface="Courier New" panose="02070309020205020404" pitchFamily="49" charset="0"/>
+                <a:cs typeface="Courier New" panose="02070309020205020404" pitchFamily="49" charset="0"/>
+              </a:rPr>
+              <a:t>main</a:t>
+            </a:r>
+            <a:r>
+              <a:rPr lang="en-US" dirty="0"/>
+              <a:t> branch</a:t>
             </a:r>
           </a:p>
           <a:p>
@@ -34502,7 +34555,14 @@
             </a:pPr>
             <a:r>
               <a:rPr lang="en-US" dirty="0"/>
-              <a:t>Merge branch into main</a:t>
+              <a:t>Merge branch into </a:t>
+            </a:r>
+            <a:r>
+              <a:rPr lang="en-US" dirty="0">
+                <a:latin typeface="Courier New" panose="02070309020205020404" pitchFamily="49" charset="0"/>
+                <a:cs typeface="Courier New" panose="02070309020205020404" pitchFamily="49" charset="0"/>
+              </a:rPr>
+              <a:t>main</a:t>
             </a:r>
           </a:p>
           <a:p>
@@ -35747,7 +35807,10 @@
           <a:p>
             <a:pPr lvl="2"/>
             <a:r>
-              <a:rPr lang="en-US" dirty="0"/>
+              <a:rPr lang="en-US" dirty="0">
+                <a:latin typeface="Courier New" panose="02070309020205020404" pitchFamily="49" charset="0"/>
+                <a:cs typeface="Courier New" panose="02070309020205020404" pitchFamily="49" charset="0"/>
+              </a:rPr>
               <a:t>main</a:t>
             </a:r>
           </a:p>
@@ -35761,37 +35824,61 @@
           <a:p>
             <a:pPr lvl="3"/>
             <a:r>
-              <a:rPr lang="en-US" dirty="0"/>
+              <a:rPr lang="en-US" dirty="0">
+                <a:latin typeface="Courier New" panose="02070309020205020404" pitchFamily="49" charset="0"/>
+                <a:cs typeface="Courier New" panose="02070309020205020404" pitchFamily="49" charset="0"/>
+              </a:rPr>
               <a:t>development</a:t>
             </a:r>
           </a:p>
           <a:p>
             <a:pPr lvl="3"/>
             <a:r>
-              <a:rPr lang="en-US" dirty="0"/>
+              <a:rPr lang="en-US" dirty="0">
+                <a:latin typeface="Courier New" panose="02070309020205020404" pitchFamily="49" charset="0"/>
+                <a:cs typeface="Courier New" panose="02070309020205020404" pitchFamily="49" charset="0"/>
+              </a:rPr>
               <a:t>feature/</a:t>
             </a:r>
             <a:r>
-              <a:rPr lang="en-US" dirty="0" err="1"/>
+              <a:rPr lang="en-US" dirty="0" err="1">
+                <a:latin typeface="Courier New" panose="02070309020205020404" pitchFamily="49" charset="0"/>
+                <a:cs typeface="Courier New" panose="02070309020205020404" pitchFamily="49" charset="0"/>
+              </a:rPr>
               <a:t>gradient_descent</a:t>
             </a:r>
-            <a:endParaRPr lang="en-US" dirty="0"/>
+            <a:endParaRPr lang="en-US" dirty="0">
+              <a:latin typeface="Courier New" panose="02070309020205020404" pitchFamily="49" charset="0"/>
+              <a:cs typeface="Courier New" panose="02070309020205020404" pitchFamily="49" charset="0"/>
+            </a:endParaRPr>
           </a:p>
           <a:p>
             <a:pPr lvl="3"/>
             <a:r>
-              <a:rPr lang="en-US" dirty="0" err="1"/>
+              <a:rPr lang="en-US" dirty="0" err="1">
+                <a:latin typeface="Courier New" panose="02070309020205020404" pitchFamily="49" charset="0"/>
+                <a:cs typeface="Courier New" panose="02070309020205020404" pitchFamily="49" charset="0"/>
+              </a:rPr>
               <a:t>bugfix</a:t>
             </a:r>
             <a:r>
-              <a:rPr lang="en-US" dirty="0"/>
+              <a:rPr lang="en-US" dirty="0">
+                <a:latin typeface="Courier New" panose="02070309020205020404" pitchFamily="49" charset="0"/>
+                <a:cs typeface="Courier New" panose="02070309020205020404" pitchFamily="49" charset="0"/>
+              </a:rPr>
               <a:t>/</a:t>
             </a:r>
             <a:r>
-              <a:rPr lang="en-US" dirty="0" err="1"/>
+              <a:rPr lang="en-US" dirty="0" err="1">
+                <a:latin typeface="Courier New" panose="02070309020205020404" pitchFamily="49" charset="0"/>
+                <a:cs typeface="Courier New" panose="02070309020205020404" pitchFamily="49" charset="0"/>
+              </a:rPr>
               <a:t>memory_leak</a:t>
             </a:r>
-            <a:endParaRPr lang="en-US" dirty="0"/>
+            <a:endParaRPr lang="en-US" dirty="0">
+              <a:latin typeface="Courier New" panose="02070309020205020404" pitchFamily="49" charset="0"/>
+              <a:cs typeface="Courier New" panose="02070309020205020404" pitchFamily="49" charset="0"/>
+            </a:endParaRPr>
           </a:p>
           <a:p>
             <a:pPr lvl="3"/>
@@ -36265,7 +36352,7 @@
         </p:nvGrpSpPr>
         <p:grpSpPr>
           <a:xfrm>
-            <a:off x="5819162" y="3275692"/>
+            <a:off x="6588224" y="3275692"/>
             <a:ext cx="1584176" cy="369332"/>
             <a:chOff x="5819162" y="3275692"/>
             <a:chExt cx="1584176" cy="369332"/>
@@ -39264,9 +39351,9 @@
         <p:grpSpPr>
           <a:xfrm>
             <a:off x="6002207" y="4437112"/>
-            <a:ext cx="2752903" cy="747554"/>
+            <a:ext cx="2865113" cy="747554"/>
             <a:chOff x="6012160" y="4653135"/>
-            <a:chExt cx="2752903" cy="747554"/>
+            <a:chExt cx="2865113" cy="747554"/>
           </a:xfrm>
         </p:grpSpPr>
         <p:grpSp>
@@ -39278,9 +39365,9 @@
           <p:grpSpPr>
             <a:xfrm>
               <a:off x="6228184" y="4939024"/>
-              <a:ext cx="2536879" cy="461665"/>
+              <a:ext cx="2649089" cy="461665"/>
               <a:chOff x="5290202" y="2132856"/>
-              <a:chExt cx="2536879" cy="461665"/>
+              <a:chExt cx="2649089" cy="461665"/>
             </a:xfrm>
           </p:grpSpPr>
           <p:cxnSp>
@@ -39330,7 +39417,7 @@
             <p:spPr>
               <a:xfrm>
                 <a:off x="6084168" y="2132856"/>
-                <a:ext cx="1742913" cy="461665"/>
+                <a:ext cx="1855123" cy="461665"/>
               </a:xfrm>
               <a:prstGeom prst="rect">
                 <a:avLst/>
@@ -39351,8 +39438,15 @@
               <a:lstStyle/>
               <a:p>
                 <a:r>
+                  <a:rPr lang="en-US" sz="2400" dirty="0">
+                    <a:latin typeface="Courier New" panose="02070309020205020404" pitchFamily="49" charset="0"/>
+                    <a:cs typeface="Courier New" panose="02070309020205020404" pitchFamily="49" charset="0"/>
+                  </a:rPr>
+                  <a:t>main</a:t>
+                </a:r>
+                <a:r>
                   <a:rPr lang="en-US" sz="2400" dirty="0"/>
-                  <a:t>main branch</a:t>
+                  <a:t> branch</a:t>
                 </a:r>
                 <a:endParaRPr lang="nl-BE" sz="2400" dirty="0"/>
               </a:p>
@@ -47819,7 +47913,25 @@
             <a:pPr lvl="1"/>
             <a:r>
               <a:rPr lang="en-US" dirty="0"/>
-              <a:t>If okay, merge remote branch into, e.g., main or development</a:t>
+              <a:t>If okay, merge remote branch into, e.g., </a:t>
+            </a:r>
+            <a:r>
+              <a:rPr lang="en-US" dirty="0">
+                <a:latin typeface="Courier New" panose="02070309020205020404" pitchFamily="49" charset="0"/>
+                <a:cs typeface="Courier New" panose="02070309020205020404" pitchFamily="49" charset="0"/>
+              </a:rPr>
+              <a:t>main</a:t>
+            </a:r>
+            <a:r>
+              <a:rPr lang="en-US" dirty="0"/>
+              <a:t> or </a:t>
+            </a:r>
+            <a:r>
+              <a:rPr lang="en-US" dirty="0">
+                <a:latin typeface="Courier New" panose="02070309020205020404" pitchFamily="49" charset="0"/>
+                <a:cs typeface="Courier New" panose="02070309020205020404" pitchFamily="49" charset="0"/>
+              </a:rPr>
+              <a:t>development</a:t>
             </a:r>
           </a:p>
           <a:p>

--- a/version_control_git.pptx
+++ b/version_control_git.pptx
@@ -404,7 +404,7 @@
           <a:p>
             <a:fld id="{11D3E7B2-0861-45F0-B59E-BA867D5C805D}" type="datetimeFigureOut">
               <a:rPr lang="nl-BE" smtClean="0"/>
-              <a:t>15/11/2021</a:t>
+              <a:t>3/12/2021</a:t>
             </a:fld>
             <a:endParaRPr lang="nl-BE"/>
           </a:p>
@@ -1105,7 +1105,7 @@
           <a:p>
             <a:fld id="{208C4982-2142-4DAC-808C-52C1A6ABA40A}" type="datetime1">
               <a:rPr lang="nl-BE" smtClean="0"/>
-              <a:t>15/11/2021</a:t>
+              <a:t>3/12/2021</a:t>
             </a:fld>
             <a:endParaRPr lang="nl-BE"/>
           </a:p>
@@ -1275,7 +1275,7 @@
           <a:p>
             <a:fld id="{596A4774-AA95-4CEA-9215-BE91EC5FD3A2}" type="datetime1">
               <a:rPr lang="nl-BE" smtClean="0"/>
-              <a:t>15/11/2021</a:t>
+              <a:t>3/12/2021</a:t>
             </a:fld>
             <a:endParaRPr lang="nl-BE"/>
           </a:p>
@@ -1455,7 +1455,7 @@
           <a:p>
             <a:fld id="{E3C938DE-9D5A-4A9D-B2A9-9053FBBA636A}" type="datetime1">
               <a:rPr lang="nl-BE" smtClean="0"/>
-              <a:t>15/11/2021</a:t>
+              <a:t>3/12/2021</a:t>
             </a:fld>
             <a:endParaRPr lang="nl-BE"/>
           </a:p>
@@ -1625,7 +1625,7 @@
           <a:p>
             <a:fld id="{70B73439-F632-4142-A813-39A8890A9414}" type="datetime1">
               <a:rPr lang="nl-BE" smtClean="0"/>
-              <a:t>15/11/2021</a:t>
+              <a:t>3/12/2021</a:t>
             </a:fld>
             <a:endParaRPr lang="nl-BE"/>
           </a:p>
@@ -1871,7 +1871,7 @@
           <a:p>
             <a:fld id="{2DA105E3-7574-4472-893A-A0C7A919BAE6}" type="datetime1">
               <a:rPr lang="nl-BE" smtClean="0"/>
-              <a:t>15/11/2021</a:t>
+              <a:t>3/12/2021</a:t>
             </a:fld>
             <a:endParaRPr lang="nl-BE"/>
           </a:p>
@@ -2159,7 +2159,7 @@
           <a:p>
             <a:fld id="{184B200F-AF61-4171-AE34-7A4B12E0FBA3}" type="datetime1">
               <a:rPr lang="nl-BE" smtClean="0"/>
-              <a:t>15/11/2021</a:t>
+              <a:t>3/12/2021</a:t>
             </a:fld>
             <a:endParaRPr lang="nl-BE"/>
           </a:p>
@@ -2581,7 +2581,7 @@
           <a:p>
             <a:fld id="{4DDD3743-DAF8-4465-AEC2-93735E02B3D0}" type="datetime1">
               <a:rPr lang="nl-BE" smtClean="0"/>
-              <a:t>15/11/2021</a:t>
+              <a:t>3/12/2021</a:t>
             </a:fld>
             <a:endParaRPr lang="nl-BE"/>
           </a:p>
@@ -2699,7 +2699,7 @@
           <a:p>
             <a:fld id="{0E48E2E9-C147-459B-ACCB-D6DDC51735D3}" type="datetime1">
               <a:rPr lang="nl-BE" smtClean="0"/>
-              <a:t>15/11/2021</a:t>
+              <a:t>3/12/2021</a:t>
             </a:fld>
             <a:endParaRPr lang="nl-BE"/>
           </a:p>
@@ -2794,7 +2794,7 @@
           <a:p>
             <a:fld id="{C92A24F5-0967-4B11-849A-0009476290B5}" type="datetime1">
               <a:rPr lang="nl-BE" smtClean="0"/>
-              <a:t>15/11/2021</a:t>
+              <a:t>3/12/2021</a:t>
             </a:fld>
             <a:endParaRPr lang="nl-BE"/>
           </a:p>
@@ -3071,7 +3071,7 @@
           <a:p>
             <a:fld id="{CAAB6B0C-E333-4316-A6EC-161EFC5CB4BD}" type="datetime1">
               <a:rPr lang="nl-BE" smtClean="0"/>
-              <a:t>15/11/2021</a:t>
+              <a:t>3/12/2021</a:t>
             </a:fld>
             <a:endParaRPr lang="nl-BE"/>
           </a:p>
@@ -3324,7 +3324,7 @@
           <a:p>
             <a:fld id="{5AC2428B-24E8-4004-8AB4-EA69DDAD1475}" type="datetime1">
               <a:rPr lang="nl-BE" smtClean="0"/>
-              <a:t>15/11/2021</a:t>
+              <a:t>3/12/2021</a:t>
             </a:fld>
             <a:endParaRPr lang="nl-BE"/>
           </a:p>
@@ -3537,7 +3537,7 @@
           <a:p>
             <a:fld id="{063E4CA3-87AF-44C9-B256-93720A95DFC3}" type="datetime1">
               <a:rPr lang="nl-BE" smtClean="0"/>
-              <a:t>15/11/2021</a:t>
+              <a:t>3/12/2021</a:t>
             </a:fld>
             <a:endParaRPr lang="nl-BE"/>
           </a:p>
@@ -11438,8 +11438,8 @@
         </p:nvSpPr>
         <p:spPr>
           <a:xfrm>
-            <a:off x="1214206" y="2276872"/>
-            <a:ext cx="6526146" cy="3416320"/>
+            <a:off x="107504" y="2134011"/>
+            <a:ext cx="8948283" cy="3785652"/>
           </a:xfrm>
           <a:prstGeom prst="rect">
             <a:avLst/>
@@ -11458,45 +11458,31 @@
           <a:lstStyle/>
           <a:p>
             <a:r>
-              <a:rPr lang="en-US" dirty="0">
+              <a:rPr lang="en-US" sz="1600" dirty="0">
                 <a:latin typeface="Courier New" panose="02070309020205020404" pitchFamily="49" charset="0"/>
                 <a:cs typeface="Courier New" panose="02070309020205020404" pitchFamily="49" charset="0"/>
               </a:rPr>
-              <a:t>$ </a:t>
-            </a:r>
-            <a:r>
-              <a:rPr lang="en-US" dirty="0" err="1">
+              <a:t>$ git status</a:t>
+            </a:r>
+          </a:p>
+          <a:p>
+            <a:r>
+              <a:rPr lang="en-US" sz="1600" dirty="0">
                 <a:latin typeface="Courier New" panose="02070309020205020404" pitchFamily="49" charset="0"/>
                 <a:cs typeface="Courier New" panose="02070309020205020404" pitchFamily="49" charset="0"/>
               </a:rPr>
-              <a:t>git</a:t>
-            </a:r>
-            <a:r>
-              <a:rPr lang="en-US" dirty="0">
-                <a:latin typeface="Courier New" panose="02070309020205020404" pitchFamily="49" charset="0"/>
-                <a:cs typeface="Courier New" panose="02070309020205020404" pitchFamily="49" charset="0"/>
-              </a:rPr>
-              <a:t> status</a:t>
-            </a:r>
-          </a:p>
-          <a:p>
-            <a:r>
-              <a:rPr lang="en-US" dirty="0">
-                <a:latin typeface="Courier New" panose="02070309020205020404" pitchFamily="49" charset="0"/>
-                <a:cs typeface="Courier New" panose="02070309020205020404" pitchFamily="49" charset="0"/>
-              </a:rPr>
               <a:t>On branch main</a:t>
             </a:r>
           </a:p>
           <a:p>
-            <a:endParaRPr lang="en-US" dirty="0">
+            <a:endParaRPr lang="en-US" sz="1600" dirty="0">
               <a:latin typeface="Courier New" panose="02070309020205020404" pitchFamily="49" charset="0"/>
               <a:cs typeface="Courier New" panose="02070309020205020404" pitchFamily="49" charset="0"/>
             </a:endParaRPr>
           </a:p>
           <a:p>
             <a:r>
-              <a:rPr lang="en-US" dirty="0">
+              <a:rPr lang="en-US" sz="1600" dirty="0">
                 <a:latin typeface="Courier New" panose="02070309020205020404" pitchFamily="49" charset="0"/>
                 <a:cs typeface="Courier New" panose="02070309020205020404" pitchFamily="49" charset="0"/>
               </a:rPr>
@@ -11505,93 +11491,98 @@
           </a:p>
           <a:p>
             <a:r>
-              <a:rPr lang="en-US" dirty="0">
+              <a:rPr lang="en-US" sz="1600" dirty="0">
                 <a:latin typeface="Courier New" panose="02070309020205020404" pitchFamily="49" charset="0"/>
                 <a:cs typeface="Courier New" panose="02070309020205020404" pitchFamily="49" charset="0"/>
               </a:rPr>
-              <a:t>  (use "</a:t>
-            </a:r>
-            <a:r>
-              <a:rPr lang="en-US" dirty="0" err="1">
+              <a:t>  (use "git restore --staged &lt;file&gt;..." to </a:t>
+            </a:r>
+            <a:r>
+              <a:rPr lang="en-US" sz="1600" dirty="0" err="1">
                 <a:latin typeface="Courier New" panose="02070309020205020404" pitchFamily="49" charset="0"/>
                 <a:cs typeface="Courier New" panose="02070309020205020404" pitchFamily="49" charset="0"/>
               </a:rPr>
-              <a:t>git</a:t>
-            </a:r>
-            <a:r>
-              <a:rPr lang="en-US" dirty="0">
+              <a:t>unstage</a:t>
+            </a:r>
+            <a:r>
+              <a:rPr lang="en-US" sz="1600" dirty="0">
                 <a:latin typeface="Courier New" panose="02070309020205020404" pitchFamily="49" charset="0"/>
                 <a:cs typeface="Courier New" panose="02070309020205020404" pitchFamily="49" charset="0"/>
               </a:rPr>
-              <a:t> </a:t>
-            </a:r>
-            <a:r>
-              <a:rPr lang="en-US" dirty="0" err="1">
+              <a:t>)</a:t>
+            </a:r>
+          </a:p>
+          <a:p>
+            <a:r>
+              <a:rPr lang="en-US" sz="1600" dirty="0">
                 <a:latin typeface="Courier New" panose="02070309020205020404" pitchFamily="49" charset="0"/>
                 <a:cs typeface="Courier New" panose="02070309020205020404" pitchFamily="49" charset="0"/>
               </a:rPr>
-              <a:t>rm</a:t>
-            </a:r>
-            <a:r>
-              <a:rPr lang="en-US" dirty="0">
-                <a:latin typeface="Courier New" panose="02070309020205020404" pitchFamily="49" charset="0"/>
-                <a:cs typeface="Courier New" panose="02070309020205020404" pitchFamily="49" charset="0"/>
-              </a:rPr>
-              <a:t> --cached &lt;file&gt;..." to </a:t>
-            </a:r>
-            <a:r>
-              <a:rPr lang="en-US" dirty="0" err="1">
-                <a:latin typeface="Courier New" panose="02070309020205020404" pitchFamily="49" charset="0"/>
-                <a:cs typeface="Courier New" panose="02070309020205020404" pitchFamily="49" charset="0"/>
-              </a:rPr>
-              <a:t>unstage</a:t>
-            </a:r>
-            <a:r>
-              <a:rPr lang="en-US" dirty="0">
-                <a:latin typeface="Courier New" panose="02070309020205020404" pitchFamily="49" charset="0"/>
-                <a:cs typeface="Courier New" panose="02070309020205020404" pitchFamily="49" charset="0"/>
-              </a:rPr>
-              <a:t>)</a:t>
-            </a:r>
-          </a:p>
-          <a:p>
-            <a:r>
-              <a:rPr lang="en-US" dirty="0">
-                <a:latin typeface="Courier New" panose="02070309020205020404" pitchFamily="49" charset="0"/>
-                <a:cs typeface="Courier New" panose="02070309020205020404" pitchFamily="49" charset="0"/>
-              </a:rPr>
-              <a:t>	new file:   README.md</a:t>
-            </a:r>
-          </a:p>
-          <a:p>
-            <a:r>
-              <a:rPr lang="en-US" dirty="0">
-                <a:latin typeface="Courier New" panose="02070309020205020404" pitchFamily="49" charset="0"/>
-                <a:cs typeface="Courier New" panose="02070309020205020404" pitchFamily="49" charset="0"/>
-              </a:rPr>
-              <a:t>	new file:   </a:t>
-            </a:r>
-            <a:r>
-              <a:rPr lang="en-US" dirty="0" err="1">
-                <a:latin typeface="Courier New" panose="02070309020205020404" pitchFamily="49" charset="0"/>
-                <a:cs typeface="Courier New" panose="02070309020205020404" pitchFamily="49" charset="0"/>
-              </a:rPr>
-              <a:t>eq.c</a:t>
-            </a:r>
-            <a:endParaRPr lang="en-US" dirty="0">
+              <a:t>        new file:   TODO.md</a:t>
+            </a:r>
+          </a:p>
+          <a:p>
+            <a:endParaRPr lang="en-US" sz="1600" dirty="0">
               <a:latin typeface="Courier New" panose="02070309020205020404" pitchFamily="49" charset="0"/>
               <a:cs typeface="Courier New" panose="02070309020205020404" pitchFamily="49" charset="0"/>
             </a:endParaRPr>
           </a:p>
           <a:p>
-            <a:endParaRPr lang="en-US" dirty="0">
+            <a:r>
+              <a:rPr lang="en-US" sz="1600" dirty="0">
+                <a:latin typeface="Courier New" panose="02070309020205020404" pitchFamily="49" charset="0"/>
+                <a:cs typeface="Courier New" panose="02070309020205020404" pitchFamily="49" charset="0"/>
+              </a:rPr>
+              <a:t>Changes not staged for commit:</a:t>
+            </a:r>
+          </a:p>
+          <a:p>
+            <a:r>
+              <a:rPr lang="en-US" sz="1600" dirty="0">
+                <a:latin typeface="Courier New" panose="02070309020205020404" pitchFamily="49" charset="0"/>
+                <a:cs typeface="Courier New" panose="02070309020205020404" pitchFamily="49" charset="0"/>
+              </a:rPr>
+              <a:t>  (use "git add &lt;file&gt;..." to update what will be committed)</a:t>
+            </a:r>
+          </a:p>
+          <a:p>
+            <a:r>
+              <a:rPr lang="en-US" sz="1600" dirty="0">
+                <a:latin typeface="Courier New" panose="02070309020205020404" pitchFamily="49" charset="0"/>
+                <a:cs typeface="Courier New" panose="02070309020205020404" pitchFamily="49" charset="0"/>
+              </a:rPr>
+              <a:t>  (use "git restore &lt;file&gt;..." to discard changes in working directory)</a:t>
+            </a:r>
+          </a:p>
+          <a:p>
+            <a:r>
+              <a:rPr lang="en-US" sz="1600" dirty="0">
+                <a:latin typeface="Courier New" panose="02070309020205020404" pitchFamily="49" charset="0"/>
+                <a:cs typeface="Courier New" panose="02070309020205020404" pitchFamily="49" charset="0"/>
+              </a:rPr>
+              <a:t>        modified:   </a:t>
+            </a:r>
+            <a:r>
+              <a:rPr lang="en-US" sz="1600" dirty="0" err="1">
+                <a:latin typeface="Courier New" panose="02070309020205020404" pitchFamily="49" charset="0"/>
+                <a:cs typeface="Courier New" panose="02070309020205020404" pitchFamily="49" charset="0"/>
+              </a:rPr>
+              <a:t>eq.c</a:t>
+            </a:r>
+            <a:endParaRPr lang="en-US" sz="1600" dirty="0">
               <a:latin typeface="Courier New" panose="02070309020205020404" pitchFamily="49" charset="0"/>
               <a:cs typeface="Courier New" panose="02070309020205020404" pitchFamily="49" charset="0"/>
             </a:endParaRPr>
           </a:p>
           <a:p>
-            <a:r>
-              <a:rPr lang="en-US" dirty="0">
+            <a:endParaRPr lang="en-US" sz="1600" dirty="0">
+              <a:latin typeface="Courier New" panose="02070309020205020404" pitchFamily="49" charset="0"/>
+              <a:cs typeface="Courier New" panose="02070309020205020404" pitchFamily="49" charset="0"/>
+            </a:endParaRPr>
+          </a:p>
+          <a:p>
+            <a:r>
+              <a:rPr lang="en-US" sz="1600" dirty="0">
                 <a:latin typeface="Courier New" panose="02070309020205020404" pitchFamily="49" charset="0"/>
                 <a:cs typeface="Courier New" panose="02070309020205020404" pitchFamily="49" charset="0"/>
               </a:rPr>
@@ -11600,47 +11591,20 @@
           </a:p>
           <a:p>
             <a:r>
-              <a:rPr lang="en-US" dirty="0">
+              <a:rPr lang="en-US" sz="1600" dirty="0">
                 <a:latin typeface="Courier New" panose="02070309020205020404" pitchFamily="49" charset="0"/>
                 <a:cs typeface="Courier New" panose="02070309020205020404" pitchFamily="49" charset="0"/>
               </a:rPr>
-              <a:t>  (use "</a:t>
-            </a:r>
-            <a:r>
-              <a:rPr lang="en-US" dirty="0" err="1">
+              <a:t>  (use "git add &lt;file&gt;..." to include in what will be committed)</a:t>
+            </a:r>
+          </a:p>
+          <a:p>
+            <a:r>
+              <a:rPr lang="en-US" sz="1600" dirty="0">
                 <a:latin typeface="Courier New" panose="02070309020205020404" pitchFamily="49" charset="0"/>
                 <a:cs typeface="Courier New" panose="02070309020205020404" pitchFamily="49" charset="0"/>
               </a:rPr>
-              <a:t>git</a:t>
-            </a:r>
-            <a:r>
-              <a:rPr lang="en-US" dirty="0">
-                <a:latin typeface="Courier New" panose="02070309020205020404" pitchFamily="49" charset="0"/>
-                <a:cs typeface="Courier New" panose="02070309020205020404" pitchFamily="49" charset="0"/>
-              </a:rPr>
-              <a:t> add &lt;file&gt;..." to include in what</a:t>
-            </a:r>
-            <a:br>
-              <a:rPr lang="en-US" dirty="0">
-                <a:latin typeface="Courier New" panose="02070309020205020404" pitchFamily="49" charset="0"/>
-                <a:cs typeface="Courier New" panose="02070309020205020404" pitchFamily="49" charset="0"/>
-              </a:rPr>
-            </a:br>
-            <a:r>
-              <a:rPr lang="en-US" dirty="0">
-                <a:latin typeface="Courier New" panose="02070309020205020404" pitchFamily="49" charset="0"/>
-                <a:cs typeface="Courier New" panose="02070309020205020404" pitchFamily="49" charset="0"/>
-              </a:rPr>
-              <a:t>   will be committed)</a:t>
-            </a:r>
-          </a:p>
-          <a:p>
-            <a:r>
-              <a:rPr lang="en-US" dirty="0">
-                <a:latin typeface="Courier New" panose="02070309020205020404" pitchFamily="49" charset="0"/>
-                <a:cs typeface="Courier New" panose="02070309020205020404" pitchFamily="49" charset="0"/>
-              </a:rPr>
-              <a:t>	TODO.md</a:t>
+              <a:t>        data.txt</a:t>
             </a:r>
           </a:p>
         </p:txBody>
@@ -13529,7 +13493,7 @@
         <p:spPr/>
         <p:txBody>
           <a:bodyPr>
-            <a:normAutofit/>
+            <a:normAutofit fontScale="85000" lnSpcReduction="20000"/>
           </a:bodyPr>
           <a:lstStyle/>
           <a:p>
@@ -13636,6 +13600,26 @@
             <a:r>
               <a:rPr lang="en-US" i="1" dirty="0"/>
               <a:t>how</a:t>
+            </a:r>
+          </a:p>
+          <a:p>
+            <a:pPr marL="571500" indent="-514350"/>
+            <a:r>
+              <a:rPr lang="en-US" i="1" dirty="0"/>
+              <a:t>And how not to write commit messages</a:t>
+            </a:r>
+            <a:br>
+              <a:rPr lang="en-US" i="1" dirty="0"/>
+            </a:br>
+            <a:r>
+              <a:rPr lang="en-US" i="1" dirty="0">
+                <a:hlinkClick r:id="rId3"/>
+              </a:rPr>
+              <a:t>https://javascript.plainenglish.io/50-hilarious-git-commit-messages-597537764bbe</a:t>
+            </a:r>
+            <a:r>
+              <a:rPr lang="en-US" i="1" dirty="0"/>
+              <a:t> </a:t>
             </a:r>
           </a:p>
           <a:p>
@@ -21851,14 +21835,14 @@
                 <a:latin typeface="Courier New" pitchFamily="49" charset="0"/>
                 <a:cs typeface="Courier New" pitchFamily="49" charset="0"/>
               </a:rPr>
-              <a:t>checkout</a:t>
+              <a:t>restore</a:t>
             </a:r>
             <a:r>
               <a:rPr lang="nl-BE" dirty="0">
                 <a:latin typeface="Courier New" pitchFamily="49" charset="0"/>
                 <a:cs typeface="Courier New" pitchFamily="49" charset="0"/>
               </a:rPr>
-              <a:t>  --  </a:t>
+              <a:t>  </a:t>
             </a:r>
             <a:r>
               <a:rPr lang="nl-BE" dirty="0" err="1">

--- a/version_control_git.pptx
+++ b/version_control_git.pptx
@@ -5,84 +5,85 @@
     <p:sldMasterId id="2147483648" r:id="rId1"/>
   </p:sldMasterIdLst>
   <p:notesMasterIdLst>
-    <p:notesMasterId r:id="rId77"/>
+    <p:notesMasterId r:id="rId78"/>
   </p:notesMasterIdLst>
   <p:sldIdLst>
     <p:sldId id="256" r:id="rId2"/>
     <p:sldId id="333" r:id="rId3"/>
-    <p:sldId id="276" r:id="rId4"/>
-    <p:sldId id="264" r:id="rId5"/>
-    <p:sldId id="265" r:id="rId6"/>
-    <p:sldId id="322" r:id="rId7"/>
-    <p:sldId id="266" r:id="rId8"/>
-    <p:sldId id="267" r:id="rId9"/>
-    <p:sldId id="268" r:id="rId10"/>
-    <p:sldId id="269" r:id="rId11"/>
-    <p:sldId id="270" r:id="rId12"/>
-    <p:sldId id="271" r:id="rId13"/>
-    <p:sldId id="272" r:id="rId14"/>
-    <p:sldId id="273" r:id="rId15"/>
-    <p:sldId id="274" r:id="rId16"/>
-    <p:sldId id="275" r:id="rId17"/>
-    <p:sldId id="277" r:id="rId18"/>
-    <p:sldId id="321" r:id="rId19"/>
-    <p:sldId id="257" r:id="rId20"/>
-    <p:sldId id="259" r:id="rId21"/>
-    <p:sldId id="261" r:id="rId22"/>
-    <p:sldId id="280" r:id="rId23"/>
-    <p:sldId id="258" r:id="rId24"/>
-    <p:sldId id="319" r:id="rId25"/>
-    <p:sldId id="325" r:id="rId26"/>
-    <p:sldId id="318" r:id="rId27"/>
-    <p:sldId id="317" r:id="rId28"/>
-    <p:sldId id="281" r:id="rId29"/>
-    <p:sldId id="324" r:id="rId30"/>
-    <p:sldId id="302" r:id="rId31"/>
-    <p:sldId id="306" r:id="rId32"/>
-    <p:sldId id="262" r:id="rId33"/>
-    <p:sldId id="260" r:id="rId34"/>
-    <p:sldId id="278" r:id="rId35"/>
-    <p:sldId id="279" r:id="rId36"/>
-    <p:sldId id="303" r:id="rId37"/>
-    <p:sldId id="323" r:id="rId38"/>
-    <p:sldId id="308" r:id="rId39"/>
-    <p:sldId id="282" r:id="rId40"/>
-    <p:sldId id="296" r:id="rId41"/>
-    <p:sldId id="283" r:id="rId42"/>
-    <p:sldId id="295" r:id="rId43"/>
-    <p:sldId id="285" r:id="rId44"/>
-    <p:sldId id="284" r:id="rId45"/>
-    <p:sldId id="286" r:id="rId46"/>
-    <p:sldId id="287" r:id="rId47"/>
-    <p:sldId id="288" r:id="rId48"/>
-    <p:sldId id="289" r:id="rId49"/>
-    <p:sldId id="290" r:id="rId50"/>
-    <p:sldId id="291" r:id="rId51"/>
-    <p:sldId id="292" r:id="rId52"/>
-    <p:sldId id="311" r:id="rId53"/>
-    <p:sldId id="294" r:id="rId54"/>
-    <p:sldId id="297" r:id="rId55"/>
-    <p:sldId id="304" r:id="rId56"/>
-    <p:sldId id="326" r:id="rId57"/>
-    <p:sldId id="327" r:id="rId58"/>
-    <p:sldId id="328" r:id="rId59"/>
-    <p:sldId id="329" r:id="rId60"/>
-    <p:sldId id="332" r:id="rId61"/>
-    <p:sldId id="331" r:id="rId62"/>
-    <p:sldId id="305" r:id="rId63"/>
-    <p:sldId id="312" r:id="rId64"/>
-    <p:sldId id="330" r:id="rId65"/>
-    <p:sldId id="309" r:id="rId66"/>
-    <p:sldId id="307" r:id="rId67"/>
-    <p:sldId id="314" r:id="rId68"/>
-    <p:sldId id="315" r:id="rId69"/>
-    <p:sldId id="320" r:id="rId70"/>
-    <p:sldId id="316" r:id="rId71"/>
-    <p:sldId id="300" r:id="rId72"/>
-    <p:sldId id="301" r:id="rId73"/>
-    <p:sldId id="299" r:id="rId74"/>
-    <p:sldId id="310" r:id="rId75"/>
-    <p:sldId id="313" r:id="rId76"/>
+    <p:sldId id="334" r:id="rId4"/>
+    <p:sldId id="276" r:id="rId5"/>
+    <p:sldId id="264" r:id="rId6"/>
+    <p:sldId id="265" r:id="rId7"/>
+    <p:sldId id="322" r:id="rId8"/>
+    <p:sldId id="266" r:id="rId9"/>
+    <p:sldId id="267" r:id="rId10"/>
+    <p:sldId id="268" r:id="rId11"/>
+    <p:sldId id="269" r:id="rId12"/>
+    <p:sldId id="270" r:id="rId13"/>
+    <p:sldId id="271" r:id="rId14"/>
+    <p:sldId id="272" r:id="rId15"/>
+    <p:sldId id="273" r:id="rId16"/>
+    <p:sldId id="274" r:id="rId17"/>
+    <p:sldId id="275" r:id="rId18"/>
+    <p:sldId id="277" r:id="rId19"/>
+    <p:sldId id="321" r:id="rId20"/>
+    <p:sldId id="257" r:id="rId21"/>
+    <p:sldId id="259" r:id="rId22"/>
+    <p:sldId id="261" r:id="rId23"/>
+    <p:sldId id="280" r:id="rId24"/>
+    <p:sldId id="258" r:id="rId25"/>
+    <p:sldId id="319" r:id="rId26"/>
+    <p:sldId id="325" r:id="rId27"/>
+    <p:sldId id="318" r:id="rId28"/>
+    <p:sldId id="317" r:id="rId29"/>
+    <p:sldId id="281" r:id="rId30"/>
+    <p:sldId id="324" r:id="rId31"/>
+    <p:sldId id="302" r:id="rId32"/>
+    <p:sldId id="306" r:id="rId33"/>
+    <p:sldId id="262" r:id="rId34"/>
+    <p:sldId id="260" r:id="rId35"/>
+    <p:sldId id="278" r:id="rId36"/>
+    <p:sldId id="279" r:id="rId37"/>
+    <p:sldId id="303" r:id="rId38"/>
+    <p:sldId id="323" r:id="rId39"/>
+    <p:sldId id="308" r:id="rId40"/>
+    <p:sldId id="282" r:id="rId41"/>
+    <p:sldId id="296" r:id="rId42"/>
+    <p:sldId id="283" r:id="rId43"/>
+    <p:sldId id="295" r:id="rId44"/>
+    <p:sldId id="285" r:id="rId45"/>
+    <p:sldId id="284" r:id="rId46"/>
+    <p:sldId id="286" r:id="rId47"/>
+    <p:sldId id="287" r:id="rId48"/>
+    <p:sldId id="288" r:id="rId49"/>
+    <p:sldId id="289" r:id="rId50"/>
+    <p:sldId id="290" r:id="rId51"/>
+    <p:sldId id="291" r:id="rId52"/>
+    <p:sldId id="292" r:id="rId53"/>
+    <p:sldId id="311" r:id="rId54"/>
+    <p:sldId id="294" r:id="rId55"/>
+    <p:sldId id="297" r:id="rId56"/>
+    <p:sldId id="304" r:id="rId57"/>
+    <p:sldId id="326" r:id="rId58"/>
+    <p:sldId id="327" r:id="rId59"/>
+    <p:sldId id="328" r:id="rId60"/>
+    <p:sldId id="329" r:id="rId61"/>
+    <p:sldId id="332" r:id="rId62"/>
+    <p:sldId id="331" r:id="rId63"/>
+    <p:sldId id="305" r:id="rId64"/>
+    <p:sldId id="312" r:id="rId65"/>
+    <p:sldId id="330" r:id="rId66"/>
+    <p:sldId id="309" r:id="rId67"/>
+    <p:sldId id="307" r:id="rId68"/>
+    <p:sldId id="314" r:id="rId69"/>
+    <p:sldId id="315" r:id="rId70"/>
+    <p:sldId id="320" r:id="rId71"/>
+    <p:sldId id="316" r:id="rId72"/>
+    <p:sldId id="300" r:id="rId73"/>
+    <p:sldId id="301" r:id="rId74"/>
+    <p:sldId id="299" r:id="rId75"/>
+    <p:sldId id="310" r:id="rId76"/>
+    <p:sldId id="313" r:id="rId77"/>
   </p:sldIdLst>
   <p:sldSz cx="9144000" cy="6858000" type="screen4x3"/>
   <p:notesSz cx="6858000" cy="9144000"/>
@@ -188,6 +189,7 @@
           <p14:sldIdLst>
             <p14:sldId id="256"/>
             <p14:sldId id="333"/>
+            <p14:sldId id="334"/>
             <p14:sldId id="276"/>
           </p14:sldIdLst>
         </p14:section>
@@ -404,7 +406,7 @@
           <a:p>
             <a:fld id="{11D3E7B2-0861-45F0-B59E-BA867D5C805D}" type="datetimeFigureOut">
               <a:rPr lang="nl-BE" smtClean="0"/>
-              <a:t>3/12/2021</a:t>
+              <a:t>5/11/2022</a:t>
             </a:fld>
             <a:endParaRPr lang="nl-BE"/>
           </a:p>
@@ -737,7 +739,7 @@
           <a:p>
             <a:fld id="{1A571F42-F258-455F-A3F1-D2E86FDFEB4C}" type="slidenum">
               <a:rPr lang="nl-BE" smtClean="0"/>
-              <a:t>26</a:t>
+              <a:t>27</a:t>
             </a:fld>
             <a:endParaRPr lang="nl-BE"/>
           </a:p>
@@ -821,7 +823,7 @@
           <a:p>
             <a:fld id="{1A571F42-F258-455F-A3F1-D2E86FDFEB4C}" type="slidenum">
               <a:rPr lang="nl-BE" smtClean="0"/>
-              <a:t>57</a:t>
+              <a:t>58</a:t>
             </a:fld>
             <a:endParaRPr lang="nl-BE"/>
           </a:p>
@@ -905,7 +907,7 @@
           <a:p>
             <a:fld id="{1A571F42-F258-455F-A3F1-D2E86FDFEB4C}" type="slidenum">
               <a:rPr lang="nl-BE" smtClean="0"/>
-              <a:t>74</a:t>
+              <a:t>75</a:t>
             </a:fld>
             <a:endParaRPr lang="nl-BE"/>
           </a:p>
@@ -1105,7 +1107,7 @@
           <a:p>
             <a:fld id="{208C4982-2142-4DAC-808C-52C1A6ABA40A}" type="datetime1">
               <a:rPr lang="nl-BE" smtClean="0"/>
-              <a:t>3/12/2021</a:t>
+              <a:t>5/11/2022</a:t>
             </a:fld>
             <a:endParaRPr lang="nl-BE"/>
           </a:p>
@@ -1275,7 +1277,7 @@
           <a:p>
             <a:fld id="{596A4774-AA95-4CEA-9215-BE91EC5FD3A2}" type="datetime1">
               <a:rPr lang="nl-BE" smtClean="0"/>
-              <a:t>3/12/2021</a:t>
+              <a:t>5/11/2022</a:t>
             </a:fld>
             <a:endParaRPr lang="nl-BE"/>
           </a:p>
@@ -1455,7 +1457,7 @@
           <a:p>
             <a:fld id="{E3C938DE-9D5A-4A9D-B2A9-9053FBBA636A}" type="datetime1">
               <a:rPr lang="nl-BE" smtClean="0"/>
-              <a:t>3/12/2021</a:t>
+              <a:t>5/11/2022</a:t>
             </a:fld>
             <a:endParaRPr lang="nl-BE"/>
           </a:p>
@@ -1625,7 +1627,7 @@
           <a:p>
             <a:fld id="{70B73439-F632-4142-A813-39A8890A9414}" type="datetime1">
               <a:rPr lang="nl-BE" smtClean="0"/>
-              <a:t>3/12/2021</a:t>
+              <a:t>5/11/2022</a:t>
             </a:fld>
             <a:endParaRPr lang="nl-BE"/>
           </a:p>
@@ -1871,7 +1873,7 @@
           <a:p>
             <a:fld id="{2DA105E3-7574-4472-893A-A0C7A919BAE6}" type="datetime1">
               <a:rPr lang="nl-BE" smtClean="0"/>
-              <a:t>3/12/2021</a:t>
+              <a:t>5/11/2022</a:t>
             </a:fld>
             <a:endParaRPr lang="nl-BE"/>
           </a:p>
@@ -2159,7 +2161,7 @@
           <a:p>
             <a:fld id="{184B200F-AF61-4171-AE34-7A4B12E0FBA3}" type="datetime1">
               <a:rPr lang="nl-BE" smtClean="0"/>
-              <a:t>3/12/2021</a:t>
+              <a:t>5/11/2022</a:t>
             </a:fld>
             <a:endParaRPr lang="nl-BE"/>
           </a:p>
@@ -2581,7 +2583,7 @@
           <a:p>
             <a:fld id="{4DDD3743-DAF8-4465-AEC2-93735E02B3D0}" type="datetime1">
               <a:rPr lang="nl-BE" smtClean="0"/>
-              <a:t>3/12/2021</a:t>
+              <a:t>5/11/2022</a:t>
             </a:fld>
             <a:endParaRPr lang="nl-BE"/>
           </a:p>
@@ -2699,7 +2701,7 @@
           <a:p>
             <a:fld id="{0E48E2E9-C147-459B-ACCB-D6DDC51735D3}" type="datetime1">
               <a:rPr lang="nl-BE" smtClean="0"/>
-              <a:t>3/12/2021</a:t>
+              <a:t>5/11/2022</a:t>
             </a:fld>
             <a:endParaRPr lang="nl-BE"/>
           </a:p>
@@ -2794,7 +2796,7 @@
           <a:p>
             <a:fld id="{C92A24F5-0967-4B11-849A-0009476290B5}" type="datetime1">
               <a:rPr lang="nl-BE" smtClean="0"/>
-              <a:t>3/12/2021</a:t>
+              <a:t>5/11/2022</a:t>
             </a:fld>
             <a:endParaRPr lang="nl-BE"/>
           </a:p>
@@ -3071,7 +3073,7 @@
           <a:p>
             <a:fld id="{CAAB6B0C-E333-4316-A6EC-161EFC5CB4BD}" type="datetime1">
               <a:rPr lang="nl-BE" smtClean="0"/>
-              <a:t>3/12/2021</a:t>
+              <a:t>5/11/2022</a:t>
             </a:fld>
             <a:endParaRPr lang="nl-BE"/>
           </a:p>
@@ -3324,7 +3326,7 @@
           <a:p>
             <a:fld id="{5AC2428B-24E8-4004-8AB4-EA69DDAD1475}" type="datetime1">
               <a:rPr lang="nl-BE" smtClean="0"/>
-              <a:t>3/12/2021</a:t>
+              <a:t>5/11/2022</a:t>
             </a:fld>
             <a:endParaRPr lang="nl-BE"/>
           </a:p>
@@ -3537,7 +3539,7 @@
           <a:p>
             <a:fld id="{063E4CA3-87AF-44C9-B256-93720A95DFC3}" type="datetime1">
               <a:rPr lang="nl-BE" smtClean="0"/>
-              <a:t>3/12/2021</a:t>
+              <a:t>5/11/2022</a:t>
             </a:fld>
             <a:endParaRPr lang="nl-BE"/>
           </a:p>
@@ -4069,6 +4071,910 @@
           <a:p>
             <a:r>
               <a:rPr lang="en-US" dirty="0"/>
+              <a:t>Which version control system?</a:t>
+            </a:r>
+            <a:endParaRPr lang="nl-BE" dirty="0"/>
+          </a:p>
+        </p:txBody>
+      </p:sp>
+      <p:sp>
+        <p:nvSpPr>
+          <p:cNvPr id="3" name="Content Placeholder 2"/>
+          <p:cNvSpPr>
+            <a:spLocks noGrp="1"/>
+          </p:cNvSpPr>
+          <p:nvPr>
+            <p:ph idx="1"/>
+          </p:nvPr>
+        </p:nvSpPr>
+        <p:spPr>
+          <a:xfrm>
+            <a:off x="457200" y="1600200"/>
+            <a:ext cx="8229600" cy="4781128"/>
+          </a:xfrm>
+        </p:spPr>
+        <p:txBody>
+          <a:bodyPr>
+            <a:normAutofit/>
+          </a:bodyPr>
+          <a:lstStyle/>
+          <a:p>
+            <a:r>
+              <a:rPr lang="en-US" dirty="0"/>
+              <a:t>Many systems, some of the most popular:</a:t>
+            </a:r>
+          </a:p>
+          <a:p>
+            <a:pPr lvl="1"/>
+            <a:r>
+              <a:rPr lang="en-US" dirty="0" err="1"/>
+              <a:t>rcs</a:t>
+            </a:r>
+            <a:endParaRPr lang="en-US" dirty="0"/>
+          </a:p>
+          <a:p>
+            <a:pPr lvl="1"/>
+            <a:r>
+              <a:rPr lang="en-US" dirty="0" err="1"/>
+              <a:t>cvs</a:t>
+            </a:r>
+            <a:endParaRPr lang="en-US" dirty="0"/>
+          </a:p>
+          <a:p>
+            <a:pPr lvl="1"/>
+            <a:r>
+              <a:rPr lang="en-US" dirty="0" err="1"/>
+              <a:t>svn</a:t>
+            </a:r>
+            <a:r>
+              <a:rPr lang="en-US" dirty="0"/>
+              <a:t> (Subversion)</a:t>
+            </a:r>
+          </a:p>
+          <a:p>
+            <a:pPr lvl="1"/>
+            <a:r>
+              <a:rPr lang="en-US" dirty="0"/>
+              <a:t>SourceSafe (Microsoft)</a:t>
+            </a:r>
+          </a:p>
+          <a:p>
+            <a:pPr lvl="1"/>
+            <a:r>
+              <a:rPr lang="en-US" dirty="0" err="1"/>
+              <a:t>git</a:t>
+            </a:r>
+            <a:endParaRPr lang="en-US" dirty="0"/>
+          </a:p>
+          <a:p>
+            <a:pPr lvl="1"/>
+            <a:r>
+              <a:rPr lang="en-US" dirty="0" err="1"/>
+              <a:t>bzr</a:t>
+            </a:r>
+            <a:r>
+              <a:rPr lang="en-US" dirty="0"/>
+              <a:t> (Bazaar)</a:t>
+            </a:r>
+          </a:p>
+          <a:p>
+            <a:pPr lvl="1"/>
+            <a:r>
+              <a:rPr lang="en-US" dirty="0"/>
+              <a:t>hg (Mercurial)</a:t>
+            </a:r>
+          </a:p>
+          <a:p>
+            <a:pPr lvl="1"/>
+            <a:r>
+              <a:rPr lang="en-US" dirty="0"/>
+              <a:t>…</a:t>
+            </a:r>
+            <a:endParaRPr lang="nl-BE" dirty="0"/>
+          </a:p>
+        </p:txBody>
+      </p:sp>
+      <p:grpSp>
+        <p:nvGrpSpPr>
+          <p:cNvPr id="6" name="Group 5"/>
+          <p:cNvGrpSpPr/>
+          <p:nvPr/>
+        </p:nvGrpSpPr>
+        <p:grpSpPr>
+          <a:xfrm>
+            <a:off x="4984737" y="4437112"/>
+            <a:ext cx="3907743" cy="1224136"/>
+            <a:chOff x="4355976" y="3861048"/>
+            <a:chExt cx="3907743" cy="1224136"/>
+          </a:xfrm>
+        </p:grpSpPr>
+        <p:sp>
+          <p:nvSpPr>
+            <p:cNvPr id="4" name="Right Brace 3"/>
+            <p:cNvSpPr/>
+            <p:nvPr/>
+          </p:nvSpPr>
+          <p:spPr>
+            <a:xfrm>
+              <a:off x="4355976" y="3861048"/>
+              <a:ext cx="216024" cy="1224136"/>
+            </a:xfrm>
+            <a:prstGeom prst="rightBrace">
+              <a:avLst/>
+            </a:prstGeom>
+            <a:ln w="28575">
+              <a:solidFill>
+                <a:schemeClr val="tx1"/>
+              </a:solidFill>
+            </a:ln>
+          </p:spPr>
+          <p:style>
+            <a:lnRef idx="1">
+              <a:schemeClr val="accent1"/>
+            </a:lnRef>
+            <a:fillRef idx="0">
+              <a:schemeClr val="accent1"/>
+            </a:fillRef>
+            <a:effectRef idx="0">
+              <a:schemeClr val="accent1"/>
+            </a:effectRef>
+            <a:fontRef idx="minor">
+              <a:schemeClr val="tx1"/>
+            </a:fontRef>
+          </p:style>
+          <p:txBody>
+            <a:bodyPr rtlCol="0" anchor="ctr"/>
+            <a:lstStyle/>
+            <a:p>
+              <a:pPr algn="ctr"/>
+              <a:endParaRPr lang="nl-BE"/>
+            </a:p>
+          </p:txBody>
+        </p:sp>
+        <p:sp>
+          <p:nvSpPr>
+            <p:cNvPr id="5" name="TextBox 4"/>
+            <p:cNvSpPr txBox="1"/>
+            <p:nvPr/>
+          </p:nvSpPr>
+          <p:spPr>
+            <a:xfrm>
+              <a:off x="4788024" y="4149080"/>
+              <a:ext cx="3475695" cy="646331"/>
+            </a:xfrm>
+            <a:prstGeom prst="rect">
+              <a:avLst/>
+            </a:prstGeom>
+            <a:noFill/>
+          </p:spPr>
+          <p:txBody>
+            <a:bodyPr wrap="none" rtlCol="0">
+              <a:spAutoFit/>
+            </a:bodyPr>
+            <a:lstStyle/>
+            <a:p>
+              <a:r>
+                <a:rPr lang="en-US" dirty="0"/>
+                <a:t>Distributed version control systems</a:t>
+              </a:r>
+              <a:br>
+                <a:rPr lang="en-US" dirty="0"/>
+              </a:br>
+              <a:r>
+                <a:rPr lang="en-US" dirty="0"/>
+                <a:t>(DVCS)</a:t>
+              </a:r>
+              <a:endParaRPr lang="nl-BE" dirty="0"/>
+            </a:p>
+          </p:txBody>
+        </p:sp>
+      </p:grpSp>
+      <p:grpSp>
+        <p:nvGrpSpPr>
+          <p:cNvPr id="17" name="Group 16"/>
+          <p:cNvGrpSpPr/>
+          <p:nvPr/>
+        </p:nvGrpSpPr>
+        <p:grpSpPr>
+          <a:xfrm>
+            <a:off x="1115616" y="2276872"/>
+            <a:ext cx="5853197" cy="864096"/>
+            <a:chOff x="1115616" y="2276872"/>
+            <a:chExt cx="5853197" cy="864096"/>
+          </a:xfrm>
+        </p:grpSpPr>
+        <p:grpSp>
+          <p:nvGrpSpPr>
+            <p:cNvPr id="7" name="Group 6"/>
+            <p:cNvGrpSpPr/>
+            <p:nvPr/>
+          </p:nvGrpSpPr>
+          <p:grpSpPr>
+            <a:xfrm>
+              <a:off x="4984737" y="2276872"/>
+              <a:ext cx="1984076" cy="792088"/>
+              <a:chOff x="4355976" y="4077072"/>
+              <a:chExt cx="1984076" cy="792088"/>
+            </a:xfrm>
+          </p:grpSpPr>
+          <p:sp>
+            <p:nvSpPr>
+              <p:cNvPr id="8" name="Right Brace 7"/>
+              <p:cNvSpPr/>
+              <p:nvPr/>
+            </p:nvSpPr>
+            <p:spPr>
+              <a:xfrm>
+                <a:off x="4355976" y="4077072"/>
+                <a:ext cx="216024" cy="792088"/>
+              </a:xfrm>
+              <a:prstGeom prst="rightBrace">
+                <a:avLst/>
+              </a:prstGeom>
+              <a:ln w="28575">
+                <a:solidFill>
+                  <a:schemeClr val="tx1"/>
+                </a:solidFill>
+              </a:ln>
+            </p:spPr>
+            <p:style>
+              <a:lnRef idx="1">
+                <a:schemeClr val="accent1"/>
+              </a:lnRef>
+              <a:fillRef idx="0">
+                <a:schemeClr val="accent1"/>
+              </a:fillRef>
+              <a:effectRef idx="0">
+                <a:schemeClr val="accent1"/>
+              </a:effectRef>
+              <a:fontRef idx="minor">
+                <a:schemeClr val="tx1"/>
+              </a:fontRef>
+            </p:style>
+            <p:txBody>
+              <a:bodyPr rtlCol="0" anchor="ctr"/>
+              <a:lstStyle/>
+              <a:p>
+                <a:pPr algn="ctr"/>
+                <a:endParaRPr lang="nl-BE"/>
+              </a:p>
+            </p:txBody>
+          </p:sp>
+          <p:sp>
+            <p:nvSpPr>
+              <p:cNvPr id="9" name="TextBox 8"/>
+              <p:cNvSpPr txBox="1"/>
+              <p:nvPr/>
+            </p:nvSpPr>
+            <p:spPr>
+              <a:xfrm>
+                <a:off x="4788024" y="4283804"/>
+                <a:ext cx="1552028" cy="369332"/>
+              </a:xfrm>
+              <a:prstGeom prst="rect">
+                <a:avLst/>
+              </a:prstGeom>
+              <a:noFill/>
+            </p:spPr>
+            <p:txBody>
+              <a:bodyPr wrap="none" rtlCol="0">
+                <a:spAutoFit/>
+              </a:bodyPr>
+              <a:lstStyle/>
+              <a:p>
+                <a:r>
+                  <a:rPr lang="en-US" dirty="0"/>
+                  <a:t>Dead &amp; buried</a:t>
+                </a:r>
+                <a:endParaRPr lang="nl-BE" dirty="0"/>
+              </a:p>
+            </p:txBody>
+          </p:sp>
+        </p:grpSp>
+        <p:cxnSp>
+          <p:nvCxnSpPr>
+            <p:cNvPr id="14" name="Straight Connector 13"/>
+            <p:cNvCxnSpPr/>
+            <p:nvPr/>
+          </p:nvCxnSpPr>
+          <p:spPr>
+            <a:xfrm>
+              <a:off x="1115616" y="2276872"/>
+              <a:ext cx="792088" cy="396044"/>
+            </a:xfrm>
+            <a:prstGeom prst="line">
+              <a:avLst/>
+            </a:prstGeom>
+            <a:ln w="57150">
+              <a:solidFill>
+                <a:srgbClr val="C00000"/>
+              </a:solidFill>
+            </a:ln>
+          </p:spPr>
+          <p:style>
+            <a:lnRef idx="1">
+              <a:schemeClr val="accent1"/>
+            </a:lnRef>
+            <a:fillRef idx="0">
+              <a:schemeClr val="accent1"/>
+            </a:fillRef>
+            <a:effectRef idx="0">
+              <a:schemeClr val="accent1"/>
+            </a:effectRef>
+            <a:fontRef idx="minor">
+              <a:schemeClr val="tx1"/>
+            </a:fontRef>
+          </p:style>
+        </p:cxnSp>
+        <p:cxnSp>
+          <p:nvCxnSpPr>
+            <p:cNvPr id="15" name="Straight Connector 14"/>
+            <p:cNvCxnSpPr/>
+            <p:nvPr/>
+          </p:nvCxnSpPr>
+          <p:spPr>
+            <a:xfrm>
+              <a:off x="1115616" y="2744924"/>
+              <a:ext cx="792088" cy="396044"/>
+            </a:xfrm>
+            <a:prstGeom prst="line">
+              <a:avLst/>
+            </a:prstGeom>
+            <a:ln w="57150">
+              <a:solidFill>
+                <a:srgbClr val="C00000"/>
+              </a:solidFill>
+            </a:ln>
+          </p:spPr>
+          <p:style>
+            <a:lnRef idx="1">
+              <a:schemeClr val="accent1"/>
+            </a:lnRef>
+            <a:fillRef idx="0">
+              <a:schemeClr val="accent1"/>
+            </a:fillRef>
+            <a:effectRef idx="0">
+              <a:schemeClr val="accent1"/>
+            </a:effectRef>
+            <a:fontRef idx="minor">
+              <a:schemeClr val="tx1"/>
+            </a:fontRef>
+          </p:style>
+        </p:cxnSp>
+      </p:grpSp>
+      <p:grpSp>
+        <p:nvGrpSpPr>
+          <p:cNvPr id="18" name="Group 17"/>
+          <p:cNvGrpSpPr/>
+          <p:nvPr/>
+        </p:nvGrpSpPr>
+        <p:grpSpPr>
+          <a:xfrm>
+            <a:off x="1763688" y="3645024"/>
+            <a:ext cx="4896327" cy="576064"/>
+            <a:chOff x="1763688" y="3645024"/>
+            <a:chExt cx="4896327" cy="576064"/>
+          </a:xfrm>
+        </p:grpSpPr>
+        <p:grpSp>
+          <p:nvGrpSpPr>
+            <p:cNvPr id="10" name="Group 9"/>
+            <p:cNvGrpSpPr/>
+            <p:nvPr/>
+          </p:nvGrpSpPr>
+          <p:grpSpPr>
+            <a:xfrm>
+              <a:off x="4987114" y="3645024"/>
+              <a:ext cx="1672901" cy="576064"/>
+              <a:chOff x="4355976" y="4149080"/>
+              <a:chExt cx="1672901" cy="576064"/>
+            </a:xfrm>
+          </p:grpSpPr>
+          <p:sp>
+            <p:nvSpPr>
+              <p:cNvPr id="11" name="Right Brace 10"/>
+              <p:cNvSpPr/>
+              <p:nvPr/>
+            </p:nvSpPr>
+            <p:spPr>
+              <a:xfrm>
+                <a:off x="4355976" y="4149080"/>
+                <a:ext cx="216024" cy="576064"/>
+              </a:xfrm>
+              <a:prstGeom prst="rightBrace">
+                <a:avLst/>
+              </a:prstGeom>
+              <a:ln w="28575">
+                <a:solidFill>
+                  <a:schemeClr val="tx1"/>
+                </a:solidFill>
+              </a:ln>
+            </p:spPr>
+            <p:style>
+              <a:lnRef idx="1">
+                <a:schemeClr val="accent1"/>
+              </a:lnRef>
+              <a:fillRef idx="0">
+                <a:schemeClr val="accent1"/>
+              </a:fillRef>
+              <a:effectRef idx="0">
+                <a:schemeClr val="accent1"/>
+              </a:effectRef>
+              <a:fontRef idx="minor">
+                <a:schemeClr val="tx1"/>
+              </a:fontRef>
+            </p:style>
+            <p:txBody>
+              <a:bodyPr rtlCol="0" anchor="ctr"/>
+              <a:lstStyle/>
+              <a:p>
+                <a:pPr algn="ctr"/>
+                <a:endParaRPr lang="nl-BE"/>
+              </a:p>
+            </p:txBody>
+          </p:sp>
+          <p:sp>
+            <p:nvSpPr>
+              <p:cNvPr id="12" name="TextBox 11"/>
+              <p:cNvSpPr txBox="1"/>
+              <p:nvPr/>
+            </p:nvSpPr>
+            <p:spPr>
+              <a:xfrm>
+                <a:off x="4788024" y="4283804"/>
+                <a:ext cx="1240853" cy="369332"/>
+              </a:xfrm>
+              <a:prstGeom prst="rect">
+                <a:avLst/>
+              </a:prstGeom>
+              <a:noFill/>
+            </p:spPr>
+            <p:txBody>
+              <a:bodyPr wrap="none" rtlCol="0">
+                <a:spAutoFit/>
+              </a:bodyPr>
+              <a:lstStyle/>
+              <a:p>
+                <a:r>
+                  <a:rPr lang="en-US" dirty="0"/>
+                  <a:t>Proprietary</a:t>
+                </a:r>
+                <a:endParaRPr lang="nl-BE" dirty="0"/>
+              </a:p>
+            </p:txBody>
+          </p:sp>
+        </p:grpSp>
+        <p:cxnSp>
+          <p:nvCxnSpPr>
+            <p:cNvPr id="16" name="Straight Connector 15"/>
+            <p:cNvCxnSpPr/>
+            <p:nvPr/>
+          </p:nvCxnSpPr>
+          <p:spPr>
+            <a:xfrm>
+              <a:off x="1763688" y="3825044"/>
+              <a:ext cx="792088" cy="396044"/>
+            </a:xfrm>
+            <a:prstGeom prst="line">
+              <a:avLst/>
+            </a:prstGeom>
+            <a:ln w="57150">
+              <a:solidFill>
+                <a:srgbClr val="C00000"/>
+              </a:solidFill>
+            </a:ln>
+          </p:spPr>
+          <p:style>
+            <a:lnRef idx="1">
+              <a:schemeClr val="accent1"/>
+            </a:lnRef>
+            <a:fillRef idx="0">
+              <a:schemeClr val="accent1"/>
+            </a:fillRef>
+            <a:effectRef idx="0">
+              <a:schemeClr val="accent1"/>
+            </a:effectRef>
+            <a:fontRef idx="minor">
+              <a:schemeClr val="tx1"/>
+            </a:fontRef>
+          </p:style>
+        </p:cxnSp>
+      </p:grpSp>
+      <p:grpSp>
+        <p:nvGrpSpPr>
+          <p:cNvPr id="21" name="Group 20"/>
+          <p:cNvGrpSpPr/>
+          <p:nvPr/>
+        </p:nvGrpSpPr>
+        <p:grpSpPr>
+          <a:xfrm>
+            <a:off x="1234231" y="3310385"/>
+            <a:ext cx="601465" cy="1368152"/>
+            <a:chOff x="1234231" y="3310385"/>
+            <a:chExt cx="601465" cy="1368152"/>
+          </a:xfrm>
+        </p:grpSpPr>
+        <p:sp>
+          <p:nvSpPr>
+            <p:cNvPr id="19" name="Rounded Rectangle 18"/>
+            <p:cNvSpPr/>
+            <p:nvPr/>
+          </p:nvSpPr>
+          <p:spPr>
+            <a:xfrm>
+              <a:off x="1234231" y="3310385"/>
+              <a:ext cx="576064" cy="360040"/>
+            </a:xfrm>
+            <a:prstGeom prst="roundRect">
+              <a:avLst/>
+            </a:prstGeom>
+            <a:solidFill>
+              <a:srgbClr val="92D050">
+                <a:alpha val="30000"/>
+              </a:srgbClr>
+            </a:solidFill>
+            <a:ln>
+              <a:solidFill>
+                <a:srgbClr val="92D050"/>
+              </a:solidFill>
+            </a:ln>
+          </p:spPr>
+          <p:style>
+            <a:lnRef idx="2">
+              <a:schemeClr val="accent1">
+                <a:shade val="50000"/>
+              </a:schemeClr>
+            </a:lnRef>
+            <a:fillRef idx="1">
+              <a:schemeClr val="accent1"/>
+            </a:fillRef>
+            <a:effectRef idx="0">
+              <a:schemeClr val="accent1"/>
+            </a:effectRef>
+            <a:fontRef idx="minor">
+              <a:schemeClr val="lt1"/>
+            </a:fontRef>
+          </p:style>
+          <p:txBody>
+            <a:bodyPr rtlCol="0" anchor="ctr"/>
+            <a:lstStyle/>
+            <a:p>
+              <a:pPr algn="ctr"/>
+              <a:endParaRPr lang="nl-BE"/>
+            </a:p>
+          </p:txBody>
+        </p:sp>
+        <p:sp>
+          <p:nvSpPr>
+            <p:cNvPr id="20" name="Rounded Rectangle 19"/>
+            <p:cNvSpPr/>
+            <p:nvPr/>
+          </p:nvSpPr>
+          <p:spPr>
+            <a:xfrm>
+              <a:off x="1259632" y="4318497"/>
+              <a:ext cx="576064" cy="360040"/>
+            </a:xfrm>
+            <a:prstGeom prst="roundRect">
+              <a:avLst/>
+            </a:prstGeom>
+            <a:solidFill>
+              <a:srgbClr val="92D050">
+                <a:alpha val="30000"/>
+              </a:srgbClr>
+            </a:solidFill>
+            <a:ln>
+              <a:solidFill>
+                <a:srgbClr val="92D050"/>
+              </a:solidFill>
+            </a:ln>
+          </p:spPr>
+          <p:style>
+            <a:lnRef idx="2">
+              <a:schemeClr val="accent1">
+                <a:shade val="50000"/>
+              </a:schemeClr>
+            </a:lnRef>
+            <a:fillRef idx="1">
+              <a:schemeClr val="accent1"/>
+            </a:fillRef>
+            <a:effectRef idx="0">
+              <a:schemeClr val="accent1"/>
+            </a:effectRef>
+            <a:fontRef idx="minor">
+              <a:schemeClr val="lt1"/>
+            </a:fontRef>
+          </p:style>
+          <p:txBody>
+            <a:bodyPr rtlCol="0" anchor="ctr"/>
+            <a:lstStyle/>
+            <a:p>
+              <a:pPr algn="ctr"/>
+              <a:endParaRPr lang="nl-BE"/>
+            </a:p>
+          </p:txBody>
+        </p:sp>
+      </p:grpSp>
+      <p:sp>
+        <p:nvSpPr>
+          <p:cNvPr id="13" name="Slide Number Placeholder 12"/>
+          <p:cNvSpPr>
+            <a:spLocks noGrp="1"/>
+          </p:cNvSpPr>
+          <p:nvPr>
+            <p:ph type="sldNum" sz="quarter" idx="12"/>
+          </p:nvPr>
+        </p:nvSpPr>
+        <p:spPr/>
+        <p:txBody>
+          <a:bodyPr/>
+          <a:lstStyle/>
+          <a:p>
+            <a:fld id="{BB52A05A-A776-4391-ACD7-D6BC34D3145C}" type="slidenum">
+              <a:rPr lang="nl-BE" smtClean="0"/>
+              <a:t>10</a:t>
+            </a:fld>
+            <a:endParaRPr lang="nl-BE"/>
+          </a:p>
+        </p:txBody>
+      </p:sp>
+    </p:spTree>
+    <p:extLst>
+      <p:ext uri="{BB962C8B-B14F-4D97-AF65-F5344CB8AC3E}">
+        <p14:creationId xmlns:p14="http://schemas.microsoft.com/office/powerpoint/2010/main" val="1557011426"/>
+      </p:ext>
+    </p:extLst>
+  </p:cSld>
+  <p:clrMapOvr>
+    <a:masterClrMapping/>
+  </p:clrMapOvr>
+  <p:timing>
+    <p:tnLst>
+      <p:par>
+        <p:cTn id="1" dur="indefinite" restart="never" nodeType="tmRoot">
+          <p:childTnLst>
+            <p:seq concurrent="1" nextAc="seek">
+              <p:cTn id="2" dur="indefinite" nodeType="mainSeq">
+                <p:childTnLst>
+                  <p:par>
+                    <p:cTn id="3" fill="hold">
+                      <p:stCondLst>
+                        <p:cond delay="indefinite"/>
+                      </p:stCondLst>
+                      <p:childTnLst>
+                        <p:par>
+                          <p:cTn id="4" fill="hold">
+                            <p:stCondLst>
+                              <p:cond delay="0"/>
+                            </p:stCondLst>
+                            <p:childTnLst>
+                              <p:par>
+                                <p:cTn id="5" presetID="1" presetClass="entr" presetSubtype="0" fill="hold" nodeType="clickEffect">
+                                  <p:stCondLst>
+                                    <p:cond delay="0"/>
+                                  </p:stCondLst>
+                                  <p:childTnLst>
+                                    <p:set>
+                                      <p:cBhvr>
+                                        <p:cTn id="6" dur="1" fill="hold">
+                                          <p:stCondLst>
+                                            <p:cond delay="0"/>
+                                          </p:stCondLst>
+                                        </p:cTn>
+                                        <p:tgtEl>
+                                          <p:spTgt spid="17"/>
+                                        </p:tgtEl>
+                                        <p:attrNameLst>
+                                          <p:attrName>style.visibility</p:attrName>
+                                        </p:attrNameLst>
+                                      </p:cBhvr>
+                                      <p:to>
+                                        <p:strVal val="visible"/>
+                                      </p:to>
+                                    </p:set>
+                                  </p:childTnLst>
+                                </p:cTn>
+                              </p:par>
+                            </p:childTnLst>
+                          </p:cTn>
+                        </p:par>
+                      </p:childTnLst>
+                    </p:cTn>
+                  </p:par>
+                  <p:par>
+                    <p:cTn id="7" fill="hold">
+                      <p:stCondLst>
+                        <p:cond delay="indefinite"/>
+                      </p:stCondLst>
+                      <p:childTnLst>
+                        <p:par>
+                          <p:cTn id="8" fill="hold">
+                            <p:stCondLst>
+                              <p:cond delay="0"/>
+                            </p:stCondLst>
+                            <p:childTnLst>
+                              <p:par>
+                                <p:cTn id="9" presetID="1" presetClass="entr" presetSubtype="0" fill="hold" nodeType="clickEffect">
+                                  <p:stCondLst>
+                                    <p:cond delay="0"/>
+                                  </p:stCondLst>
+                                  <p:childTnLst>
+                                    <p:set>
+                                      <p:cBhvr>
+                                        <p:cTn id="10" dur="1" fill="hold">
+                                          <p:stCondLst>
+                                            <p:cond delay="0"/>
+                                          </p:stCondLst>
+                                        </p:cTn>
+                                        <p:tgtEl>
+                                          <p:spTgt spid="18"/>
+                                        </p:tgtEl>
+                                        <p:attrNameLst>
+                                          <p:attrName>style.visibility</p:attrName>
+                                        </p:attrNameLst>
+                                      </p:cBhvr>
+                                      <p:to>
+                                        <p:strVal val="visible"/>
+                                      </p:to>
+                                    </p:set>
+                                  </p:childTnLst>
+                                </p:cTn>
+                              </p:par>
+                            </p:childTnLst>
+                          </p:cTn>
+                        </p:par>
+                      </p:childTnLst>
+                    </p:cTn>
+                  </p:par>
+                  <p:par>
+                    <p:cTn id="11" fill="hold">
+                      <p:stCondLst>
+                        <p:cond delay="indefinite"/>
+                      </p:stCondLst>
+                      <p:childTnLst>
+                        <p:par>
+                          <p:cTn id="12" fill="hold">
+                            <p:stCondLst>
+                              <p:cond delay="0"/>
+                            </p:stCondLst>
+                            <p:childTnLst>
+                              <p:par>
+                                <p:cTn id="13" presetID="1" presetClass="entr" presetSubtype="0" fill="hold" nodeType="clickEffect">
+                                  <p:stCondLst>
+                                    <p:cond delay="0"/>
+                                  </p:stCondLst>
+                                  <p:childTnLst>
+                                    <p:set>
+                                      <p:cBhvr>
+                                        <p:cTn id="14" dur="1" fill="hold">
+                                          <p:stCondLst>
+                                            <p:cond delay="0"/>
+                                          </p:stCondLst>
+                                        </p:cTn>
+                                        <p:tgtEl>
+                                          <p:spTgt spid="6"/>
+                                        </p:tgtEl>
+                                        <p:attrNameLst>
+                                          <p:attrName>style.visibility</p:attrName>
+                                        </p:attrNameLst>
+                                      </p:cBhvr>
+                                      <p:to>
+                                        <p:strVal val="visible"/>
+                                      </p:to>
+                                    </p:set>
+                                  </p:childTnLst>
+                                </p:cTn>
+                              </p:par>
+                            </p:childTnLst>
+                          </p:cTn>
+                        </p:par>
+                      </p:childTnLst>
+                    </p:cTn>
+                  </p:par>
+                  <p:par>
+                    <p:cTn id="15" fill="hold">
+                      <p:stCondLst>
+                        <p:cond delay="indefinite"/>
+                      </p:stCondLst>
+                      <p:childTnLst>
+                        <p:par>
+                          <p:cTn id="16" fill="hold">
+                            <p:stCondLst>
+                              <p:cond delay="0"/>
+                            </p:stCondLst>
+                            <p:childTnLst>
+                              <p:par>
+                                <p:cTn id="17" presetID="1" presetClass="entr" presetSubtype="0" fill="hold" nodeType="clickEffect">
+                                  <p:stCondLst>
+                                    <p:cond delay="0"/>
+                                  </p:stCondLst>
+                                  <p:childTnLst>
+                                    <p:set>
+                                      <p:cBhvr>
+                                        <p:cTn id="18" dur="1" fill="hold">
+                                          <p:stCondLst>
+                                            <p:cond delay="0"/>
+                                          </p:stCondLst>
+                                        </p:cTn>
+                                        <p:tgtEl>
+                                          <p:spTgt spid="21"/>
+                                        </p:tgtEl>
+                                        <p:attrNameLst>
+                                          <p:attrName>style.visibility</p:attrName>
+                                        </p:attrNameLst>
+                                      </p:cBhvr>
+                                      <p:to>
+                                        <p:strVal val="visible"/>
+                                      </p:to>
+                                    </p:set>
+                                  </p:childTnLst>
+                                </p:cTn>
+                              </p:par>
+                            </p:childTnLst>
+                          </p:cTn>
+                        </p:par>
+                      </p:childTnLst>
+                    </p:cTn>
+                  </p:par>
+                </p:childTnLst>
+              </p:cTn>
+              <p:prevCondLst>
+                <p:cond evt="onPrev" delay="0">
+                  <p:tgtEl>
+                    <p:sldTgt/>
+                  </p:tgtEl>
+                </p:cond>
+              </p:prevCondLst>
+              <p:nextCondLst>
+                <p:cond evt="onNext" delay="0">
+                  <p:tgtEl>
+                    <p:sldTgt/>
+                  </p:tgtEl>
+                </p:cond>
+              </p:nextCondLst>
+            </p:seq>
+          </p:childTnLst>
+        </p:cTn>
+      </p:par>
+    </p:tnLst>
+  </p:timing>
+</p:sld>
+</file>
+
+<file path=ppt/slides/slide11.xml><?xml version="1.0" encoding="utf-8"?>
+<p:sld xmlns:a="http://schemas.openxmlformats.org/drawingml/2006/main" xmlns:r="http://schemas.openxmlformats.org/officeDocument/2006/relationships" xmlns:p="http://schemas.openxmlformats.org/presentationml/2006/main">
+  <p:cSld>
+    <p:spTree>
+      <p:nvGrpSpPr>
+        <p:cNvPr id="1" name=""/>
+        <p:cNvGrpSpPr/>
+        <p:nvPr/>
+      </p:nvGrpSpPr>
+      <p:grpSpPr>
+        <a:xfrm>
+          <a:off x="0" y="0"/>
+          <a:ext cx="0" cy="0"/>
+          <a:chOff x="0" y="0"/>
+          <a:chExt cx="0" cy="0"/>
+        </a:xfrm>
+      </p:grpSpPr>
+      <p:sp>
+        <p:nvSpPr>
+          <p:cNvPr id="2" name="Title 1"/>
+          <p:cNvSpPr>
+            <a:spLocks noGrp="1"/>
+          </p:cNvSpPr>
+          <p:nvPr>
+            <p:ph type="title"/>
+          </p:nvPr>
+        </p:nvSpPr>
+        <p:spPr/>
+        <p:txBody>
+          <a:bodyPr/>
+          <a:lstStyle/>
+          <a:p>
+            <a:r>
+              <a:rPr lang="en-US" dirty="0"/>
               <a:t>Why subversion?</a:t>
             </a:r>
             <a:endParaRPr lang="nl-BE" dirty="0"/>
@@ -4198,7 +5104,7 @@
           <a:p>
             <a:fld id="{BB52A05A-A776-4391-ACD7-D6BC34D3145C}" type="slidenum">
               <a:rPr lang="nl-BE" smtClean="0"/>
-              <a:t>10</a:t>
+              <a:t>11</a:t>
             </a:fld>
             <a:endParaRPr lang="nl-BE"/>
           </a:p>
@@ -4599,7 +5505,7 @@
 </p:sld>
 </file>
 
-<file path=ppt/slides/slide11.xml><?xml version="1.0" encoding="utf-8"?>
+<file path=ppt/slides/slide12.xml><?xml version="1.0" encoding="utf-8"?>
 <p:sld xmlns:a="http://schemas.openxmlformats.org/drawingml/2006/main" xmlns:r="http://schemas.openxmlformats.org/officeDocument/2006/relationships" xmlns:p="http://schemas.openxmlformats.org/presentationml/2006/main">
   <p:cSld>
     <p:spTree>
@@ -6235,7 +7141,7 @@
           <a:p>
             <a:fld id="{BB52A05A-A776-4391-ACD7-D6BC34D3145C}" type="slidenum">
               <a:rPr lang="nl-BE" smtClean="0"/>
-              <a:t>11</a:t>
+              <a:t>12</a:t>
             </a:fld>
             <a:endParaRPr lang="nl-BE"/>
           </a:p>
@@ -6245,146 +7151,6 @@
     <p:extLst>
       <p:ext uri="{BB962C8B-B14F-4D97-AF65-F5344CB8AC3E}">
         <p14:creationId xmlns:p14="http://schemas.microsoft.com/office/powerpoint/2010/main" val="3185561902"/>
-      </p:ext>
-    </p:extLst>
-  </p:cSld>
-  <p:clrMapOvr>
-    <a:masterClrMapping/>
-  </p:clrMapOvr>
-</p:sld>
-</file>
-
-<file path=ppt/slides/slide12.xml><?xml version="1.0" encoding="utf-8"?>
-<p:sld xmlns:a="http://schemas.openxmlformats.org/drawingml/2006/main" xmlns:r="http://schemas.openxmlformats.org/officeDocument/2006/relationships" xmlns:p="http://schemas.openxmlformats.org/presentationml/2006/main">
-  <p:cSld>
-    <p:spTree>
-      <p:nvGrpSpPr>
-        <p:cNvPr id="1" name=""/>
-        <p:cNvGrpSpPr/>
-        <p:nvPr/>
-      </p:nvGrpSpPr>
-      <p:grpSpPr>
-        <a:xfrm>
-          <a:off x="0" y="0"/>
-          <a:ext cx="0" cy="0"/>
-          <a:chOff x="0" y="0"/>
-          <a:chExt cx="0" cy="0"/>
-        </a:xfrm>
-      </p:grpSpPr>
-      <p:sp>
-        <p:nvSpPr>
-          <p:cNvPr id="2" name="Title 1"/>
-          <p:cNvSpPr>
-            <a:spLocks noGrp="1"/>
-          </p:cNvSpPr>
-          <p:nvPr>
-            <p:ph type="title"/>
-          </p:nvPr>
-        </p:nvSpPr>
-        <p:spPr/>
-        <p:txBody>
-          <a:bodyPr/>
-          <a:lstStyle/>
-          <a:p>
-            <a:r>
-              <a:rPr lang="en-US" dirty="0"/>
-              <a:t>Bird's eye view explained</a:t>
-            </a:r>
-            <a:endParaRPr lang="nl-BE" dirty="0"/>
-          </a:p>
-        </p:txBody>
-      </p:sp>
-      <p:sp>
-        <p:nvSpPr>
-          <p:cNvPr id="3" name="Content Placeholder 2"/>
-          <p:cNvSpPr>
-            <a:spLocks noGrp="1"/>
-          </p:cNvSpPr>
-          <p:nvPr>
-            <p:ph idx="1"/>
-          </p:nvPr>
-        </p:nvSpPr>
-        <p:spPr/>
-        <p:txBody>
-          <a:bodyPr/>
-          <a:lstStyle/>
-          <a:p>
-            <a:r>
-              <a:rPr lang="en-US" dirty="0"/>
-              <a:t>Repository</a:t>
-            </a:r>
-          </a:p>
-          <a:p>
-            <a:pPr lvl="1"/>
-            <a:r>
-              <a:rPr lang="en-US" dirty="0"/>
-              <a:t>Contains files/directories + history (all versions)</a:t>
-            </a:r>
-          </a:p>
-          <a:p>
-            <a:pPr lvl="1"/>
-            <a:r>
-              <a:rPr lang="en-US" dirty="0"/>
-              <a:t>"Server"-side</a:t>
-            </a:r>
-          </a:p>
-          <a:p>
-            <a:r>
-              <a:rPr lang="en-US" dirty="0"/>
-              <a:t>Working copy</a:t>
-            </a:r>
-          </a:p>
-          <a:p>
-            <a:pPr lvl="1"/>
-            <a:r>
-              <a:rPr lang="en-US" dirty="0"/>
-              <a:t>Contains copy you are working on</a:t>
-            </a:r>
-          </a:p>
-          <a:p>
-            <a:pPr lvl="1"/>
-            <a:r>
-              <a:rPr lang="en-US" dirty="0"/>
-              <a:t>Client-side</a:t>
-            </a:r>
-          </a:p>
-          <a:p>
-            <a:pPr lvl="1"/>
-            <a:r>
-              <a:rPr lang="en-US" dirty="0"/>
-              <a:t>One or more</a:t>
-            </a:r>
-            <a:endParaRPr lang="nl-BE" dirty="0"/>
-          </a:p>
-        </p:txBody>
-      </p:sp>
-      <p:sp>
-        <p:nvSpPr>
-          <p:cNvPr id="4" name="Slide Number Placeholder 3"/>
-          <p:cNvSpPr>
-            <a:spLocks noGrp="1"/>
-          </p:cNvSpPr>
-          <p:nvPr>
-            <p:ph type="sldNum" sz="quarter" idx="12"/>
-          </p:nvPr>
-        </p:nvSpPr>
-        <p:spPr/>
-        <p:txBody>
-          <a:bodyPr/>
-          <a:lstStyle/>
-          <a:p>
-            <a:fld id="{BB52A05A-A776-4391-ACD7-D6BC34D3145C}" type="slidenum">
-              <a:rPr lang="nl-BE" smtClean="0"/>
-              <a:t>12</a:t>
-            </a:fld>
-            <a:endParaRPr lang="nl-BE"/>
-          </a:p>
-        </p:txBody>
-      </p:sp>
-    </p:spTree>
-    <p:extLst>
-      <p:ext uri="{BB962C8B-B14F-4D97-AF65-F5344CB8AC3E}">
-        <p14:creationId xmlns:p14="http://schemas.microsoft.com/office/powerpoint/2010/main" val="673070004"/>
       </p:ext>
     </p:extLst>
   </p:cSld>
@@ -6428,6 +7194,146 @@
           <a:p>
             <a:r>
               <a:rPr lang="en-US" dirty="0"/>
+              <a:t>Bird's eye view explained</a:t>
+            </a:r>
+            <a:endParaRPr lang="nl-BE" dirty="0"/>
+          </a:p>
+        </p:txBody>
+      </p:sp>
+      <p:sp>
+        <p:nvSpPr>
+          <p:cNvPr id="3" name="Content Placeholder 2"/>
+          <p:cNvSpPr>
+            <a:spLocks noGrp="1"/>
+          </p:cNvSpPr>
+          <p:nvPr>
+            <p:ph idx="1"/>
+          </p:nvPr>
+        </p:nvSpPr>
+        <p:spPr/>
+        <p:txBody>
+          <a:bodyPr/>
+          <a:lstStyle/>
+          <a:p>
+            <a:r>
+              <a:rPr lang="en-US" dirty="0"/>
+              <a:t>Repository</a:t>
+            </a:r>
+          </a:p>
+          <a:p>
+            <a:pPr lvl="1"/>
+            <a:r>
+              <a:rPr lang="en-US" dirty="0"/>
+              <a:t>Contains files/directories + history (all versions)</a:t>
+            </a:r>
+          </a:p>
+          <a:p>
+            <a:pPr lvl="1"/>
+            <a:r>
+              <a:rPr lang="en-US" dirty="0"/>
+              <a:t>"Server"-side</a:t>
+            </a:r>
+          </a:p>
+          <a:p>
+            <a:r>
+              <a:rPr lang="en-US" dirty="0"/>
+              <a:t>Working copy</a:t>
+            </a:r>
+          </a:p>
+          <a:p>
+            <a:pPr lvl="1"/>
+            <a:r>
+              <a:rPr lang="en-US" dirty="0"/>
+              <a:t>Contains copy you are working on</a:t>
+            </a:r>
+          </a:p>
+          <a:p>
+            <a:pPr lvl="1"/>
+            <a:r>
+              <a:rPr lang="en-US" dirty="0"/>
+              <a:t>Client-side</a:t>
+            </a:r>
+          </a:p>
+          <a:p>
+            <a:pPr lvl="1"/>
+            <a:r>
+              <a:rPr lang="en-US" dirty="0"/>
+              <a:t>One or more</a:t>
+            </a:r>
+            <a:endParaRPr lang="nl-BE" dirty="0"/>
+          </a:p>
+        </p:txBody>
+      </p:sp>
+      <p:sp>
+        <p:nvSpPr>
+          <p:cNvPr id="4" name="Slide Number Placeholder 3"/>
+          <p:cNvSpPr>
+            <a:spLocks noGrp="1"/>
+          </p:cNvSpPr>
+          <p:nvPr>
+            <p:ph type="sldNum" sz="quarter" idx="12"/>
+          </p:nvPr>
+        </p:nvSpPr>
+        <p:spPr/>
+        <p:txBody>
+          <a:bodyPr/>
+          <a:lstStyle/>
+          <a:p>
+            <a:fld id="{BB52A05A-A776-4391-ACD7-D6BC34D3145C}" type="slidenum">
+              <a:rPr lang="nl-BE" smtClean="0"/>
+              <a:t>13</a:t>
+            </a:fld>
+            <a:endParaRPr lang="nl-BE"/>
+          </a:p>
+        </p:txBody>
+      </p:sp>
+    </p:spTree>
+    <p:extLst>
+      <p:ext uri="{BB962C8B-B14F-4D97-AF65-F5344CB8AC3E}">
+        <p14:creationId xmlns:p14="http://schemas.microsoft.com/office/powerpoint/2010/main" val="673070004"/>
+      </p:ext>
+    </p:extLst>
+  </p:cSld>
+  <p:clrMapOvr>
+    <a:masterClrMapping/>
+  </p:clrMapOvr>
+</p:sld>
+</file>
+
+<file path=ppt/slides/slide14.xml><?xml version="1.0" encoding="utf-8"?>
+<p:sld xmlns:a="http://schemas.openxmlformats.org/drawingml/2006/main" xmlns:r="http://schemas.openxmlformats.org/officeDocument/2006/relationships" xmlns:p="http://schemas.openxmlformats.org/presentationml/2006/main">
+  <p:cSld>
+    <p:spTree>
+      <p:nvGrpSpPr>
+        <p:cNvPr id="1" name=""/>
+        <p:cNvGrpSpPr/>
+        <p:nvPr/>
+      </p:nvGrpSpPr>
+      <p:grpSpPr>
+        <a:xfrm>
+          <a:off x="0" y="0"/>
+          <a:ext cx="0" cy="0"/>
+          <a:chOff x="0" y="0"/>
+          <a:chExt cx="0" cy="0"/>
+        </a:xfrm>
+      </p:grpSpPr>
+      <p:sp>
+        <p:nvSpPr>
+          <p:cNvPr id="2" name="Title 1"/>
+          <p:cNvSpPr>
+            <a:spLocks noGrp="1"/>
+          </p:cNvSpPr>
+          <p:nvPr>
+            <p:ph type="title"/>
+          </p:nvPr>
+        </p:nvSpPr>
+        <p:spPr/>
+        <p:txBody>
+          <a:bodyPr/>
+          <a:lstStyle/>
+          <a:p>
+            <a:r>
+              <a:rPr lang="en-US" dirty="0"/>
               <a:t>Why </a:t>
             </a:r>
             <a:r>
@@ -6594,7 +7500,7 @@
           <a:p>
             <a:fld id="{BB52A05A-A776-4391-ACD7-D6BC34D3145C}" type="slidenum">
               <a:rPr lang="nl-BE" smtClean="0"/>
-              <a:t>13</a:t>
+              <a:t>14</a:t>
             </a:fld>
             <a:endParaRPr lang="nl-BE"/>
           </a:p>
@@ -7026,7 +7932,7 @@
 </p:sld>
 </file>
 
-<file path=ppt/slides/slide14.xml><?xml version="1.0" encoding="utf-8"?>
+<file path=ppt/slides/slide15.xml><?xml version="1.0" encoding="utf-8"?>
 <p:sld xmlns:a="http://schemas.openxmlformats.org/drawingml/2006/main" xmlns:r="http://schemas.openxmlformats.org/officeDocument/2006/relationships" xmlns:p="http://schemas.openxmlformats.org/presentationml/2006/main">
   <p:cSld>
     <p:spTree>
@@ -8839,7 +9745,7 @@
           <a:p>
             <a:fld id="{BB52A05A-A776-4391-ACD7-D6BC34D3145C}" type="slidenum">
               <a:rPr lang="nl-BE" smtClean="0"/>
-              <a:t>14</a:t>
+              <a:t>15</a:t>
             </a:fld>
             <a:endParaRPr lang="nl-BE"/>
           </a:p>
@@ -8849,156 +9755,6 @@
     <p:extLst>
       <p:ext uri="{BB962C8B-B14F-4D97-AF65-F5344CB8AC3E}">
         <p14:creationId xmlns:p14="http://schemas.microsoft.com/office/powerpoint/2010/main" val="609354695"/>
-      </p:ext>
-    </p:extLst>
-  </p:cSld>
-  <p:clrMapOvr>
-    <a:masterClrMapping/>
-  </p:clrMapOvr>
-</p:sld>
-</file>
-
-<file path=ppt/slides/slide15.xml><?xml version="1.0" encoding="utf-8"?>
-<p:sld xmlns:a="http://schemas.openxmlformats.org/drawingml/2006/main" xmlns:r="http://schemas.openxmlformats.org/officeDocument/2006/relationships" xmlns:p="http://schemas.openxmlformats.org/presentationml/2006/main">
-  <p:cSld>
-    <p:spTree>
-      <p:nvGrpSpPr>
-        <p:cNvPr id="1" name=""/>
-        <p:cNvGrpSpPr/>
-        <p:nvPr/>
-      </p:nvGrpSpPr>
-      <p:grpSpPr>
-        <a:xfrm>
-          <a:off x="0" y="0"/>
-          <a:ext cx="0" cy="0"/>
-          <a:chOff x="0" y="0"/>
-          <a:chExt cx="0" cy="0"/>
-        </a:xfrm>
-      </p:grpSpPr>
-      <p:sp>
-        <p:nvSpPr>
-          <p:cNvPr id="2" name="Title 1"/>
-          <p:cNvSpPr>
-            <a:spLocks noGrp="1"/>
-          </p:cNvSpPr>
-          <p:nvPr>
-            <p:ph type="title"/>
-          </p:nvPr>
-        </p:nvSpPr>
-        <p:spPr/>
-        <p:txBody>
-          <a:bodyPr/>
-          <a:lstStyle/>
-          <a:p>
-            <a:r>
-              <a:rPr lang="en-US" dirty="0"/>
-              <a:t>Bird's eye view explained</a:t>
-            </a:r>
-            <a:endParaRPr lang="nl-BE" dirty="0"/>
-          </a:p>
-        </p:txBody>
-      </p:sp>
-      <p:sp>
-        <p:nvSpPr>
-          <p:cNvPr id="3" name="Content Placeholder 2"/>
-          <p:cNvSpPr>
-            <a:spLocks noGrp="1"/>
-          </p:cNvSpPr>
-          <p:nvPr>
-            <p:ph idx="1"/>
-          </p:nvPr>
-        </p:nvSpPr>
-        <p:spPr/>
-        <p:txBody>
-          <a:bodyPr>
-            <a:normAutofit/>
-          </a:bodyPr>
-          <a:lstStyle/>
-          <a:p>
-            <a:r>
-              <a:rPr lang="en-US" dirty="0"/>
-              <a:t>Repository</a:t>
-            </a:r>
-          </a:p>
-          <a:p>
-            <a:pPr lvl="1"/>
-            <a:r>
-              <a:rPr lang="en-US" dirty="0"/>
-              <a:t>Contains files/directories + history (all versions)</a:t>
-            </a:r>
-          </a:p>
-          <a:p>
-            <a:pPr lvl="1"/>
-            <a:r>
-              <a:rPr lang="en-US" dirty="0"/>
-              <a:t>Cloned, i.e., </a:t>
-            </a:r>
-            <a:r>
-              <a:rPr lang="en-US" i="1" dirty="0"/>
-              <a:t>always</a:t>
-            </a:r>
-            <a:r>
-              <a:rPr lang="en-US" dirty="0"/>
-              <a:t> work on local repository</a:t>
-            </a:r>
-          </a:p>
-          <a:p>
-            <a:r>
-              <a:rPr lang="en-US" dirty="0"/>
-              <a:t>Synchronizing with remote repository</a:t>
-            </a:r>
-          </a:p>
-          <a:p>
-            <a:pPr lvl="1"/>
-            <a:r>
-              <a:rPr lang="en-US" dirty="0"/>
-              <a:t>pull: get latest version from remote repository to local</a:t>
-            </a:r>
-          </a:p>
-          <a:p>
-            <a:pPr lvl="1"/>
-            <a:r>
-              <a:rPr lang="en-US" dirty="0"/>
-              <a:t>push: put local version in remote repository</a:t>
-            </a:r>
-          </a:p>
-          <a:p>
-            <a:pPr lvl="1"/>
-            <a:r>
-              <a:rPr lang="en-US" dirty="0"/>
-              <a:t>Can be single remote repository, or multiple</a:t>
-            </a:r>
-            <a:endParaRPr lang="nl-BE" dirty="0"/>
-          </a:p>
-        </p:txBody>
-      </p:sp>
-      <p:sp>
-        <p:nvSpPr>
-          <p:cNvPr id="4" name="Slide Number Placeholder 3"/>
-          <p:cNvSpPr>
-            <a:spLocks noGrp="1"/>
-          </p:cNvSpPr>
-          <p:nvPr>
-            <p:ph type="sldNum" sz="quarter" idx="12"/>
-          </p:nvPr>
-        </p:nvSpPr>
-        <p:spPr/>
-        <p:txBody>
-          <a:bodyPr/>
-          <a:lstStyle/>
-          <a:p>
-            <a:fld id="{BB52A05A-A776-4391-ACD7-D6BC34D3145C}" type="slidenum">
-              <a:rPr lang="nl-BE" smtClean="0"/>
-              <a:t>15</a:t>
-            </a:fld>
-            <a:endParaRPr lang="nl-BE"/>
-          </a:p>
-        </p:txBody>
-      </p:sp>
-    </p:spTree>
-    <p:extLst>
-      <p:ext uri="{BB962C8B-B14F-4D97-AF65-F5344CB8AC3E}">
-        <p14:creationId xmlns:p14="http://schemas.microsoft.com/office/powerpoint/2010/main" val="2131065029"/>
       </p:ext>
     </p:extLst>
   </p:cSld>
@@ -9042,7 +9798,7 @@
           <a:p>
             <a:r>
               <a:rPr lang="en-US" dirty="0"/>
-              <a:t>Typographical conventions</a:t>
+              <a:t>Bird's eye view explained</a:t>
             </a:r>
             <a:endParaRPr lang="nl-BE" dirty="0"/>
           </a:p>
@@ -9060,153 +9816,71 @@
         </p:nvSpPr>
         <p:spPr/>
         <p:txBody>
-          <a:bodyPr/>
+          <a:bodyPr>
+            <a:normAutofit/>
+          </a:bodyPr>
           <a:lstStyle/>
           <a:p>
             <a:r>
               <a:rPr lang="en-US" dirty="0"/>
-              <a:t>Shell commands are rendered as</a:t>
-            </a:r>
-          </a:p>
-          <a:p>
-            <a:endParaRPr lang="en-US" dirty="0"/>
+              <a:t>Repository</a:t>
+            </a:r>
           </a:p>
           <a:p>
             <a:pPr lvl="1"/>
             <a:r>
               <a:rPr lang="en-US" dirty="0"/>
-              <a:t>Do </a:t>
+              <a:t>Contains files/directories + history (all versions)</a:t>
+            </a:r>
+          </a:p>
+          <a:p>
+            <a:pPr lvl="1"/>
+            <a:r>
+              <a:rPr lang="en-US" dirty="0"/>
+              <a:t>Cloned, i.e., </a:t>
             </a:r>
             <a:r>
               <a:rPr lang="en-US" i="1" dirty="0"/>
-              <a:t>not</a:t>
+              <a:t>always</a:t>
             </a:r>
             <a:r>
               <a:rPr lang="en-US" dirty="0"/>
-              <a:t> type </a:t>
-            </a:r>
-            <a:r>
-              <a:rPr lang="en-US" dirty="0">
-                <a:latin typeface="Courier New" pitchFamily="49" charset="0"/>
-                <a:cs typeface="Courier New" pitchFamily="49" charset="0"/>
-              </a:rPr>
-              <a:t>$</a:t>
-            </a:r>
+              <a:t> work on local repository</a:t>
+            </a:r>
+          </a:p>
+          <a:p>
             <a:r>
               <a:rPr lang="en-US" dirty="0"/>
-              <a:t>, it represents your shell prompt!</a:t>
-            </a:r>
-          </a:p>
-          <a:p>
+              <a:t>Synchronizing with remote repository</a:t>
+            </a:r>
+          </a:p>
+          <a:p>
+            <a:pPr lvl="1"/>
             <a:r>
               <a:rPr lang="en-US" dirty="0"/>
-              <a:t>Code and file names are also rendered as, e.g., </a:t>
-            </a:r>
-            <a:r>
-              <a:rPr lang="en-US" dirty="0">
-                <a:latin typeface="Courier New" pitchFamily="49" charset="0"/>
-                <a:cs typeface="Courier New" pitchFamily="49" charset="0"/>
-              </a:rPr>
-              <a:t>.</a:t>
-            </a:r>
-            <a:r>
-              <a:rPr lang="en-US" dirty="0" err="1">
-                <a:latin typeface="Courier New" pitchFamily="49" charset="0"/>
-                <a:cs typeface="Courier New" pitchFamily="49" charset="0"/>
-              </a:rPr>
-              <a:t>bashrc</a:t>
-            </a:r>
-            <a:endParaRPr lang="en-US" dirty="0">
-              <a:latin typeface="Courier New" pitchFamily="49" charset="0"/>
-              <a:cs typeface="Courier New" pitchFamily="49" charset="0"/>
-            </a:endParaRPr>
-          </a:p>
-          <a:p>
+              <a:t>pull: get latest version from remote repository to local</a:t>
+            </a:r>
+          </a:p>
+          <a:p>
+            <a:pPr lvl="1"/>
             <a:r>
               <a:rPr lang="en-US" dirty="0"/>
-              <a:t>Everything </a:t>
-            </a:r>
-            <a:r>
-              <a:rPr lang="en-US" dirty="0">
-                <a:solidFill>
-                  <a:srgbClr val="FF0000"/>
-                </a:solidFill>
-              </a:rPr>
-              <a:t>specific to VSC clusters is rendered in red</a:t>
-            </a:r>
-            <a:endParaRPr lang="nl-BE" dirty="0">
-              <a:solidFill>
-                <a:srgbClr val="FF0000"/>
-              </a:solidFill>
-            </a:endParaRPr>
+              <a:t>push: put local version in remote repository</a:t>
+            </a:r>
+          </a:p>
+          <a:p>
+            <a:pPr lvl="1"/>
+            <a:r>
+              <a:rPr lang="en-US" dirty="0"/>
+              <a:t>Can be single remote repository, or multiple</a:t>
+            </a:r>
+            <a:endParaRPr lang="nl-BE" dirty="0"/>
           </a:p>
         </p:txBody>
       </p:sp>
       <p:sp>
         <p:nvSpPr>
-          <p:cNvPr id="4" name="TextBox 3"/>
-          <p:cNvSpPr txBox="1"/>
-          <p:nvPr/>
-        </p:nvSpPr>
-        <p:spPr>
-          <a:xfrm>
-            <a:off x="1763688" y="2276872"/>
-            <a:ext cx="1425390" cy="369332"/>
-          </a:xfrm>
-          <a:prstGeom prst="rect">
-            <a:avLst/>
-          </a:prstGeom>
-          <a:noFill/>
-          <a:ln>
-            <a:solidFill>
-              <a:schemeClr val="tx1"/>
-            </a:solidFill>
-          </a:ln>
-        </p:spPr>
-        <p:txBody>
-          <a:bodyPr wrap="none" rtlCol="0">
-            <a:spAutoFit/>
-          </a:bodyPr>
-          <a:lstStyle/>
-          <a:p>
-            <a:r>
-              <a:rPr lang="en-US" dirty="0">
-                <a:latin typeface="Courier New" pitchFamily="49" charset="0"/>
-                <a:cs typeface="Courier New" pitchFamily="49" charset="0"/>
-              </a:rPr>
-              <a:t>$ </a:t>
-            </a:r>
-            <a:r>
-              <a:rPr lang="en-US" dirty="0" err="1">
-                <a:latin typeface="Courier New" pitchFamily="49" charset="0"/>
-                <a:cs typeface="Courier New" pitchFamily="49" charset="0"/>
-              </a:rPr>
-              <a:t>ls</a:t>
-            </a:r>
-            <a:r>
-              <a:rPr lang="en-US" dirty="0">
-                <a:latin typeface="Courier New" pitchFamily="49" charset="0"/>
-                <a:cs typeface="Courier New" pitchFamily="49" charset="0"/>
-              </a:rPr>
-              <a:t> -</a:t>
-            </a:r>
-            <a:r>
-              <a:rPr lang="en-US" dirty="0" err="1">
-                <a:latin typeface="Courier New" pitchFamily="49" charset="0"/>
-                <a:cs typeface="Courier New" pitchFamily="49" charset="0"/>
-              </a:rPr>
-              <a:t>als</a:t>
-            </a:r>
-            <a:endParaRPr lang="nl-BE" dirty="0">
-              <a:latin typeface="Courier New" pitchFamily="49" charset="0"/>
-              <a:cs typeface="Courier New" pitchFamily="49" charset="0"/>
-            </a:endParaRPr>
-          </a:p>
-        </p:txBody>
-      </p:sp>
-      <p:sp>
-        <p:nvSpPr>
-          <p:cNvPr id="5" name="Slide Number Placeholder 4"/>
+          <p:cNvPr id="4" name="Slide Number Placeholder 3"/>
           <p:cNvSpPr>
             <a:spLocks noGrp="1"/>
           </p:cNvSpPr>
@@ -9230,7 +9904,7 @@
     </p:spTree>
     <p:extLst>
       <p:ext uri="{BB962C8B-B14F-4D97-AF65-F5344CB8AC3E}">
-        <p14:creationId xmlns:p14="http://schemas.microsoft.com/office/powerpoint/2010/main" val="562389030"/>
+        <p14:creationId xmlns:p14="http://schemas.microsoft.com/office/powerpoint/2010/main" val="2131065029"/>
       </p:ext>
     </p:extLst>
   </p:cSld>
@@ -9274,6 +9948,238 @@
           <a:p>
             <a:r>
               <a:rPr lang="en-US" dirty="0"/>
+              <a:t>Typographical conventions</a:t>
+            </a:r>
+            <a:endParaRPr lang="nl-BE" dirty="0"/>
+          </a:p>
+        </p:txBody>
+      </p:sp>
+      <p:sp>
+        <p:nvSpPr>
+          <p:cNvPr id="3" name="Content Placeholder 2"/>
+          <p:cNvSpPr>
+            <a:spLocks noGrp="1"/>
+          </p:cNvSpPr>
+          <p:nvPr>
+            <p:ph idx="1"/>
+          </p:nvPr>
+        </p:nvSpPr>
+        <p:spPr/>
+        <p:txBody>
+          <a:bodyPr/>
+          <a:lstStyle/>
+          <a:p>
+            <a:r>
+              <a:rPr lang="en-US" dirty="0"/>
+              <a:t>Shell commands are rendered as</a:t>
+            </a:r>
+          </a:p>
+          <a:p>
+            <a:endParaRPr lang="en-US" dirty="0"/>
+          </a:p>
+          <a:p>
+            <a:pPr lvl="1"/>
+            <a:r>
+              <a:rPr lang="en-US" dirty="0"/>
+              <a:t>Do </a:t>
+            </a:r>
+            <a:r>
+              <a:rPr lang="en-US" i="1" dirty="0"/>
+              <a:t>not</a:t>
+            </a:r>
+            <a:r>
+              <a:rPr lang="en-US" dirty="0"/>
+              <a:t> type </a:t>
+            </a:r>
+            <a:r>
+              <a:rPr lang="en-US" dirty="0">
+                <a:latin typeface="Courier New" pitchFamily="49" charset="0"/>
+                <a:cs typeface="Courier New" pitchFamily="49" charset="0"/>
+              </a:rPr>
+              <a:t>$</a:t>
+            </a:r>
+            <a:r>
+              <a:rPr lang="en-US" dirty="0"/>
+              <a:t>, it represents your shell prompt!</a:t>
+            </a:r>
+          </a:p>
+          <a:p>
+            <a:r>
+              <a:rPr lang="en-US" dirty="0"/>
+              <a:t>Code and file names are also rendered as, e.g., </a:t>
+            </a:r>
+            <a:r>
+              <a:rPr lang="en-US" dirty="0">
+                <a:latin typeface="Courier New" pitchFamily="49" charset="0"/>
+                <a:cs typeface="Courier New" pitchFamily="49" charset="0"/>
+              </a:rPr>
+              <a:t>.</a:t>
+            </a:r>
+            <a:r>
+              <a:rPr lang="en-US" dirty="0" err="1">
+                <a:latin typeface="Courier New" pitchFamily="49" charset="0"/>
+                <a:cs typeface="Courier New" pitchFamily="49" charset="0"/>
+              </a:rPr>
+              <a:t>bashrc</a:t>
+            </a:r>
+            <a:endParaRPr lang="en-US" dirty="0">
+              <a:latin typeface="Courier New" pitchFamily="49" charset="0"/>
+              <a:cs typeface="Courier New" pitchFamily="49" charset="0"/>
+            </a:endParaRPr>
+          </a:p>
+          <a:p>
+            <a:r>
+              <a:rPr lang="en-US" dirty="0"/>
+              <a:t>Everything </a:t>
+            </a:r>
+            <a:r>
+              <a:rPr lang="en-US" dirty="0">
+                <a:solidFill>
+                  <a:srgbClr val="FF0000"/>
+                </a:solidFill>
+              </a:rPr>
+              <a:t>specific to VSC clusters is rendered in red</a:t>
+            </a:r>
+            <a:endParaRPr lang="nl-BE" dirty="0">
+              <a:solidFill>
+                <a:srgbClr val="FF0000"/>
+              </a:solidFill>
+            </a:endParaRPr>
+          </a:p>
+        </p:txBody>
+      </p:sp>
+      <p:sp>
+        <p:nvSpPr>
+          <p:cNvPr id="4" name="TextBox 3"/>
+          <p:cNvSpPr txBox="1"/>
+          <p:nvPr/>
+        </p:nvSpPr>
+        <p:spPr>
+          <a:xfrm>
+            <a:off x="1763688" y="2276872"/>
+            <a:ext cx="1425390" cy="369332"/>
+          </a:xfrm>
+          <a:prstGeom prst="rect">
+            <a:avLst/>
+          </a:prstGeom>
+          <a:noFill/>
+          <a:ln>
+            <a:solidFill>
+              <a:schemeClr val="tx1"/>
+            </a:solidFill>
+          </a:ln>
+        </p:spPr>
+        <p:txBody>
+          <a:bodyPr wrap="none" rtlCol="0">
+            <a:spAutoFit/>
+          </a:bodyPr>
+          <a:lstStyle/>
+          <a:p>
+            <a:r>
+              <a:rPr lang="en-US" dirty="0">
+                <a:latin typeface="Courier New" pitchFamily="49" charset="0"/>
+                <a:cs typeface="Courier New" pitchFamily="49" charset="0"/>
+              </a:rPr>
+              <a:t>$ </a:t>
+            </a:r>
+            <a:r>
+              <a:rPr lang="en-US" dirty="0" err="1">
+                <a:latin typeface="Courier New" pitchFamily="49" charset="0"/>
+                <a:cs typeface="Courier New" pitchFamily="49" charset="0"/>
+              </a:rPr>
+              <a:t>ls</a:t>
+            </a:r>
+            <a:r>
+              <a:rPr lang="en-US" dirty="0">
+                <a:latin typeface="Courier New" pitchFamily="49" charset="0"/>
+                <a:cs typeface="Courier New" pitchFamily="49" charset="0"/>
+              </a:rPr>
+              <a:t> -</a:t>
+            </a:r>
+            <a:r>
+              <a:rPr lang="en-US" dirty="0" err="1">
+                <a:latin typeface="Courier New" pitchFamily="49" charset="0"/>
+                <a:cs typeface="Courier New" pitchFamily="49" charset="0"/>
+              </a:rPr>
+              <a:t>als</a:t>
+            </a:r>
+            <a:endParaRPr lang="nl-BE" dirty="0">
+              <a:latin typeface="Courier New" pitchFamily="49" charset="0"/>
+              <a:cs typeface="Courier New" pitchFamily="49" charset="0"/>
+            </a:endParaRPr>
+          </a:p>
+        </p:txBody>
+      </p:sp>
+      <p:sp>
+        <p:nvSpPr>
+          <p:cNvPr id="5" name="Slide Number Placeholder 4"/>
+          <p:cNvSpPr>
+            <a:spLocks noGrp="1"/>
+          </p:cNvSpPr>
+          <p:nvPr>
+            <p:ph type="sldNum" sz="quarter" idx="12"/>
+          </p:nvPr>
+        </p:nvSpPr>
+        <p:spPr/>
+        <p:txBody>
+          <a:bodyPr/>
+          <a:lstStyle/>
+          <a:p>
+            <a:fld id="{BB52A05A-A776-4391-ACD7-D6BC34D3145C}" type="slidenum">
+              <a:rPr lang="nl-BE" smtClean="0"/>
+              <a:t>17</a:t>
+            </a:fld>
+            <a:endParaRPr lang="nl-BE"/>
+          </a:p>
+        </p:txBody>
+      </p:sp>
+    </p:spTree>
+    <p:extLst>
+      <p:ext uri="{BB962C8B-B14F-4D97-AF65-F5344CB8AC3E}">
+        <p14:creationId xmlns:p14="http://schemas.microsoft.com/office/powerpoint/2010/main" val="562389030"/>
+      </p:ext>
+    </p:extLst>
+  </p:cSld>
+  <p:clrMapOvr>
+    <a:masterClrMapping/>
+  </p:clrMapOvr>
+</p:sld>
+</file>
+
+<file path=ppt/slides/slide18.xml><?xml version="1.0" encoding="utf-8"?>
+<p:sld xmlns:a="http://schemas.openxmlformats.org/drawingml/2006/main" xmlns:r="http://schemas.openxmlformats.org/officeDocument/2006/relationships" xmlns:p="http://schemas.openxmlformats.org/presentationml/2006/main">
+  <p:cSld>
+    <p:spTree>
+      <p:nvGrpSpPr>
+        <p:cNvPr id="1" name=""/>
+        <p:cNvGrpSpPr/>
+        <p:nvPr/>
+      </p:nvGrpSpPr>
+      <p:grpSpPr>
+        <a:xfrm>
+          <a:off x="0" y="0"/>
+          <a:ext cx="0" cy="0"/>
+          <a:chOff x="0" y="0"/>
+          <a:chExt cx="0" cy="0"/>
+        </a:xfrm>
+      </p:grpSpPr>
+      <p:sp>
+        <p:nvSpPr>
+          <p:cNvPr id="2" name="Title 1"/>
+          <p:cNvSpPr>
+            <a:spLocks noGrp="1"/>
+          </p:cNvSpPr>
+          <p:nvPr>
+            <p:ph type="title"/>
+          </p:nvPr>
+        </p:nvSpPr>
+        <p:spPr/>
+        <p:txBody>
+          <a:bodyPr/>
+          <a:lstStyle/>
+          <a:p>
+            <a:r>
+              <a:rPr lang="en-US" dirty="0"/>
               <a:t>Single user scenario</a:t>
             </a:r>
             <a:endParaRPr lang="nl-BE" dirty="0"/>
@@ -9316,7 +10222,7 @@
           <a:p>
             <a:fld id="{BB52A05A-A776-4391-ACD7-D6BC34D3145C}" type="slidenum">
               <a:rPr lang="nl-BE" smtClean="0"/>
-              <a:t>17</a:t>
+              <a:t>18</a:t>
             </a:fld>
             <a:endParaRPr lang="nl-BE"/>
           </a:p>
@@ -9335,7 +10241,7 @@
 </p:sld>
 </file>
 
-<file path=ppt/slides/slide18.xml><?xml version="1.0" encoding="utf-8"?>
+<file path=ppt/slides/slide19.xml><?xml version="1.0" encoding="utf-8"?>
 <p:sld xmlns:a="http://schemas.openxmlformats.org/drawingml/2006/main" xmlns:r="http://schemas.openxmlformats.org/officeDocument/2006/relationships" xmlns:p="http://schemas.openxmlformats.org/presentationml/2006/main">
   <p:cSld>
     <p:spTree>
@@ -9453,7 +10359,7 @@
           <a:p>
             <a:fld id="{BB52A05A-A776-4391-ACD7-D6BC34D3145C}" type="slidenum">
               <a:rPr lang="nl-BE" smtClean="0"/>
-              <a:t>18</a:t>
+              <a:t>19</a:t>
             </a:fld>
             <a:endParaRPr lang="nl-BE"/>
           </a:p>
@@ -9979,7 +10885,125 @@
 </p:sld>
 </file>
 
-<file path=ppt/slides/slide19.xml><?xml version="1.0" encoding="utf-8"?>
+<file path=ppt/slides/slide2.xml><?xml version="1.0" encoding="utf-8"?>
+<p:sld xmlns:a="http://schemas.openxmlformats.org/drawingml/2006/main" xmlns:r="http://schemas.openxmlformats.org/officeDocument/2006/relationships" xmlns:p="http://schemas.openxmlformats.org/presentationml/2006/main">
+  <p:cSld>
+    <p:spTree>
+      <p:nvGrpSpPr>
+        <p:cNvPr id="1" name=""/>
+        <p:cNvGrpSpPr/>
+        <p:nvPr/>
+      </p:nvGrpSpPr>
+      <p:grpSpPr>
+        <a:xfrm>
+          <a:off x="0" y="0"/>
+          <a:ext cx="0" cy="0"/>
+          <a:chOff x="0" y="0"/>
+          <a:chExt cx="0" cy="0"/>
+        </a:xfrm>
+      </p:grpSpPr>
+      <p:pic>
+        <p:nvPicPr>
+          <p:cNvPr id="2" name="Picture 1"/>
+          <p:cNvPicPr>
+            <a:picLocks noChangeAspect="1"/>
+          </p:cNvPicPr>
+          <p:nvPr/>
+        </p:nvPicPr>
+        <p:blipFill>
+          <a:blip r:embed="rId2">
+            <a:extLst>
+              <a:ext uri="{28A0092B-C50C-407E-A947-70E740481C1C}">
+                <a14:useLocalDpi xmlns:a14="http://schemas.microsoft.com/office/drawing/2010/main" val="0"/>
+              </a:ext>
+            </a:extLst>
+          </a:blip>
+          <a:stretch>
+            <a:fillRect/>
+          </a:stretch>
+        </p:blipFill>
+        <p:spPr>
+          <a:xfrm>
+            <a:off x="2535826" y="652795"/>
+            <a:ext cx="4072349" cy="4072349"/>
+          </a:xfrm>
+          <a:prstGeom prst="rect">
+            <a:avLst/>
+          </a:prstGeom>
+        </p:spPr>
+      </p:pic>
+      <p:sp>
+        <p:nvSpPr>
+          <p:cNvPr id="3" name="Slide Number Placeholder 2"/>
+          <p:cNvSpPr>
+            <a:spLocks noGrp="1"/>
+          </p:cNvSpPr>
+          <p:nvPr>
+            <p:ph type="sldNum" sz="quarter" idx="12"/>
+          </p:nvPr>
+        </p:nvSpPr>
+        <p:spPr/>
+        <p:txBody>
+          <a:bodyPr/>
+          <a:lstStyle/>
+          <a:p>
+            <a:fld id="{35F391BF-7132-46E1-9240-3B3D23F237CB}" type="slidenum">
+              <a:rPr lang="nl-BE" smtClean="0"/>
+              <a:t>2</a:t>
+            </a:fld>
+            <a:endParaRPr lang="nl-BE"/>
+          </a:p>
+        </p:txBody>
+      </p:sp>
+      <p:sp>
+        <p:nvSpPr>
+          <p:cNvPr id="5" name="TextBox 4"/>
+          <p:cNvSpPr txBox="1"/>
+          <p:nvPr/>
+        </p:nvSpPr>
+        <p:spPr>
+          <a:xfrm>
+            <a:off x="2480851" y="5373216"/>
+            <a:ext cx="4182299" cy="646331"/>
+          </a:xfrm>
+          <a:prstGeom prst="rect">
+            <a:avLst/>
+          </a:prstGeom>
+          <a:noFill/>
+        </p:spPr>
+        <p:txBody>
+          <a:bodyPr wrap="none" rtlCol="0">
+            <a:spAutoFit/>
+          </a:bodyPr>
+          <a:lstStyle/>
+          <a:p>
+            <a:r>
+              <a:rPr lang="en-US" sz="3600" dirty="0">
+                <a:hlinkClick r:id="rId3"/>
+              </a:rPr>
+              <a:t>http://bit.ly/33KIS6S</a:t>
+            </a:r>
+            <a:r>
+              <a:rPr lang="en-US" sz="3600" dirty="0"/>
+              <a:t> </a:t>
+            </a:r>
+          </a:p>
+        </p:txBody>
+      </p:sp>
+    </p:spTree>
+    <p:extLst>
+      <p:ext uri="{BB962C8B-B14F-4D97-AF65-F5344CB8AC3E}">
+        <p14:creationId xmlns:p14="http://schemas.microsoft.com/office/powerpoint/2010/main" val="2976000392"/>
+      </p:ext>
+    </p:extLst>
+  </p:cSld>
+  <p:clrMapOvr>
+    <a:masterClrMapping/>
+  </p:clrMapOvr>
+</p:sld>
+</file>
+
+<file path=ppt/slides/slide20.xml><?xml version="1.0" encoding="utf-8"?>
 <p:sld xmlns:a="http://schemas.openxmlformats.org/drawingml/2006/main" xmlns:r="http://schemas.openxmlformats.org/officeDocument/2006/relationships" xmlns:p="http://schemas.openxmlformats.org/presentationml/2006/main">
   <p:cSld>
     <p:spTree>
@@ -10302,7 +11326,7 @@
           <a:p>
             <a:fld id="{BB52A05A-A776-4391-ACD7-D6BC34D3145C}" type="slidenum">
               <a:rPr lang="nl-BE" smtClean="0"/>
-              <a:t>19</a:t>
+              <a:t>20</a:t>
             </a:fld>
             <a:endParaRPr lang="nl-BE"/>
           </a:p>
@@ -10668,125 +11692,7 @@
 </p:sld>
 </file>
 
-<file path=ppt/slides/slide2.xml><?xml version="1.0" encoding="utf-8"?>
-<p:sld xmlns:a="http://schemas.openxmlformats.org/drawingml/2006/main" xmlns:r="http://schemas.openxmlformats.org/officeDocument/2006/relationships" xmlns:p="http://schemas.openxmlformats.org/presentationml/2006/main">
-  <p:cSld>
-    <p:spTree>
-      <p:nvGrpSpPr>
-        <p:cNvPr id="1" name=""/>
-        <p:cNvGrpSpPr/>
-        <p:nvPr/>
-      </p:nvGrpSpPr>
-      <p:grpSpPr>
-        <a:xfrm>
-          <a:off x="0" y="0"/>
-          <a:ext cx="0" cy="0"/>
-          <a:chOff x="0" y="0"/>
-          <a:chExt cx="0" cy="0"/>
-        </a:xfrm>
-      </p:grpSpPr>
-      <p:pic>
-        <p:nvPicPr>
-          <p:cNvPr id="2" name="Picture 1"/>
-          <p:cNvPicPr>
-            <a:picLocks noChangeAspect="1"/>
-          </p:cNvPicPr>
-          <p:nvPr/>
-        </p:nvPicPr>
-        <p:blipFill>
-          <a:blip r:embed="rId2">
-            <a:extLst>
-              <a:ext uri="{28A0092B-C50C-407E-A947-70E740481C1C}">
-                <a14:useLocalDpi xmlns:a14="http://schemas.microsoft.com/office/drawing/2010/main" val="0"/>
-              </a:ext>
-            </a:extLst>
-          </a:blip>
-          <a:stretch>
-            <a:fillRect/>
-          </a:stretch>
-        </p:blipFill>
-        <p:spPr>
-          <a:xfrm>
-            <a:off x="2535826" y="652795"/>
-            <a:ext cx="4072349" cy="4072349"/>
-          </a:xfrm>
-          <a:prstGeom prst="rect">
-            <a:avLst/>
-          </a:prstGeom>
-        </p:spPr>
-      </p:pic>
-      <p:sp>
-        <p:nvSpPr>
-          <p:cNvPr id="3" name="Slide Number Placeholder 2"/>
-          <p:cNvSpPr>
-            <a:spLocks noGrp="1"/>
-          </p:cNvSpPr>
-          <p:nvPr>
-            <p:ph type="sldNum" sz="quarter" idx="12"/>
-          </p:nvPr>
-        </p:nvSpPr>
-        <p:spPr/>
-        <p:txBody>
-          <a:bodyPr/>
-          <a:lstStyle/>
-          <a:p>
-            <a:fld id="{35F391BF-7132-46E1-9240-3B3D23F237CB}" type="slidenum">
-              <a:rPr lang="nl-BE" smtClean="0"/>
-              <a:t>2</a:t>
-            </a:fld>
-            <a:endParaRPr lang="nl-BE"/>
-          </a:p>
-        </p:txBody>
-      </p:sp>
-      <p:sp>
-        <p:nvSpPr>
-          <p:cNvPr id="5" name="TextBox 4"/>
-          <p:cNvSpPr txBox="1"/>
-          <p:nvPr/>
-        </p:nvSpPr>
-        <p:spPr>
-          <a:xfrm>
-            <a:off x="2480851" y="5373216"/>
-            <a:ext cx="4182299" cy="646331"/>
-          </a:xfrm>
-          <a:prstGeom prst="rect">
-            <a:avLst/>
-          </a:prstGeom>
-          <a:noFill/>
-        </p:spPr>
-        <p:txBody>
-          <a:bodyPr wrap="none" rtlCol="0">
-            <a:spAutoFit/>
-          </a:bodyPr>
-          <a:lstStyle/>
-          <a:p>
-            <a:r>
-              <a:rPr lang="en-US" sz="3600" dirty="0">
-                <a:hlinkClick r:id="rId3"/>
-              </a:rPr>
-              <a:t>http://bit.ly/33KIS6S</a:t>
-            </a:r>
-            <a:r>
-              <a:rPr lang="en-US" sz="3600" dirty="0"/>
-              <a:t> </a:t>
-            </a:r>
-          </a:p>
-        </p:txBody>
-      </p:sp>
-    </p:spTree>
-    <p:extLst>
-      <p:ext uri="{BB962C8B-B14F-4D97-AF65-F5344CB8AC3E}">
-        <p14:creationId xmlns:p14="http://schemas.microsoft.com/office/powerpoint/2010/main" val="2976000392"/>
-      </p:ext>
-    </p:extLst>
-  </p:cSld>
-  <p:clrMapOvr>
-    <a:masterClrMapping/>
-  </p:clrMapOvr>
-</p:sld>
-</file>
-
-<file path=ppt/slides/slide20.xml><?xml version="1.0" encoding="utf-8"?>
+<file path=ppt/slides/slide21.xml><?xml version="1.0" encoding="utf-8"?>
 <p:sld xmlns:a="http://schemas.openxmlformats.org/drawingml/2006/main" xmlns:r="http://schemas.openxmlformats.org/officeDocument/2006/relationships" xmlns:p="http://schemas.openxmlformats.org/presentationml/2006/main">
   <p:cSld>
     <p:spTree>
@@ -11062,7 +11968,7 @@
           <a:p>
             <a:fld id="{BB52A05A-A776-4391-ACD7-D6BC34D3145C}" type="slidenum">
               <a:rPr lang="nl-BE" smtClean="0"/>
-              <a:t>20</a:t>
+              <a:t>21</a:t>
             </a:fld>
             <a:endParaRPr lang="nl-BE"/>
           </a:p>
@@ -11366,7 +12272,7 @@
 </p:sld>
 </file>
 
-<file path=ppt/slides/slide21.xml><?xml version="1.0" encoding="utf-8"?>
+<file path=ppt/slides/slide22.xml><?xml version="1.0" encoding="utf-8"?>
 <p:sld xmlns:a="http://schemas.openxmlformats.org/drawingml/2006/main" xmlns:r="http://schemas.openxmlformats.org/officeDocument/2006/relationships" xmlns:p="http://schemas.openxmlformats.org/presentationml/2006/main">
   <p:cSld>
     <p:spTree>
@@ -11626,7 +12532,7 @@
           <a:p>
             <a:fld id="{BB52A05A-A776-4391-ACD7-D6BC34D3145C}" type="slidenum">
               <a:rPr lang="nl-BE" smtClean="0"/>
-              <a:t>21</a:t>
+              <a:t>22</a:t>
             </a:fld>
             <a:endParaRPr lang="nl-BE"/>
           </a:p>
@@ -11847,7 +12753,7 @@
 </p:sld>
 </file>
 
-<file path=ppt/slides/slide22.xml><?xml version="1.0" encoding="utf-8"?>
+<file path=ppt/slides/slide23.xml><?xml version="1.0" encoding="utf-8"?>
 <p:sld xmlns:a="http://schemas.openxmlformats.org/drawingml/2006/main" xmlns:r="http://schemas.openxmlformats.org/officeDocument/2006/relationships" xmlns:p="http://schemas.openxmlformats.org/presentationml/2006/main">
   <p:cSld>
     <p:spTree>
@@ -11974,7 +12880,7 @@
           <a:p>
             <a:fld id="{BB52A05A-A776-4391-ACD7-D6BC34D3145C}" type="slidenum">
               <a:rPr lang="nl-BE" smtClean="0"/>
-              <a:t>22</a:t>
+              <a:t>23</a:t>
             </a:fld>
             <a:endParaRPr lang="nl-BE"/>
           </a:p>
@@ -13024,7 +13930,7 @@
 </p:sld>
 </file>
 
-<file path=ppt/slides/slide23.xml><?xml version="1.0" encoding="utf-8"?>
+<file path=ppt/slides/slide24.xml><?xml version="1.0" encoding="utf-8"?>
 <p:sld xmlns:a="http://schemas.openxmlformats.org/drawingml/2006/main" xmlns:r="http://schemas.openxmlformats.org/officeDocument/2006/relationships" xmlns:p="http://schemas.openxmlformats.org/presentationml/2006/main">
   <p:cSld>
     <p:spTree>
@@ -13162,7 +14068,7 @@
           <a:p>
             <a:fld id="{BB52A05A-A776-4391-ACD7-D6BC34D3145C}" type="slidenum">
               <a:rPr lang="nl-BE" smtClean="0"/>
-              <a:t>23</a:t>
+              <a:t>24</a:t>
             </a:fld>
             <a:endParaRPr lang="nl-BE"/>
           </a:p>
@@ -13439,7 +14345,7 @@
 </p:sld>
 </file>
 
-<file path=ppt/slides/slide24.xml><?xml version="1.0" encoding="utf-8"?>
+<file path=ppt/slides/slide25.xml><?xml version="1.0" encoding="utf-8"?>
 <p:sld xmlns:a="http://schemas.openxmlformats.org/drawingml/2006/main" xmlns:r="http://schemas.openxmlformats.org/officeDocument/2006/relationships" xmlns:p="http://schemas.openxmlformats.org/presentationml/2006/main">
   <p:cSld>
     <p:spTree>
@@ -13645,7 +14551,7 @@
           <a:p>
             <a:fld id="{BB52A05A-A776-4391-ACD7-D6BC34D3145C}" type="slidenum">
               <a:rPr lang="nl-BE" smtClean="0"/>
-              <a:t>24</a:t>
+              <a:t>25</a:t>
             </a:fld>
             <a:endParaRPr lang="nl-BE"/>
           </a:p>
@@ -13664,7 +14570,7 @@
 </p:sld>
 </file>
 
-<file path=ppt/slides/slide25.xml><?xml version="1.0" encoding="utf-8"?>
+<file path=ppt/slides/slide26.xml><?xml version="1.0" encoding="utf-8"?>
 <p:sld xmlns:a="http://schemas.openxmlformats.org/drawingml/2006/main" xmlns:r="http://schemas.openxmlformats.org/officeDocument/2006/relationships" xmlns:p="http://schemas.openxmlformats.org/presentationml/2006/main">
   <p:cSld>
     <p:spTree>
@@ -13926,7 +14832,7 @@
           <a:p>
             <a:fld id="{BB52A05A-A776-4391-ACD7-D6BC34D3145C}" type="slidenum">
               <a:rPr lang="nl-BE" smtClean="0"/>
-              <a:t>25</a:t>
+              <a:t>26</a:t>
             </a:fld>
             <a:endParaRPr lang="nl-BE"/>
           </a:p>
@@ -14597,7 +15503,7 @@
 </p:sld>
 </file>
 
-<file path=ppt/slides/slide26.xml><?xml version="1.0" encoding="utf-8"?>
+<file path=ppt/slides/slide27.xml><?xml version="1.0" encoding="utf-8"?>
 <p:sld xmlns:a="http://schemas.openxmlformats.org/drawingml/2006/main" xmlns:r="http://schemas.openxmlformats.org/officeDocument/2006/relationships" xmlns:p="http://schemas.openxmlformats.org/presentationml/2006/main">
   <p:cSld>
     <p:spTree>
@@ -14748,7 +15654,7 @@
           <a:p>
             <a:fld id="{BB52A05A-A776-4391-ACD7-D6BC34D3145C}" type="slidenum">
               <a:rPr lang="nl-BE" smtClean="0"/>
-              <a:t>26</a:t>
+              <a:t>27</a:t>
             </a:fld>
             <a:endParaRPr lang="nl-BE"/>
           </a:p>
@@ -15364,7 +16270,7 @@
 </p:sld>
 </file>
 
-<file path=ppt/slides/slide27.xml><?xml version="1.0" encoding="utf-8"?>
+<file path=ppt/slides/slide28.xml><?xml version="1.0" encoding="utf-8"?>
 <p:sld xmlns:a="http://schemas.openxmlformats.org/drawingml/2006/main" xmlns:r="http://schemas.openxmlformats.org/officeDocument/2006/relationships" xmlns:p="http://schemas.openxmlformats.org/presentationml/2006/main">
   <p:cSld>
     <p:spTree>
@@ -15509,7 +16415,7 @@
           <a:p>
             <a:fld id="{BB52A05A-A776-4391-ACD7-D6BC34D3145C}" type="slidenum">
               <a:rPr lang="nl-BE" smtClean="0"/>
-              <a:t>27</a:t>
+              <a:t>28</a:t>
             </a:fld>
             <a:endParaRPr lang="nl-BE"/>
           </a:p>
@@ -16156,7 +17062,7 @@
 </p:sld>
 </file>
 
-<file path=ppt/slides/slide28.xml><?xml version="1.0" encoding="utf-8"?>
+<file path=ppt/slides/slide29.xml><?xml version="1.0" encoding="utf-8"?>
 <p:sld xmlns:a="http://schemas.openxmlformats.org/drawingml/2006/main" xmlns:r="http://schemas.openxmlformats.org/officeDocument/2006/relationships" xmlns:p="http://schemas.openxmlformats.org/presentationml/2006/main">
   <p:cSld>
     <p:spTree>
@@ -16709,7 +17615,7 @@
           <a:p>
             <a:fld id="{BB52A05A-A776-4391-ACD7-D6BC34D3145C}" type="slidenum">
               <a:rPr lang="nl-BE" smtClean="0"/>
-              <a:t>28</a:t>
+              <a:t>29</a:t>
             </a:fld>
             <a:endParaRPr lang="nl-BE"/>
           </a:p>
@@ -16852,7 +17758,102 @@
 </p:sld>
 </file>
 
-<file path=ppt/slides/slide29.xml><?xml version="1.0" encoding="utf-8"?>
+<file path=ppt/slides/slide3.xml><?xml version="1.0" encoding="utf-8"?>
+<p:sld xmlns:a="http://schemas.openxmlformats.org/drawingml/2006/main" xmlns:r="http://schemas.openxmlformats.org/officeDocument/2006/relationships" xmlns:p="http://schemas.openxmlformats.org/presentationml/2006/main">
+  <p:cSld>
+    <p:spTree>
+      <p:nvGrpSpPr>
+        <p:cNvPr id="1" name=""/>
+        <p:cNvGrpSpPr/>
+        <p:nvPr/>
+      </p:nvGrpSpPr>
+      <p:grpSpPr>
+        <a:xfrm>
+          <a:off x="0" y="0"/>
+          <a:ext cx="0" cy="0"/>
+          <a:chOff x="0" y="0"/>
+          <a:chExt cx="0" cy="0"/>
+        </a:xfrm>
+      </p:grpSpPr>
+      <p:sp>
+        <p:nvSpPr>
+          <p:cNvPr id="2" name="Slide Number Placeholder 1">
+            <a:extLst>
+              <a:ext uri="{FF2B5EF4-FFF2-40B4-BE49-F238E27FC236}">
+                <a16:creationId xmlns:a16="http://schemas.microsoft.com/office/drawing/2014/main" id="{1DF78A9E-1D28-C745-5B24-9151CC2AF4E8}"/>
+              </a:ext>
+            </a:extLst>
+          </p:cNvPr>
+          <p:cNvSpPr>
+            <a:spLocks noGrp="1"/>
+          </p:cNvSpPr>
+          <p:nvPr>
+            <p:ph type="sldNum" sz="quarter" idx="12"/>
+          </p:nvPr>
+        </p:nvSpPr>
+        <p:spPr/>
+        <p:txBody>
+          <a:bodyPr/>
+          <a:lstStyle/>
+          <a:p>
+            <a:fld id="{BB52A05A-A776-4391-ACD7-D6BC34D3145C}" type="slidenum">
+              <a:rPr lang="nl-BE" smtClean="0"/>
+              <a:t>3</a:t>
+            </a:fld>
+            <a:endParaRPr lang="nl-BE"/>
+          </a:p>
+        </p:txBody>
+      </p:sp>
+      <p:pic>
+        <p:nvPicPr>
+          <p:cNvPr id="4" name="Picture 3" descr="Qr code&#10;&#10;Description automatically generated">
+            <a:extLst>
+              <a:ext uri="{FF2B5EF4-FFF2-40B4-BE49-F238E27FC236}">
+                <a16:creationId xmlns:a16="http://schemas.microsoft.com/office/drawing/2014/main" id="{1C52DF9B-68D8-0D38-238D-84933F0B9ADA}"/>
+              </a:ext>
+            </a:extLst>
+          </p:cNvPr>
+          <p:cNvPicPr>
+            <a:picLocks noChangeAspect="1"/>
+          </p:cNvPicPr>
+          <p:nvPr/>
+        </p:nvPicPr>
+        <p:blipFill>
+          <a:blip r:embed="rId2">
+            <a:extLst>
+              <a:ext uri="{28A0092B-C50C-407E-A947-70E740481C1C}">
+                <a14:useLocalDpi xmlns:a14="http://schemas.microsoft.com/office/drawing/2010/main" val="0"/>
+              </a:ext>
+            </a:extLst>
+          </a:blip>
+          <a:stretch>
+            <a:fillRect/>
+          </a:stretch>
+        </p:blipFill>
+        <p:spPr>
+          <a:xfrm>
+            <a:off x="0" y="0"/>
+            <a:ext cx="9144000" cy="6858000"/>
+          </a:xfrm>
+          <a:prstGeom prst="rect">
+            <a:avLst/>
+          </a:prstGeom>
+        </p:spPr>
+      </p:pic>
+    </p:spTree>
+    <p:extLst>
+      <p:ext uri="{BB962C8B-B14F-4D97-AF65-F5344CB8AC3E}">
+        <p14:creationId xmlns:p14="http://schemas.microsoft.com/office/powerpoint/2010/main" val="2853281232"/>
+      </p:ext>
+    </p:extLst>
+  </p:cSld>
+  <p:clrMapOvr>
+    <a:masterClrMapping/>
+  </p:clrMapOvr>
+</p:sld>
+</file>
+
+<file path=ppt/slides/slide30.xml><?xml version="1.0" encoding="utf-8"?>
 <p:sld xmlns:a="http://schemas.openxmlformats.org/drawingml/2006/main" xmlns:r="http://schemas.openxmlformats.org/officeDocument/2006/relationships" xmlns:p="http://schemas.openxmlformats.org/presentationml/2006/main">
   <p:cSld>
     <p:spTree>
@@ -16986,7 +17987,7 @@
           <a:p>
             <a:fld id="{BB52A05A-A776-4391-ACD7-D6BC34D3145C}" type="slidenum">
               <a:rPr lang="nl-BE" smtClean="0"/>
-              <a:t>29</a:t>
+              <a:t>30</a:t>
             </a:fld>
             <a:endParaRPr lang="nl-BE"/>
           </a:p>
@@ -17289,7 +18290,7 @@
 </p:sld>
 </file>
 
-<file path=ppt/slides/slide3.xml><?xml version="1.0" encoding="utf-8"?>
+<file path=ppt/slides/slide31.xml><?xml version="1.0" encoding="utf-8"?>
 <p:sld xmlns:a="http://schemas.openxmlformats.org/drawingml/2006/main" xmlns:r="http://schemas.openxmlformats.org/officeDocument/2006/relationships" xmlns:p="http://schemas.openxmlformats.org/presentationml/2006/main">
   <p:cSld>
     <p:spTree>
@@ -17323,7 +18324,7 @@
           <a:p>
             <a:r>
               <a:rPr lang="en-US" dirty="0"/>
-              <a:t>Overview</a:t>
+              <a:t>Revisions</a:t>
             </a:r>
             <a:endParaRPr lang="nl-BE" dirty="0"/>
           </a:p>
@@ -17346,38 +18347,55 @@
           <a:p>
             <a:r>
               <a:rPr lang="en-US" dirty="0"/>
-              <a:t>Motivation</a:t>
+              <a:t>New revision upon commit</a:t>
             </a:r>
           </a:p>
           <a:p>
             <a:r>
               <a:rPr lang="en-US" dirty="0"/>
-              <a:t>Single user scenario</a:t>
+              <a:t>Revision is global for repository, not individual for files</a:t>
             </a:r>
           </a:p>
           <a:p>
             <a:r>
               <a:rPr lang="en-US" dirty="0"/>
-              <a:t>Multiple user scenario</a:t>
-            </a:r>
-          </a:p>
-          <a:p>
-            <a:r>
+              <a:t>Revision ID is long, cryptic string, e.g.,</a:t>
+            </a:r>
+            <a:br>
               <a:rPr lang="en-US" dirty="0"/>
-              <a:t>Demo/hands-on session</a:t>
-            </a:r>
-          </a:p>
-          <a:p>
-            <a:r>
-              <a:rPr lang="en-US" dirty="0"/>
-              <a:t>Getting more information</a:t>
-            </a:r>
-          </a:p>
-          <a:p>
-            <a:r>
-              <a:rPr lang="en-US" dirty="0"/>
-              <a:t>Conclusions</a:t>
-            </a:r>
+            </a:br>
+            <a:r>
+              <a:rPr lang="en-US" sz="2400" dirty="0">
+                <a:latin typeface="Courier New" panose="02070309020205020404" pitchFamily="49" charset="0"/>
+                <a:cs typeface="Courier New" panose="02070309020205020404" pitchFamily="49" charset="0"/>
+              </a:rPr>
+              <a:t>421b0039259ad155858ce52733b4bdcfd2e1e839</a:t>
+            </a:r>
+          </a:p>
+          <a:p>
+            <a:pPr lvl="1"/>
+            <a:r>
+              <a:rPr lang="en-US" dirty="0">
+                <a:cs typeface="Courier New" panose="02070309020205020404" pitchFamily="49" charset="0"/>
+              </a:rPr>
+              <a:t>in practice, first 5-7 characters will do, e.g.,</a:t>
+            </a:r>
+            <a:br>
+              <a:rPr lang="en-US" dirty="0">
+                <a:cs typeface="Courier New" panose="02070309020205020404" pitchFamily="49" charset="0"/>
+              </a:rPr>
+            </a:br>
+            <a:r>
+              <a:rPr lang="en-US" dirty="0">
+                <a:latin typeface="Courier New" panose="02070309020205020404" pitchFamily="49" charset="0"/>
+                <a:cs typeface="Courier New" panose="02070309020205020404" pitchFamily="49" charset="0"/>
+              </a:rPr>
+              <a:t>421b003</a:t>
+            </a:r>
+            <a:endParaRPr lang="nl-BE" dirty="0">
+              <a:latin typeface="Courier New" panose="02070309020205020404" pitchFamily="49" charset="0"/>
+              <a:cs typeface="Courier New" panose="02070309020205020404" pitchFamily="49" charset="0"/>
+            </a:endParaRPr>
           </a:p>
         </p:txBody>
       </p:sp>
@@ -17398,152 +18416,7 @@
           <a:p>
             <a:fld id="{BB52A05A-A776-4391-ACD7-D6BC34D3145C}" type="slidenum">
               <a:rPr lang="nl-BE" smtClean="0"/>
-              <a:t>3</a:t>
-            </a:fld>
-            <a:endParaRPr lang="nl-BE"/>
-          </a:p>
-        </p:txBody>
-      </p:sp>
-    </p:spTree>
-    <p:extLst>
-      <p:ext uri="{BB962C8B-B14F-4D97-AF65-F5344CB8AC3E}">
-        <p14:creationId xmlns:p14="http://schemas.microsoft.com/office/powerpoint/2010/main" val="2007369851"/>
-      </p:ext>
-    </p:extLst>
-  </p:cSld>
-  <p:clrMapOvr>
-    <a:masterClrMapping/>
-  </p:clrMapOvr>
-</p:sld>
-</file>
-
-<file path=ppt/slides/slide30.xml><?xml version="1.0" encoding="utf-8"?>
-<p:sld xmlns:a="http://schemas.openxmlformats.org/drawingml/2006/main" xmlns:r="http://schemas.openxmlformats.org/officeDocument/2006/relationships" xmlns:p="http://schemas.openxmlformats.org/presentationml/2006/main">
-  <p:cSld>
-    <p:spTree>
-      <p:nvGrpSpPr>
-        <p:cNvPr id="1" name=""/>
-        <p:cNvGrpSpPr/>
-        <p:nvPr/>
-      </p:nvGrpSpPr>
-      <p:grpSpPr>
-        <a:xfrm>
-          <a:off x="0" y="0"/>
-          <a:ext cx="0" cy="0"/>
-          <a:chOff x="0" y="0"/>
-          <a:chExt cx="0" cy="0"/>
-        </a:xfrm>
-      </p:grpSpPr>
-      <p:sp>
-        <p:nvSpPr>
-          <p:cNvPr id="2" name="Title 1"/>
-          <p:cNvSpPr>
-            <a:spLocks noGrp="1"/>
-          </p:cNvSpPr>
-          <p:nvPr>
-            <p:ph type="title"/>
-          </p:nvPr>
-        </p:nvSpPr>
-        <p:spPr/>
-        <p:txBody>
-          <a:bodyPr/>
-          <a:lstStyle/>
-          <a:p>
-            <a:r>
-              <a:rPr lang="en-US" dirty="0"/>
-              <a:t>Revisions</a:t>
-            </a:r>
-            <a:endParaRPr lang="nl-BE" dirty="0"/>
-          </a:p>
-        </p:txBody>
-      </p:sp>
-      <p:sp>
-        <p:nvSpPr>
-          <p:cNvPr id="3" name="Content Placeholder 2"/>
-          <p:cNvSpPr>
-            <a:spLocks noGrp="1"/>
-          </p:cNvSpPr>
-          <p:nvPr>
-            <p:ph idx="1"/>
-          </p:nvPr>
-        </p:nvSpPr>
-        <p:spPr/>
-        <p:txBody>
-          <a:bodyPr/>
-          <a:lstStyle/>
-          <a:p>
-            <a:r>
-              <a:rPr lang="en-US" dirty="0"/>
-              <a:t>New revision upon commit</a:t>
-            </a:r>
-          </a:p>
-          <a:p>
-            <a:r>
-              <a:rPr lang="en-US" dirty="0"/>
-              <a:t>Revision is global for repository, not individual for files</a:t>
-            </a:r>
-          </a:p>
-          <a:p>
-            <a:r>
-              <a:rPr lang="en-US" dirty="0"/>
-              <a:t>Revision ID is long, cryptic string, e.g.,</a:t>
-            </a:r>
-            <a:br>
-              <a:rPr lang="en-US" dirty="0"/>
-            </a:br>
-            <a:r>
-              <a:rPr lang="en-US" sz="2400" dirty="0">
-                <a:latin typeface="Courier New" panose="02070309020205020404" pitchFamily="49" charset="0"/>
-                <a:cs typeface="Courier New" panose="02070309020205020404" pitchFamily="49" charset="0"/>
-              </a:rPr>
-              <a:t>421b0039259ad155858ce52733b4bdcfd2e1e839</a:t>
-            </a:r>
-          </a:p>
-          <a:p>
-            <a:pPr lvl="1"/>
-            <a:r>
-              <a:rPr lang="en-US" dirty="0">
-                <a:cs typeface="Courier New" panose="02070309020205020404" pitchFamily="49" charset="0"/>
-              </a:rPr>
-              <a:t>in practice, first 5-7 characters will do, e.g.,</a:t>
-            </a:r>
-            <a:br>
-              <a:rPr lang="en-US" dirty="0">
-                <a:cs typeface="Courier New" panose="02070309020205020404" pitchFamily="49" charset="0"/>
-              </a:rPr>
-            </a:br>
-            <a:r>
-              <a:rPr lang="en-US" dirty="0">
-                <a:latin typeface="Courier New" panose="02070309020205020404" pitchFamily="49" charset="0"/>
-                <a:cs typeface="Courier New" panose="02070309020205020404" pitchFamily="49" charset="0"/>
-              </a:rPr>
-              <a:t>421b003</a:t>
-            </a:r>
-            <a:endParaRPr lang="nl-BE" dirty="0">
-              <a:latin typeface="Courier New" panose="02070309020205020404" pitchFamily="49" charset="0"/>
-              <a:cs typeface="Courier New" panose="02070309020205020404" pitchFamily="49" charset="0"/>
-            </a:endParaRPr>
-          </a:p>
-        </p:txBody>
-      </p:sp>
-      <p:sp>
-        <p:nvSpPr>
-          <p:cNvPr id="4" name="Slide Number Placeholder 3"/>
-          <p:cNvSpPr>
-            <a:spLocks noGrp="1"/>
-          </p:cNvSpPr>
-          <p:nvPr>
-            <p:ph type="sldNum" sz="quarter" idx="12"/>
-          </p:nvPr>
-        </p:nvSpPr>
-        <p:spPr/>
-        <p:txBody>
-          <a:bodyPr/>
-          <a:lstStyle/>
-          <a:p>
-            <a:fld id="{BB52A05A-A776-4391-ACD7-D6BC34D3145C}" type="slidenum">
-              <a:rPr lang="nl-BE" smtClean="0"/>
-              <a:t>30</a:t>
+              <a:t>31</a:t>
             </a:fld>
             <a:endParaRPr lang="nl-BE"/>
           </a:p>
@@ -17824,7 +18697,7 @@
 </p:sld>
 </file>
 
-<file path=ppt/slides/slide31.xml><?xml version="1.0" encoding="utf-8"?>
+<file path=ppt/slides/slide32.xml><?xml version="1.0" encoding="utf-8"?>
 <p:sld xmlns:a="http://schemas.openxmlformats.org/drawingml/2006/main" xmlns:r="http://schemas.openxmlformats.org/officeDocument/2006/relationships" xmlns:p="http://schemas.openxmlformats.org/presentationml/2006/main">
   <p:cSld>
     <p:spTree>
@@ -19287,7 +20160,7 @@
           <a:p>
             <a:fld id="{BB52A05A-A776-4391-ACD7-D6BC34D3145C}" type="slidenum">
               <a:rPr lang="nl-BE" smtClean="0"/>
-              <a:t>31</a:t>
+              <a:t>32</a:t>
             </a:fld>
             <a:endParaRPr lang="nl-BE"/>
           </a:p>
@@ -19678,7 +20551,7 @@
 </p:sld>
 </file>
 
-<file path=ppt/slides/slide32.xml><?xml version="1.0" encoding="utf-8"?>
+<file path=ppt/slides/slide33.xml><?xml version="1.0" encoding="utf-8"?>
 <p:sld xmlns:a="http://schemas.openxmlformats.org/drawingml/2006/main" xmlns:r="http://schemas.openxmlformats.org/officeDocument/2006/relationships" xmlns:p="http://schemas.openxmlformats.org/presentationml/2006/main">
   <p:cSld>
     <p:spTree>
@@ -19843,7 +20716,7 @@
           <a:p>
             <a:fld id="{BB52A05A-A776-4391-ACD7-D6BC34D3145C}" type="slidenum">
               <a:rPr lang="nl-BE" smtClean="0"/>
-              <a:t>32</a:t>
+              <a:t>33</a:t>
             </a:fld>
             <a:endParaRPr lang="nl-BE"/>
           </a:p>
@@ -20220,7 +21093,7 @@
 </p:sld>
 </file>
 
-<file path=ppt/slides/slide33.xml><?xml version="1.0" encoding="utf-8"?>
+<file path=ppt/slides/slide34.xml><?xml version="1.0" encoding="utf-8"?>
 <p:sld xmlns:a="http://schemas.openxmlformats.org/drawingml/2006/main" xmlns:r="http://schemas.openxmlformats.org/officeDocument/2006/relationships" xmlns:p="http://schemas.openxmlformats.org/presentationml/2006/main">
   <p:cSld>
     <p:spTree>
@@ -20556,7 +21429,7 @@
           <a:p>
             <a:fld id="{BB52A05A-A776-4391-ACD7-D6BC34D3145C}" type="slidenum">
               <a:rPr lang="nl-BE" smtClean="0"/>
-              <a:t>33</a:t>
+              <a:t>34</a:t>
             </a:fld>
             <a:endParaRPr lang="nl-BE"/>
           </a:p>
@@ -20984,7 +21857,7 @@
 </p:sld>
 </file>
 
-<file path=ppt/slides/slide34.xml><?xml version="1.0" encoding="utf-8"?>
+<file path=ppt/slides/slide35.xml><?xml version="1.0" encoding="utf-8"?>
 <p:sld xmlns:a="http://schemas.openxmlformats.org/drawingml/2006/main" xmlns:r="http://schemas.openxmlformats.org/officeDocument/2006/relationships" xmlns:p="http://schemas.openxmlformats.org/presentationml/2006/main">
   <p:cSld>
     <p:spTree>
@@ -21324,7 +22197,7 @@
           <a:p>
             <a:fld id="{BB52A05A-A776-4391-ACD7-D6BC34D3145C}" type="slidenum">
               <a:rPr lang="nl-BE" smtClean="0"/>
-              <a:t>34</a:t>
+              <a:t>35</a:t>
             </a:fld>
             <a:endParaRPr lang="nl-BE"/>
           </a:p>
@@ -21688,7 +22561,7 @@
 </p:sld>
 </file>
 
-<file path=ppt/slides/slide35.xml><?xml version="1.0" encoding="utf-8"?>
+<file path=ppt/slides/slide36.xml><?xml version="1.0" encoding="utf-8"?>
 <p:sld xmlns:a="http://schemas.openxmlformats.org/drawingml/2006/main" xmlns:r="http://schemas.openxmlformats.org/officeDocument/2006/relationships" xmlns:p="http://schemas.openxmlformats.org/presentationml/2006/main">
   <p:cSld>
     <p:spTree>
@@ -21805,7 +22678,7 @@
         <p:spPr>
           <a:xfrm>
             <a:off x="1259632" y="2204864"/>
-            <a:ext cx="4824536" cy="369332"/>
+            <a:ext cx="5293568" cy="369332"/>
           </a:xfrm>
           <a:prstGeom prst="rect">
             <a:avLst/>
@@ -21867,7 +22740,7 @@
         <p:spPr>
           <a:xfrm>
             <a:off x="1259632" y="3284984"/>
-            <a:ext cx="4824536" cy="369332"/>
+            <a:ext cx="5293568" cy="369332"/>
           </a:xfrm>
           <a:prstGeom prst="rect">
             <a:avLst/>
@@ -21897,28 +22770,21 @@
                 <a:latin typeface="Courier New" pitchFamily="49" charset="0"/>
                 <a:cs typeface="Courier New" pitchFamily="49" charset="0"/>
               </a:rPr>
-              <a:t>checkout</a:t>
+              <a:t>restore</a:t>
             </a:r>
             <a:r>
               <a:rPr lang="nl-BE" dirty="0">
                 <a:latin typeface="Courier New" pitchFamily="49" charset="0"/>
                 <a:cs typeface="Courier New" pitchFamily="49" charset="0"/>
               </a:rPr>
-              <a:t>  </a:t>
+              <a:t>  --source=</a:t>
             </a:r>
             <a:r>
               <a:rPr lang="en-US" dirty="0">
                 <a:latin typeface="Courier New" panose="02070309020205020404" pitchFamily="49" charset="0"/>
                 <a:cs typeface="Courier New" panose="02070309020205020404" pitchFamily="49" charset="0"/>
               </a:rPr>
-              <a:t>421b003  </a:t>
-            </a:r>
-            <a:r>
-              <a:rPr lang="nl-BE" dirty="0">
-                <a:latin typeface="Courier New" pitchFamily="49" charset="0"/>
-                <a:cs typeface="Courier New" pitchFamily="49" charset="0"/>
-              </a:rPr>
-              <a:t>--  </a:t>
+              <a:t>421b003 </a:t>
             </a:r>
             <a:r>
               <a:rPr lang="nl-BE" dirty="0" err="1">
@@ -21943,7 +22809,7 @@
         <p:spPr>
           <a:xfrm>
             <a:off x="1259632" y="4931876"/>
-            <a:ext cx="4824536" cy="369332"/>
+            <a:ext cx="5293568" cy="369332"/>
           </a:xfrm>
           <a:prstGeom prst="rect">
             <a:avLst/>
@@ -21973,28 +22839,28 @@
                 <a:latin typeface="Courier New" pitchFamily="49" charset="0"/>
                 <a:cs typeface="Courier New" pitchFamily="49" charset="0"/>
               </a:rPr>
-              <a:t>checkout</a:t>
+              <a:t>restore</a:t>
             </a:r>
             <a:r>
               <a:rPr lang="nl-BE" dirty="0">
                 <a:latin typeface="Courier New" pitchFamily="49" charset="0"/>
                 <a:cs typeface="Courier New" pitchFamily="49" charset="0"/>
               </a:rPr>
-              <a:t>  </a:t>
+              <a:t>  --source=</a:t>
             </a:r>
             <a:r>
               <a:rPr lang="en-US" dirty="0">
                 <a:latin typeface="Courier New" panose="02070309020205020404" pitchFamily="49" charset="0"/>
                 <a:cs typeface="Courier New" panose="02070309020205020404" pitchFamily="49" charset="0"/>
               </a:rPr>
-              <a:t>421b003  </a:t>
+              <a:t>421b003</a:t>
             </a:r>
             <a:r>
               <a:rPr lang="nl-BE" dirty="0">
                 <a:latin typeface="Courier New" pitchFamily="49" charset="0"/>
                 <a:cs typeface="Courier New" pitchFamily="49" charset="0"/>
               </a:rPr>
-              <a:t>--  </a:t>
+              <a:t>  </a:t>
             </a:r>
             <a:r>
               <a:rPr lang="nl-BE" dirty="0" err="1">
@@ -22030,7 +22896,7 @@
           <a:p>
             <a:fld id="{BB52A05A-A776-4391-ACD7-D6BC34D3145C}" type="slidenum">
               <a:rPr lang="nl-BE" smtClean="0"/>
-              <a:t>35</a:t>
+              <a:t>36</a:t>
             </a:fld>
             <a:endParaRPr lang="nl-BE"/>
           </a:p>
@@ -22365,7 +23231,7 @@
 </p:sld>
 </file>
 
-<file path=ppt/slides/slide36.xml><?xml version="1.0" encoding="utf-8"?>
+<file path=ppt/slides/slide37.xml><?xml version="1.0" encoding="utf-8"?>
 <p:sld xmlns:a="http://schemas.openxmlformats.org/drawingml/2006/main" xmlns:r="http://schemas.openxmlformats.org/officeDocument/2006/relationships" xmlns:p="http://schemas.openxmlformats.org/presentationml/2006/main">
   <p:cSld>
     <p:spTree>
@@ -22647,7 +23513,7 @@
           <a:p>
             <a:fld id="{BB52A05A-A776-4391-ACD7-D6BC34D3145C}" type="slidenum">
               <a:rPr lang="nl-BE" smtClean="0"/>
-              <a:t>36</a:t>
+              <a:t>37</a:t>
             </a:fld>
             <a:endParaRPr lang="nl-BE"/>
           </a:p>
@@ -23053,7 +23919,7 @@
 </p:sld>
 </file>
 
-<file path=ppt/slides/slide37.xml><?xml version="1.0" encoding="utf-8"?>
+<file path=ppt/slides/slide38.xml><?xml version="1.0" encoding="utf-8"?>
 <p:sld xmlns:a="http://schemas.openxmlformats.org/drawingml/2006/main" xmlns:r="http://schemas.openxmlformats.org/officeDocument/2006/relationships" xmlns:p="http://schemas.openxmlformats.org/presentationml/2006/main">
   <p:cSld>
     <p:spTree>
@@ -23166,7 +24032,7 @@
           <a:p>
             <a:fld id="{BB52A05A-A776-4391-ACD7-D6BC34D3145C}" type="slidenum">
               <a:rPr lang="nl-BE" smtClean="0"/>
-              <a:t>37</a:t>
+              <a:t>38</a:t>
             </a:fld>
             <a:endParaRPr lang="nl-BE"/>
           </a:p>
@@ -23395,7 +24261,7 @@
 </p:sld>
 </file>
 
-<file path=ppt/slides/slide38.xml><?xml version="1.0" encoding="utf-8"?>
+<file path=ppt/slides/slide39.xml><?xml version="1.0" encoding="utf-8"?>
 <p:sld xmlns:a="http://schemas.openxmlformats.org/drawingml/2006/main" xmlns:r="http://schemas.openxmlformats.org/officeDocument/2006/relationships" xmlns:p="http://schemas.openxmlformats.org/presentationml/2006/main">
   <p:cSld>
     <p:spTree>
@@ -23670,7 +24536,7 @@
           <a:p>
             <a:fld id="{BB52A05A-A776-4391-ACD7-D6BC34D3145C}" type="slidenum">
               <a:rPr lang="nl-BE" smtClean="0"/>
-              <a:t>38</a:t>
+              <a:t>39</a:t>
             </a:fld>
             <a:endParaRPr lang="nl-BE"/>
           </a:p>
@@ -24046,7 +24912,7 @@
 </p:sld>
 </file>
 
-<file path=ppt/slides/slide39.xml><?xml version="1.0" encoding="utf-8"?>
+<file path=ppt/slides/slide4.xml><?xml version="1.0" encoding="utf-8"?>
 <p:sld xmlns:a="http://schemas.openxmlformats.org/drawingml/2006/main" xmlns:r="http://schemas.openxmlformats.org/officeDocument/2006/relationships" xmlns:p="http://schemas.openxmlformats.org/presentationml/2006/main">
   <p:cSld>
     <p:spTree>
@@ -24080,6 +24946,134 @@
           <a:p>
             <a:r>
               <a:rPr lang="en-US" dirty="0"/>
+              <a:t>Overview</a:t>
+            </a:r>
+            <a:endParaRPr lang="nl-BE" dirty="0"/>
+          </a:p>
+        </p:txBody>
+      </p:sp>
+      <p:sp>
+        <p:nvSpPr>
+          <p:cNvPr id="3" name="Content Placeholder 2"/>
+          <p:cNvSpPr>
+            <a:spLocks noGrp="1"/>
+          </p:cNvSpPr>
+          <p:nvPr>
+            <p:ph idx="1"/>
+          </p:nvPr>
+        </p:nvSpPr>
+        <p:spPr/>
+        <p:txBody>
+          <a:bodyPr/>
+          <a:lstStyle/>
+          <a:p>
+            <a:r>
+              <a:rPr lang="en-US" dirty="0"/>
+              <a:t>Motivation</a:t>
+            </a:r>
+          </a:p>
+          <a:p>
+            <a:r>
+              <a:rPr lang="en-US" dirty="0"/>
+              <a:t>Single user scenario</a:t>
+            </a:r>
+          </a:p>
+          <a:p>
+            <a:r>
+              <a:rPr lang="en-US" dirty="0"/>
+              <a:t>Multiple user scenario</a:t>
+            </a:r>
+          </a:p>
+          <a:p>
+            <a:r>
+              <a:rPr lang="en-US" dirty="0"/>
+              <a:t>Demo/hands-on session</a:t>
+            </a:r>
+          </a:p>
+          <a:p>
+            <a:r>
+              <a:rPr lang="en-US" dirty="0"/>
+              <a:t>Getting more information</a:t>
+            </a:r>
+          </a:p>
+          <a:p>
+            <a:r>
+              <a:rPr lang="en-US" dirty="0"/>
+              <a:t>Conclusions</a:t>
+            </a:r>
+          </a:p>
+        </p:txBody>
+      </p:sp>
+      <p:sp>
+        <p:nvSpPr>
+          <p:cNvPr id="4" name="Slide Number Placeholder 3"/>
+          <p:cNvSpPr>
+            <a:spLocks noGrp="1"/>
+          </p:cNvSpPr>
+          <p:nvPr>
+            <p:ph type="sldNum" sz="quarter" idx="12"/>
+          </p:nvPr>
+        </p:nvSpPr>
+        <p:spPr/>
+        <p:txBody>
+          <a:bodyPr/>
+          <a:lstStyle/>
+          <a:p>
+            <a:fld id="{BB52A05A-A776-4391-ACD7-D6BC34D3145C}" type="slidenum">
+              <a:rPr lang="nl-BE" smtClean="0"/>
+              <a:t>4</a:t>
+            </a:fld>
+            <a:endParaRPr lang="nl-BE"/>
+          </a:p>
+        </p:txBody>
+      </p:sp>
+    </p:spTree>
+    <p:extLst>
+      <p:ext uri="{BB962C8B-B14F-4D97-AF65-F5344CB8AC3E}">
+        <p14:creationId xmlns:p14="http://schemas.microsoft.com/office/powerpoint/2010/main" val="2007369851"/>
+      </p:ext>
+    </p:extLst>
+  </p:cSld>
+  <p:clrMapOvr>
+    <a:masterClrMapping/>
+  </p:clrMapOvr>
+</p:sld>
+</file>
+
+<file path=ppt/slides/slide40.xml><?xml version="1.0" encoding="utf-8"?>
+<p:sld xmlns:a="http://schemas.openxmlformats.org/drawingml/2006/main" xmlns:r="http://schemas.openxmlformats.org/officeDocument/2006/relationships" xmlns:p="http://schemas.openxmlformats.org/presentationml/2006/main">
+  <p:cSld>
+    <p:spTree>
+      <p:nvGrpSpPr>
+        <p:cNvPr id="1" name=""/>
+        <p:cNvGrpSpPr/>
+        <p:nvPr/>
+      </p:nvGrpSpPr>
+      <p:grpSpPr>
+        <a:xfrm>
+          <a:off x="0" y="0"/>
+          <a:ext cx="0" cy="0"/>
+          <a:chOff x="0" y="0"/>
+          <a:chExt cx="0" cy="0"/>
+        </a:xfrm>
+      </p:grpSpPr>
+      <p:sp>
+        <p:nvSpPr>
+          <p:cNvPr id="2" name="Title 1"/>
+          <p:cNvSpPr>
+            <a:spLocks noGrp="1"/>
+          </p:cNvSpPr>
+          <p:nvPr>
+            <p:ph type="title"/>
+          </p:nvPr>
+        </p:nvSpPr>
+        <p:spPr/>
+        <p:txBody>
+          <a:bodyPr/>
+          <a:lstStyle/>
+          <a:p>
+            <a:r>
+              <a:rPr lang="en-US" dirty="0"/>
               <a:t>Tag, you're "it"! More semantics</a:t>
             </a:r>
             <a:endParaRPr lang="nl-BE" dirty="0"/>
@@ -24249,7 +25243,7 @@
           <a:p>
             <a:fld id="{BB52A05A-A776-4391-ACD7-D6BC34D3145C}" type="slidenum">
               <a:rPr lang="nl-BE" smtClean="0"/>
-              <a:t>39</a:t>
+              <a:t>40</a:t>
             </a:fld>
             <a:endParaRPr lang="nl-BE"/>
           </a:p>
@@ -24569,7 +25563,7 @@
 </p:sld>
 </file>
 
-<file path=ppt/slides/slide4.xml><?xml version="1.0" encoding="utf-8"?>
+<file path=ppt/slides/slide41.xml><?xml version="1.0" encoding="utf-8"?>
 <p:sld xmlns:a="http://schemas.openxmlformats.org/drawingml/2006/main" xmlns:r="http://schemas.openxmlformats.org/officeDocument/2006/relationships" xmlns:p="http://schemas.openxmlformats.org/presentationml/2006/main">
   <p:cSld>
     <p:spTree>
@@ -24603,101 +25597,6 @@
           <a:p>
             <a:r>
               <a:rPr lang="en-US" dirty="0"/>
-              <a:t>Motivation</a:t>
-            </a:r>
-            <a:endParaRPr lang="nl-BE" dirty="0"/>
-          </a:p>
-        </p:txBody>
-      </p:sp>
-      <p:sp>
-        <p:nvSpPr>
-          <p:cNvPr id="3" name="Text Placeholder 2"/>
-          <p:cNvSpPr>
-            <a:spLocks noGrp="1"/>
-          </p:cNvSpPr>
-          <p:nvPr>
-            <p:ph type="body" idx="1"/>
-          </p:nvPr>
-        </p:nvSpPr>
-        <p:spPr/>
-        <p:txBody>
-          <a:bodyPr/>
-          <a:lstStyle/>
-          <a:p>
-            <a:endParaRPr lang="nl-BE"/>
-          </a:p>
-        </p:txBody>
-      </p:sp>
-      <p:sp>
-        <p:nvSpPr>
-          <p:cNvPr id="4" name="Slide Number Placeholder 3"/>
-          <p:cNvSpPr>
-            <a:spLocks noGrp="1"/>
-          </p:cNvSpPr>
-          <p:nvPr>
-            <p:ph type="sldNum" sz="quarter" idx="12"/>
-          </p:nvPr>
-        </p:nvSpPr>
-        <p:spPr/>
-        <p:txBody>
-          <a:bodyPr/>
-          <a:lstStyle/>
-          <a:p>
-            <a:fld id="{BB52A05A-A776-4391-ACD7-D6BC34D3145C}" type="slidenum">
-              <a:rPr lang="nl-BE" smtClean="0"/>
-              <a:t>4</a:t>
-            </a:fld>
-            <a:endParaRPr lang="nl-BE"/>
-          </a:p>
-        </p:txBody>
-      </p:sp>
-    </p:spTree>
-    <p:extLst>
-      <p:ext uri="{BB962C8B-B14F-4D97-AF65-F5344CB8AC3E}">
-        <p14:creationId xmlns:p14="http://schemas.microsoft.com/office/powerpoint/2010/main" val="292413800"/>
-      </p:ext>
-    </p:extLst>
-  </p:cSld>
-  <p:clrMapOvr>
-    <a:masterClrMapping/>
-  </p:clrMapOvr>
-</p:sld>
-</file>
-
-<file path=ppt/slides/slide40.xml><?xml version="1.0" encoding="utf-8"?>
-<p:sld xmlns:a="http://schemas.openxmlformats.org/drawingml/2006/main" xmlns:r="http://schemas.openxmlformats.org/officeDocument/2006/relationships" xmlns:p="http://schemas.openxmlformats.org/presentationml/2006/main">
-  <p:cSld>
-    <p:spTree>
-      <p:nvGrpSpPr>
-        <p:cNvPr id="1" name=""/>
-        <p:cNvGrpSpPr/>
-        <p:nvPr/>
-      </p:nvGrpSpPr>
-      <p:grpSpPr>
-        <a:xfrm>
-          <a:off x="0" y="0"/>
-          <a:ext cx="0" cy="0"/>
-          <a:chOff x="0" y="0"/>
-          <a:chExt cx="0" cy="0"/>
-        </a:xfrm>
-      </p:grpSpPr>
-      <p:sp>
-        <p:nvSpPr>
-          <p:cNvPr id="2" name="Title 1"/>
-          <p:cNvSpPr>
-            <a:spLocks noGrp="1"/>
-          </p:cNvSpPr>
-          <p:nvPr>
-            <p:ph type="title"/>
-          </p:nvPr>
-        </p:nvSpPr>
-        <p:spPr/>
-        <p:txBody>
-          <a:bodyPr/>
-          <a:lstStyle/>
-          <a:p>
-            <a:r>
-              <a:rPr lang="en-US" dirty="0"/>
               <a:t>Getting help</a:t>
             </a:r>
             <a:endParaRPr lang="nl-BE" dirty="0"/>
@@ -25113,7 +26012,7 @@
           <a:p>
             <a:fld id="{BB52A05A-A776-4391-ACD7-D6BC34D3145C}" type="slidenum">
               <a:rPr lang="nl-BE" smtClean="0"/>
-              <a:t>40</a:t>
+              <a:t>41</a:t>
             </a:fld>
             <a:endParaRPr lang="nl-BE"/>
           </a:p>
@@ -25340,108 +26239,6 @@
 </p:sld>
 </file>
 
-<file path=ppt/slides/slide41.xml><?xml version="1.0" encoding="utf-8"?>
-<p:sld xmlns:a="http://schemas.openxmlformats.org/drawingml/2006/main" xmlns:r="http://schemas.openxmlformats.org/officeDocument/2006/relationships" xmlns:p="http://schemas.openxmlformats.org/presentationml/2006/main">
-  <p:cSld>
-    <p:spTree>
-      <p:nvGrpSpPr>
-        <p:cNvPr id="1" name=""/>
-        <p:cNvGrpSpPr/>
-        <p:nvPr/>
-      </p:nvGrpSpPr>
-      <p:grpSpPr>
-        <a:xfrm>
-          <a:off x="0" y="0"/>
-          <a:ext cx="0" cy="0"/>
-          <a:chOff x="0" y="0"/>
-          <a:chExt cx="0" cy="0"/>
-        </a:xfrm>
-      </p:grpSpPr>
-      <p:sp>
-        <p:nvSpPr>
-          <p:cNvPr id="2" name="Title 1"/>
-          <p:cNvSpPr>
-            <a:spLocks noGrp="1"/>
-          </p:cNvSpPr>
-          <p:nvPr>
-            <p:ph type="title"/>
-          </p:nvPr>
-        </p:nvSpPr>
-        <p:spPr/>
-        <p:txBody>
-          <a:bodyPr/>
-          <a:lstStyle/>
-          <a:p>
-            <a:r>
-              <a:rPr lang="en-US" dirty="0"/>
-              <a:t>Multiple user scenario</a:t>
-            </a:r>
-            <a:endParaRPr lang="nl-BE" dirty="0"/>
-          </a:p>
-        </p:txBody>
-      </p:sp>
-      <p:sp>
-        <p:nvSpPr>
-          <p:cNvPr id="7" name="Text Placeholder 6">
-            <a:extLst>
-              <a:ext uri="{FF2B5EF4-FFF2-40B4-BE49-F238E27FC236}">
-                <a16:creationId xmlns:a16="http://schemas.microsoft.com/office/drawing/2014/main" id="{5E5541F9-3505-4651-A7D4-8314D508B24C}"/>
-              </a:ext>
-            </a:extLst>
-          </p:cNvPr>
-          <p:cNvSpPr>
-            <a:spLocks noGrp="1"/>
-          </p:cNvSpPr>
-          <p:nvPr>
-            <p:ph type="body" idx="1"/>
-          </p:nvPr>
-        </p:nvSpPr>
-        <p:spPr/>
-        <p:txBody>
-          <a:bodyPr/>
-          <a:lstStyle/>
-          <a:p>
-            <a:endParaRPr lang="en-BE"/>
-          </a:p>
-        </p:txBody>
-      </p:sp>
-      <p:sp>
-        <p:nvSpPr>
-          <p:cNvPr id="4" name="Slide Number Placeholder 3"/>
-          <p:cNvSpPr>
-            <a:spLocks noGrp="1"/>
-          </p:cNvSpPr>
-          <p:nvPr>
-            <p:ph type="sldNum" sz="quarter" idx="12"/>
-          </p:nvPr>
-        </p:nvSpPr>
-        <p:spPr/>
-        <p:txBody>
-          <a:bodyPr/>
-          <a:lstStyle/>
-          <a:p>
-            <a:fld id="{BB52A05A-A776-4391-ACD7-D6BC34D3145C}" type="slidenum">
-              <a:rPr lang="nl-BE" smtClean="0"/>
-              <a:pPr/>
-              <a:t>41</a:t>
-            </a:fld>
-            <a:endParaRPr lang="nl-BE"/>
-          </a:p>
-        </p:txBody>
-      </p:sp>
-    </p:spTree>
-    <p:extLst>
-      <p:ext uri="{BB962C8B-B14F-4D97-AF65-F5344CB8AC3E}">
-        <p14:creationId xmlns:p14="http://schemas.microsoft.com/office/powerpoint/2010/main" val="2635007595"/>
-      </p:ext>
-    </p:extLst>
-  </p:cSld>
-  <p:clrMapOvr>
-    <a:masterClrMapping/>
-  </p:clrMapOvr>
-</p:sld>
-</file>
-
 <file path=ppt/slides/slide42.xml><?xml version="1.0" encoding="utf-8"?>
 <p:sld xmlns:a="http://schemas.openxmlformats.org/drawingml/2006/main" xmlns:r="http://schemas.openxmlformats.org/officeDocument/2006/relationships" xmlns:p="http://schemas.openxmlformats.org/presentationml/2006/main">
   <p:cSld>
@@ -25476,6 +26273,108 @@
           <a:p>
             <a:r>
               <a:rPr lang="en-US" dirty="0"/>
+              <a:t>Multiple user scenario</a:t>
+            </a:r>
+            <a:endParaRPr lang="nl-BE" dirty="0"/>
+          </a:p>
+        </p:txBody>
+      </p:sp>
+      <p:sp>
+        <p:nvSpPr>
+          <p:cNvPr id="7" name="Text Placeholder 6">
+            <a:extLst>
+              <a:ext uri="{FF2B5EF4-FFF2-40B4-BE49-F238E27FC236}">
+                <a16:creationId xmlns:a16="http://schemas.microsoft.com/office/drawing/2014/main" id="{5E5541F9-3505-4651-A7D4-8314D508B24C}"/>
+              </a:ext>
+            </a:extLst>
+          </p:cNvPr>
+          <p:cNvSpPr>
+            <a:spLocks noGrp="1"/>
+          </p:cNvSpPr>
+          <p:nvPr>
+            <p:ph type="body" idx="1"/>
+          </p:nvPr>
+        </p:nvSpPr>
+        <p:spPr/>
+        <p:txBody>
+          <a:bodyPr/>
+          <a:lstStyle/>
+          <a:p>
+            <a:endParaRPr lang="en-BE"/>
+          </a:p>
+        </p:txBody>
+      </p:sp>
+      <p:sp>
+        <p:nvSpPr>
+          <p:cNvPr id="4" name="Slide Number Placeholder 3"/>
+          <p:cNvSpPr>
+            <a:spLocks noGrp="1"/>
+          </p:cNvSpPr>
+          <p:nvPr>
+            <p:ph type="sldNum" sz="quarter" idx="12"/>
+          </p:nvPr>
+        </p:nvSpPr>
+        <p:spPr/>
+        <p:txBody>
+          <a:bodyPr/>
+          <a:lstStyle/>
+          <a:p>
+            <a:fld id="{BB52A05A-A776-4391-ACD7-D6BC34D3145C}" type="slidenum">
+              <a:rPr lang="nl-BE" smtClean="0"/>
+              <a:pPr/>
+              <a:t>42</a:t>
+            </a:fld>
+            <a:endParaRPr lang="nl-BE"/>
+          </a:p>
+        </p:txBody>
+      </p:sp>
+    </p:spTree>
+    <p:extLst>
+      <p:ext uri="{BB962C8B-B14F-4D97-AF65-F5344CB8AC3E}">
+        <p14:creationId xmlns:p14="http://schemas.microsoft.com/office/powerpoint/2010/main" val="2635007595"/>
+      </p:ext>
+    </p:extLst>
+  </p:cSld>
+  <p:clrMapOvr>
+    <a:masterClrMapping/>
+  </p:clrMapOvr>
+</p:sld>
+</file>
+
+<file path=ppt/slides/slide43.xml><?xml version="1.0" encoding="utf-8"?>
+<p:sld xmlns:a="http://schemas.openxmlformats.org/drawingml/2006/main" xmlns:r="http://schemas.openxmlformats.org/officeDocument/2006/relationships" xmlns:p="http://schemas.openxmlformats.org/presentationml/2006/main">
+  <p:cSld>
+    <p:spTree>
+      <p:nvGrpSpPr>
+        <p:cNvPr id="1" name=""/>
+        <p:cNvGrpSpPr/>
+        <p:nvPr/>
+      </p:nvGrpSpPr>
+      <p:grpSpPr>
+        <a:xfrm>
+          <a:off x="0" y="0"/>
+          <a:ext cx="0" cy="0"/>
+          <a:chOff x="0" y="0"/>
+          <a:chExt cx="0" cy="0"/>
+        </a:xfrm>
+      </p:grpSpPr>
+      <p:sp>
+        <p:nvSpPr>
+          <p:cNvPr id="2" name="Title 1"/>
+          <p:cNvSpPr>
+            <a:spLocks noGrp="1"/>
+          </p:cNvSpPr>
+          <p:nvPr>
+            <p:ph type="title"/>
+          </p:nvPr>
+        </p:nvSpPr>
+        <p:spPr/>
+        <p:txBody>
+          <a:bodyPr/>
+          <a:lstStyle/>
+          <a:p>
+            <a:r>
+              <a:rPr lang="en-US" dirty="0"/>
               <a:t>Remote repositories: clones</a:t>
             </a:r>
             <a:endParaRPr lang="nl-BE" dirty="0"/>
@@ -25689,7 +26588,7 @@
           <a:p>
             <a:fld id="{BB52A05A-A776-4391-ACD7-D6BC34D3145C}" type="slidenum">
               <a:rPr lang="nl-BE" smtClean="0"/>
-              <a:t>42</a:t>
+              <a:t>43</a:t>
             </a:fld>
             <a:endParaRPr lang="nl-BE"/>
           </a:p>
@@ -25947,7 +26846,7 @@
 </p:sld>
 </file>
 
-<file path=ppt/slides/slide43.xml><?xml version="1.0" encoding="utf-8"?>
+<file path=ppt/slides/slide44.xml><?xml version="1.0" encoding="utf-8"?>
 <p:sld xmlns:a="http://schemas.openxmlformats.org/drawingml/2006/main" xmlns:r="http://schemas.openxmlformats.org/officeDocument/2006/relationships" xmlns:p="http://schemas.openxmlformats.org/presentationml/2006/main">
   <p:cSld>
     <p:spTree>
@@ -26443,7 +27342,7 @@
           <a:p>
             <a:fld id="{BB52A05A-A776-4391-ACD7-D6BC34D3145C}" type="slidenum">
               <a:rPr lang="nl-BE" smtClean="0"/>
-              <a:t>43</a:t>
+              <a:t>44</a:t>
             </a:fld>
             <a:endParaRPr lang="nl-BE"/>
           </a:p>
@@ -26932,7 +27831,7 @@
 </p:sld>
 </file>
 
-<file path=ppt/slides/slide44.xml><?xml version="1.0" encoding="utf-8"?>
+<file path=ppt/slides/slide45.xml><?xml version="1.0" encoding="utf-8"?>
 <p:sld xmlns:a="http://schemas.openxmlformats.org/drawingml/2006/main" xmlns:r="http://schemas.openxmlformats.org/officeDocument/2006/relationships" xmlns:p="http://schemas.openxmlformats.org/presentationml/2006/main">
   <p:cSld>
     <p:spTree>
@@ -28601,7 +29500,7 @@
           <a:p>
             <a:fld id="{BB52A05A-A776-4391-ACD7-D6BC34D3145C}" type="slidenum">
               <a:rPr lang="nl-BE" smtClean="0"/>
-              <a:t>44</a:t>
+              <a:t>45</a:t>
             </a:fld>
             <a:endParaRPr lang="nl-BE"/>
           </a:p>
@@ -28920,7 +29819,7 @@
 </p:sld>
 </file>
 
-<file path=ppt/slides/slide45.xml><?xml version="1.0" encoding="utf-8"?>
+<file path=ppt/slides/slide46.xml><?xml version="1.0" encoding="utf-8"?>
 <p:sld xmlns:a="http://schemas.openxmlformats.org/drawingml/2006/main" xmlns:r="http://schemas.openxmlformats.org/officeDocument/2006/relationships" xmlns:p="http://schemas.openxmlformats.org/presentationml/2006/main">
   <p:cSld>
     <p:spTree>
@@ -29152,7 +30051,7 @@
           <a:p>
             <a:fld id="{BB52A05A-A776-4391-ACD7-D6BC34D3145C}" type="slidenum">
               <a:rPr lang="nl-BE" smtClean="0"/>
-              <a:t>45</a:t>
+              <a:t>46</a:t>
             </a:fld>
             <a:endParaRPr lang="nl-BE"/>
           </a:p>
@@ -29330,7 +30229,7 @@
 </p:sld>
 </file>
 
-<file path=ppt/slides/slide46.xml><?xml version="1.0" encoding="utf-8"?>
+<file path=ppt/slides/slide47.xml><?xml version="1.0" encoding="utf-8"?>
 <p:sld xmlns:a="http://schemas.openxmlformats.org/drawingml/2006/main" xmlns:r="http://schemas.openxmlformats.org/officeDocument/2006/relationships" xmlns:p="http://schemas.openxmlformats.org/presentationml/2006/main">
   <p:cSld>
     <p:spTree>
@@ -30017,7 +30916,7 @@
           <a:p>
             <a:fld id="{BB52A05A-A776-4391-ACD7-D6BC34D3145C}" type="slidenum">
               <a:rPr lang="nl-BE" smtClean="0"/>
-              <a:t>46</a:t>
+              <a:t>47</a:t>
             </a:fld>
             <a:endParaRPr lang="nl-BE"/>
           </a:p>
@@ -30329,7 +31228,7 @@
 </p:sld>
 </file>
 
-<file path=ppt/slides/slide47.xml><?xml version="1.0" encoding="utf-8"?>
+<file path=ppt/slides/slide48.xml><?xml version="1.0" encoding="utf-8"?>
 <p:sld xmlns:a="http://schemas.openxmlformats.org/drawingml/2006/main" xmlns:r="http://schemas.openxmlformats.org/officeDocument/2006/relationships" xmlns:p="http://schemas.openxmlformats.org/presentationml/2006/main">
   <p:cSld>
     <p:spTree>
@@ -30468,7 +31367,7 @@
           <a:p>
             <a:fld id="{BB52A05A-A776-4391-ACD7-D6BC34D3145C}" type="slidenum">
               <a:rPr lang="nl-BE" smtClean="0"/>
-              <a:t>47</a:t>
+              <a:t>48</a:t>
             </a:fld>
             <a:endParaRPr lang="nl-BE"/>
           </a:p>
@@ -30928,7 +31827,7 @@
 </p:sld>
 </file>
 
-<file path=ppt/slides/slide48.xml><?xml version="1.0" encoding="utf-8"?>
+<file path=ppt/slides/slide49.xml><?xml version="1.0" encoding="utf-8"?>
 <p:sld xmlns:a="http://schemas.openxmlformats.org/drawingml/2006/main" xmlns:r="http://schemas.openxmlformats.org/officeDocument/2006/relationships" xmlns:p="http://schemas.openxmlformats.org/presentationml/2006/main">
   <p:cSld>
     <p:spTree>
@@ -32411,7 +33310,7 @@
           <a:p>
             <a:fld id="{BB52A05A-A776-4391-ACD7-D6BC34D3145C}" type="slidenum">
               <a:rPr lang="nl-BE" smtClean="0"/>
-              <a:t>48</a:t>
+              <a:t>49</a:t>
             </a:fld>
             <a:endParaRPr lang="nl-BE"/>
           </a:p>
@@ -33200,7 +34099,7 @@
 </p:sld>
 </file>
 
-<file path=ppt/slides/slide49.xml><?xml version="1.0" encoding="utf-8"?>
+<file path=ppt/slides/slide5.xml><?xml version="1.0" encoding="utf-8"?>
 <p:sld xmlns:a="http://schemas.openxmlformats.org/drawingml/2006/main" xmlns:r="http://schemas.openxmlformats.org/officeDocument/2006/relationships" xmlns:p="http://schemas.openxmlformats.org/presentationml/2006/main">
   <p:cSld>
     <p:spTree>
@@ -33234,6 +34133,101 @@
           <a:p>
             <a:r>
               <a:rPr lang="en-US" dirty="0"/>
+              <a:t>Motivation</a:t>
+            </a:r>
+            <a:endParaRPr lang="nl-BE" dirty="0"/>
+          </a:p>
+        </p:txBody>
+      </p:sp>
+      <p:sp>
+        <p:nvSpPr>
+          <p:cNvPr id="3" name="Text Placeholder 2"/>
+          <p:cNvSpPr>
+            <a:spLocks noGrp="1"/>
+          </p:cNvSpPr>
+          <p:nvPr>
+            <p:ph type="body" idx="1"/>
+          </p:nvPr>
+        </p:nvSpPr>
+        <p:spPr/>
+        <p:txBody>
+          <a:bodyPr/>
+          <a:lstStyle/>
+          <a:p>
+            <a:endParaRPr lang="nl-BE"/>
+          </a:p>
+        </p:txBody>
+      </p:sp>
+      <p:sp>
+        <p:nvSpPr>
+          <p:cNvPr id="4" name="Slide Number Placeholder 3"/>
+          <p:cNvSpPr>
+            <a:spLocks noGrp="1"/>
+          </p:cNvSpPr>
+          <p:nvPr>
+            <p:ph type="sldNum" sz="quarter" idx="12"/>
+          </p:nvPr>
+        </p:nvSpPr>
+        <p:spPr/>
+        <p:txBody>
+          <a:bodyPr/>
+          <a:lstStyle/>
+          <a:p>
+            <a:fld id="{BB52A05A-A776-4391-ACD7-D6BC34D3145C}" type="slidenum">
+              <a:rPr lang="nl-BE" smtClean="0"/>
+              <a:t>5</a:t>
+            </a:fld>
+            <a:endParaRPr lang="nl-BE"/>
+          </a:p>
+        </p:txBody>
+      </p:sp>
+    </p:spTree>
+    <p:extLst>
+      <p:ext uri="{BB962C8B-B14F-4D97-AF65-F5344CB8AC3E}">
+        <p14:creationId xmlns:p14="http://schemas.microsoft.com/office/powerpoint/2010/main" val="292413800"/>
+      </p:ext>
+    </p:extLst>
+  </p:cSld>
+  <p:clrMapOvr>
+    <a:masterClrMapping/>
+  </p:clrMapOvr>
+</p:sld>
+</file>
+
+<file path=ppt/slides/slide50.xml><?xml version="1.0" encoding="utf-8"?>
+<p:sld xmlns:a="http://schemas.openxmlformats.org/drawingml/2006/main" xmlns:r="http://schemas.openxmlformats.org/officeDocument/2006/relationships" xmlns:p="http://schemas.openxmlformats.org/presentationml/2006/main">
+  <p:cSld>
+    <p:spTree>
+      <p:nvGrpSpPr>
+        <p:cNvPr id="1" name=""/>
+        <p:cNvGrpSpPr/>
+        <p:nvPr/>
+      </p:nvGrpSpPr>
+      <p:grpSpPr>
+        <a:xfrm>
+          <a:off x="0" y="0"/>
+          <a:ext cx="0" cy="0"/>
+          <a:chOff x="0" y="0"/>
+          <a:chExt cx="0" cy="0"/>
+        </a:xfrm>
+      </p:grpSpPr>
+      <p:sp>
+        <p:nvSpPr>
+          <p:cNvPr id="2" name="Title 1"/>
+          <p:cNvSpPr>
+            <a:spLocks noGrp="1"/>
+          </p:cNvSpPr>
+          <p:nvPr>
+            <p:ph type="title"/>
+          </p:nvPr>
+        </p:nvSpPr>
+        <p:spPr/>
+        <p:txBody>
+          <a:bodyPr/>
+          <a:lstStyle/>
+          <a:p>
+            <a:r>
+              <a:rPr lang="en-US" dirty="0"/>
               <a:t>Branch life cycle</a:t>
             </a:r>
           </a:p>
@@ -33345,7 +34339,7 @@
           <a:p>
             <a:fld id="{BB52A05A-A776-4391-ACD7-D6BC34D3145C}" type="slidenum">
               <a:rPr lang="nl-BE" smtClean="0"/>
-              <a:t>49</a:t>
+              <a:t>50</a:t>
             </a:fld>
             <a:endParaRPr lang="nl-BE"/>
           </a:p>
@@ -33740,124 +34734,7 @@
 </p:sld>
 </file>
 
-<file path=ppt/slides/slide5.xml><?xml version="1.0" encoding="utf-8"?>
-<p:sld xmlns:a="http://schemas.openxmlformats.org/drawingml/2006/main" xmlns:r="http://schemas.openxmlformats.org/officeDocument/2006/relationships" xmlns:p="http://schemas.openxmlformats.org/presentationml/2006/main">
-  <p:cSld>
-    <p:spTree>
-      <p:nvGrpSpPr>
-        <p:cNvPr id="1" name=""/>
-        <p:cNvGrpSpPr/>
-        <p:nvPr/>
-      </p:nvGrpSpPr>
-      <p:grpSpPr>
-        <a:xfrm>
-          <a:off x="0" y="0"/>
-          <a:ext cx="0" cy="0"/>
-          <a:chOff x="0" y="0"/>
-          <a:chExt cx="0" cy="0"/>
-        </a:xfrm>
-      </p:grpSpPr>
-      <p:sp>
-        <p:nvSpPr>
-          <p:cNvPr id="6" name="Title 5"/>
-          <p:cNvSpPr>
-            <a:spLocks noGrp="1"/>
-          </p:cNvSpPr>
-          <p:nvPr>
-            <p:ph type="title"/>
-          </p:nvPr>
-        </p:nvSpPr>
-        <p:spPr/>
-        <p:txBody>
-          <a:bodyPr/>
-          <a:lstStyle/>
-          <a:p>
-            <a:r>
-              <a:rPr lang="en-US" dirty="0"/>
-              <a:t>It's a beautiful autumn day…</a:t>
-            </a:r>
-            <a:endParaRPr lang="nl-BE" dirty="0"/>
-          </a:p>
-        </p:txBody>
-      </p:sp>
-      <p:pic>
-        <p:nvPicPr>
-          <p:cNvPr id="1026" name="Picture 2" descr="C:\Users\lucg5005\Desktop\DSCF1116.jpg"/>
-          <p:cNvPicPr>
-            <a:picLocks noChangeAspect="1" noChangeArrowheads="1"/>
-          </p:cNvPicPr>
-          <p:nvPr/>
-        </p:nvPicPr>
-        <p:blipFill>
-          <a:blip r:embed="rId2" cstate="print">
-            <a:extLst>
-              <a:ext uri="{28A0092B-C50C-407E-A947-70E740481C1C}">
-                <a14:useLocalDpi xmlns:a14="http://schemas.microsoft.com/office/drawing/2010/main" val="0"/>
-              </a:ext>
-            </a:extLst>
-          </a:blip>
-          <a:srcRect/>
-          <a:stretch>
-            <a:fillRect/>
-          </a:stretch>
-        </p:blipFill>
-        <p:spPr bwMode="auto">
-          <a:xfrm>
-            <a:off x="1219795" y="1279015"/>
-            <a:ext cx="6736581" cy="5390345"/>
-          </a:xfrm>
-          <a:prstGeom prst="rect">
-            <a:avLst/>
-          </a:prstGeom>
-          <a:noFill/>
-          <a:extLst>
-            <a:ext uri="{909E8E84-426E-40DD-AFC4-6F175D3DCCD1}">
-              <a14:hiddenFill xmlns:a14="http://schemas.microsoft.com/office/drawing/2010/main">
-                <a:solidFill>
-                  <a:srgbClr val="FFFFFF"/>
-                </a:solidFill>
-              </a14:hiddenFill>
-            </a:ext>
-          </a:extLst>
-        </p:spPr>
-      </p:pic>
-      <p:sp>
-        <p:nvSpPr>
-          <p:cNvPr id="2" name="Slide Number Placeholder 1"/>
-          <p:cNvSpPr>
-            <a:spLocks noGrp="1"/>
-          </p:cNvSpPr>
-          <p:nvPr>
-            <p:ph type="sldNum" sz="quarter" idx="12"/>
-          </p:nvPr>
-        </p:nvSpPr>
-        <p:spPr/>
-        <p:txBody>
-          <a:bodyPr/>
-          <a:lstStyle/>
-          <a:p>
-            <a:fld id="{BB52A05A-A776-4391-ACD7-D6BC34D3145C}" type="slidenum">
-              <a:rPr lang="nl-BE" smtClean="0"/>
-              <a:t>5</a:t>
-            </a:fld>
-            <a:endParaRPr lang="nl-BE"/>
-          </a:p>
-        </p:txBody>
-      </p:sp>
-    </p:spTree>
-    <p:extLst>
-      <p:ext uri="{BB962C8B-B14F-4D97-AF65-F5344CB8AC3E}">
-        <p14:creationId xmlns:p14="http://schemas.microsoft.com/office/powerpoint/2010/main" val="801143544"/>
-      </p:ext>
-    </p:extLst>
-  </p:cSld>
-  <p:clrMapOvr>
-    <a:masterClrMapping/>
-  </p:clrMapOvr>
-</p:sld>
-</file>
-
-<file path=ppt/slides/slide50.xml><?xml version="1.0" encoding="utf-8"?>
+<file path=ppt/slides/slide51.xml><?xml version="1.0" encoding="utf-8"?>
 <p:sld xmlns:a="http://schemas.openxmlformats.org/drawingml/2006/main" xmlns:r="http://schemas.openxmlformats.org/officeDocument/2006/relationships" xmlns:p="http://schemas.openxmlformats.org/presentationml/2006/main">
   <p:cSld>
     <p:spTree>
@@ -34009,7 +34886,7 @@
         <p:spPr>
           <a:xfrm>
             <a:off x="1187624" y="3356992"/>
-            <a:ext cx="5698996" cy="369332"/>
+            <a:ext cx="5423280" cy="369332"/>
           </a:xfrm>
           <a:prstGeom prst="rect">
             <a:avLst/>
@@ -34032,21 +34909,7 @@
                 <a:latin typeface="Courier New" pitchFamily="49" charset="0"/>
                 <a:cs typeface="Courier New" pitchFamily="49" charset="0"/>
               </a:rPr>
-              <a:t>$ git </a:t>
-            </a:r>
-            <a:r>
-              <a:rPr lang="nl-BE" dirty="0" err="1">
-                <a:latin typeface="Courier New" pitchFamily="49" charset="0"/>
-                <a:cs typeface="Courier New" pitchFamily="49" charset="0"/>
-              </a:rPr>
-              <a:t>checkout</a:t>
-            </a:r>
-            <a:r>
-              <a:rPr lang="nl-BE" dirty="0">
-                <a:latin typeface="Courier New" pitchFamily="49" charset="0"/>
-                <a:cs typeface="Courier New" pitchFamily="49" charset="0"/>
-              </a:rPr>
-              <a:t>  feature/</a:t>
+              <a:t>$ git switch  feature/</a:t>
             </a:r>
             <a:r>
               <a:rPr lang="nl-BE" dirty="0" err="1">
@@ -34145,7 +35008,7 @@
           <a:p>
             <a:fld id="{BB52A05A-A776-4391-ACD7-D6BC34D3145C}" type="slidenum">
               <a:rPr lang="nl-BE" smtClean="0"/>
-              <a:t>50</a:t>
+              <a:t>51</a:t>
             </a:fld>
             <a:endParaRPr lang="nl-BE"/>
           </a:p>
@@ -34449,7 +35312,7 @@
 </p:sld>
 </file>
 
-<file path=ppt/slides/slide51.xml><?xml version="1.0" encoding="utf-8"?>
+<file path=ppt/slides/slide52.xml><?xml version="1.0" encoding="utf-8"?>
 <p:sld xmlns:a="http://schemas.openxmlformats.org/drawingml/2006/main" xmlns:r="http://schemas.openxmlformats.org/officeDocument/2006/relationships" xmlns:p="http://schemas.openxmlformats.org/presentationml/2006/main">
   <p:cSld>
     <p:spTree>
@@ -34610,21 +35473,7 @@
                 <a:latin typeface="Courier New" pitchFamily="49" charset="0"/>
                 <a:cs typeface="Courier New" pitchFamily="49" charset="0"/>
               </a:rPr>
-              <a:t>$ git </a:t>
-            </a:r>
-            <a:r>
-              <a:rPr lang="nl-BE" dirty="0" err="1">
-                <a:latin typeface="Courier New" pitchFamily="49" charset="0"/>
-                <a:cs typeface="Courier New" pitchFamily="49" charset="0"/>
-              </a:rPr>
-              <a:t>checkout</a:t>
-            </a:r>
-            <a:r>
-              <a:rPr lang="nl-BE" dirty="0">
-                <a:latin typeface="Courier New" pitchFamily="49" charset="0"/>
-                <a:cs typeface="Courier New" pitchFamily="49" charset="0"/>
-              </a:rPr>
-              <a:t>  </a:t>
+              <a:t>$ git switch  </a:t>
             </a:r>
             <a:r>
               <a:rPr lang="nl-BE" dirty="0" err="1">
@@ -34756,7 +35605,7 @@
           <a:p>
             <a:fld id="{BB52A05A-A776-4391-ACD7-D6BC34D3145C}" type="slidenum">
               <a:rPr lang="nl-BE" smtClean="0"/>
-              <a:t>51</a:t>
+              <a:t>52</a:t>
             </a:fld>
             <a:endParaRPr lang="nl-BE"/>
           </a:p>
@@ -35091,7 +35940,7 @@
 </p:sld>
 </file>
 
-<file path=ppt/slides/slide52.xml><?xml version="1.0" encoding="utf-8"?>
+<file path=ppt/slides/slide53.xml><?xml version="1.0" encoding="utf-8"?>
 <p:sld xmlns:a="http://schemas.openxmlformats.org/drawingml/2006/main" xmlns:r="http://schemas.openxmlformats.org/officeDocument/2006/relationships" xmlns:p="http://schemas.openxmlformats.org/presentationml/2006/main">
   <p:cSld>
     <p:spTree>
@@ -35194,7 +36043,7 @@
           <a:p>
             <a:fld id="{BB52A05A-A776-4391-ACD7-D6BC34D3145C}" type="slidenum">
               <a:rPr lang="nl-BE" smtClean="0"/>
-              <a:t>52</a:t>
+              <a:t>53</a:t>
             </a:fld>
             <a:endParaRPr lang="nl-BE"/>
           </a:p>
@@ -35721,7 +36570,7 @@
 </p:sld>
 </file>
 
-<file path=ppt/slides/slide53.xml><?xml version="1.0" encoding="utf-8"?>
+<file path=ppt/slides/slide54.xml><?xml version="1.0" encoding="utf-8"?>
 <p:sld xmlns:a="http://schemas.openxmlformats.org/drawingml/2006/main" xmlns:r="http://schemas.openxmlformats.org/officeDocument/2006/relationships" xmlns:p="http://schemas.openxmlformats.org/presentationml/2006/main">
   <p:cSld>
     <p:spTree>
@@ -36815,7 +37664,7 @@
           <a:p>
             <a:fld id="{BB52A05A-A776-4391-ACD7-D6BC34D3145C}" type="slidenum">
               <a:rPr lang="nl-BE" smtClean="0"/>
-              <a:t>53</a:t>
+              <a:t>54</a:t>
             </a:fld>
             <a:endParaRPr lang="nl-BE"/>
           </a:p>
@@ -37577,7 +38426,7 @@
 </p:sld>
 </file>
 
-<file path=ppt/slides/slide54.xml><?xml version="1.0" encoding="utf-8"?>
+<file path=ppt/slides/slide55.xml><?xml version="1.0" encoding="utf-8"?>
 <p:sld xmlns:a="http://schemas.openxmlformats.org/drawingml/2006/main" xmlns:r="http://schemas.openxmlformats.org/officeDocument/2006/relationships" xmlns:p="http://schemas.openxmlformats.org/presentationml/2006/main">
   <p:cSld>
     <p:spTree>
@@ -38025,7 +38874,7 @@
           <a:p>
             <a:fld id="{BB52A05A-A776-4391-ACD7-D6BC34D3145C}" type="slidenum">
               <a:rPr lang="nl-BE" smtClean="0"/>
-              <a:t>54</a:t>
+              <a:t>55</a:t>
             </a:fld>
             <a:endParaRPr lang="nl-BE"/>
           </a:p>
@@ -38543,7 +39392,7 @@
 </p:sld>
 </file>
 
-<file path=ppt/slides/slide55.xml><?xml version="1.0" encoding="utf-8"?>
+<file path=ppt/slides/slide56.xml><?xml version="1.0" encoding="utf-8"?>
 <p:sld xmlns:a="http://schemas.openxmlformats.org/drawingml/2006/main" xmlns:r="http://schemas.openxmlformats.org/officeDocument/2006/relationships" xmlns:p="http://schemas.openxmlformats.org/presentationml/2006/main">
   <p:cSld>
     <p:spTree>
@@ -38708,7 +39557,7 @@
           <a:p>
             <a:fld id="{BB52A05A-A776-4391-ACD7-D6BC34D3145C}" type="slidenum">
               <a:rPr lang="nl-BE" smtClean="0"/>
-              <a:t>55</a:t>
+              <a:t>56</a:t>
             </a:fld>
             <a:endParaRPr lang="nl-BE"/>
           </a:p>
@@ -38917,7 +39766,7 @@
 </p:sld>
 </file>
 
-<file path=ppt/slides/slide56.xml><?xml version="1.0" encoding="utf-8"?>
+<file path=ppt/slides/slide57.xml><?xml version="1.0" encoding="utf-8"?>
 <p:sld xmlns:a="http://schemas.openxmlformats.org/drawingml/2006/main" xmlns:r="http://schemas.openxmlformats.org/officeDocument/2006/relationships" xmlns:p="http://schemas.openxmlformats.org/presentationml/2006/main">
   <p:cSld>
     <p:spTree>
@@ -39002,7 +39851,7 @@
           <a:p>
             <a:fld id="{BB52A05A-A776-4391-ACD7-D6BC34D3145C}" type="slidenum">
               <a:rPr lang="nl-BE" smtClean="0"/>
-              <a:t>56</a:t>
+              <a:t>57</a:t>
             </a:fld>
             <a:endParaRPr lang="nl-BE"/>
           </a:p>
@@ -39759,7 +40608,7 @@
 </p:sld>
 </file>
 
-<file path=ppt/slides/slide57.xml><?xml version="1.0" encoding="utf-8"?>
+<file path=ppt/slides/slide58.xml><?xml version="1.0" encoding="utf-8"?>
 <p:sld xmlns:a="http://schemas.openxmlformats.org/drawingml/2006/main" xmlns:r="http://schemas.openxmlformats.org/officeDocument/2006/relationships" xmlns:p="http://schemas.openxmlformats.org/presentationml/2006/main">
   <p:cSld>
     <p:spTree>
@@ -39855,7 +40704,7 @@
           <a:p>
             <a:fld id="{BB52A05A-A776-4391-ACD7-D6BC34D3145C}" type="slidenum">
               <a:rPr lang="nl-BE" smtClean="0"/>
-              <a:t>57</a:t>
+              <a:t>58</a:t>
             </a:fld>
             <a:endParaRPr lang="nl-BE"/>
           </a:p>
@@ -40524,7 +41373,7 @@
 </p:sld>
 </file>
 
-<file path=ppt/slides/slide58.xml><?xml version="1.0" encoding="utf-8"?>
+<file path=ppt/slides/slide59.xml><?xml version="1.0" encoding="utf-8"?>
 <p:sld xmlns:a="http://schemas.openxmlformats.org/drawingml/2006/main" xmlns:r="http://schemas.openxmlformats.org/officeDocument/2006/relationships" xmlns:p="http://schemas.openxmlformats.org/presentationml/2006/main">
   <p:cSld>
     <p:spTree>
@@ -40580,7 +41429,7 @@
           <a:p>
             <a:fld id="{BB52A05A-A776-4391-ACD7-D6BC34D3145C}" type="slidenum">
               <a:rPr lang="nl-BE" smtClean="0"/>
-              <a:t>58</a:t>
+              <a:t>59</a:t>
             </a:fld>
             <a:endParaRPr lang="nl-BE"/>
           </a:p>
@@ -41108,7 +41957,124 @@
 </p:sld>
 </file>
 
-<file path=ppt/slides/slide59.xml><?xml version="1.0" encoding="utf-8"?>
+<file path=ppt/slides/slide6.xml><?xml version="1.0" encoding="utf-8"?>
+<p:sld xmlns:a="http://schemas.openxmlformats.org/drawingml/2006/main" xmlns:r="http://schemas.openxmlformats.org/officeDocument/2006/relationships" xmlns:p="http://schemas.openxmlformats.org/presentationml/2006/main">
+  <p:cSld>
+    <p:spTree>
+      <p:nvGrpSpPr>
+        <p:cNvPr id="1" name=""/>
+        <p:cNvGrpSpPr/>
+        <p:nvPr/>
+      </p:nvGrpSpPr>
+      <p:grpSpPr>
+        <a:xfrm>
+          <a:off x="0" y="0"/>
+          <a:ext cx="0" cy="0"/>
+          <a:chOff x="0" y="0"/>
+          <a:chExt cx="0" cy="0"/>
+        </a:xfrm>
+      </p:grpSpPr>
+      <p:sp>
+        <p:nvSpPr>
+          <p:cNvPr id="6" name="Title 5"/>
+          <p:cNvSpPr>
+            <a:spLocks noGrp="1"/>
+          </p:cNvSpPr>
+          <p:nvPr>
+            <p:ph type="title"/>
+          </p:nvPr>
+        </p:nvSpPr>
+        <p:spPr/>
+        <p:txBody>
+          <a:bodyPr/>
+          <a:lstStyle/>
+          <a:p>
+            <a:r>
+              <a:rPr lang="en-US" dirty="0"/>
+              <a:t>It's a beautiful autumn day…</a:t>
+            </a:r>
+            <a:endParaRPr lang="nl-BE" dirty="0"/>
+          </a:p>
+        </p:txBody>
+      </p:sp>
+      <p:pic>
+        <p:nvPicPr>
+          <p:cNvPr id="1026" name="Picture 2" descr="C:\Users\lucg5005\Desktop\DSCF1116.jpg"/>
+          <p:cNvPicPr>
+            <a:picLocks noChangeAspect="1" noChangeArrowheads="1"/>
+          </p:cNvPicPr>
+          <p:nvPr/>
+        </p:nvPicPr>
+        <p:blipFill>
+          <a:blip r:embed="rId2" cstate="print">
+            <a:extLst>
+              <a:ext uri="{28A0092B-C50C-407E-A947-70E740481C1C}">
+                <a14:useLocalDpi xmlns:a14="http://schemas.microsoft.com/office/drawing/2010/main" val="0"/>
+              </a:ext>
+            </a:extLst>
+          </a:blip>
+          <a:srcRect/>
+          <a:stretch>
+            <a:fillRect/>
+          </a:stretch>
+        </p:blipFill>
+        <p:spPr bwMode="auto">
+          <a:xfrm>
+            <a:off x="1219795" y="1279015"/>
+            <a:ext cx="6736581" cy="5390345"/>
+          </a:xfrm>
+          <a:prstGeom prst="rect">
+            <a:avLst/>
+          </a:prstGeom>
+          <a:noFill/>
+          <a:extLst>
+            <a:ext uri="{909E8E84-426E-40DD-AFC4-6F175D3DCCD1}">
+              <a14:hiddenFill xmlns:a14="http://schemas.microsoft.com/office/drawing/2010/main">
+                <a:solidFill>
+                  <a:srgbClr val="FFFFFF"/>
+                </a:solidFill>
+              </a14:hiddenFill>
+            </a:ext>
+          </a:extLst>
+        </p:spPr>
+      </p:pic>
+      <p:sp>
+        <p:nvSpPr>
+          <p:cNvPr id="2" name="Slide Number Placeholder 1"/>
+          <p:cNvSpPr>
+            <a:spLocks noGrp="1"/>
+          </p:cNvSpPr>
+          <p:nvPr>
+            <p:ph type="sldNum" sz="quarter" idx="12"/>
+          </p:nvPr>
+        </p:nvSpPr>
+        <p:spPr/>
+        <p:txBody>
+          <a:bodyPr/>
+          <a:lstStyle/>
+          <a:p>
+            <a:fld id="{BB52A05A-A776-4391-ACD7-D6BC34D3145C}" type="slidenum">
+              <a:rPr lang="nl-BE" smtClean="0"/>
+              <a:t>6</a:t>
+            </a:fld>
+            <a:endParaRPr lang="nl-BE"/>
+          </a:p>
+        </p:txBody>
+      </p:sp>
+    </p:spTree>
+    <p:extLst>
+      <p:ext uri="{BB962C8B-B14F-4D97-AF65-F5344CB8AC3E}">
+        <p14:creationId xmlns:p14="http://schemas.microsoft.com/office/powerpoint/2010/main" val="801143544"/>
+      </p:ext>
+    </p:extLst>
+  </p:cSld>
+  <p:clrMapOvr>
+    <a:masterClrMapping/>
+  </p:clrMapOvr>
+</p:sld>
+</file>
+
+<file path=ppt/slides/slide60.xml><?xml version="1.0" encoding="utf-8"?>
 <p:sld xmlns:a="http://schemas.openxmlformats.org/drawingml/2006/main" xmlns:r="http://schemas.openxmlformats.org/officeDocument/2006/relationships" xmlns:p="http://schemas.openxmlformats.org/presentationml/2006/main">
   <p:cSld>
     <p:spTree>
@@ -41164,7 +42130,7 @@
           <a:p>
             <a:fld id="{BB52A05A-A776-4391-ACD7-D6BC34D3145C}" type="slidenum">
               <a:rPr lang="nl-BE" smtClean="0"/>
-              <a:t>59</a:t>
+              <a:t>60</a:t>
             </a:fld>
             <a:endParaRPr lang="nl-BE"/>
           </a:p>
@@ -41609,222 +42575,7 @@
 </p:sld>
 </file>
 
-<file path=ppt/slides/slide6.xml><?xml version="1.0" encoding="utf-8"?>
-<p:sld xmlns:a="http://schemas.openxmlformats.org/drawingml/2006/main" xmlns:r="http://schemas.openxmlformats.org/officeDocument/2006/relationships" xmlns:p="http://schemas.openxmlformats.org/presentationml/2006/main">
-  <p:cSld>
-    <p:spTree>
-      <p:nvGrpSpPr>
-        <p:cNvPr id="1" name=""/>
-        <p:cNvGrpSpPr/>
-        <p:nvPr/>
-      </p:nvGrpSpPr>
-      <p:grpSpPr>
-        <a:xfrm>
-          <a:off x="0" y="0"/>
-          <a:ext cx="0" cy="0"/>
-          <a:chOff x="0" y="0"/>
-          <a:chExt cx="0" cy="0"/>
-        </a:xfrm>
-      </p:grpSpPr>
-      <p:sp>
-        <p:nvSpPr>
-          <p:cNvPr id="2" name="Slide Number Placeholder 1"/>
-          <p:cNvSpPr>
-            <a:spLocks noGrp="1"/>
-          </p:cNvSpPr>
-          <p:nvPr>
-            <p:ph type="sldNum" sz="quarter" idx="12"/>
-          </p:nvPr>
-        </p:nvSpPr>
-        <p:spPr/>
-        <p:txBody>
-          <a:bodyPr/>
-          <a:lstStyle/>
-          <a:p>
-            <a:fld id="{BB52A05A-A776-4391-ACD7-D6BC34D3145C}" type="slidenum">
-              <a:rPr lang="nl-BE" smtClean="0"/>
-              <a:t>6</a:t>
-            </a:fld>
-            <a:endParaRPr lang="nl-BE"/>
-          </a:p>
-        </p:txBody>
-      </p:sp>
-      <p:pic>
-        <p:nvPicPr>
-          <p:cNvPr id="3" name="Picture 2"/>
-          <p:cNvPicPr>
-            <a:picLocks noChangeAspect="1"/>
-          </p:cNvPicPr>
-          <p:nvPr/>
-        </p:nvPicPr>
-        <p:blipFill>
-          <a:blip r:embed="rId2"/>
-          <a:stretch>
-            <a:fillRect/>
-          </a:stretch>
-        </p:blipFill>
-        <p:spPr>
-          <a:xfrm>
-            <a:off x="201044" y="620688"/>
-            <a:ext cx="8741912" cy="5616623"/>
-          </a:xfrm>
-          <a:prstGeom prst="rect">
-            <a:avLst/>
-          </a:prstGeom>
-        </p:spPr>
-      </p:pic>
-      <p:sp>
-        <p:nvSpPr>
-          <p:cNvPr id="4" name="Rounded Rectangle 3"/>
-          <p:cNvSpPr/>
-          <p:nvPr/>
-        </p:nvSpPr>
-        <p:spPr>
-          <a:xfrm>
-            <a:off x="1331640" y="1196752"/>
-            <a:ext cx="936104" cy="216024"/>
-          </a:xfrm>
-          <a:prstGeom prst="roundRect">
-            <a:avLst/>
-          </a:prstGeom>
-          <a:solidFill>
-            <a:schemeClr val="tx1"/>
-          </a:solidFill>
-          <a:ln>
-            <a:noFill/>
-          </a:ln>
-        </p:spPr>
-        <p:style>
-          <a:lnRef idx="2">
-            <a:schemeClr val="accent1">
-              <a:shade val="50000"/>
-            </a:schemeClr>
-          </a:lnRef>
-          <a:fillRef idx="1">
-            <a:schemeClr val="accent1"/>
-          </a:fillRef>
-          <a:effectRef idx="0">
-            <a:schemeClr val="accent1"/>
-          </a:effectRef>
-          <a:fontRef idx="minor">
-            <a:schemeClr val="lt1"/>
-          </a:fontRef>
-        </p:style>
-        <p:txBody>
-          <a:bodyPr rtlCol="0" anchor="ctr"/>
-          <a:lstStyle/>
-          <a:p>
-            <a:pPr algn="ctr"/>
-            <a:endParaRPr lang="en-US"/>
-          </a:p>
-        </p:txBody>
-      </p:sp>
-      <p:sp>
-        <p:nvSpPr>
-          <p:cNvPr id="5" name="Rounded Rectangle 4"/>
-          <p:cNvSpPr/>
-          <p:nvPr/>
-        </p:nvSpPr>
-        <p:spPr>
-          <a:xfrm>
-            <a:off x="1198015" y="2020013"/>
-            <a:ext cx="936104" cy="216024"/>
-          </a:xfrm>
-          <a:prstGeom prst="roundRect">
-            <a:avLst/>
-          </a:prstGeom>
-          <a:solidFill>
-            <a:schemeClr val="tx1"/>
-          </a:solidFill>
-          <a:ln>
-            <a:noFill/>
-          </a:ln>
-        </p:spPr>
-        <p:style>
-          <a:lnRef idx="2">
-            <a:schemeClr val="accent1">
-              <a:shade val="50000"/>
-            </a:schemeClr>
-          </a:lnRef>
-          <a:fillRef idx="1">
-            <a:schemeClr val="accent1"/>
-          </a:fillRef>
-          <a:effectRef idx="0">
-            <a:schemeClr val="accent1"/>
-          </a:effectRef>
-          <a:fontRef idx="minor">
-            <a:schemeClr val="lt1"/>
-          </a:fontRef>
-        </p:style>
-        <p:txBody>
-          <a:bodyPr rtlCol="0" anchor="ctr"/>
-          <a:lstStyle/>
-          <a:p>
-            <a:pPr algn="ctr"/>
-            <a:endParaRPr lang="en-US"/>
-          </a:p>
-        </p:txBody>
-      </p:sp>
-      <p:sp>
-        <p:nvSpPr>
-          <p:cNvPr id="6" name="Rounded Rectangle 5"/>
-          <p:cNvSpPr/>
-          <p:nvPr/>
-        </p:nvSpPr>
-        <p:spPr>
-          <a:xfrm>
-            <a:off x="411498" y="1963591"/>
-            <a:ext cx="288032" cy="112843"/>
-          </a:xfrm>
-          <a:prstGeom prst="roundRect">
-            <a:avLst/>
-          </a:prstGeom>
-          <a:solidFill>
-            <a:schemeClr val="tx1"/>
-          </a:solidFill>
-          <a:ln>
-            <a:noFill/>
-          </a:ln>
-        </p:spPr>
-        <p:style>
-          <a:lnRef idx="2">
-            <a:schemeClr val="accent1">
-              <a:shade val="50000"/>
-            </a:schemeClr>
-          </a:lnRef>
-          <a:fillRef idx="1">
-            <a:schemeClr val="accent1"/>
-          </a:fillRef>
-          <a:effectRef idx="0">
-            <a:schemeClr val="accent1"/>
-          </a:effectRef>
-          <a:fontRef idx="minor">
-            <a:schemeClr val="lt1"/>
-          </a:fontRef>
-        </p:style>
-        <p:txBody>
-          <a:bodyPr rtlCol="0" anchor="ctr"/>
-          <a:lstStyle/>
-          <a:p>
-            <a:pPr algn="ctr"/>
-            <a:endParaRPr lang="en-US"/>
-          </a:p>
-        </p:txBody>
-      </p:sp>
-    </p:spTree>
-    <p:extLst>
-      <p:ext uri="{BB962C8B-B14F-4D97-AF65-F5344CB8AC3E}">
-        <p14:creationId xmlns:p14="http://schemas.microsoft.com/office/powerpoint/2010/main" val="1645612856"/>
-      </p:ext>
-    </p:extLst>
-  </p:cSld>
-  <p:clrMapOvr>
-    <a:masterClrMapping/>
-  </p:clrMapOvr>
-</p:sld>
-</file>
-
-<file path=ppt/slides/slide60.xml><?xml version="1.0" encoding="utf-8"?>
+<file path=ppt/slides/slide61.xml><?xml version="1.0" encoding="utf-8"?>
 <p:sld xmlns:a="http://schemas.openxmlformats.org/drawingml/2006/main" xmlns:r="http://schemas.openxmlformats.org/officeDocument/2006/relationships" xmlns:p="http://schemas.openxmlformats.org/presentationml/2006/main">
   <p:cSld>
     <p:spTree>
@@ -41939,7 +42690,7 @@
           <a:p>
             <a:fld id="{BB52A05A-A776-4391-ACD7-D6BC34D3145C}" type="slidenum">
               <a:rPr lang="nl-BE" smtClean="0"/>
-              <a:t>60</a:t>
+              <a:t>61</a:t>
             </a:fld>
             <a:endParaRPr lang="nl-BE"/>
           </a:p>
@@ -42420,100 +43171,6 @@
 </p:sld>
 </file>
 
-<file path=ppt/slides/slide61.xml><?xml version="1.0" encoding="utf-8"?>
-<p:sld xmlns:a="http://schemas.openxmlformats.org/drawingml/2006/main" xmlns:r="http://schemas.openxmlformats.org/officeDocument/2006/relationships" xmlns:p="http://schemas.openxmlformats.org/presentationml/2006/main">
-  <p:cSld>
-    <p:spTree>
-      <p:nvGrpSpPr>
-        <p:cNvPr id="1" name=""/>
-        <p:cNvGrpSpPr/>
-        <p:nvPr/>
-      </p:nvGrpSpPr>
-      <p:grpSpPr>
-        <a:xfrm>
-          <a:off x="0" y="0"/>
-          <a:ext cx="0" cy="0"/>
-          <a:chOff x="0" y="0"/>
-          <a:chExt cx="0" cy="0"/>
-        </a:xfrm>
-      </p:grpSpPr>
-      <p:sp>
-        <p:nvSpPr>
-          <p:cNvPr id="2" name="Title 1"/>
-          <p:cNvSpPr>
-            <a:spLocks noGrp="1"/>
-          </p:cNvSpPr>
-          <p:nvPr>
-            <p:ph type="title"/>
-          </p:nvPr>
-        </p:nvSpPr>
-        <p:spPr/>
-        <p:txBody>
-          <a:bodyPr/>
-          <a:lstStyle/>
-          <a:p>
-            <a:r>
-              <a:rPr lang="en-US" dirty="0"/>
-              <a:t>Details, details, details…</a:t>
-            </a:r>
-          </a:p>
-        </p:txBody>
-      </p:sp>
-      <p:sp>
-        <p:nvSpPr>
-          <p:cNvPr id="3" name="Text Placeholder 2"/>
-          <p:cNvSpPr>
-            <a:spLocks noGrp="1"/>
-          </p:cNvSpPr>
-          <p:nvPr>
-            <p:ph type="body" idx="1"/>
-          </p:nvPr>
-        </p:nvSpPr>
-        <p:spPr/>
-        <p:txBody>
-          <a:bodyPr/>
-          <a:lstStyle/>
-          <a:p>
-            <a:endParaRPr lang="en-US"/>
-          </a:p>
-        </p:txBody>
-      </p:sp>
-      <p:sp>
-        <p:nvSpPr>
-          <p:cNvPr id="4" name="Slide Number Placeholder 3"/>
-          <p:cNvSpPr>
-            <a:spLocks noGrp="1"/>
-          </p:cNvSpPr>
-          <p:nvPr>
-            <p:ph type="sldNum" sz="quarter" idx="12"/>
-          </p:nvPr>
-        </p:nvSpPr>
-        <p:spPr/>
-        <p:txBody>
-          <a:bodyPr/>
-          <a:lstStyle/>
-          <a:p>
-            <a:fld id="{BB52A05A-A776-4391-ACD7-D6BC34D3145C}" type="slidenum">
-              <a:rPr lang="nl-BE" smtClean="0"/>
-              <a:t>61</a:t>
-            </a:fld>
-            <a:endParaRPr lang="nl-BE"/>
-          </a:p>
-        </p:txBody>
-      </p:sp>
-    </p:spTree>
-    <p:extLst>
-      <p:ext uri="{BB962C8B-B14F-4D97-AF65-F5344CB8AC3E}">
-        <p14:creationId xmlns:p14="http://schemas.microsoft.com/office/powerpoint/2010/main" val="1774941147"/>
-      </p:ext>
-    </p:extLst>
-  </p:cSld>
-  <p:clrMapOvr>
-    <a:masterClrMapping/>
-  </p:clrMapOvr>
-</p:sld>
-</file>
-
 <file path=ppt/slides/slide62.xml><?xml version="1.0" encoding="utf-8"?>
 <p:sld xmlns:a="http://schemas.openxmlformats.org/drawingml/2006/main" xmlns:r="http://schemas.openxmlformats.org/officeDocument/2006/relationships" xmlns:p="http://schemas.openxmlformats.org/presentationml/2006/main">
   <p:cSld>
@@ -42548,6 +43205,100 @@
           <a:p>
             <a:r>
               <a:rPr lang="en-US" dirty="0"/>
+              <a:t>Details, details, details…</a:t>
+            </a:r>
+          </a:p>
+        </p:txBody>
+      </p:sp>
+      <p:sp>
+        <p:nvSpPr>
+          <p:cNvPr id="3" name="Text Placeholder 2"/>
+          <p:cNvSpPr>
+            <a:spLocks noGrp="1"/>
+          </p:cNvSpPr>
+          <p:nvPr>
+            <p:ph type="body" idx="1"/>
+          </p:nvPr>
+        </p:nvSpPr>
+        <p:spPr/>
+        <p:txBody>
+          <a:bodyPr/>
+          <a:lstStyle/>
+          <a:p>
+            <a:endParaRPr lang="en-US"/>
+          </a:p>
+        </p:txBody>
+      </p:sp>
+      <p:sp>
+        <p:nvSpPr>
+          <p:cNvPr id="4" name="Slide Number Placeholder 3"/>
+          <p:cNvSpPr>
+            <a:spLocks noGrp="1"/>
+          </p:cNvSpPr>
+          <p:nvPr>
+            <p:ph type="sldNum" sz="quarter" idx="12"/>
+          </p:nvPr>
+        </p:nvSpPr>
+        <p:spPr/>
+        <p:txBody>
+          <a:bodyPr/>
+          <a:lstStyle/>
+          <a:p>
+            <a:fld id="{BB52A05A-A776-4391-ACD7-D6BC34D3145C}" type="slidenum">
+              <a:rPr lang="nl-BE" smtClean="0"/>
+              <a:t>62</a:t>
+            </a:fld>
+            <a:endParaRPr lang="nl-BE"/>
+          </a:p>
+        </p:txBody>
+      </p:sp>
+    </p:spTree>
+    <p:extLst>
+      <p:ext uri="{BB962C8B-B14F-4D97-AF65-F5344CB8AC3E}">
+        <p14:creationId xmlns:p14="http://schemas.microsoft.com/office/powerpoint/2010/main" val="1774941147"/>
+      </p:ext>
+    </p:extLst>
+  </p:cSld>
+  <p:clrMapOvr>
+    <a:masterClrMapping/>
+  </p:clrMapOvr>
+</p:sld>
+</file>
+
+<file path=ppt/slides/slide63.xml><?xml version="1.0" encoding="utf-8"?>
+<p:sld xmlns:a="http://schemas.openxmlformats.org/drawingml/2006/main" xmlns:r="http://schemas.openxmlformats.org/officeDocument/2006/relationships" xmlns:p="http://schemas.openxmlformats.org/presentationml/2006/main">
+  <p:cSld>
+    <p:spTree>
+      <p:nvGrpSpPr>
+        <p:cNvPr id="1" name=""/>
+        <p:cNvGrpSpPr/>
+        <p:nvPr/>
+      </p:nvGrpSpPr>
+      <p:grpSpPr>
+        <a:xfrm>
+          <a:off x="0" y="0"/>
+          <a:ext cx="0" cy="0"/>
+          <a:chOff x="0" y="0"/>
+          <a:chExt cx="0" cy="0"/>
+        </a:xfrm>
+      </p:grpSpPr>
+      <p:sp>
+        <p:nvSpPr>
+          <p:cNvPr id="2" name="Title 1"/>
+          <p:cNvSpPr>
+            <a:spLocks noGrp="1"/>
+          </p:cNvSpPr>
+          <p:nvPr>
+            <p:ph type="title"/>
+          </p:nvPr>
+        </p:nvSpPr>
+        <p:spPr/>
+        <p:txBody>
+          <a:bodyPr/>
+          <a:lstStyle/>
+          <a:p>
+            <a:r>
+              <a:rPr lang="en-US" dirty="0"/>
               <a:t>A few shortcuts</a:t>
             </a:r>
             <a:endParaRPr lang="nl-BE" dirty="0"/>
@@ -42673,21 +43424,7 @@
                 <a:latin typeface="Courier New" pitchFamily="49" charset="0"/>
                 <a:cs typeface="Courier New" pitchFamily="49" charset="0"/>
               </a:rPr>
-              <a:t>$ git </a:t>
-            </a:r>
-            <a:r>
-              <a:rPr lang="nl-BE" dirty="0" err="1">
-                <a:latin typeface="Courier New" pitchFamily="49" charset="0"/>
-                <a:cs typeface="Courier New" pitchFamily="49" charset="0"/>
-              </a:rPr>
-              <a:t>checkout</a:t>
-            </a:r>
-            <a:r>
-              <a:rPr lang="nl-BE" dirty="0">
-                <a:latin typeface="Courier New" pitchFamily="49" charset="0"/>
-                <a:cs typeface="Courier New" pitchFamily="49" charset="0"/>
-              </a:rPr>
-              <a:t>  -b  feature/</a:t>
+              <a:t>$ git switch  -c  feature/</a:t>
             </a:r>
             <a:r>
               <a:rPr lang="nl-BE" dirty="0" err="1">
@@ -42720,7 +43457,7 @@
           <a:p>
             <a:fld id="{BB52A05A-A776-4391-ACD7-D6BC34D3145C}" type="slidenum">
               <a:rPr lang="nl-BE" smtClean="0"/>
-              <a:t>62</a:t>
+              <a:t>63</a:t>
             </a:fld>
             <a:endParaRPr lang="nl-BE"/>
           </a:p>
@@ -42758,7 +43495,7 @@
                 <a:latin typeface="Courier New" pitchFamily="49" charset="0"/>
                 <a:cs typeface="Courier New" pitchFamily="49" charset="0"/>
               </a:rPr>
-              <a:t>$ git checkout  -</a:t>
+              <a:t>$ git switch  -</a:t>
             </a:r>
           </a:p>
         </p:txBody>
@@ -43074,7 +43811,7 @@
 </p:sld>
 </file>
 
-<file path=ppt/slides/slide63.xml><?xml version="1.0" encoding="utf-8"?>
+<file path=ppt/slides/slide64.xml><?xml version="1.0" encoding="utf-8"?>
 <p:sld xmlns:a="http://schemas.openxmlformats.org/drawingml/2006/main" xmlns:r="http://schemas.openxmlformats.org/officeDocument/2006/relationships" xmlns:p="http://schemas.openxmlformats.org/presentationml/2006/main">
   <p:cSld>
     <p:spTree>
@@ -43216,7 +43953,7 @@
           <a:p>
             <a:fld id="{BB52A05A-A776-4391-ACD7-D6BC34D3145C}" type="slidenum">
               <a:rPr lang="nl-BE" smtClean="0"/>
-              <a:t>63</a:t>
+              <a:t>64</a:t>
             </a:fld>
             <a:endParaRPr lang="nl-BE"/>
           </a:p>
@@ -43254,7 +43991,7 @@
                 <a:latin typeface="Courier New" pitchFamily="49" charset="0"/>
                 <a:cs typeface="Courier New" pitchFamily="49" charset="0"/>
               </a:rPr>
-              <a:t>$ git checkout some-other-branch</a:t>
+              <a:t>$ git switch some-other-branch</a:t>
             </a:r>
           </a:p>
         </p:txBody>
@@ -43291,7 +44028,7 @@
                 <a:latin typeface="Courier New" pitchFamily="49" charset="0"/>
                 <a:cs typeface="Courier New" pitchFamily="49" charset="0"/>
               </a:rPr>
-              <a:t>$ git checkout my-original-branch</a:t>
+              <a:t>$ git switch my-original-branch</a:t>
             </a:r>
           </a:p>
         </p:txBody>
@@ -43874,7 +44611,7 @@
 </p:sld>
 </file>
 
-<file path=ppt/slides/slide64.xml><?xml version="1.0" encoding="utf-8"?>
+<file path=ppt/slides/slide65.xml><?xml version="1.0" encoding="utf-8"?>
 <p:sld xmlns:a="http://schemas.openxmlformats.org/drawingml/2006/main" xmlns:r="http://schemas.openxmlformats.org/officeDocument/2006/relationships" xmlns:p="http://schemas.openxmlformats.org/presentationml/2006/main">
   <p:cSld>
     <p:spTree>
@@ -44033,7 +44770,7 @@
           <a:p>
             <a:fld id="{BB52A05A-A776-4391-ACD7-D6BC34D3145C}" type="slidenum">
               <a:rPr lang="nl-BE" smtClean="0"/>
-              <a:t>64</a:t>
+              <a:t>65</a:t>
             </a:fld>
             <a:endParaRPr lang="nl-BE"/>
           </a:p>
@@ -44581,7 +45318,7 @@
 </p:sld>
 </file>
 
-<file path=ppt/slides/slide65.xml><?xml version="1.0" encoding="utf-8"?>
+<file path=ppt/slides/slide66.xml><?xml version="1.0" encoding="utf-8"?>
 <p:sld xmlns:a="http://schemas.openxmlformats.org/drawingml/2006/main" xmlns:r="http://schemas.openxmlformats.org/officeDocument/2006/relationships" xmlns:p="http://schemas.openxmlformats.org/presentationml/2006/main">
   <p:cSld>
     <p:spTree>
@@ -44864,7 +45601,7 @@
           <a:p>
             <a:fld id="{BB52A05A-A776-4391-ACD7-D6BC34D3145C}" type="slidenum">
               <a:rPr lang="nl-BE" smtClean="0"/>
-              <a:t>65</a:t>
+              <a:t>66</a:t>
             </a:fld>
             <a:endParaRPr lang="nl-BE"/>
           </a:p>
@@ -45168,7 +45905,7 @@
 </p:sld>
 </file>
 
-<file path=ppt/slides/slide66.xml><?xml version="1.0" encoding="utf-8"?>
+<file path=ppt/slides/slide67.xml><?xml version="1.0" encoding="utf-8"?>
 <p:sld xmlns:a="http://schemas.openxmlformats.org/drawingml/2006/main" xmlns:r="http://schemas.openxmlformats.org/officeDocument/2006/relationships" xmlns:p="http://schemas.openxmlformats.org/presentationml/2006/main">
   <p:cSld>
     <p:spTree>
@@ -45613,7 +46350,7 @@
           <a:p>
             <a:fld id="{BB52A05A-A776-4391-ACD7-D6BC34D3145C}" type="slidenum">
               <a:rPr lang="nl-BE" smtClean="0"/>
-              <a:t>66</a:t>
+              <a:t>67</a:t>
             </a:fld>
             <a:endParaRPr lang="nl-BE"/>
           </a:p>
@@ -46050,101 +46787,6 @@
 </p:sld>
 </file>
 
-<file path=ppt/slides/slide67.xml><?xml version="1.0" encoding="utf-8"?>
-<p:sld xmlns:a="http://schemas.openxmlformats.org/drawingml/2006/main" xmlns:r="http://schemas.openxmlformats.org/officeDocument/2006/relationships" xmlns:p="http://schemas.openxmlformats.org/presentationml/2006/main">
-  <p:cSld>
-    <p:spTree>
-      <p:nvGrpSpPr>
-        <p:cNvPr id="1" name=""/>
-        <p:cNvGrpSpPr/>
-        <p:nvPr/>
-      </p:nvGrpSpPr>
-      <p:grpSpPr>
-        <a:xfrm>
-          <a:off x="0" y="0"/>
-          <a:ext cx="0" cy="0"/>
-          <a:chOff x="0" y="0"/>
-          <a:chExt cx="0" cy="0"/>
-        </a:xfrm>
-      </p:grpSpPr>
-      <p:sp>
-        <p:nvSpPr>
-          <p:cNvPr id="2" name="Title 1"/>
-          <p:cNvSpPr>
-            <a:spLocks noGrp="1"/>
-          </p:cNvSpPr>
-          <p:nvPr>
-            <p:ph type="title"/>
-          </p:nvPr>
-        </p:nvSpPr>
-        <p:spPr/>
-        <p:txBody>
-          <a:bodyPr/>
-          <a:lstStyle/>
-          <a:p>
-            <a:r>
-              <a:rPr lang="en-US" dirty="0"/>
-              <a:t>Contributing</a:t>
-            </a:r>
-            <a:endParaRPr lang="nl-BE" dirty="0"/>
-          </a:p>
-        </p:txBody>
-      </p:sp>
-      <p:sp>
-        <p:nvSpPr>
-          <p:cNvPr id="3" name="Text Placeholder 2"/>
-          <p:cNvSpPr>
-            <a:spLocks noGrp="1"/>
-          </p:cNvSpPr>
-          <p:nvPr>
-            <p:ph type="body" idx="1"/>
-          </p:nvPr>
-        </p:nvSpPr>
-        <p:spPr/>
-        <p:txBody>
-          <a:bodyPr/>
-          <a:lstStyle/>
-          <a:p>
-            <a:endParaRPr lang="nl-BE"/>
-          </a:p>
-        </p:txBody>
-      </p:sp>
-      <p:sp>
-        <p:nvSpPr>
-          <p:cNvPr id="4" name="Slide Number Placeholder 3"/>
-          <p:cNvSpPr>
-            <a:spLocks noGrp="1"/>
-          </p:cNvSpPr>
-          <p:nvPr>
-            <p:ph type="sldNum" sz="quarter" idx="12"/>
-          </p:nvPr>
-        </p:nvSpPr>
-        <p:spPr/>
-        <p:txBody>
-          <a:bodyPr/>
-          <a:lstStyle/>
-          <a:p>
-            <a:fld id="{BB52A05A-A776-4391-ACD7-D6BC34D3145C}" type="slidenum">
-              <a:rPr lang="nl-BE" smtClean="0"/>
-              <a:t>67</a:t>
-            </a:fld>
-            <a:endParaRPr lang="nl-BE"/>
-          </a:p>
-        </p:txBody>
-      </p:sp>
-    </p:spTree>
-    <p:extLst>
-      <p:ext uri="{BB962C8B-B14F-4D97-AF65-F5344CB8AC3E}">
-        <p14:creationId xmlns:p14="http://schemas.microsoft.com/office/powerpoint/2010/main" val="2575227797"/>
-      </p:ext>
-    </p:extLst>
-  </p:cSld>
-  <p:clrMapOvr>
-    <a:masterClrMapping/>
-  </p:clrMapOvr>
-</p:sld>
-</file>
-
 <file path=ppt/slides/slide68.xml><?xml version="1.0" encoding="utf-8"?>
 <p:sld xmlns:a="http://schemas.openxmlformats.org/drawingml/2006/main" xmlns:r="http://schemas.openxmlformats.org/officeDocument/2006/relationships" xmlns:p="http://schemas.openxmlformats.org/presentationml/2006/main">
   <p:cSld>
@@ -46187,74 +46829,20 @@
       </p:sp>
       <p:sp>
         <p:nvSpPr>
-          <p:cNvPr id="3" name="Content Placeholder 2"/>
+          <p:cNvPr id="3" name="Text Placeholder 2"/>
           <p:cNvSpPr>
             <a:spLocks noGrp="1"/>
           </p:cNvSpPr>
           <p:nvPr>
-            <p:ph idx="1"/>
+            <p:ph type="body" idx="1"/>
           </p:nvPr>
         </p:nvSpPr>
         <p:spPr/>
         <p:txBody>
-          <a:bodyPr>
-            <a:normAutofit lnSpcReduction="10000"/>
-          </a:bodyPr>
+          <a:bodyPr/>
           <a:lstStyle/>
           <a:p>
-            <a:r>
-              <a:rPr lang="en-US" dirty="0"/>
-              <a:t>Contribute to someone else's project, e.g.,</a:t>
-            </a:r>
-          </a:p>
-          <a:p>
-            <a:pPr lvl="1"/>
-            <a:r>
-              <a:rPr lang="en-US" dirty="0"/>
-              <a:t>Open source project</a:t>
-            </a:r>
-          </a:p>
-          <a:p>
-            <a:pPr lvl="1"/>
-            <a:r>
-              <a:rPr lang="en-US" dirty="0"/>
-              <a:t>Research project you're involved in</a:t>
-            </a:r>
-          </a:p>
-          <a:p>
-            <a:r>
-              <a:rPr lang="en-US" dirty="0"/>
-              <a:t>Can be done without write access to project</a:t>
-            </a:r>
-          </a:p>
-          <a:p>
-            <a:pPr lvl="1"/>
-            <a:r>
-              <a:rPr lang="en-US" dirty="0"/>
-              <a:t>Create your own copy by forking</a:t>
-            </a:r>
-          </a:p>
-          <a:p>
-            <a:pPr lvl="1"/>
-            <a:r>
-              <a:rPr lang="en-US" dirty="0"/>
-              <a:t>Create a branch for implementation</a:t>
-            </a:r>
-          </a:p>
-          <a:p>
-            <a:pPr lvl="1"/>
-            <a:r>
-              <a:rPr lang="en-US" dirty="0"/>
-              <a:t>Implement, test</a:t>
-            </a:r>
-          </a:p>
-          <a:p>
-            <a:pPr lvl="1"/>
-            <a:r>
-              <a:rPr lang="en-US" dirty="0"/>
-              <a:t>Create a pull request for your branch against original repository</a:t>
-            </a:r>
-            <a:endParaRPr lang="nl-BE" dirty="0"/>
+            <a:endParaRPr lang="nl-BE"/>
           </a:p>
         </p:txBody>
       </p:sp>
@@ -46276,6 +46864,155 @@
             <a:fld id="{BB52A05A-A776-4391-ACD7-D6BC34D3145C}" type="slidenum">
               <a:rPr lang="nl-BE" smtClean="0"/>
               <a:t>68</a:t>
+            </a:fld>
+            <a:endParaRPr lang="nl-BE"/>
+          </a:p>
+        </p:txBody>
+      </p:sp>
+    </p:spTree>
+    <p:extLst>
+      <p:ext uri="{BB962C8B-B14F-4D97-AF65-F5344CB8AC3E}">
+        <p14:creationId xmlns:p14="http://schemas.microsoft.com/office/powerpoint/2010/main" val="2575227797"/>
+      </p:ext>
+    </p:extLst>
+  </p:cSld>
+  <p:clrMapOvr>
+    <a:masterClrMapping/>
+  </p:clrMapOvr>
+</p:sld>
+</file>
+
+<file path=ppt/slides/slide69.xml><?xml version="1.0" encoding="utf-8"?>
+<p:sld xmlns:a="http://schemas.openxmlformats.org/drawingml/2006/main" xmlns:r="http://schemas.openxmlformats.org/officeDocument/2006/relationships" xmlns:p="http://schemas.openxmlformats.org/presentationml/2006/main">
+  <p:cSld>
+    <p:spTree>
+      <p:nvGrpSpPr>
+        <p:cNvPr id="1" name=""/>
+        <p:cNvGrpSpPr/>
+        <p:nvPr/>
+      </p:nvGrpSpPr>
+      <p:grpSpPr>
+        <a:xfrm>
+          <a:off x="0" y="0"/>
+          <a:ext cx="0" cy="0"/>
+          <a:chOff x="0" y="0"/>
+          <a:chExt cx="0" cy="0"/>
+        </a:xfrm>
+      </p:grpSpPr>
+      <p:sp>
+        <p:nvSpPr>
+          <p:cNvPr id="2" name="Title 1"/>
+          <p:cNvSpPr>
+            <a:spLocks noGrp="1"/>
+          </p:cNvSpPr>
+          <p:nvPr>
+            <p:ph type="title"/>
+          </p:nvPr>
+        </p:nvSpPr>
+        <p:spPr/>
+        <p:txBody>
+          <a:bodyPr/>
+          <a:lstStyle/>
+          <a:p>
+            <a:r>
+              <a:rPr lang="en-US" dirty="0"/>
+              <a:t>Contributing</a:t>
+            </a:r>
+            <a:endParaRPr lang="nl-BE" dirty="0"/>
+          </a:p>
+        </p:txBody>
+      </p:sp>
+      <p:sp>
+        <p:nvSpPr>
+          <p:cNvPr id="3" name="Content Placeholder 2"/>
+          <p:cNvSpPr>
+            <a:spLocks noGrp="1"/>
+          </p:cNvSpPr>
+          <p:nvPr>
+            <p:ph idx="1"/>
+          </p:nvPr>
+        </p:nvSpPr>
+        <p:spPr/>
+        <p:txBody>
+          <a:bodyPr>
+            <a:normAutofit lnSpcReduction="10000"/>
+          </a:bodyPr>
+          <a:lstStyle/>
+          <a:p>
+            <a:r>
+              <a:rPr lang="en-US" dirty="0"/>
+              <a:t>Contribute to someone else's project, e.g.,</a:t>
+            </a:r>
+          </a:p>
+          <a:p>
+            <a:pPr lvl="1"/>
+            <a:r>
+              <a:rPr lang="en-US" dirty="0"/>
+              <a:t>Open source project</a:t>
+            </a:r>
+          </a:p>
+          <a:p>
+            <a:pPr lvl="1"/>
+            <a:r>
+              <a:rPr lang="en-US" dirty="0"/>
+              <a:t>Research project you're involved in</a:t>
+            </a:r>
+          </a:p>
+          <a:p>
+            <a:r>
+              <a:rPr lang="en-US" dirty="0"/>
+              <a:t>Can be done without write access to project</a:t>
+            </a:r>
+          </a:p>
+          <a:p>
+            <a:pPr lvl="1"/>
+            <a:r>
+              <a:rPr lang="en-US" dirty="0"/>
+              <a:t>Create your own copy by forking</a:t>
+            </a:r>
+          </a:p>
+          <a:p>
+            <a:pPr lvl="1"/>
+            <a:r>
+              <a:rPr lang="en-US" dirty="0"/>
+              <a:t>Create a branch for implementation</a:t>
+            </a:r>
+          </a:p>
+          <a:p>
+            <a:pPr lvl="1"/>
+            <a:r>
+              <a:rPr lang="en-US" dirty="0"/>
+              <a:t>Implement, test</a:t>
+            </a:r>
+          </a:p>
+          <a:p>
+            <a:pPr lvl="1"/>
+            <a:r>
+              <a:rPr lang="en-US" dirty="0"/>
+              <a:t>Create a pull request for your branch against original repository</a:t>
+            </a:r>
+            <a:endParaRPr lang="nl-BE" dirty="0"/>
+          </a:p>
+        </p:txBody>
+      </p:sp>
+      <p:sp>
+        <p:nvSpPr>
+          <p:cNvPr id="4" name="Slide Number Placeholder 3"/>
+          <p:cNvSpPr>
+            <a:spLocks noGrp="1"/>
+          </p:cNvSpPr>
+          <p:nvPr>
+            <p:ph type="sldNum" sz="quarter" idx="12"/>
+          </p:nvPr>
+        </p:nvSpPr>
+        <p:spPr/>
+        <p:txBody>
+          <a:bodyPr/>
+          <a:lstStyle/>
+          <a:p>
+            <a:fld id="{BB52A05A-A776-4391-ACD7-D6BC34D3145C}" type="slidenum">
+              <a:rPr lang="nl-BE" smtClean="0"/>
+              <a:t>69</a:t>
             </a:fld>
             <a:endParaRPr lang="nl-BE"/>
           </a:p>
@@ -46767,7 +47504,222 @@
 </p:sld>
 </file>
 
-<file path=ppt/slides/slide69.xml><?xml version="1.0" encoding="utf-8"?>
+<file path=ppt/slides/slide7.xml><?xml version="1.0" encoding="utf-8"?>
+<p:sld xmlns:a="http://schemas.openxmlformats.org/drawingml/2006/main" xmlns:r="http://schemas.openxmlformats.org/officeDocument/2006/relationships" xmlns:p="http://schemas.openxmlformats.org/presentationml/2006/main">
+  <p:cSld>
+    <p:spTree>
+      <p:nvGrpSpPr>
+        <p:cNvPr id="1" name=""/>
+        <p:cNvGrpSpPr/>
+        <p:nvPr/>
+      </p:nvGrpSpPr>
+      <p:grpSpPr>
+        <a:xfrm>
+          <a:off x="0" y="0"/>
+          <a:ext cx="0" cy="0"/>
+          <a:chOff x="0" y="0"/>
+          <a:chExt cx="0" cy="0"/>
+        </a:xfrm>
+      </p:grpSpPr>
+      <p:sp>
+        <p:nvSpPr>
+          <p:cNvPr id="2" name="Slide Number Placeholder 1"/>
+          <p:cNvSpPr>
+            <a:spLocks noGrp="1"/>
+          </p:cNvSpPr>
+          <p:nvPr>
+            <p:ph type="sldNum" sz="quarter" idx="12"/>
+          </p:nvPr>
+        </p:nvSpPr>
+        <p:spPr/>
+        <p:txBody>
+          <a:bodyPr/>
+          <a:lstStyle/>
+          <a:p>
+            <a:fld id="{BB52A05A-A776-4391-ACD7-D6BC34D3145C}" type="slidenum">
+              <a:rPr lang="nl-BE" smtClean="0"/>
+              <a:t>7</a:t>
+            </a:fld>
+            <a:endParaRPr lang="nl-BE"/>
+          </a:p>
+        </p:txBody>
+      </p:sp>
+      <p:pic>
+        <p:nvPicPr>
+          <p:cNvPr id="3" name="Picture 2"/>
+          <p:cNvPicPr>
+            <a:picLocks noChangeAspect="1"/>
+          </p:cNvPicPr>
+          <p:nvPr/>
+        </p:nvPicPr>
+        <p:blipFill>
+          <a:blip r:embed="rId2"/>
+          <a:stretch>
+            <a:fillRect/>
+          </a:stretch>
+        </p:blipFill>
+        <p:spPr>
+          <a:xfrm>
+            <a:off x="201044" y="620688"/>
+            <a:ext cx="8741912" cy="5616623"/>
+          </a:xfrm>
+          <a:prstGeom prst="rect">
+            <a:avLst/>
+          </a:prstGeom>
+        </p:spPr>
+      </p:pic>
+      <p:sp>
+        <p:nvSpPr>
+          <p:cNvPr id="4" name="Rounded Rectangle 3"/>
+          <p:cNvSpPr/>
+          <p:nvPr/>
+        </p:nvSpPr>
+        <p:spPr>
+          <a:xfrm>
+            <a:off x="1331640" y="1196752"/>
+            <a:ext cx="936104" cy="216024"/>
+          </a:xfrm>
+          <a:prstGeom prst="roundRect">
+            <a:avLst/>
+          </a:prstGeom>
+          <a:solidFill>
+            <a:schemeClr val="tx1"/>
+          </a:solidFill>
+          <a:ln>
+            <a:noFill/>
+          </a:ln>
+        </p:spPr>
+        <p:style>
+          <a:lnRef idx="2">
+            <a:schemeClr val="accent1">
+              <a:shade val="50000"/>
+            </a:schemeClr>
+          </a:lnRef>
+          <a:fillRef idx="1">
+            <a:schemeClr val="accent1"/>
+          </a:fillRef>
+          <a:effectRef idx="0">
+            <a:schemeClr val="accent1"/>
+          </a:effectRef>
+          <a:fontRef idx="minor">
+            <a:schemeClr val="lt1"/>
+          </a:fontRef>
+        </p:style>
+        <p:txBody>
+          <a:bodyPr rtlCol="0" anchor="ctr"/>
+          <a:lstStyle/>
+          <a:p>
+            <a:pPr algn="ctr"/>
+            <a:endParaRPr lang="en-US"/>
+          </a:p>
+        </p:txBody>
+      </p:sp>
+      <p:sp>
+        <p:nvSpPr>
+          <p:cNvPr id="5" name="Rounded Rectangle 4"/>
+          <p:cNvSpPr/>
+          <p:nvPr/>
+        </p:nvSpPr>
+        <p:spPr>
+          <a:xfrm>
+            <a:off x="1198015" y="2020013"/>
+            <a:ext cx="936104" cy="216024"/>
+          </a:xfrm>
+          <a:prstGeom prst="roundRect">
+            <a:avLst/>
+          </a:prstGeom>
+          <a:solidFill>
+            <a:schemeClr val="tx1"/>
+          </a:solidFill>
+          <a:ln>
+            <a:noFill/>
+          </a:ln>
+        </p:spPr>
+        <p:style>
+          <a:lnRef idx="2">
+            <a:schemeClr val="accent1">
+              <a:shade val="50000"/>
+            </a:schemeClr>
+          </a:lnRef>
+          <a:fillRef idx="1">
+            <a:schemeClr val="accent1"/>
+          </a:fillRef>
+          <a:effectRef idx="0">
+            <a:schemeClr val="accent1"/>
+          </a:effectRef>
+          <a:fontRef idx="minor">
+            <a:schemeClr val="lt1"/>
+          </a:fontRef>
+        </p:style>
+        <p:txBody>
+          <a:bodyPr rtlCol="0" anchor="ctr"/>
+          <a:lstStyle/>
+          <a:p>
+            <a:pPr algn="ctr"/>
+            <a:endParaRPr lang="en-US"/>
+          </a:p>
+        </p:txBody>
+      </p:sp>
+      <p:sp>
+        <p:nvSpPr>
+          <p:cNvPr id="6" name="Rounded Rectangle 5"/>
+          <p:cNvSpPr/>
+          <p:nvPr/>
+        </p:nvSpPr>
+        <p:spPr>
+          <a:xfrm>
+            <a:off x="411498" y="1963591"/>
+            <a:ext cx="288032" cy="112843"/>
+          </a:xfrm>
+          <a:prstGeom prst="roundRect">
+            <a:avLst/>
+          </a:prstGeom>
+          <a:solidFill>
+            <a:schemeClr val="tx1"/>
+          </a:solidFill>
+          <a:ln>
+            <a:noFill/>
+          </a:ln>
+        </p:spPr>
+        <p:style>
+          <a:lnRef idx="2">
+            <a:schemeClr val="accent1">
+              <a:shade val="50000"/>
+            </a:schemeClr>
+          </a:lnRef>
+          <a:fillRef idx="1">
+            <a:schemeClr val="accent1"/>
+          </a:fillRef>
+          <a:effectRef idx="0">
+            <a:schemeClr val="accent1"/>
+          </a:effectRef>
+          <a:fontRef idx="minor">
+            <a:schemeClr val="lt1"/>
+          </a:fontRef>
+        </p:style>
+        <p:txBody>
+          <a:bodyPr rtlCol="0" anchor="ctr"/>
+          <a:lstStyle/>
+          <a:p>
+            <a:pPr algn="ctr"/>
+            <a:endParaRPr lang="en-US"/>
+          </a:p>
+        </p:txBody>
+      </p:sp>
+    </p:spTree>
+    <p:extLst>
+      <p:ext uri="{BB962C8B-B14F-4D97-AF65-F5344CB8AC3E}">
+        <p14:creationId xmlns:p14="http://schemas.microsoft.com/office/powerpoint/2010/main" val="1645612856"/>
+      </p:ext>
+    </p:extLst>
+  </p:cSld>
+  <p:clrMapOvr>
+    <a:masterClrMapping/>
+  </p:clrMapOvr>
+</p:sld>
+</file>
+
+<file path=ppt/slides/slide70.xml><?xml version="1.0" encoding="utf-8"?>
 <p:sld xmlns:a="http://schemas.openxmlformats.org/drawingml/2006/main" xmlns:r="http://schemas.openxmlformats.org/officeDocument/2006/relationships" xmlns:p="http://schemas.openxmlformats.org/presentationml/2006/main">
   <p:cSld>
     <p:spTree>
@@ -46921,7 +47873,7 @@
           <a:p>
             <a:fld id="{BB52A05A-A776-4391-ACD7-D6BC34D3145C}" type="slidenum">
               <a:rPr lang="nl-BE" smtClean="0"/>
-              <a:t>69</a:t>
+              <a:t>70</a:t>
             </a:fld>
             <a:endParaRPr lang="nl-BE"/>
           </a:p>
@@ -47301,7 +48253,7 @@
 </p:sld>
 </file>
 
-<file path=ppt/slides/slide7.xml><?xml version="1.0" encoding="utf-8"?>
+<file path=ppt/slides/slide71.xml><?xml version="1.0" encoding="utf-8"?>
 <p:sld xmlns:a="http://schemas.openxmlformats.org/drawingml/2006/main" xmlns:r="http://schemas.openxmlformats.org/officeDocument/2006/relationships" xmlns:p="http://schemas.openxmlformats.org/presentationml/2006/main">
   <p:cSld>
     <p:spTree>
@@ -47335,7 +48287,7 @@
           <a:p>
             <a:r>
               <a:rPr lang="en-US" dirty="0"/>
-              <a:t>Why version control?</a:t>
+              <a:t>Receiving contribution</a:t>
             </a:r>
             <a:endParaRPr lang="nl-BE" dirty="0"/>
           </a:p>
@@ -47353,77 +48305,71 @@
         </p:nvSpPr>
         <p:spPr/>
         <p:txBody>
-          <a:bodyPr>
-            <a:normAutofit fontScale="85000" lnSpcReduction="20000"/>
-          </a:bodyPr>
+          <a:bodyPr/>
           <a:lstStyle/>
           <a:p>
             <a:r>
               <a:rPr lang="en-US" dirty="0"/>
-              <a:t>Who needs it anyway?</a:t>
+              <a:t>Someone forked your repository to contribute</a:t>
+            </a:r>
+          </a:p>
+          <a:p>
+            <a:r>
+              <a:rPr lang="en-US" dirty="0"/>
+              <a:t>You receive pull request</a:t>
             </a:r>
           </a:p>
           <a:p>
             <a:pPr lvl="1"/>
             <a:r>
               <a:rPr lang="en-US" dirty="0"/>
-              <a:t>Anyone who produces something that changes over time (e.g., texts, code, slides, bibliographies,…)</a:t>
-            </a:r>
-          </a:p>
-          <a:p>
+              <a:t>Evaluate contribution</a:t>
+            </a:r>
+          </a:p>
+          <a:p>
+            <a:pPr lvl="2"/>
             <a:r>
               <a:rPr lang="en-US" dirty="0"/>
-              <a:t>History of a project is important</a:t>
+              <a:t>Code review</a:t>
+            </a:r>
+          </a:p>
+          <a:p>
+            <a:pPr lvl="2"/>
+            <a:r>
+              <a:rPr lang="en-US" dirty="0"/>
+              <a:t>Extensive tests</a:t>
             </a:r>
           </a:p>
           <a:p>
             <a:pPr lvl="1"/>
             <a:r>
               <a:rPr lang="en-US" dirty="0"/>
-              <a:t>Which version of a program generated data used in publication </a:t>
-            </a:r>
-            <a:r>
-              <a:rPr lang="en-US" i="1" dirty="0"/>
-              <a:t>x</a:t>
+              <a:t>If okay, merge remote branch into, e.g., </a:t>
+            </a:r>
+            <a:r>
+              <a:rPr lang="en-US" dirty="0">
+                <a:latin typeface="Courier New" panose="02070309020205020404" pitchFamily="49" charset="0"/>
+                <a:cs typeface="Courier New" panose="02070309020205020404" pitchFamily="49" charset="0"/>
+              </a:rPr>
+              <a:t>main</a:t>
             </a:r>
             <a:r>
               <a:rPr lang="en-US" dirty="0"/>
-              <a:t>?</a:t>
+              <a:t> or </a:t>
+            </a:r>
+            <a:r>
+              <a:rPr lang="en-US" dirty="0">
+                <a:latin typeface="Courier New" panose="02070309020205020404" pitchFamily="49" charset="0"/>
+                <a:cs typeface="Courier New" panose="02070309020205020404" pitchFamily="49" charset="0"/>
+              </a:rPr>
+              <a:t>development</a:t>
             </a:r>
           </a:p>
           <a:p>
             <a:pPr lvl="1"/>
             <a:r>
               <a:rPr lang="en-US" dirty="0"/>
-              <a:t>A modification to code was a </a:t>
-            </a:r>
-            <a:r>
-              <a:rPr lang="en-US" i="1" dirty="0"/>
-              <a:t>Really Bad Idea</a:t>
-            </a:r>
-            <a:r>
-              <a:rPr lang="en-US" dirty="0"/>
-              <a:t>™, when was this "feature" introduced, and can I go back?</a:t>
-            </a:r>
-          </a:p>
-          <a:p>
-            <a:r>
-              <a:rPr lang="en-US" dirty="0"/>
-              <a:t>Collaboration</a:t>
-            </a:r>
-          </a:p>
-          <a:p>
-            <a:pPr lvl="1"/>
-            <a:r>
-              <a:rPr lang="en-US" dirty="0"/>
-              <a:t>How to ensure that everyone is working with the latest version?</a:t>
-            </a:r>
-          </a:p>
-          <a:p>
-            <a:pPr lvl="1"/>
-            <a:r>
-              <a:rPr lang="en-US" dirty="0"/>
-              <a:t>How to develop independently and safely?</a:t>
+              <a:t>If not okay, provide feedback, delete pull request</a:t>
             </a:r>
           </a:p>
           <a:p>
@@ -47449,506 +48395,7 @@
           <a:p>
             <a:fld id="{BB52A05A-A776-4391-ACD7-D6BC34D3145C}" type="slidenum">
               <a:rPr lang="nl-BE" smtClean="0"/>
-              <a:t>7</a:t>
-            </a:fld>
-            <a:endParaRPr lang="nl-BE"/>
-          </a:p>
-        </p:txBody>
-      </p:sp>
-    </p:spTree>
-    <p:extLst>
-      <p:ext uri="{BB962C8B-B14F-4D97-AF65-F5344CB8AC3E}">
-        <p14:creationId xmlns:p14="http://schemas.microsoft.com/office/powerpoint/2010/main" val="68869236"/>
-      </p:ext>
-    </p:extLst>
-  </p:cSld>
-  <p:clrMapOvr>
-    <a:masterClrMapping/>
-  </p:clrMapOvr>
-  <p:timing>
-    <p:tnLst>
-      <p:par>
-        <p:cTn id="1" dur="indefinite" restart="never" nodeType="tmRoot">
-          <p:childTnLst>
-            <p:seq concurrent="1" nextAc="seek">
-              <p:cTn id="2" dur="indefinite" nodeType="mainSeq">
-                <p:childTnLst>
-                  <p:par>
-                    <p:cTn id="3" fill="hold">
-                      <p:stCondLst>
-                        <p:cond delay="indefinite"/>
-                        <p:cond evt="onBegin" delay="0">
-                          <p:tn val="2"/>
-                        </p:cond>
-                      </p:stCondLst>
-                      <p:childTnLst>
-                        <p:par>
-                          <p:cTn id="4" fill="hold">
-                            <p:stCondLst>
-                              <p:cond delay="0"/>
-                            </p:stCondLst>
-                            <p:childTnLst>
-                              <p:par>
-                                <p:cTn id="5" presetID="1" presetClass="entr" presetSubtype="0" fill="hold" grpId="0" nodeType="withEffect">
-                                  <p:stCondLst>
-                                    <p:cond delay="0"/>
-                                  </p:stCondLst>
-                                  <p:childTnLst>
-                                    <p:set>
-                                      <p:cBhvr>
-                                        <p:cTn id="6" dur="1" fill="hold">
-                                          <p:stCondLst>
-                                            <p:cond delay="0"/>
-                                          </p:stCondLst>
-                                        </p:cTn>
-                                        <p:tgtEl>
-                                          <p:spTgt spid="3">
-                                            <p:txEl>
-                                              <p:pRg st="0" end="0"/>
-                                            </p:txEl>
-                                          </p:spTgt>
-                                        </p:tgtEl>
-                                        <p:attrNameLst>
-                                          <p:attrName>style.visibility</p:attrName>
-                                        </p:attrNameLst>
-                                      </p:cBhvr>
-                                      <p:to>
-                                        <p:strVal val="visible"/>
-                                      </p:to>
-                                    </p:set>
-                                  </p:childTnLst>
-                                </p:cTn>
-                              </p:par>
-                              <p:par>
-                                <p:cTn id="7" presetID="1" presetClass="entr" presetSubtype="0" fill="hold" grpId="0" nodeType="withEffect">
-                                  <p:stCondLst>
-                                    <p:cond delay="0"/>
-                                  </p:stCondLst>
-                                  <p:childTnLst>
-                                    <p:set>
-                                      <p:cBhvr>
-                                        <p:cTn id="8" dur="1" fill="hold">
-                                          <p:stCondLst>
-                                            <p:cond delay="0"/>
-                                          </p:stCondLst>
-                                        </p:cTn>
-                                        <p:tgtEl>
-                                          <p:spTgt spid="3">
-                                            <p:txEl>
-                                              <p:pRg st="1" end="1"/>
-                                            </p:txEl>
-                                          </p:spTgt>
-                                        </p:tgtEl>
-                                        <p:attrNameLst>
-                                          <p:attrName>style.visibility</p:attrName>
-                                        </p:attrNameLst>
-                                      </p:cBhvr>
-                                      <p:to>
-                                        <p:strVal val="visible"/>
-                                      </p:to>
-                                    </p:set>
-                                  </p:childTnLst>
-                                </p:cTn>
-                              </p:par>
-                            </p:childTnLst>
-                          </p:cTn>
-                        </p:par>
-                      </p:childTnLst>
-                    </p:cTn>
-                  </p:par>
-                  <p:par>
-                    <p:cTn id="9" fill="hold">
-                      <p:stCondLst>
-                        <p:cond delay="indefinite"/>
-                      </p:stCondLst>
-                      <p:childTnLst>
-                        <p:par>
-                          <p:cTn id="10" fill="hold">
-                            <p:stCondLst>
-                              <p:cond delay="0"/>
-                            </p:stCondLst>
-                            <p:childTnLst>
-                              <p:par>
-                                <p:cTn id="11" presetID="1" presetClass="entr" presetSubtype="0" fill="hold" grpId="0" nodeType="clickEffect">
-                                  <p:stCondLst>
-                                    <p:cond delay="0"/>
-                                  </p:stCondLst>
-                                  <p:childTnLst>
-                                    <p:set>
-                                      <p:cBhvr>
-                                        <p:cTn id="12" dur="1" fill="hold">
-                                          <p:stCondLst>
-                                            <p:cond delay="0"/>
-                                          </p:stCondLst>
-                                        </p:cTn>
-                                        <p:tgtEl>
-                                          <p:spTgt spid="3">
-                                            <p:txEl>
-                                              <p:pRg st="2" end="2"/>
-                                            </p:txEl>
-                                          </p:spTgt>
-                                        </p:tgtEl>
-                                        <p:attrNameLst>
-                                          <p:attrName>style.visibility</p:attrName>
-                                        </p:attrNameLst>
-                                      </p:cBhvr>
-                                      <p:to>
-                                        <p:strVal val="visible"/>
-                                      </p:to>
-                                    </p:set>
-                                  </p:childTnLst>
-                                </p:cTn>
-                              </p:par>
-                              <p:par>
-                                <p:cTn id="13" presetID="1" presetClass="entr" presetSubtype="0" fill="hold" grpId="0" nodeType="withEffect">
-                                  <p:stCondLst>
-                                    <p:cond delay="0"/>
-                                  </p:stCondLst>
-                                  <p:childTnLst>
-                                    <p:set>
-                                      <p:cBhvr>
-                                        <p:cTn id="14" dur="1" fill="hold">
-                                          <p:stCondLst>
-                                            <p:cond delay="0"/>
-                                          </p:stCondLst>
-                                        </p:cTn>
-                                        <p:tgtEl>
-                                          <p:spTgt spid="3">
-                                            <p:txEl>
-                                              <p:pRg st="3" end="3"/>
-                                            </p:txEl>
-                                          </p:spTgt>
-                                        </p:tgtEl>
-                                        <p:attrNameLst>
-                                          <p:attrName>style.visibility</p:attrName>
-                                        </p:attrNameLst>
-                                      </p:cBhvr>
-                                      <p:to>
-                                        <p:strVal val="visible"/>
-                                      </p:to>
-                                    </p:set>
-                                  </p:childTnLst>
-                                </p:cTn>
-                              </p:par>
-                              <p:par>
-                                <p:cTn id="15" presetID="1" presetClass="entr" presetSubtype="0" fill="hold" grpId="0" nodeType="withEffect">
-                                  <p:stCondLst>
-                                    <p:cond delay="0"/>
-                                  </p:stCondLst>
-                                  <p:childTnLst>
-                                    <p:set>
-                                      <p:cBhvr>
-                                        <p:cTn id="16" dur="1" fill="hold">
-                                          <p:stCondLst>
-                                            <p:cond delay="0"/>
-                                          </p:stCondLst>
-                                        </p:cTn>
-                                        <p:tgtEl>
-                                          <p:spTgt spid="3">
-                                            <p:txEl>
-                                              <p:pRg st="4" end="4"/>
-                                            </p:txEl>
-                                          </p:spTgt>
-                                        </p:tgtEl>
-                                        <p:attrNameLst>
-                                          <p:attrName>style.visibility</p:attrName>
-                                        </p:attrNameLst>
-                                      </p:cBhvr>
-                                      <p:to>
-                                        <p:strVal val="visible"/>
-                                      </p:to>
-                                    </p:set>
-                                  </p:childTnLst>
-                                </p:cTn>
-                              </p:par>
-                            </p:childTnLst>
-                          </p:cTn>
-                        </p:par>
-                      </p:childTnLst>
-                    </p:cTn>
-                  </p:par>
-                  <p:par>
-                    <p:cTn id="17" fill="hold">
-                      <p:stCondLst>
-                        <p:cond delay="indefinite"/>
-                      </p:stCondLst>
-                      <p:childTnLst>
-                        <p:par>
-                          <p:cTn id="18" fill="hold">
-                            <p:stCondLst>
-                              <p:cond delay="0"/>
-                            </p:stCondLst>
-                            <p:childTnLst>
-                              <p:par>
-                                <p:cTn id="19" presetID="1" presetClass="entr" presetSubtype="0" fill="hold" grpId="0" nodeType="clickEffect">
-                                  <p:stCondLst>
-                                    <p:cond delay="0"/>
-                                  </p:stCondLst>
-                                  <p:childTnLst>
-                                    <p:set>
-                                      <p:cBhvr>
-                                        <p:cTn id="20" dur="1" fill="hold">
-                                          <p:stCondLst>
-                                            <p:cond delay="0"/>
-                                          </p:stCondLst>
-                                        </p:cTn>
-                                        <p:tgtEl>
-                                          <p:spTgt spid="3">
-                                            <p:txEl>
-                                              <p:pRg st="5" end="5"/>
-                                            </p:txEl>
-                                          </p:spTgt>
-                                        </p:tgtEl>
-                                        <p:attrNameLst>
-                                          <p:attrName>style.visibility</p:attrName>
-                                        </p:attrNameLst>
-                                      </p:cBhvr>
-                                      <p:to>
-                                        <p:strVal val="visible"/>
-                                      </p:to>
-                                    </p:set>
-                                  </p:childTnLst>
-                                </p:cTn>
-                              </p:par>
-                              <p:par>
-                                <p:cTn id="21" presetID="1" presetClass="entr" presetSubtype="0" fill="hold" grpId="0" nodeType="withEffect">
-                                  <p:stCondLst>
-                                    <p:cond delay="0"/>
-                                  </p:stCondLst>
-                                  <p:childTnLst>
-                                    <p:set>
-                                      <p:cBhvr>
-                                        <p:cTn id="22" dur="1" fill="hold">
-                                          <p:stCondLst>
-                                            <p:cond delay="0"/>
-                                          </p:stCondLst>
-                                        </p:cTn>
-                                        <p:tgtEl>
-                                          <p:spTgt spid="3">
-                                            <p:txEl>
-                                              <p:pRg st="6" end="6"/>
-                                            </p:txEl>
-                                          </p:spTgt>
-                                        </p:tgtEl>
-                                        <p:attrNameLst>
-                                          <p:attrName>style.visibility</p:attrName>
-                                        </p:attrNameLst>
-                                      </p:cBhvr>
-                                      <p:to>
-                                        <p:strVal val="visible"/>
-                                      </p:to>
-                                    </p:set>
-                                  </p:childTnLst>
-                                </p:cTn>
-                              </p:par>
-                              <p:par>
-                                <p:cTn id="23" presetID="1" presetClass="entr" presetSubtype="0" fill="hold" grpId="0" nodeType="withEffect">
-                                  <p:stCondLst>
-                                    <p:cond delay="0"/>
-                                  </p:stCondLst>
-                                  <p:childTnLst>
-                                    <p:set>
-                                      <p:cBhvr>
-                                        <p:cTn id="24" dur="1" fill="hold">
-                                          <p:stCondLst>
-                                            <p:cond delay="0"/>
-                                          </p:stCondLst>
-                                        </p:cTn>
-                                        <p:tgtEl>
-                                          <p:spTgt spid="3">
-                                            <p:txEl>
-                                              <p:pRg st="7" end="7"/>
-                                            </p:txEl>
-                                          </p:spTgt>
-                                        </p:tgtEl>
-                                        <p:attrNameLst>
-                                          <p:attrName>style.visibility</p:attrName>
-                                        </p:attrNameLst>
-                                      </p:cBhvr>
-                                      <p:to>
-                                        <p:strVal val="visible"/>
-                                      </p:to>
-                                    </p:set>
-                                  </p:childTnLst>
-                                </p:cTn>
-                              </p:par>
-                            </p:childTnLst>
-                          </p:cTn>
-                        </p:par>
-                      </p:childTnLst>
-                    </p:cTn>
-                  </p:par>
-                </p:childTnLst>
-              </p:cTn>
-              <p:prevCondLst>
-                <p:cond evt="onPrev" delay="0">
-                  <p:tgtEl>
-                    <p:sldTgt/>
-                  </p:tgtEl>
-                </p:cond>
-              </p:prevCondLst>
-              <p:nextCondLst>
-                <p:cond evt="onNext" delay="0">
-                  <p:tgtEl>
-                    <p:sldTgt/>
-                  </p:tgtEl>
-                </p:cond>
-              </p:nextCondLst>
-            </p:seq>
-          </p:childTnLst>
-        </p:cTn>
-      </p:par>
-    </p:tnLst>
-    <p:bldLst>
-      <p:bldP spid="3" grpId="0" uiExpand="1" build="p"/>
-    </p:bldLst>
-  </p:timing>
-</p:sld>
-</file>
-
-<file path=ppt/slides/slide70.xml><?xml version="1.0" encoding="utf-8"?>
-<p:sld xmlns:a="http://schemas.openxmlformats.org/drawingml/2006/main" xmlns:r="http://schemas.openxmlformats.org/officeDocument/2006/relationships" xmlns:p="http://schemas.openxmlformats.org/presentationml/2006/main">
-  <p:cSld>
-    <p:spTree>
-      <p:nvGrpSpPr>
-        <p:cNvPr id="1" name=""/>
-        <p:cNvGrpSpPr/>
-        <p:nvPr/>
-      </p:nvGrpSpPr>
-      <p:grpSpPr>
-        <a:xfrm>
-          <a:off x="0" y="0"/>
-          <a:ext cx="0" cy="0"/>
-          <a:chOff x="0" y="0"/>
-          <a:chExt cx="0" cy="0"/>
-        </a:xfrm>
-      </p:grpSpPr>
-      <p:sp>
-        <p:nvSpPr>
-          <p:cNvPr id="2" name="Title 1"/>
-          <p:cNvSpPr>
-            <a:spLocks noGrp="1"/>
-          </p:cNvSpPr>
-          <p:nvPr>
-            <p:ph type="title"/>
-          </p:nvPr>
-        </p:nvSpPr>
-        <p:spPr/>
-        <p:txBody>
-          <a:bodyPr/>
-          <a:lstStyle/>
-          <a:p>
-            <a:r>
-              <a:rPr lang="en-US" dirty="0"/>
-              <a:t>Receiving contribution</a:t>
-            </a:r>
-            <a:endParaRPr lang="nl-BE" dirty="0"/>
-          </a:p>
-        </p:txBody>
-      </p:sp>
-      <p:sp>
-        <p:nvSpPr>
-          <p:cNvPr id="3" name="Content Placeholder 2"/>
-          <p:cNvSpPr>
-            <a:spLocks noGrp="1"/>
-          </p:cNvSpPr>
-          <p:nvPr>
-            <p:ph idx="1"/>
-          </p:nvPr>
-        </p:nvSpPr>
-        <p:spPr/>
-        <p:txBody>
-          <a:bodyPr/>
-          <a:lstStyle/>
-          <a:p>
-            <a:r>
-              <a:rPr lang="en-US" dirty="0"/>
-              <a:t>Someone forked your repository to contribute</a:t>
-            </a:r>
-          </a:p>
-          <a:p>
-            <a:r>
-              <a:rPr lang="en-US" dirty="0"/>
-              <a:t>You receive pull request</a:t>
-            </a:r>
-          </a:p>
-          <a:p>
-            <a:pPr lvl="1"/>
-            <a:r>
-              <a:rPr lang="en-US" dirty="0"/>
-              <a:t>Evaluate contribution</a:t>
-            </a:r>
-          </a:p>
-          <a:p>
-            <a:pPr lvl="2"/>
-            <a:r>
-              <a:rPr lang="en-US" dirty="0"/>
-              <a:t>Code review</a:t>
-            </a:r>
-          </a:p>
-          <a:p>
-            <a:pPr lvl="2"/>
-            <a:r>
-              <a:rPr lang="en-US" dirty="0"/>
-              <a:t>Extensive tests</a:t>
-            </a:r>
-          </a:p>
-          <a:p>
-            <a:pPr lvl="1"/>
-            <a:r>
-              <a:rPr lang="en-US" dirty="0"/>
-              <a:t>If okay, merge remote branch into, e.g., </a:t>
-            </a:r>
-            <a:r>
-              <a:rPr lang="en-US" dirty="0">
-                <a:latin typeface="Courier New" panose="02070309020205020404" pitchFamily="49" charset="0"/>
-                <a:cs typeface="Courier New" panose="02070309020205020404" pitchFamily="49" charset="0"/>
-              </a:rPr>
-              <a:t>main</a:t>
-            </a:r>
-            <a:r>
-              <a:rPr lang="en-US" dirty="0"/>
-              <a:t> or </a:t>
-            </a:r>
-            <a:r>
-              <a:rPr lang="en-US" dirty="0">
-                <a:latin typeface="Courier New" panose="02070309020205020404" pitchFamily="49" charset="0"/>
-                <a:cs typeface="Courier New" panose="02070309020205020404" pitchFamily="49" charset="0"/>
-              </a:rPr>
-              <a:t>development</a:t>
-            </a:r>
-          </a:p>
-          <a:p>
-            <a:pPr lvl="1"/>
-            <a:r>
-              <a:rPr lang="en-US" dirty="0"/>
-              <a:t>If not okay, provide feedback, delete pull request</a:t>
-            </a:r>
-          </a:p>
-          <a:p>
-            <a:pPr lvl="1"/>
-            <a:endParaRPr lang="nl-BE" dirty="0"/>
-          </a:p>
-        </p:txBody>
-      </p:sp>
-      <p:sp>
-        <p:nvSpPr>
-          <p:cNvPr id="4" name="Slide Number Placeholder 3"/>
-          <p:cNvSpPr>
-            <a:spLocks noGrp="1"/>
-          </p:cNvSpPr>
-          <p:nvPr>
-            <p:ph type="sldNum" sz="quarter" idx="12"/>
-          </p:nvPr>
-        </p:nvSpPr>
-        <p:spPr/>
-        <p:txBody>
-          <a:bodyPr/>
-          <a:lstStyle/>
-          <a:p>
-            <a:fld id="{BB52A05A-A776-4391-ACD7-D6BC34D3145C}" type="slidenum">
-              <a:rPr lang="nl-BE" smtClean="0"/>
-              <a:t>70</a:t>
+              <a:t>71</a:t>
             </a:fld>
             <a:endParaRPr lang="nl-BE"/>
           </a:p>
@@ -48391,101 +48838,6 @@
 </p:sld>
 </file>
 
-<file path=ppt/slides/slide71.xml><?xml version="1.0" encoding="utf-8"?>
-<p:sld xmlns:a="http://schemas.openxmlformats.org/drawingml/2006/main" xmlns:r="http://schemas.openxmlformats.org/officeDocument/2006/relationships" xmlns:p="http://schemas.openxmlformats.org/presentationml/2006/main">
-  <p:cSld>
-    <p:spTree>
-      <p:nvGrpSpPr>
-        <p:cNvPr id="1" name=""/>
-        <p:cNvGrpSpPr/>
-        <p:nvPr/>
-      </p:nvGrpSpPr>
-      <p:grpSpPr>
-        <a:xfrm>
-          <a:off x="0" y="0"/>
-          <a:ext cx="0" cy="0"/>
-          <a:chOff x="0" y="0"/>
-          <a:chExt cx="0" cy="0"/>
-        </a:xfrm>
-      </p:grpSpPr>
-      <p:sp>
-        <p:nvSpPr>
-          <p:cNvPr id="2" name="Title 1"/>
-          <p:cNvSpPr>
-            <a:spLocks noGrp="1"/>
-          </p:cNvSpPr>
-          <p:nvPr>
-            <p:ph type="title"/>
-          </p:nvPr>
-        </p:nvSpPr>
-        <p:spPr/>
-        <p:txBody>
-          <a:bodyPr/>
-          <a:lstStyle/>
-          <a:p>
-            <a:r>
-              <a:rPr lang="en-US" dirty="0"/>
-              <a:t>Conclusions</a:t>
-            </a:r>
-            <a:endParaRPr lang="nl-BE" dirty="0"/>
-          </a:p>
-        </p:txBody>
-      </p:sp>
-      <p:sp>
-        <p:nvSpPr>
-          <p:cNvPr id="3" name="Text Placeholder 2"/>
-          <p:cNvSpPr>
-            <a:spLocks noGrp="1"/>
-          </p:cNvSpPr>
-          <p:nvPr>
-            <p:ph type="body" idx="1"/>
-          </p:nvPr>
-        </p:nvSpPr>
-        <p:spPr/>
-        <p:txBody>
-          <a:bodyPr/>
-          <a:lstStyle/>
-          <a:p>
-            <a:endParaRPr lang="nl-BE"/>
-          </a:p>
-        </p:txBody>
-      </p:sp>
-      <p:sp>
-        <p:nvSpPr>
-          <p:cNvPr id="4" name="Slide Number Placeholder 3"/>
-          <p:cNvSpPr>
-            <a:spLocks noGrp="1"/>
-          </p:cNvSpPr>
-          <p:nvPr>
-            <p:ph type="sldNum" sz="quarter" idx="12"/>
-          </p:nvPr>
-        </p:nvSpPr>
-        <p:spPr/>
-        <p:txBody>
-          <a:bodyPr/>
-          <a:lstStyle/>
-          <a:p>
-            <a:fld id="{BB52A05A-A776-4391-ACD7-D6BC34D3145C}" type="slidenum">
-              <a:rPr lang="nl-BE" smtClean="0"/>
-              <a:t>71</a:t>
-            </a:fld>
-            <a:endParaRPr lang="nl-BE"/>
-          </a:p>
-        </p:txBody>
-      </p:sp>
-    </p:spTree>
-    <p:extLst>
-      <p:ext uri="{BB962C8B-B14F-4D97-AF65-F5344CB8AC3E}">
-        <p14:creationId xmlns:p14="http://schemas.microsoft.com/office/powerpoint/2010/main" val="2763237186"/>
-      </p:ext>
-    </p:extLst>
-  </p:cSld>
-  <p:clrMapOvr>
-    <a:masterClrMapping/>
-  </p:clrMapOvr>
-</p:sld>
-</file>
-
 <file path=ppt/slides/slide72.xml><?xml version="1.0" encoding="utf-8"?>
 <p:sld xmlns:a="http://schemas.openxmlformats.org/drawingml/2006/main" xmlns:r="http://schemas.openxmlformats.org/officeDocument/2006/relationships" xmlns:p="http://schemas.openxmlformats.org/presentationml/2006/main">
   <p:cSld>
@@ -48528,12 +48880,12 @@
       </p:sp>
       <p:sp>
         <p:nvSpPr>
-          <p:cNvPr id="3" name="Content Placeholder 2"/>
+          <p:cNvPr id="3" name="Text Placeholder 2"/>
           <p:cNvSpPr>
             <a:spLocks noGrp="1"/>
           </p:cNvSpPr>
           <p:nvPr>
-            <p:ph idx="1"/>
+            <p:ph type="body" idx="1"/>
           </p:nvPr>
         </p:nvSpPr>
         <p:spPr/>
@@ -48541,52 +48893,7 @@
           <a:bodyPr/>
           <a:lstStyle/>
           <a:p>
-            <a:r>
-              <a:rPr lang="en-US" dirty="0"/>
-              <a:t>Contributes to the scientific method</a:t>
-            </a:r>
-          </a:p>
-          <a:p>
-            <a:pPr lvl="1"/>
-            <a:r>
-              <a:rPr lang="en-US" dirty="0"/>
-              <a:t>Helps ensure reproducibility</a:t>
-            </a:r>
-          </a:p>
-          <a:p>
-            <a:r>
-              <a:rPr lang="en-US" dirty="0"/>
-              <a:t>Record of change</a:t>
-            </a:r>
-          </a:p>
-          <a:p>
-            <a:pPr lvl="1"/>
-            <a:r>
-              <a:rPr lang="en-US" dirty="0"/>
-              <a:t>What was changed?</a:t>
-            </a:r>
-          </a:p>
-          <a:p>
-            <a:pPr lvl="1"/>
-            <a:r>
-              <a:rPr lang="en-US" dirty="0"/>
-              <a:t>When was it changed?</a:t>
-            </a:r>
-          </a:p>
-          <a:p>
-            <a:pPr lvl="1"/>
-            <a:r>
-              <a:rPr lang="en-US" dirty="0"/>
-              <a:t>Who changed it?</a:t>
-            </a:r>
-          </a:p>
-          <a:p>
-            <a:pPr lvl="1"/>
-            <a:r>
-              <a:rPr lang="en-US" dirty="0"/>
-              <a:t>Why was it changed?</a:t>
-            </a:r>
-            <a:endParaRPr lang="nl-BE" dirty="0"/>
+            <a:endParaRPr lang="nl-BE"/>
           </a:p>
         </p:txBody>
       </p:sp>
@@ -48608,6 +48915,146 @@
             <a:fld id="{BB52A05A-A776-4391-ACD7-D6BC34D3145C}" type="slidenum">
               <a:rPr lang="nl-BE" smtClean="0"/>
               <a:t>72</a:t>
+            </a:fld>
+            <a:endParaRPr lang="nl-BE"/>
+          </a:p>
+        </p:txBody>
+      </p:sp>
+    </p:spTree>
+    <p:extLst>
+      <p:ext uri="{BB962C8B-B14F-4D97-AF65-F5344CB8AC3E}">
+        <p14:creationId xmlns:p14="http://schemas.microsoft.com/office/powerpoint/2010/main" val="2763237186"/>
+      </p:ext>
+    </p:extLst>
+  </p:cSld>
+  <p:clrMapOvr>
+    <a:masterClrMapping/>
+  </p:clrMapOvr>
+</p:sld>
+</file>
+
+<file path=ppt/slides/slide73.xml><?xml version="1.0" encoding="utf-8"?>
+<p:sld xmlns:a="http://schemas.openxmlformats.org/drawingml/2006/main" xmlns:r="http://schemas.openxmlformats.org/officeDocument/2006/relationships" xmlns:p="http://schemas.openxmlformats.org/presentationml/2006/main">
+  <p:cSld>
+    <p:spTree>
+      <p:nvGrpSpPr>
+        <p:cNvPr id="1" name=""/>
+        <p:cNvGrpSpPr/>
+        <p:nvPr/>
+      </p:nvGrpSpPr>
+      <p:grpSpPr>
+        <a:xfrm>
+          <a:off x="0" y="0"/>
+          <a:ext cx="0" cy="0"/>
+          <a:chOff x="0" y="0"/>
+          <a:chExt cx="0" cy="0"/>
+        </a:xfrm>
+      </p:grpSpPr>
+      <p:sp>
+        <p:nvSpPr>
+          <p:cNvPr id="2" name="Title 1"/>
+          <p:cNvSpPr>
+            <a:spLocks noGrp="1"/>
+          </p:cNvSpPr>
+          <p:nvPr>
+            <p:ph type="title"/>
+          </p:nvPr>
+        </p:nvSpPr>
+        <p:spPr/>
+        <p:txBody>
+          <a:bodyPr/>
+          <a:lstStyle/>
+          <a:p>
+            <a:r>
+              <a:rPr lang="en-US" dirty="0"/>
+              <a:t>Conclusions</a:t>
+            </a:r>
+            <a:endParaRPr lang="nl-BE" dirty="0"/>
+          </a:p>
+        </p:txBody>
+      </p:sp>
+      <p:sp>
+        <p:nvSpPr>
+          <p:cNvPr id="3" name="Content Placeholder 2"/>
+          <p:cNvSpPr>
+            <a:spLocks noGrp="1"/>
+          </p:cNvSpPr>
+          <p:nvPr>
+            <p:ph idx="1"/>
+          </p:nvPr>
+        </p:nvSpPr>
+        <p:spPr/>
+        <p:txBody>
+          <a:bodyPr/>
+          <a:lstStyle/>
+          <a:p>
+            <a:r>
+              <a:rPr lang="en-US" dirty="0"/>
+              <a:t>Contributes to the scientific method</a:t>
+            </a:r>
+          </a:p>
+          <a:p>
+            <a:pPr lvl="1"/>
+            <a:r>
+              <a:rPr lang="en-US" dirty="0"/>
+              <a:t>Helps ensure reproducibility</a:t>
+            </a:r>
+          </a:p>
+          <a:p>
+            <a:r>
+              <a:rPr lang="en-US" dirty="0"/>
+              <a:t>Record of change</a:t>
+            </a:r>
+          </a:p>
+          <a:p>
+            <a:pPr lvl="1"/>
+            <a:r>
+              <a:rPr lang="en-US" dirty="0"/>
+              <a:t>What was changed?</a:t>
+            </a:r>
+          </a:p>
+          <a:p>
+            <a:pPr lvl="1"/>
+            <a:r>
+              <a:rPr lang="en-US" dirty="0"/>
+              <a:t>When was it changed?</a:t>
+            </a:r>
+          </a:p>
+          <a:p>
+            <a:pPr lvl="1"/>
+            <a:r>
+              <a:rPr lang="en-US" dirty="0"/>
+              <a:t>Who changed it?</a:t>
+            </a:r>
+          </a:p>
+          <a:p>
+            <a:pPr lvl="1"/>
+            <a:r>
+              <a:rPr lang="en-US" dirty="0"/>
+              <a:t>Why was it changed?</a:t>
+            </a:r>
+            <a:endParaRPr lang="nl-BE" dirty="0"/>
+          </a:p>
+        </p:txBody>
+      </p:sp>
+      <p:sp>
+        <p:nvSpPr>
+          <p:cNvPr id="4" name="Slide Number Placeholder 3"/>
+          <p:cNvSpPr>
+            <a:spLocks noGrp="1"/>
+          </p:cNvSpPr>
+          <p:nvPr>
+            <p:ph type="sldNum" sz="quarter" idx="12"/>
+          </p:nvPr>
+        </p:nvSpPr>
+        <p:spPr/>
+        <p:txBody>
+          <a:bodyPr/>
+          <a:lstStyle/>
+          <a:p>
+            <a:fld id="{BB52A05A-A776-4391-ACD7-D6BC34D3145C}" type="slidenum">
+              <a:rPr lang="nl-BE" smtClean="0"/>
+              <a:t>73</a:t>
             </a:fld>
             <a:endParaRPr lang="nl-BE"/>
           </a:p>
@@ -48915,245 +49362,6 @@
 </p:sld>
 </file>
 
-<file path=ppt/slides/slide73.xml><?xml version="1.0" encoding="utf-8"?>
-<p:sld xmlns:a="http://schemas.openxmlformats.org/drawingml/2006/main" xmlns:r="http://schemas.openxmlformats.org/officeDocument/2006/relationships" xmlns:p="http://schemas.openxmlformats.org/presentationml/2006/main">
-  <p:cSld>
-    <p:spTree>
-      <p:nvGrpSpPr>
-        <p:cNvPr id="1" name=""/>
-        <p:cNvGrpSpPr/>
-        <p:nvPr/>
-      </p:nvGrpSpPr>
-      <p:grpSpPr>
-        <a:xfrm>
-          <a:off x="0" y="0"/>
-          <a:ext cx="0" cy="0"/>
-          <a:chOff x="0" y="0"/>
-          <a:chExt cx="0" cy="0"/>
-        </a:xfrm>
-      </p:grpSpPr>
-      <p:sp>
-        <p:nvSpPr>
-          <p:cNvPr id="2" name="Title 1"/>
-          <p:cNvSpPr>
-            <a:spLocks noGrp="1"/>
-          </p:cNvSpPr>
-          <p:nvPr>
-            <p:ph type="title"/>
-          </p:nvPr>
-        </p:nvSpPr>
-        <p:spPr/>
-        <p:txBody>
-          <a:bodyPr/>
-          <a:lstStyle/>
-          <a:p>
-            <a:r>
-              <a:rPr lang="en-US" dirty="0"/>
-              <a:t>References</a:t>
-            </a:r>
-            <a:endParaRPr lang="nl-BE" dirty="0"/>
-          </a:p>
-        </p:txBody>
-      </p:sp>
-      <p:sp>
-        <p:nvSpPr>
-          <p:cNvPr id="3" name="Content Placeholder 2"/>
-          <p:cNvSpPr>
-            <a:spLocks noGrp="1"/>
-          </p:cNvSpPr>
-          <p:nvPr>
-            <p:ph idx="1"/>
-          </p:nvPr>
-        </p:nvSpPr>
-        <p:spPr/>
-        <p:txBody>
-          <a:bodyPr>
-            <a:normAutofit fontScale="77500" lnSpcReduction="20000"/>
-          </a:bodyPr>
-          <a:lstStyle/>
-          <a:p>
-            <a:r>
-              <a:rPr lang="en-US" dirty="0"/>
-              <a:t>Online documentation (including movies)</a:t>
-            </a:r>
-            <a:br>
-              <a:rPr lang="en-US" dirty="0"/>
-            </a:br>
-            <a:r>
-              <a:rPr lang="nl-BE" sz="2300" dirty="0">
-                <a:hlinkClick r:id="rId2"/>
-              </a:rPr>
-              <a:t>http://git-scm.com/documentation</a:t>
-            </a:r>
-            <a:endParaRPr lang="nl-BE" dirty="0"/>
-          </a:p>
-          <a:p>
-            <a:r>
-              <a:rPr lang="en-US" dirty="0" err="1"/>
-              <a:t>git</a:t>
-            </a:r>
-            <a:r>
-              <a:rPr lang="en-US" dirty="0"/>
-              <a:t> web site</a:t>
-            </a:r>
-            <a:br>
-              <a:rPr lang="en-US" dirty="0"/>
-            </a:br>
-            <a:r>
-              <a:rPr lang="nl-BE" sz="2400" dirty="0">
-                <a:hlinkClick r:id="rId3"/>
-              </a:rPr>
-              <a:t>http://git-scm.com/</a:t>
-            </a:r>
-            <a:endParaRPr lang="nl-BE" dirty="0"/>
-          </a:p>
-          <a:p>
-            <a:r>
-              <a:rPr lang="nl-BE" dirty="0"/>
-              <a:t>Pro git online book</a:t>
-            </a:r>
-            <a:br>
-              <a:rPr lang="nl-BE" dirty="0"/>
-            </a:br>
-            <a:r>
-              <a:rPr lang="nl-BE" sz="2100" dirty="0">
-                <a:hlinkClick r:id="rId4"/>
-              </a:rPr>
-              <a:t>https://git-scm.com/book/en/v2/</a:t>
-            </a:r>
-            <a:r>
-              <a:rPr lang="nl-BE" sz="2100" dirty="0"/>
-              <a:t> </a:t>
-            </a:r>
-            <a:endParaRPr lang="nl-BE" dirty="0"/>
-          </a:p>
-          <a:p>
-            <a:r>
-              <a:rPr lang="en-US" dirty="0"/>
-              <a:t>Why (the author thinks) you should switch to </a:t>
-            </a:r>
-            <a:r>
-              <a:rPr lang="en-US" dirty="0" err="1"/>
-              <a:t>git</a:t>
-            </a:r>
-            <a:br>
-              <a:rPr lang="en-US" dirty="0"/>
-            </a:br>
-            <a:r>
-              <a:rPr lang="nl-BE" sz="2300" dirty="0">
-                <a:hlinkClick r:id="rId5"/>
-              </a:rPr>
-              <a:t>http://blog.teamtreehouse.com/why-you-should-switch-from-subversion-to-git</a:t>
-            </a:r>
-            <a:endParaRPr lang="nl-BE" dirty="0"/>
-          </a:p>
-          <a:p>
-            <a:r>
-              <a:rPr lang="nl-BE" dirty="0"/>
-              <a:t>Overview of frequently used git workflows</a:t>
-            </a:r>
-            <a:br>
-              <a:rPr lang="nl-BE" dirty="0"/>
-            </a:br>
-            <a:r>
-              <a:rPr lang="en-US" sz="2100" dirty="0">
-                <a:hlinkClick r:id="rId6"/>
-              </a:rPr>
-              <a:t>https://www.atlassian.com/git/workflows</a:t>
-            </a:r>
-            <a:endParaRPr lang="en-US" dirty="0"/>
-          </a:p>
-          <a:p>
-            <a:r>
-              <a:rPr lang="nl-BE" dirty="0"/>
-              <a:t>Blog posts on "good" commit messages</a:t>
-            </a:r>
-            <a:br>
-              <a:rPr lang="nl-BE" dirty="0"/>
-            </a:br>
-            <a:r>
-              <a:rPr lang="nl-BE" sz="2100" dirty="0">
-                <a:hlinkClick r:id="rId7"/>
-              </a:rPr>
-              <a:t>https://chris.beams.io/posts/git-commit/</a:t>
-            </a:r>
-            <a:r>
-              <a:rPr lang="nl-BE" sz="2100" dirty="0"/>
-              <a:t> </a:t>
-            </a:r>
-            <a:br>
-              <a:rPr lang="nl-BE" sz="2100" dirty="0"/>
-            </a:br>
-            <a:r>
-              <a:rPr lang="nl-BE" sz="2100" dirty="0">
-                <a:hlinkClick r:id="rId8"/>
-              </a:rPr>
-              <a:t>https://thoughtbot.com/blog/5-useful-tips-for-a-better-commit-message</a:t>
-            </a:r>
-            <a:r>
-              <a:rPr lang="nl-BE" sz="2100" dirty="0"/>
-              <a:t> </a:t>
-            </a:r>
-            <a:endParaRPr lang="en-BE" sz="2100" dirty="0"/>
-          </a:p>
-          <a:p>
-            <a:r>
-              <a:rPr lang="en-BE" dirty="0"/>
-              <a:t>Nice article on some git features &amp; techniques</a:t>
-            </a:r>
-            <a:br>
-              <a:rPr lang="en-BE" dirty="0"/>
-            </a:br>
-            <a:r>
-              <a:rPr lang="en-US" sz="2100" dirty="0">
-                <a:hlinkClick r:id="rId9"/>
-              </a:rPr>
-              <a:t>https://realpython.com/advanced-git-for-pythonistas/</a:t>
-            </a:r>
-            <a:r>
-              <a:rPr lang="en-BE" sz="2100" dirty="0"/>
-              <a:t> </a:t>
-            </a:r>
-            <a:endParaRPr lang="nl-BE" dirty="0"/>
-          </a:p>
-        </p:txBody>
-      </p:sp>
-      <p:sp>
-        <p:nvSpPr>
-          <p:cNvPr id="4" name="Slide Number Placeholder 3"/>
-          <p:cNvSpPr>
-            <a:spLocks noGrp="1"/>
-          </p:cNvSpPr>
-          <p:nvPr>
-            <p:ph type="sldNum" sz="quarter" idx="12"/>
-          </p:nvPr>
-        </p:nvSpPr>
-        <p:spPr/>
-        <p:txBody>
-          <a:bodyPr/>
-          <a:lstStyle/>
-          <a:p>
-            <a:fld id="{BB52A05A-A776-4391-ACD7-D6BC34D3145C}" type="slidenum">
-              <a:rPr lang="nl-BE" smtClean="0"/>
-              <a:t>73</a:t>
-            </a:fld>
-            <a:endParaRPr lang="nl-BE"/>
-          </a:p>
-        </p:txBody>
-      </p:sp>
-    </p:spTree>
-    <p:extLst>
-      <p:ext uri="{BB962C8B-B14F-4D97-AF65-F5344CB8AC3E}">
-        <p14:creationId xmlns:p14="http://schemas.microsoft.com/office/powerpoint/2010/main" val="2976133738"/>
-      </p:ext>
-    </p:extLst>
-  </p:cSld>
-  <p:clrMapOvr>
-    <a:masterClrMapping/>
-  </p:clrMapOvr>
-</p:sld>
-</file>
-
 <file path=ppt/slides/slide74.xml><?xml version="1.0" encoding="utf-8"?>
 <p:sld xmlns:a="http://schemas.openxmlformats.org/drawingml/2006/main" xmlns:r="http://schemas.openxmlformats.org/officeDocument/2006/relationships" xmlns:p="http://schemas.openxmlformats.org/presentationml/2006/main">
   <p:cSld>
@@ -49188,7 +49396,7 @@
           <a:p>
             <a:r>
               <a:rPr lang="en-US" dirty="0"/>
-              <a:t>Software &amp; tools</a:t>
+              <a:t>References</a:t>
             </a:r>
             <a:endParaRPr lang="nl-BE" dirty="0"/>
           </a:p>
@@ -49204,161 +49412,155 @@
             <p:ph idx="1"/>
           </p:nvPr>
         </p:nvSpPr>
-        <p:spPr>
-          <a:xfrm>
-            <a:off x="457200" y="1600201"/>
-            <a:ext cx="8229600" cy="5069159"/>
-          </a:xfrm>
-        </p:spPr>
+        <p:spPr/>
         <p:txBody>
           <a:bodyPr>
-            <a:normAutofit fontScale="92500" lnSpcReduction="20000"/>
+            <a:normAutofit fontScale="77500" lnSpcReduction="20000"/>
           </a:bodyPr>
           <a:lstStyle/>
           <a:p>
             <a:r>
+              <a:rPr lang="en-US" dirty="0"/>
+              <a:t>Online documentation (including movies)</a:t>
+            </a:r>
+            <a:br>
+              <a:rPr lang="en-US" dirty="0"/>
+            </a:br>
+            <a:r>
+              <a:rPr lang="nl-BE" sz="2300" dirty="0">
+                <a:hlinkClick r:id="rId2"/>
+              </a:rPr>
+              <a:t>http://git-scm.com/documentation</a:t>
+            </a:r>
+            <a:endParaRPr lang="nl-BE" dirty="0"/>
+          </a:p>
+          <a:p>
+            <a:r>
               <a:rPr lang="en-US" dirty="0" err="1"/>
               <a:t>git</a:t>
             </a:r>
             <a:r>
               <a:rPr lang="en-US" dirty="0"/>
-              <a:t> comes with most Linux distributions</a:t>
-            </a:r>
-          </a:p>
-          <a:p>
-            <a:r>
+              <a:t> web site</a:t>
+            </a:r>
+            <a:br>
               <a:rPr lang="en-US" dirty="0"/>
-              <a:t>Website &amp; downloads: </a:t>
-            </a:r>
-            <a:r>
-              <a:rPr lang="en-US" dirty="0">
+            </a:br>
+            <a:r>
+              <a:rPr lang="nl-BE" sz="2400" dirty="0">
                 <a:hlinkClick r:id="rId3"/>
               </a:rPr>
-              <a:t>https://git-scm.com/</a:t>
-            </a:r>
+              <a:t>http://git-scm.com/</a:t>
+            </a:r>
+            <a:endParaRPr lang="nl-BE" dirty="0"/>
+          </a:p>
+          <a:p>
+            <a:r>
+              <a:rPr lang="nl-BE" dirty="0"/>
+              <a:t>Pro git online book</a:t>
+            </a:r>
+            <a:br>
+              <a:rPr lang="nl-BE" dirty="0"/>
+            </a:br>
+            <a:r>
+              <a:rPr lang="nl-BE" sz="2100" dirty="0">
+                <a:hlinkClick r:id="rId4"/>
+              </a:rPr>
+              <a:t>https://git-scm.com/book/en/v2/</a:t>
+            </a:r>
+            <a:r>
+              <a:rPr lang="nl-BE" sz="2100" dirty="0"/>
+              <a:t> </a:t>
+            </a:r>
+            <a:endParaRPr lang="nl-BE" dirty="0"/>
+          </a:p>
+          <a:p>
             <a:r>
               <a:rPr lang="en-US" dirty="0"/>
-              <a:t> </a:t>
-            </a:r>
-          </a:p>
-          <a:p>
-            <a:r>
-              <a:rPr lang="en-US" dirty="0"/>
-              <a:t>Desktop clients</a:t>
-            </a:r>
-          </a:p>
-          <a:p>
-            <a:pPr lvl="1"/>
-            <a:r>
-              <a:rPr lang="nl-BE" dirty="0"/>
-              <a:t>GitHub Desktop: </a:t>
-            </a:r>
-            <a:r>
-              <a:rPr lang="nl-BE" dirty="0">
-                <a:hlinkClick r:id="rId4"/>
-              </a:rPr>
-              <a:t>https://desktop.github.com/</a:t>
-            </a:r>
-            <a:r>
-              <a:rPr lang="nl-BE" dirty="0"/>
-              <a:t> (Windows/</a:t>
-            </a:r>
-            <a:r>
-              <a:rPr lang="nl-BE" dirty="0" err="1"/>
-              <a:t>MacOS</a:t>
-            </a:r>
-            <a:r>
-              <a:rPr lang="nl-BE" dirty="0"/>
-              <a:t> X)</a:t>
-            </a:r>
-          </a:p>
-          <a:p>
-            <a:pPr lvl="1"/>
-            <a:r>
-              <a:rPr lang="en-US" dirty="0" err="1"/>
-              <a:t>TortoiseGit</a:t>
-            </a:r>
-            <a:r>
-              <a:rPr lang="en-US" dirty="0"/>
-              <a:t>: </a:t>
-            </a:r>
-            <a:r>
-              <a:rPr lang="en-US" dirty="0">
-                <a:hlinkClick r:id="rId5"/>
-              </a:rPr>
-              <a:t>https://tortoisegit.org/</a:t>
-            </a:r>
-            <a:r>
-              <a:rPr lang="en-US" dirty="0"/>
-              <a:t> (Windows)</a:t>
-            </a:r>
-          </a:p>
-          <a:p>
-            <a:pPr lvl="1"/>
-            <a:r>
-              <a:rPr lang="en-US" dirty="0" err="1"/>
-              <a:t>SmartGit</a:t>
-            </a:r>
-            <a:r>
-              <a:rPr lang="en-US" dirty="0"/>
-              <a:t>: </a:t>
-            </a:r>
-            <a:r>
-              <a:rPr lang="en-US" dirty="0">
-                <a:hlinkClick r:id="rId6"/>
-              </a:rPr>
-              <a:t>https://www.syntevo.com/smartgit/</a:t>
-            </a:r>
-            <a:r>
-              <a:rPr lang="en-US" dirty="0"/>
-              <a:t> (Linux/Windows/MacOS X)</a:t>
-            </a:r>
-          </a:p>
-          <a:p>
-            <a:r>
-              <a:rPr lang="en-US" dirty="0" err="1"/>
-              <a:t>vcsh</a:t>
-            </a:r>
-            <a:r>
-              <a:rPr lang="en-US" dirty="0"/>
-              <a:t>, version control for configuration files: </a:t>
-            </a:r>
-            <a:r>
-              <a:rPr lang="en-US" dirty="0">
-                <a:hlinkClick r:id="rId7"/>
-              </a:rPr>
-              <a:t>https://github.com/RichiH/vcsh</a:t>
-            </a:r>
-            <a:r>
-              <a:rPr lang="en-US" dirty="0"/>
-              <a:t> (Linux)</a:t>
-            </a:r>
-          </a:p>
-          <a:p>
-            <a:r>
-              <a:rPr lang="en-US" dirty="0"/>
-              <a:t>git-prompt.sh, show </a:t>
+              <a:t>Why (the author thinks) you should switch to </a:t>
             </a:r>
             <a:r>
               <a:rPr lang="en-US" dirty="0" err="1"/>
               <a:t>git</a:t>
             </a:r>
-            <a:r>
+            <a:br>
               <a:rPr lang="en-US" dirty="0"/>
-              <a:t> info in command line prompt: </a:t>
-            </a:r>
-            <a:r>
-              <a:rPr lang="en-US" dirty="0">
+            </a:br>
+            <a:r>
+              <a:rPr lang="nl-BE" sz="2300" dirty="0">
+                <a:hlinkClick r:id="rId5"/>
+              </a:rPr>
+              <a:t>http://blog.teamtreehouse.com/why-you-should-switch-from-subversion-to-git</a:t>
+            </a:r>
+            <a:endParaRPr lang="nl-BE" dirty="0"/>
+          </a:p>
+          <a:p>
+            <a:r>
+              <a:rPr lang="nl-BE" dirty="0"/>
+              <a:t>Overview of frequently used git workflows</a:t>
+            </a:r>
+            <a:br>
+              <a:rPr lang="nl-BE" dirty="0"/>
+            </a:br>
+            <a:r>
+              <a:rPr lang="en-US" sz="2100" dirty="0">
+                <a:hlinkClick r:id="rId6"/>
+              </a:rPr>
+              <a:t>https://www.atlassian.com/git/workflows</a:t>
+            </a:r>
+            <a:endParaRPr lang="en-US" dirty="0"/>
+          </a:p>
+          <a:p>
+            <a:r>
+              <a:rPr lang="nl-BE" dirty="0"/>
+              <a:t>Blog posts on "good" commit messages</a:t>
+            </a:r>
+            <a:br>
+              <a:rPr lang="nl-BE" dirty="0"/>
+            </a:br>
+            <a:r>
+              <a:rPr lang="nl-BE" sz="2100" dirty="0">
+                <a:hlinkClick r:id="rId7"/>
+              </a:rPr>
+              <a:t>https://chris.beams.io/posts/git-commit/</a:t>
+            </a:r>
+            <a:r>
+              <a:rPr lang="nl-BE" sz="2100" dirty="0"/>
+              <a:t> </a:t>
+            </a:r>
+            <a:br>
+              <a:rPr lang="nl-BE" sz="2100" dirty="0"/>
+            </a:br>
+            <a:r>
+              <a:rPr lang="nl-BE" sz="2100" dirty="0">
                 <a:hlinkClick r:id="rId8"/>
               </a:rPr>
-              <a:t>http://git-prompt.sh/</a:t>
-            </a:r>
-            <a:r>
-              <a:rPr lang="en-US" dirty="0"/>
-              <a:t> (Linux)</a:t>
-            </a:r>
-          </a:p>
-          <a:p>
+              <a:t>https://thoughtbot.com/blog/5-useful-tips-for-a-better-commit-message</a:t>
+            </a:r>
+            <a:r>
+              <a:rPr lang="nl-BE" sz="2100" dirty="0"/>
+              <a:t> </a:t>
+            </a:r>
+            <a:endParaRPr lang="en-BE" sz="2100" dirty="0"/>
+          </a:p>
+          <a:p>
+            <a:r>
+              <a:rPr lang="en-BE" dirty="0"/>
+              <a:t>Nice article on some git features &amp; techniques</a:t>
+            </a:r>
+            <a:br>
+              <a:rPr lang="en-BE" dirty="0"/>
+            </a:br>
+            <a:r>
+              <a:rPr lang="en-US" sz="2100" dirty="0">
+                <a:hlinkClick r:id="rId9"/>
+              </a:rPr>
+              <a:t>https://realpython.com/advanced-git-for-pythonistas/</a:t>
+            </a:r>
+            <a:r>
+              <a:rPr lang="en-BE" sz="2100" dirty="0"/>
+              <a:t> </a:t>
+            </a:r>
             <a:endParaRPr lang="nl-BE" dirty="0"/>
           </a:p>
         </p:txBody>
@@ -49389,7 +49591,7 @@
     </p:spTree>
     <p:extLst>
       <p:ext uri="{BB962C8B-B14F-4D97-AF65-F5344CB8AC3E}">
-        <p14:creationId xmlns:p14="http://schemas.microsoft.com/office/powerpoint/2010/main" val="3855217261"/>
+        <p14:creationId xmlns:p14="http://schemas.microsoft.com/office/powerpoint/2010/main" val="2976133738"/>
       </p:ext>
     </p:extLst>
   </p:cSld>
@@ -49433,6 +49635,251 @@
           <a:p>
             <a:r>
               <a:rPr lang="en-US" dirty="0"/>
+              <a:t>Software &amp; tools</a:t>
+            </a:r>
+            <a:endParaRPr lang="nl-BE" dirty="0"/>
+          </a:p>
+        </p:txBody>
+      </p:sp>
+      <p:sp>
+        <p:nvSpPr>
+          <p:cNvPr id="3" name="Content Placeholder 2"/>
+          <p:cNvSpPr>
+            <a:spLocks noGrp="1"/>
+          </p:cNvSpPr>
+          <p:nvPr>
+            <p:ph idx="1"/>
+          </p:nvPr>
+        </p:nvSpPr>
+        <p:spPr>
+          <a:xfrm>
+            <a:off x="457200" y="1600201"/>
+            <a:ext cx="8229600" cy="5069159"/>
+          </a:xfrm>
+        </p:spPr>
+        <p:txBody>
+          <a:bodyPr>
+            <a:normAutofit fontScale="92500" lnSpcReduction="20000"/>
+          </a:bodyPr>
+          <a:lstStyle/>
+          <a:p>
+            <a:r>
+              <a:rPr lang="en-US" dirty="0" err="1"/>
+              <a:t>git</a:t>
+            </a:r>
+            <a:r>
+              <a:rPr lang="en-US" dirty="0"/>
+              <a:t> comes with most Linux distributions</a:t>
+            </a:r>
+          </a:p>
+          <a:p>
+            <a:r>
+              <a:rPr lang="en-US" dirty="0"/>
+              <a:t>Website &amp; downloads: </a:t>
+            </a:r>
+            <a:r>
+              <a:rPr lang="en-US" dirty="0">
+                <a:hlinkClick r:id="rId3"/>
+              </a:rPr>
+              <a:t>https://git-scm.com/</a:t>
+            </a:r>
+            <a:r>
+              <a:rPr lang="en-US" dirty="0"/>
+              <a:t> </a:t>
+            </a:r>
+          </a:p>
+          <a:p>
+            <a:r>
+              <a:rPr lang="en-US" dirty="0"/>
+              <a:t>Desktop clients</a:t>
+            </a:r>
+          </a:p>
+          <a:p>
+            <a:pPr lvl="1"/>
+            <a:r>
+              <a:rPr lang="nl-BE" dirty="0"/>
+              <a:t>GitHub Desktop: </a:t>
+            </a:r>
+            <a:r>
+              <a:rPr lang="nl-BE" dirty="0">
+                <a:hlinkClick r:id="rId4"/>
+              </a:rPr>
+              <a:t>https://desktop.github.com/</a:t>
+            </a:r>
+            <a:r>
+              <a:rPr lang="nl-BE" dirty="0"/>
+              <a:t> (Windows/</a:t>
+            </a:r>
+            <a:r>
+              <a:rPr lang="nl-BE" dirty="0" err="1"/>
+              <a:t>MacOS</a:t>
+            </a:r>
+            <a:r>
+              <a:rPr lang="nl-BE" dirty="0"/>
+              <a:t> X)</a:t>
+            </a:r>
+          </a:p>
+          <a:p>
+            <a:pPr lvl="1"/>
+            <a:r>
+              <a:rPr lang="en-US" dirty="0" err="1"/>
+              <a:t>TortoiseGit</a:t>
+            </a:r>
+            <a:r>
+              <a:rPr lang="en-US" dirty="0"/>
+              <a:t>: </a:t>
+            </a:r>
+            <a:r>
+              <a:rPr lang="en-US" dirty="0">
+                <a:hlinkClick r:id="rId5"/>
+              </a:rPr>
+              <a:t>https://tortoisegit.org/</a:t>
+            </a:r>
+            <a:r>
+              <a:rPr lang="en-US" dirty="0"/>
+              <a:t> (Windows)</a:t>
+            </a:r>
+          </a:p>
+          <a:p>
+            <a:pPr lvl="1"/>
+            <a:r>
+              <a:rPr lang="en-US" dirty="0" err="1"/>
+              <a:t>SmartGit</a:t>
+            </a:r>
+            <a:r>
+              <a:rPr lang="en-US" dirty="0"/>
+              <a:t>: </a:t>
+            </a:r>
+            <a:r>
+              <a:rPr lang="en-US" dirty="0">
+                <a:hlinkClick r:id="rId6"/>
+              </a:rPr>
+              <a:t>https://www.syntevo.com/smartgit/</a:t>
+            </a:r>
+            <a:r>
+              <a:rPr lang="en-US" dirty="0"/>
+              <a:t> (Linux/Windows/MacOS X)</a:t>
+            </a:r>
+          </a:p>
+          <a:p>
+            <a:r>
+              <a:rPr lang="en-US" dirty="0" err="1"/>
+              <a:t>vcsh</a:t>
+            </a:r>
+            <a:r>
+              <a:rPr lang="en-US" dirty="0"/>
+              <a:t>, version control for configuration files: </a:t>
+            </a:r>
+            <a:r>
+              <a:rPr lang="en-US" dirty="0">
+                <a:hlinkClick r:id="rId7"/>
+              </a:rPr>
+              <a:t>https://github.com/RichiH/vcsh</a:t>
+            </a:r>
+            <a:r>
+              <a:rPr lang="en-US" dirty="0"/>
+              <a:t> (Linux)</a:t>
+            </a:r>
+          </a:p>
+          <a:p>
+            <a:r>
+              <a:rPr lang="en-US" dirty="0"/>
+              <a:t>git-prompt.sh, show </a:t>
+            </a:r>
+            <a:r>
+              <a:rPr lang="en-US" dirty="0" err="1"/>
+              <a:t>git</a:t>
+            </a:r>
+            <a:r>
+              <a:rPr lang="en-US" dirty="0"/>
+              <a:t> info in command line prompt: </a:t>
+            </a:r>
+            <a:r>
+              <a:rPr lang="en-US" dirty="0">
+                <a:hlinkClick r:id="rId8"/>
+              </a:rPr>
+              <a:t>http://git-prompt.sh/</a:t>
+            </a:r>
+            <a:r>
+              <a:rPr lang="en-US" dirty="0"/>
+              <a:t> (Linux)</a:t>
+            </a:r>
+          </a:p>
+          <a:p>
+            <a:endParaRPr lang="nl-BE" dirty="0"/>
+          </a:p>
+        </p:txBody>
+      </p:sp>
+      <p:sp>
+        <p:nvSpPr>
+          <p:cNvPr id="4" name="Slide Number Placeholder 3"/>
+          <p:cNvSpPr>
+            <a:spLocks noGrp="1"/>
+          </p:cNvSpPr>
+          <p:nvPr>
+            <p:ph type="sldNum" sz="quarter" idx="12"/>
+          </p:nvPr>
+        </p:nvSpPr>
+        <p:spPr/>
+        <p:txBody>
+          <a:bodyPr/>
+          <a:lstStyle/>
+          <a:p>
+            <a:fld id="{BB52A05A-A776-4391-ACD7-D6BC34D3145C}" type="slidenum">
+              <a:rPr lang="nl-BE" smtClean="0"/>
+              <a:t>75</a:t>
+            </a:fld>
+            <a:endParaRPr lang="nl-BE"/>
+          </a:p>
+        </p:txBody>
+      </p:sp>
+    </p:spTree>
+    <p:extLst>
+      <p:ext uri="{BB962C8B-B14F-4D97-AF65-F5344CB8AC3E}">
+        <p14:creationId xmlns:p14="http://schemas.microsoft.com/office/powerpoint/2010/main" val="3855217261"/>
+      </p:ext>
+    </p:extLst>
+  </p:cSld>
+  <p:clrMapOvr>
+    <a:masterClrMapping/>
+  </p:clrMapOvr>
+</p:sld>
+</file>
+
+<file path=ppt/slides/slide76.xml><?xml version="1.0" encoding="utf-8"?>
+<p:sld xmlns:a="http://schemas.openxmlformats.org/drawingml/2006/main" xmlns:r="http://schemas.openxmlformats.org/officeDocument/2006/relationships" xmlns:p="http://schemas.openxmlformats.org/presentationml/2006/main">
+  <p:cSld>
+    <p:spTree>
+      <p:nvGrpSpPr>
+        <p:cNvPr id="1" name=""/>
+        <p:cNvGrpSpPr/>
+        <p:nvPr/>
+      </p:nvGrpSpPr>
+      <p:grpSpPr>
+        <a:xfrm>
+          <a:off x="0" y="0"/>
+          <a:ext cx="0" cy="0"/>
+          <a:chOff x="0" y="0"/>
+          <a:chExt cx="0" cy="0"/>
+        </a:xfrm>
+      </p:grpSpPr>
+      <p:sp>
+        <p:nvSpPr>
+          <p:cNvPr id="2" name="Title 1"/>
+          <p:cNvSpPr>
+            <a:spLocks noGrp="1"/>
+          </p:cNvSpPr>
+          <p:nvPr>
+            <p:ph type="title"/>
+          </p:nvPr>
+        </p:nvSpPr>
+        <p:spPr/>
+        <p:txBody>
+          <a:bodyPr/>
+          <a:lstStyle/>
+          <a:p>
+            <a:r>
+              <a:rPr lang="en-US" dirty="0"/>
               <a:t>Services</a:t>
             </a:r>
             <a:endParaRPr lang="nl-BE" dirty="0"/>
@@ -49542,7 +49989,7 @@
           <a:p>
             <a:fld id="{BB52A05A-A776-4391-ACD7-D6BC34D3145C}" type="slidenum">
               <a:rPr lang="nl-BE" smtClean="0"/>
-              <a:t>75</a:t>
+              <a:t>76</a:t>
             </a:fld>
             <a:endParaRPr lang="nl-BE"/>
           </a:p>
@@ -49920,6 +50367,511 @@
           <a:p>
             <a:r>
               <a:rPr lang="en-US" dirty="0"/>
+              <a:t>Why version control?</a:t>
+            </a:r>
+            <a:endParaRPr lang="nl-BE" dirty="0"/>
+          </a:p>
+        </p:txBody>
+      </p:sp>
+      <p:sp>
+        <p:nvSpPr>
+          <p:cNvPr id="3" name="Content Placeholder 2"/>
+          <p:cNvSpPr>
+            <a:spLocks noGrp="1"/>
+          </p:cNvSpPr>
+          <p:nvPr>
+            <p:ph idx="1"/>
+          </p:nvPr>
+        </p:nvSpPr>
+        <p:spPr/>
+        <p:txBody>
+          <a:bodyPr>
+            <a:normAutofit fontScale="85000" lnSpcReduction="20000"/>
+          </a:bodyPr>
+          <a:lstStyle/>
+          <a:p>
+            <a:r>
+              <a:rPr lang="en-US" dirty="0"/>
+              <a:t>Who needs it anyway?</a:t>
+            </a:r>
+          </a:p>
+          <a:p>
+            <a:pPr lvl="1"/>
+            <a:r>
+              <a:rPr lang="en-US" dirty="0"/>
+              <a:t>Anyone who produces something that changes over time (e.g., texts, code, slides, bibliographies,…)</a:t>
+            </a:r>
+          </a:p>
+          <a:p>
+            <a:r>
+              <a:rPr lang="en-US" dirty="0"/>
+              <a:t>History of a project is important</a:t>
+            </a:r>
+          </a:p>
+          <a:p>
+            <a:pPr lvl="1"/>
+            <a:r>
+              <a:rPr lang="en-US" dirty="0"/>
+              <a:t>Which version of a program generated data used in publication </a:t>
+            </a:r>
+            <a:r>
+              <a:rPr lang="en-US" i="1" dirty="0"/>
+              <a:t>x</a:t>
+            </a:r>
+            <a:r>
+              <a:rPr lang="en-US" dirty="0"/>
+              <a:t>?</a:t>
+            </a:r>
+          </a:p>
+          <a:p>
+            <a:pPr lvl="1"/>
+            <a:r>
+              <a:rPr lang="en-US" dirty="0"/>
+              <a:t>A modification to code was a </a:t>
+            </a:r>
+            <a:r>
+              <a:rPr lang="en-US" i="1" dirty="0"/>
+              <a:t>Really Bad Idea</a:t>
+            </a:r>
+            <a:r>
+              <a:rPr lang="en-US" dirty="0"/>
+              <a:t>™, when was this "feature" introduced, and can I go back?</a:t>
+            </a:r>
+          </a:p>
+          <a:p>
+            <a:r>
+              <a:rPr lang="en-US" dirty="0"/>
+              <a:t>Collaboration</a:t>
+            </a:r>
+          </a:p>
+          <a:p>
+            <a:pPr lvl="1"/>
+            <a:r>
+              <a:rPr lang="en-US" dirty="0"/>
+              <a:t>How to ensure that everyone is working with the latest version?</a:t>
+            </a:r>
+          </a:p>
+          <a:p>
+            <a:pPr lvl="1"/>
+            <a:r>
+              <a:rPr lang="en-US" dirty="0"/>
+              <a:t>How to develop independently and safely?</a:t>
+            </a:r>
+          </a:p>
+          <a:p>
+            <a:pPr lvl="1"/>
+            <a:endParaRPr lang="nl-BE" dirty="0"/>
+          </a:p>
+        </p:txBody>
+      </p:sp>
+      <p:sp>
+        <p:nvSpPr>
+          <p:cNvPr id="4" name="Slide Number Placeholder 3"/>
+          <p:cNvSpPr>
+            <a:spLocks noGrp="1"/>
+          </p:cNvSpPr>
+          <p:nvPr>
+            <p:ph type="sldNum" sz="quarter" idx="12"/>
+          </p:nvPr>
+        </p:nvSpPr>
+        <p:spPr/>
+        <p:txBody>
+          <a:bodyPr/>
+          <a:lstStyle/>
+          <a:p>
+            <a:fld id="{BB52A05A-A776-4391-ACD7-D6BC34D3145C}" type="slidenum">
+              <a:rPr lang="nl-BE" smtClean="0"/>
+              <a:t>8</a:t>
+            </a:fld>
+            <a:endParaRPr lang="nl-BE"/>
+          </a:p>
+        </p:txBody>
+      </p:sp>
+    </p:spTree>
+    <p:extLst>
+      <p:ext uri="{BB962C8B-B14F-4D97-AF65-F5344CB8AC3E}">
+        <p14:creationId xmlns:p14="http://schemas.microsoft.com/office/powerpoint/2010/main" val="68869236"/>
+      </p:ext>
+    </p:extLst>
+  </p:cSld>
+  <p:clrMapOvr>
+    <a:masterClrMapping/>
+  </p:clrMapOvr>
+  <p:timing>
+    <p:tnLst>
+      <p:par>
+        <p:cTn id="1" dur="indefinite" restart="never" nodeType="tmRoot">
+          <p:childTnLst>
+            <p:seq concurrent="1" nextAc="seek">
+              <p:cTn id="2" dur="indefinite" nodeType="mainSeq">
+                <p:childTnLst>
+                  <p:par>
+                    <p:cTn id="3" fill="hold">
+                      <p:stCondLst>
+                        <p:cond delay="indefinite"/>
+                        <p:cond evt="onBegin" delay="0">
+                          <p:tn val="2"/>
+                        </p:cond>
+                      </p:stCondLst>
+                      <p:childTnLst>
+                        <p:par>
+                          <p:cTn id="4" fill="hold">
+                            <p:stCondLst>
+                              <p:cond delay="0"/>
+                            </p:stCondLst>
+                            <p:childTnLst>
+                              <p:par>
+                                <p:cTn id="5" presetID="1" presetClass="entr" presetSubtype="0" fill="hold" grpId="0" nodeType="withEffect">
+                                  <p:stCondLst>
+                                    <p:cond delay="0"/>
+                                  </p:stCondLst>
+                                  <p:childTnLst>
+                                    <p:set>
+                                      <p:cBhvr>
+                                        <p:cTn id="6" dur="1" fill="hold">
+                                          <p:stCondLst>
+                                            <p:cond delay="0"/>
+                                          </p:stCondLst>
+                                        </p:cTn>
+                                        <p:tgtEl>
+                                          <p:spTgt spid="3">
+                                            <p:txEl>
+                                              <p:pRg st="0" end="0"/>
+                                            </p:txEl>
+                                          </p:spTgt>
+                                        </p:tgtEl>
+                                        <p:attrNameLst>
+                                          <p:attrName>style.visibility</p:attrName>
+                                        </p:attrNameLst>
+                                      </p:cBhvr>
+                                      <p:to>
+                                        <p:strVal val="visible"/>
+                                      </p:to>
+                                    </p:set>
+                                  </p:childTnLst>
+                                </p:cTn>
+                              </p:par>
+                              <p:par>
+                                <p:cTn id="7" presetID="1" presetClass="entr" presetSubtype="0" fill="hold" grpId="0" nodeType="withEffect">
+                                  <p:stCondLst>
+                                    <p:cond delay="0"/>
+                                  </p:stCondLst>
+                                  <p:childTnLst>
+                                    <p:set>
+                                      <p:cBhvr>
+                                        <p:cTn id="8" dur="1" fill="hold">
+                                          <p:stCondLst>
+                                            <p:cond delay="0"/>
+                                          </p:stCondLst>
+                                        </p:cTn>
+                                        <p:tgtEl>
+                                          <p:spTgt spid="3">
+                                            <p:txEl>
+                                              <p:pRg st="1" end="1"/>
+                                            </p:txEl>
+                                          </p:spTgt>
+                                        </p:tgtEl>
+                                        <p:attrNameLst>
+                                          <p:attrName>style.visibility</p:attrName>
+                                        </p:attrNameLst>
+                                      </p:cBhvr>
+                                      <p:to>
+                                        <p:strVal val="visible"/>
+                                      </p:to>
+                                    </p:set>
+                                  </p:childTnLst>
+                                </p:cTn>
+                              </p:par>
+                            </p:childTnLst>
+                          </p:cTn>
+                        </p:par>
+                      </p:childTnLst>
+                    </p:cTn>
+                  </p:par>
+                  <p:par>
+                    <p:cTn id="9" fill="hold">
+                      <p:stCondLst>
+                        <p:cond delay="indefinite"/>
+                      </p:stCondLst>
+                      <p:childTnLst>
+                        <p:par>
+                          <p:cTn id="10" fill="hold">
+                            <p:stCondLst>
+                              <p:cond delay="0"/>
+                            </p:stCondLst>
+                            <p:childTnLst>
+                              <p:par>
+                                <p:cTn id="11" presetID="1" presetClass="entr" presetSubtype="0" fill="hold" grpId="0" nodeType="clickEffect">
+                                  <p:stCondLst>
+                                    <p:cond delay="0"/>
+                                  </p:stCondLst>
+                                  <p:childTnLst>
+                                    <p:set>
+                                      <p:cBhvr>
+                                        <p:cTn id="12" dur="1" fill="hold">
+                                          <p:stCondLst>
+                                            <p:cond delay="0"/>
+                                          </p:stCondLst>
+                                        </p:cTn>
+                                        <p:tgtEl>
+                                          <p:spTgt spid="3">
+                                            <p:txEl>
+                                              <p:pRg st="2" end="2"/>
+                                            </p:txEl>
+                                          </p:spTgt>
+                                        </p:tgtEl>
+                                        <p:attrNameLst>
+                                          <p:attrName>style.visibility</p:attrName>
+                                        </p:attrNameLst>
+                                      </p:cBhvr>
+                                      <p:to>
+                                        <p:strVal val="visible"/>
+                                      </p:to>
+                                    </p:set>
+                                  </p:childTnLst>
+                                </p:cTn>
+                              </p:par>
+                              <p:par>
+                                <p:cTn id="13" presetID="1" presetClass="entr" presetSubtype="0" fill="hold" grpId="0" nodeType="withEffect">
+                                  <p:stCondLst>
+                                    <p:cond delay="0"/>
+                                  </p:stCondLst>
+                                  <p:childTnLst>
+                                    <p:set>
+                                      <p:cBhvr>
+                                        <p:cTn id="14" dur="1" fill="hold">
+                                          <p:stCondLst>
+                                            <p:cond delay="0"/>
+                                          </p:stCondLst>
+                                        </p:cTn>
+                                        <p:tgtEl>
+                                          <p:spTgt spid="3">
+                                            <p:txEl>
+                                              <p:pRg st="3" end="3"/>
+                                            </p:txEl>
+                                          </p:spTgt>
+                                        </p:tgtEl>
+                                        <p:attrNameLst>
+                                          <p:attrName>style.visibility</p:attrName>
+                                        </p:attrNameLst>
+                                      </p:cBhvr>
+                                      <p:to>
+                                        <p:strVal val="visible"/>
+                                      </p:to>
+                                    </p:set>
+                                  </p:childTnLst>
+                                </p:cTn>
+                              </p:par>
+                              <p:par>
+                                <p:cTn id="15" presetID="1" presetClass="entr" presetSubtype="0" fill="hold" grpId="0" nodeType="withEffect">
+                                  <p:stCondLst>
+                                    <p:cond delay="0"/>
+                                  </p:stCondLst>
+                                  <p:childTnLst>
+                                    <p:set>
+                                      <p:cBhvr>
+                                        <p:cTn id="16" dur="1" fill="hold">
+                                          <p:stCondLst>
+                                            <p:cond delay="0"/>
+                                          </p:stCondLst>
+                                        </p:cTn>
+                                        <p:tgtEl>
+                                          <p:spTgt spid="3">
+                                            <p:txEl>
+                                              <p:pRg st="4" end="4"/>
+                                            </p:txEl>
+                                          </p:spTgt>
+                                        </p:tgtEl>
+                                        <p:attrNameLst>
+                                          <p:attrName>style.visibility</p:attrName>
+                                        </p:attrNameLst>
+                                      </p:cBhvr>
+                                      <p:to>
+                                        <p:strVal val="visible"/>
+                                      </p:to>
+                                    </p:set>
+                                  </p:childTnLst>
+                                </p:cTn>
+                              </p:par>
+                            </p:childTnLst>
+                          </p:cTn>
+                        </p:par>
+                      </p:childTnLst>
+                    </p:cTn>
+                  </p:par>
+                  <p:par>
+                    <p:cTn id="17" fill="hold">
+                      <p:stCondLst>
+                        <p:cond delay="indefinite"/>
+                      </p:stCondLst>
+                      <p:childTnLst>
+                        <p:par>
+                          <p:cTn id="18" fill="hold">
+                            <p:stCondLst>
+                              <p:cond delay="0"/>
+                            </p:stCondLst>
+                            <p:childTnLst>
+                              <p:par>
+                                <p:cTn id="19" presetID="1" presetClass="entr" presetSubtype="0" fill="hold" grpId="0" nodeType="clickEffect">
+                                  <p:stCondLst>
+                                    <p:cond delay="0"/>
+                                  </p:stCondLst>
+                                  <p:childTnLst>
+                                    <p:set>
+                                      <p:cBhvr>
+                                        <p:cTn id="20" dur="1" fill="hold">
+                                          <p:stCondLst>
+                                            <p:cond delay="0"/>
+                                          </p:stCondLst>
+                                        </p:cTn>
+                                        <p:tgtEl>
+                                          <p:spTgt spid="3">
+                                            <p:txEl>
+                                              <p:pRg st="5" end="5"/>
+                                            </p:txEl>
+                                          </p:spTgt>
+                                        </p:tgtEl>
+                                        <p:attrNameLst>
+                                          <p:attrName>style.visibility</p:attrName>
+                                        </p:attrNameLst>
+                                      </p:cBhvr>
+                                      <p:to>
+                                        <p:strVal val="visible"/>
+                                      </p:to>
+                                    </p:set>
+                                  </p:childTnLst>
+                                </p:cTn>
+                              </p:par>
+                              <p:par>
+                                <p:cTn id="21" presetID="1" presetClass="entr" presetSubtype="0" fill="hold" grpId="0" nodeType="withEffect">
+                                  <p:stCondLst>
+                                    <p:cond delay="0"/>
+                                  </p:stCondLst>
+                                  <p:childTnLst>
+                                    <p:set>
+                                      <p:cBhvr>
+                                        <p:cTn id="22" dur="1" fill="hold">
+                                          <p:stCondLst>
+                                            <p:cond delay="0"/>
+                                          </p:stCondLst>
+                                        </p:cTn>
+                                        <p:tgtEl>
+                                          <p:spTgt spid="3">
+                                            <p:txEl>
+                                              <p:pRg st="6" end="6"/>
+                                            </p:txEl>
+                                          </p:spTgt>
+                                        </p:tgtEl>
+                                        <p:attrNameLst>
+                                          <p:attrName>style.visibility</p:attrName>
+                                        </p:attrNameLst>
+                                      </p:cBhvr>
+                                      <p:to>
+                                        <p:strVal val="visible"/>
+                                      </p:to>
+                                    </p:set>
+                                  </p:childTnLst>
+                                </p:cTn>
+                              </p:par>
+                              <p:par>
+                                <p:cTn id="23" presetID="1" presetClass="entr" presetSubtype="0" fill="hold" grpId="0" nodeType="withEffect">
+                                  <p:stCondLst>
+                                    <p:cond delay="0"/>
+                                  </p:stCondLst>
+                                  <p:childTnLst>
+                                    <p:set>
+                                      <p:cBhvr>
+                                        <p:cTn id="24" dur="1" fill="hold">
+                                          <p:stCondLst>
+                                            <p:cond delay="0"/>
+                                          </p:stCondLst>
+                                        </p:cTn>
+                                        <p:tgtEl>
+                                          <p:spTgt spid="3">
+                                            <p:txEl>
+                                              <p:pRg st="7" end="7"/>
+                                            </p:txEl>
+                                          </p:spTgt>
+                                        </p:tgtEl>
+                                        <p:attrNameLst>
+                                          <p:attrName>style.visibility</p:attrName>
+                                        </p:attrNameLst>
+                                      </p:cBhvr>
+                                      <p:to>
+                                        <p:strVal val="visible"/>
+                                      </p:to>
+                                    </p:set>
+                                  </p:childTnLst>
+                                </p:cTn>
+                              </p:par>
+                            </p:childTnLst>
+                          </p:cTn>
+                        </p:par>
+                      </p:childTnLst>
+                    </p:cTn>
+                  </p:par>
+                </p:childTnLst>
+              </p:cTn>
+              <p:prevCondLst>
+                <p:cond evt="onPrev" delay="0">
+                  <p:tgtEl>
+                    <p:sldTgt/>
+                  </p:tgtEl>
+                </p:cond>
+              </p:prevCondLst>
+              <p:nextCondLst>
+                <p:cond evt="onNext" delay="0">
+                  <p:tgtEl>
+                    <p:sldTgt/>
+                  </p:tgtEl>
+                </p:cond>
+              </p:nextCondLst>
+            </p:seq>
+          </p:childTnLst>
+        </p:cTn>
+      </p:par>
+    </p:tnLst>
+    <p:bldLst>
+      <p:bldP spid="3" grpId="0" uiExpand="1" build="p"/>
+    </p:bldLst>
+  </p:timing>
+</p:sld>
+</file>
+
+<file path=ppt/slides/slide9.xml><?xml version="1.0" encoding="utf-8"?>
+<p:sld xmlns:a="http://schemas.openxmlformats.org/drawingml/2006/main" xmlns:r="http://schemas.openxmlformats.org/officeDocument/2006/relationships" xmlns:p="http://schemas.openxmlformats.org/presentationml/2006/main">
+  <p:cSld>
+    <p:spTree>
+      <p:nvGrpSpPr>
+        <p:cNvPr id="1" name=""/>
+        <p:cNvGrpSpPr/>
+        <p:nvPr/>
+      </p:nvGrpSpPr>
+      <p:grpSpPr>
+        <a:xfrm>
+          <a:off x="0" y="0"/>
+          <a:ext cx="0" cy="0"/>
+          <a:chOff x="0" y="0"/>
+          <a:chExt cx="0" cy="0"/>
+        </a:xfrm>
+      </p:grpSpPr>
+      <p:sp>
+        <p:nvSpPr>
+          <p:cNvPr id="2" name="Title 1"/>
+          <p:cNvSpPr>
+            <a:spLocks noGrp="1"/>
+          </p:cNvSpPr>
+          <p:nvPr>
+            <p:ph type="title"/>
+          </p:nvPr>
+        </p:nvSpPr>
+        <p:spPr/>
+        <p:txBody>
+          <a:bodyPr/>
+          <a:lstStyle/>
+          <a:p>
+            <a:r>
+              <a:rPr lang="en-US" dirty="0"/>
               <a:t>What to put in?</a:t>
             </a:r>
             <a:endParaRPr lang="nl-BE" dirty="0"/>
@@ -50017,7 +50969,7 @@
           <a:p>
             <a:fld id="{BB52A05A-A776-4391-ACD7-D6BC34D3145C}" type="slidenum">
               <a:rPr lang="nl-BE" smtClean="0"/>
-              <a:t>8</a:t>
+              <a:t>9</a:t>
             </a:fld>
             <a:endParaRPr lang="nl-BE"/>
           </a:p>
@@ -50411,910 +51363,6 @@
     <p:bldLst>
       <p:bldP spid="3" grpId="0" uiExpand="1" build="p" bldLvl="2"/>
     </p:bldLst>
-  </p:timing>
-</p:sld>
-</file>
-
-<file path=ppt/slides/slide9.xml><?xml version="1.0" encoding="utf-8"?>
-<p:sld xmlns:a="http://schemas.openxmlformats.org/drawingml/2006/main" xmlns:r="http://schemas.openxmlformats.org/officeDocument/2006/relationships" xmlns:p="http://schemas.openxmlformats.org/presentationml/2006/main">
-  <p:cSld>
-    <p:spTree>
-      <p:nvGrpSpPr>
-        <p:cNvPr id="1" name=""/>
-        <p:cNvGrpSpPr/>
-        <p:nvPr/>
-      </p:nvGrpSpPr>
-      <p:grpSpPr>
-        <a:xfrm>
-          <a:off x="0" y="0"/>
-          <a:ext cx="0" cy="0"/>
-          <a:chOff x="0" y="0"/>
-          <a:chExt cx="0" cy="0"/>
-        </a:xfrm>
-      </p:grpSpPr>
-      <p:sp>
-        <p:nvSpPr>
-          <p:cNvPr id="2" name="Title 1"/>
-          <p:cNvSpPr>
-            <a:spLocks noGrp="1"/>
-          </p:cNvSpPr>
-          <p:nvPr>
-            <p:ph type="title"/>
-          </p:nvPr>
-        </p:nvSpPr>
-        <p:spPr/>
-        <p:txBody>
-          <a:bodyPr/>
-          <a:lstStyle/>
-          <a:p>
-            <a:r>
-              <a:rPr lang="en-US" dirty="0"/>
-              <a:t>Which version control system?</a:t>
-            </a:r>
-            <a:endParaRPr lang="nl-BE" dirty="0"/>
-          </a:p>
-        </p:txBody>
-      </p:sp>
-      <p:sp>
-        <p:nvSpPr>
-          <p:cNvPr id="3" name="Content Placeholder 2"/>
-          <p:cNvSpPr>
-            <a:spLocks noGrp="1"/>
-          </p:cNvSpPr>
-          <p:nvPr>
-            <p:ph idx="1"/>
-          </p:nvPr>
-        </p:nvSpPr>
-        <p:spPr>
-          <a:xfrm>
-            <a:off x="457200" y="1600200"/>
-            <a:ext cx="8229600" cy="4781128"/>
-          </a:xfrm>
-        </p:spPr>
-        <p:txBody>
-          <a:bodyPr>
-            <a:normAutofit/>
-          </a:bodyPr>
-          <a:lstStyle/>
-          <a:p>
-            <a:r>
-              <a:rPr lang="en-US" dirty="0"/>
-              <a:t>Many systems, some of the most popular:</a:t>
-            </a:r>
-          </a:p>
-          <a:p>
-            <a:pPr lvl="1"/>
-            <a:r>
-              <a:rPr lang="en-US" dirty="0" err="1"/>
-              <a:t>rcs</a:t>
-            </a:r>
-            <a:endParaRPr lang="en-US" dirty="0"/>
-          </a:p>
-          <a:p>
-            <a:pPr lvl="1"/>
-            <a:r>
-              <a:rPr lang="en-US" dirty="0" err="1"/>
-              <a:t>cvs</a:t>
-            </a:r>
-            <a:endParaRPr lang="en-US" dirty="0"/>
-          </a:p>
-          <a:p>
-            <a:pPr lvl="1"/>
-            <a:r>
-              <a:rPr lang="en-US" dirty="0" err="1"/>
-              <a:t>svn</a:t>
-            </a:r>
-            <a:r>
-              <a:rPr lang="en-US" dirty="0"/>
-              <a:t> (Subversion)</a:t>
-            </a:r>
-          </a:p>
-          <a:p>
-            <a:pPr lvl="1"/>
-            <a:r>
-              <a:rPr lang="en-US" dirty="0"/>
-              <a:t>SourceSafe (Microsoft)</a:t>
-            </a:r>
-          </a:p>
-          <a:p>
-            <a:pPr lvl="1"/>
-            <a:r>
-              <a:rPr lang="en-US" dirty="0" err="1"/>
-              <a:t>git</a:t>
-            </a:r>
-            <a:endParaRPr lang="en-US" dirty="0"/>
-          </a:p>
-          <a:p>
-            <a:pPr lvl="1"/>
-            <a:r>
-              <a:rPr lang="en-US" dirty="0" err="1"/>
-              <a:t>bzr</a:t>
-            </a:r>
-            <a:r>
-              <a:rPr lang="en-US" dirty="0"/>
-              <a:t> (Bazaar)</a:t>
-            </a:r>
-          </a:p>
-          <a:p>
-            <a:pPr lvl="1"/>
-            <a:r>
-              <a:rPr lang="en-US" dirty="0"/>
-              <a:t>hg (Mercurial)</a:t>
-            </a:r>
-          </a:p>
-          <a:p>
-            <a:pPr lvl="1"/>
-            <a:r>
-              <a:rPr lang="en-US" dirty="0"/>
-              <a:t>…</a:t>
-            </a:r>
-            <a:endParaRPr lang="nl-BE" dirty="0"/>
-          </a:p>
-        </p:txBody>
-      </p:sp>
-      <p:grpSp>
-        <p:nvGrpSpPr>
-          <p:cNvPr id="6" name="Group 5"/>
-          <p:cNvGrpSpPr/>
-          <p:nvPr/>
-        </p:nvGrpSpPr>
-        <p:grpSpPr>
-          <a:xfrm>
-            <a:off x="4984737" y="4437112"/>
-            <a:ext cx="3907743" cy="1224136"/>
-            <a:chOff x="4355976" y="3861048"/>
-            <a:chExt cx="3907743" cy="1224136"/>
-          </a:xfrm>
-        </p:grpSpPr>
-        <p:sp>
-          <p:nvSpPr>
-            <p:cNvPr id="4" name="Right Brace 3"/>
-            <p:cNvSpPr/>
-            <p:nvPr/>
-          </p:nvSpPr>
-          <p:spPr>
-            <a:xfrm>
-              <a:off x="4355976" y="3861048"/>
-              <a:ext cx="216024" cy="1224136"/>
-            </a:xfrm>
-            <a:prstGeom prst="rightBrace">
-              <a:avLst/>
-            </a:prstGeom>
-            <a:ln w="28575">
-              <a:solidFill>
-                <a:schemeClr val="tx1"/>
-              </a:solidFill>
-            </a:ln>
-          </p:spPr>
-          <p:style>
-            <a:lnRef idx="1">
-              <a:schemeClr val="accent1"/>
-            </a:lnRef>
-            <a:fillRef idx="0">
-              <a:schemeClr val="accent1"/>
-            </a:fillRef>
-            <a:effectRef idx="0">
-              <a:schemeClr val="accent1"/>
-            </a:effectRef>
-            <a:fontRef idx="minor">
-              <a:schemeClr val="tx1"/>
-            </a:fontRef>
-          </p:style>
-          <p:txBody>
-            <a:bodyPr rtlCol="0" anchor="ctr"/>
-            <a:lstStyle/>
-            <a:p>
-              <a:pPr algn="ctr"/>
-              <a:endParaRPr lang="nl-BE"/>
-            </a:p>
-          </p:txBody>
-        </p:sp>
-        <p:sp>
-          <p:nvSpPr>
-            <p:cNvPr id="5" name="TextBox 4"/>
-            <p:cNvSpPr txBox="1"/>
-            <p:nvPr/>
-          </p:nvSpPr>
-          <p:spPr>
-            <a:xfrm>
-              <a:off x="4788024" y="4149080"/>
-              <a:ext cx="3475695" cy="646331"/>
-            </a:xfrm>
-            <a:prstGeom prst="rect">
-              <a:avLst/>
-            </a:prstGeom>
-            <a:noFill/>
-          </p:spPr>
-          <p:txBody>
-            <a:bodyPr wrap="none" rtlCol="0">
-              <a:spAutoFit/>
-            </a:bodyPr>
-            <a:lstStyle/>
-            <a:p>
-              <a:r>
-                <a:rPr lang="en-US" dirty="0"/>
-                <a:t>Distributed version control systems</a:t>
-              </a:r>
-              <a:br>
-                <a:rPr lang="en-US" dirty="0"/>
-              </a:br>
-              <a:r>
-                <a:rPr lang="en-US" dirty="0"/>
-                <a:t>(DVCS)</a:t>
-              </a:r>
-              <a:endParaRPr lang="nl-BE" dirty="0"/>
-            </a:p>
-          </p:txBody>
-        </p:sp>
-      </p:grpSp>
-      <p:grpSp>
-        <p:nvGrpSpPr>
-          <p:cNvPr id="17" name="Group 16"/>
-          <p:cNvGrpSpPr/>
-          <p:nvPr/>
-        </p:nvGrpSpPr>
-        <p:grpSpPr>
-          <a:xfrm>
-            <a:off x="1115616" y="2276872"/>
-            <a:ext cx="5853197" cy="864096"/>
-            <a:chOff x="1115616" y="2276872"/>
-            <a:chExt cx="5853197" cy="864096"/>
-          </a:xfrm>
-        </p:grpSpPr>
-        <p:grpSp>
-          <p:nvGrpSpPr>
-            <p:cNvPr id="7" name="Group 6"/>
-            <p:cNvGrpSpPr/>
-            <p:nvPr/>
-          </p:nvGrpSpPr>
-          <p:grpSpPr>
-            <a:xfrm>
-              <a:off x="4984737" y="2276872"/>
-              <a:ext cx="1984076" cy="792088"/>
-              <a:chOff x="4355976" y="4077072"/>
-              <a:chExt cx="1984076" cy="792088"/>
-            </a:xfrm>
-          </p:grpSpPr>
-          <p:sp>
-            <p:nvSpPr>
-              <p:cNvPr id="8" name="Right Brace 7"/>
-              <p:cNvSpPr/>
-              <p:nvPr/>
-            </p:nvSpPr>
-            <p:spPr>
-              <a:xfrm>
-                <a:off x="4355976" y="4077072"/>
-                <a:ext cx="216024" cy="792088"/>
-              </a:xfrm>
-              <a:prstGeom prst="rightBrace">
-                <a:avLst/>
-              </a:prstGeom>
-              <a:ln w="28575">
-                <a:solidFill>
-                  <a:schemeClr val="tx1"/>
-                </a:solidFill>
-              </a:ln>
-            </p:spPr>
-            <p:style>
-              <a:lnRef idx="1">
-                <a:schemeClr val="accent1"/>
-              </a:lnRef>
-              <a:fillRef idx="0">
-                <a:schemeClr val="accent1"/>
-              </a:fillRef>
-              <a:effectRef idx="0">
-                <a:schemeClr val="accent1"/>
-              </a:effectRef>
-              <a:fontRef idx="minor">
-                <a:schemeClr val="tx1"/>
-              </a:fontRef>
-            </p:style>
-            <p:txBody>
-              <a:bodyPr rtlCol="0" anchor="ctr"/>
-              <a:lstStyle/>
-              <a:p>
-                <a:pPr algn="ctr"/>
-                <a:endParaRPr lang="nl-BE"/>
-              </a:p>
-            </p:txBody>
-          </p:sp>
-          <p:sp>
-            <p:nvSpPr>
-              <p:cNvPr id="9" name="TextBox 8"/>
-              <p:cNvSpPr txBox="1"/>
-              <p:nvPr/>
-            </p:nvSpPr>
-            <p:spPr>
-              <a:xfrm>
-                <a:off x="4788024" y="4283804"/>
-                <a:ext cx="1552028" cy="369332"/>
-              </a:xfrm>
-              <a:prstGeom prst="rect">
-                <a:avLst/>
-              </a:prstGeom>
-              <a:noFill/>
-            </p:spPr>
-            <p:txBody>
-              <a:bodyPr wrap="none" rtlCol="0">
-                <a:spAutoFit/>
-              </a:bodyPr>
-              <a:lstStyle/>
-              <a:p>
-                <a:r>
-                  <a:rPr lang="en-US" dirty="0"/>
-                  <a:t>Dead &amp; buried</a:t>
-                </a:r>
-                <a:endParaRPr lang="nl-BE" dirty="0"/>
-              </a:p>
-            </p:txBody>
-          </p:sp>
-        </p:grpSp>
-        <p:cxnSp>
-          <p:nvCxnSpPr>
-            <p:cNvPr id="14" name="Straight Connector 13"/>
-            <p:cNvCxnSpPr/>
-            <p:nvPr/>
-          </p:nvCxnSpPr>
-          <p:spPr>
-            <a:xfrm>
-              <a:off x="1115616" y="2276872"/>
-              <a:ext cx="792088" cy="396044"/>
-            </a:xfrm>
-            <a:prstGeom prst="line">
-              <a:avLst/>
-            </a:prstGeom>
-            <a:ln w="57150">
-              <a:solidFill>
-                <a:srgbClr val="C00000"/>
-              </a:solidFill>
-            </a:ln>
-          </p:spPr>
-          <p:style>
-            <a:lnRef idx="1">
-              <a:schemeClr val="accent1"/>
-            </a:lnRef>
-            <a:fillRef idx="0">
-              <a:schemeClr val="accent1"/>
-            </a:fillRef>
-            <a:effectRef idx="0">
-              <a:schemeClr val="accent1"/>
-            </a:effectRef>
-            <a:fontRef idx="minor">
-              <a:schemeClr val="tx1"/>
-            </a:fontRef>
-          </p:style>
-        </p:cxnSp>
-        <p:cxnSp>
-          <p:nvCxnSpPr>
-            <p:cNvPr id="15" name="Straight Connector 14"/>
-            <p:cNvCxnSpPr/>
-            <p:nvPr/>
-          </p:nvCxnSpPr>
-          <p:spPr>
-            <a:xfrm>
-              <a:off x="1115616" y="2744924"/>
-              <a:ext cx="792088" cy="396044"/>
-            </a:xfrm>
-            <a:prstGeom prst="line">
-              <a:avLst/>
-            </a:prstGeom>
-            <a:ln w="57150">
-              <a:solidFill>
-                <a:srgbClr val="C00000"/>
-              </a:solidFill>
-            </a:ln>
-          </p:spPr>
-          <p:style>
-            <a:lnRef idx="1">
-              <a:schemeClr val="accent1"/>
-            </a:lnRef>
-            <a:fillRef idx="0">
-              <a:schemeClr val="accent1"/>
-            </a:fillRef>
-            <a:effectRef idx="0">
-              <a:schemeClr val="accent1"/>
-            </a:effectRef>
-            <a:fontRef idx="minor">
-              <a:schemeClr val="tx1"/>
-            </a:fontRef>
-          </p:style>
-        </p:cxnSp>
-      </p:grpSp>
-      <p:grpSp>
-        <p:nvGrpSpPr>
-          <p:cNvPr id="18" name="Group 17"/>
-          <p:cNvGrpSpPr/>
-          <p:nvPr/>
-        </p:nvGrpSpPr>
-        <p:grpSpPr>
-          <a:xfrm>
-            <a:off x="1763688" y="3645024"/>
-            <a:ext cx="4896327" cy="576064"/>
-            <a:chOff x="1763688" y="3645024"/>
-            <a:chExt cx="4896327" cy="576064"/>
-          </a:xfrm>
-        </p:grpSpPr>
-        <p:grpSp>
-          <p:nvGrpSpPr>
-            <p:cNvPr id="10" name="Group 9"/>
-            <p:cNvGrpSpPr/>
-            <p:nvPr/>
-          </p:nvGrpSpPr>
-          <p:grpSpPr>
-            <a:xfrm>
-              <a:off x="4987114" y="3645024"/>
-              <a:ext cx="1672901" cy="576064"/>
-              <a:chOff x="4355976" y="4149080"/>
-              <a:chExt cx="1672901" cy="576064"/>
-            </a:xfrm>
-          </p:grpSpPr>
-          <p:sp>
-            <p:nvSpPr>
-              <p:cNvPr id="11" name="Right Brace 10"/>
-              <p:cNvSpPr/>
-              <p:nvPr/>
-            </p:nvSpPr>
-            <p:spPr>
-              <a:xfrm>
-                <a:off x="4355976" y="4149080"/>
-                <a:ext cx="216024" cy="576064"/>
-              </a:xfrm>
-              <a:prstGeom prst="rightBrace">
-                <a:avLst/>
-              </a:prstGeom>
-              <a:ln w="28575">
-                <a:solidFill>
-                  <a:schemeClr val="tx1"/>
-                </a:solidFill>
-              </a:ln>
-            </p:spPr>
-            <p:style>
-              <a:lnRef idx="1">
-                <a:schemeClr val="accent1"/>
-              </a:lnRef>
-              <a:fillRef idx="0">
-                <a:schemeClr val="accent1"/>
-              </a:fillRef>
-              <a:effectRef idx="0">
-                <a:schemeClr val="accent1"/>
-              </a:effectRef>
-              <a:fontRef idx="minor">
-                <a:schemeClr val="tx1"/>
-              </a:fontRef>
-            </p:style>
-            <p:txBody>
-              <a:bodyPr rtlCol="0" anchor="ctr"/>
-              <a:lstStyle/>
-              <a:p>
-                <a:pPr algn="ctr"/>
-                <a:endParaRPr lang="nl-BE"/>
-              </a:p>
-            </p:txBody>
-          </p:sp>
-          <p:sp>
-            <p:nvSpPr>
-              <p:cNvPr id="12" name="TextBox 11"/>
-              <p:cNvSpPr txBox="1"/>
-              <p:nvPr/>
-            </p:nvSpPr>
-            <p:spPr>
-              <a:xfrm>
-                <a:off x="4788024" y="4283804"/>
-                <a:ext cx="1240853" cy="369332"/>
-              </a:xfrm>
-              <a:prstGeom prst="rect">
-                <a:avLst/>
-              </a:prstGeom>
-              <a:noFill/>
-            </p:spPr>
-            <p:txBody>
-              <a:bodyPr wrap="none" rtlCol="0">
-                <a:spAutoFit/>
-              </a:bodyPr>
-              <a:lstStyle/>
-              <a:p>
-                <a:r>
-                  <a:rPr lang="en-US" dirty="0"/>
-                  <a:t>Proprietary</a:t>
-                </a:r>
-                <a:endParaRPr lang="nl-BE" dirty="0"/>
-              </a:p>
-            </p:txBody>
-          </p:sp>
-        </p:grpSp>
-        <p:cxnSp>
-          <p:nvCxnSpPr>
-            <p:cNvPr id="16" name="Straight Connector 15"/>
-            <p:cNvCxnSpPr/>
-            <p:nvPr/>
-          </p:nvCxnSpPr>
-          <p:spPr>
-            <a:xfrm>
-              <a:off x="1763688" y="3825044"/>
-              <a:ext cx="792088" cy="396044"/>
-            </a:xfrm>
-            <a:prstGeom prst="line">
-              <a:avLst/>
-            </a:prstGeom>
-            <a:ln w="57150">
-              <a:solidFill>
-                <a:srgbClr val="C00000"/>
-              </a:solidFill>
-            </a:ln>
-          </p:spPr>
-          <p:style>
-            <a:lnRef idx="1">
-              <a:schemeClr val="accent1"/>
-            </a:lnRef>
-            <a:fillRef idx="0">
-              <a:schemeClr val="accent1"/>
-            </a:fillRef>
-            <a:effectRef idx="0">
-              <a:schemeClr val="accent1"/>
-            </a:effectRef>
-            <a:fontRef idx="minor">
-              <a:schemeClr val="tx1"/>
-            </a:fontRef>
-          </p:style>
-        </p:cxnSp>
-      </p:grpSp>
-      <p:grpSp>
-        <p:nvGrpSpPr>
-          <p:cNvPr id="21" name="Group 20"/>
-          <p:cNvGrpSpPr/>
-          <p:nvPr/>
-        </p:nvGrpSpPr>
-        <p:grpSpPr>
-          <a:xfrm>
-            <a:off x="1234231" y="3310385"/>
-            <a:ext cx="601465" cy="1368152"/>
-            <a:chOff x="1234231" y="3310385"/>
-            <a:chExt cx="601465" cy="1368152"/>
-          </a:xfrm>
-        </p:grpSpPr>
-        <p:sp>
-          <p:nvSpPr>
-            <p:cNvPr id="19" name="Rounded Rectangle 18"/>
-            <p:cNvSpPr/>
-            <p:nvPr/>
-          </p:nvSpPr>
-          <p:spPr>
-            <a:xfrm>
-              <a:off x="1234231" y="3310385"/>
-              <a:ext cx="576064" cy="360040"/>
-            </a:xfrm>
-            <a:prstGeom prst="roundRect">
-              <a:avLst/>
-            </a:prstGeom>
-            <a:solidFill>
-              <a:srgbClr val="92D050">
-                <a:alpha val="30000"/>
-              </a:srgbClr>
-            </a:solidFill>
-            <a:ln>
-              <a:solidFill>
-                <a:srgbClr val="92D050"/>
-              </a:solidFill>
-            </a:ln>
-          </p:spPr>
-          <p:style>
-            <a:lnRef idx="2">
-              <a:schemeClr val="accent1">
-                <a:shade val="50000"/>
-              </a:schemeClr>
-            </a:lnRef>
-            <a:fillRef idx="1">
-              <a:schemeClr val="accent1"/>
-            </a:fillRef>
-            <a:effectRef idx="0">
-              <a:schemeClr val="accent1"/>
-            </a:effectRef>
-            <a:fontRef idx="minor">
-              <a:schemeClr val="lt1"/>
-            </a:fontRef>
-          </p:style>
-          <p:txBody>
-            <a:bodyPr rtlCol="0" anchor="ctr"/>
-            <a:lstStyle/>
-            <a:p>
-              <a:pPr algn="ctr"/>
-              <a:endParaRPr lang="nl-BE"/>
-            </a:p>
-          </p:txBody>
-        </p:sp>
-        <p:sp>
-          <p:nvSpPr>
-            <p:cNvPr id="20" name="Rounded Rectangle 19"/>
-            <p:cNvSpPr/>
-            <p:nvPr/>
-          </p:nvSpPr>
-          <p:spPr>
-            <a:xfrm>
-              <a:off x="1259632" y="4318497"/>
-              <a:ext cx="576064" cy="360040"/>
-            </a:xfrm>
-            <a:prstGeom prst="roundRect">
-              <a:avLst/>
-            </a:prstGeom>
-            <a:solidFill>
-              <a:srgbClr val="92D050">
-                <a:alpha val="30000"/>
-              </a:srgbClr>
-            </a:solidFill>
-            <a:ln>
-              <a:solidFill>
-                <a:srgbClr val="92D050"/>
-              </a:solidFill>
-            </a:ln>
-          </p:spPr>
-          <p:style>
-            <a:lnRef idx="2">
-              <a:schemeClr val="accent1">
-                <a:shade val="50000"/>
-              </a:schemeClr>
-            </a:lnRef>
-            <a:fillRef idx="1">
-              <a:schemeClr val="accent1"/>
-            </a:fillRef>
-            <a:effectRef idx="0">
-              <a:schemeClr val="accent1"/>
-            </a:effectRef>
-            <a:fontRef idx="minor">
-              <a:schemeClr val="lt1"/>
-            </a:fontRef>
-          </p:style>
-          <p:txBody>
-            <a:bodyPr rtlCol="0" anchor="ctr"/>
-            <a:lstStyle/>
-            <a:p>
-              <a:pPr algn="ctr"/>
-              <a:endParaRPr lang="nl-BE"/>
-            </a:p>
-          </p:txBody>
-        </p:sp>
-      </p:grpSp>
-      <p:sp>
-        <p:nvSpPr>
-          <p:cNvPr id="13" name="Slide Number Placeholder 12"/>
-          <p:cNvSpPr>
-            <a:spLocks noGrp="1"/>
-          </p:cNvSpPr>
-          <p:nvPr>
-            <p:ph type="sldNum" sz="quarter" idx="12"/>
-          </p:nvPr>
-        </p:nvSpPr>
-        <p:spPr/>
-        <p:txBody>
-          <a:bodyPr/>
-          <a:lstStyle/>
-          <a:p>
-            <a:fld id="{BB52A05A-A776-4391-ACD7-D6BC34D3145C}" type="slidenum">
-              <a:rPr lang="nl-BE" smtClean="0"/>
-              <a:t>9</a:t>
-            </a:fld>
-            <a:endParaRPr lang="nl-BE"/>
-          </a:p>
-        </p:txBody>
-      </p:sp>
-    </p:spTree>
-    <p:extLst>
-      <p:ext uri="{BB962C8B-B14F-4D97-AF65-F5344CB8AC3E}">
-        <p14:creationId xmlns:p14="http://schemas.microsoft.com/office/powerpoint/2010/main" val="1557011426"/>
-      </p:ext>
-    </p:extLst>
-  </p:cSld>
-  <p:clrMapOvr>
-    <a:masterClrMapping/>
-  </p:clrMapOvr>
-  <p:timing>
-    <p:tnLst>
-      <p:par>
-        <p:cTn id="1" dur="indefinite" restart="never" nodeType="tmRoot">
-          <p:childTnLst>
-            <p:seq concurrent="1" nextAc="seek">
-              <p:cTn id="2" dur="indefinite" nodeType="mainSeq">
-                <p:childTnLst>
-                  <p:par>
-                    <p:cTn id="3" fill="hold">
-                      <p:stCondLst>
-                        <p:cond delay="indefinite"/>
-                      </p:stCondLst>
-                      <p:childTnLst>
-                        <p:par>
-                          <p:cTn id="4" fill="hold">
-                            <p:stCondLst>
-                              <p:cond delay="0"/>
-                            </p:stCondLst>
-                            <p:childTnLst>
-                              <p:par>
-                                <p:cTn id="5" presetID="1" presetClass="entr" presetSubtype="0" fill="hold" nodeType="clickEffect">
-                                  <p:stCondLst>
-                                    <p:cond delay="0"/>
-                                  </p:stCondLst>
-                                  <p:childTnLst>
-                                    <p:set>
-                                      <p:cBhvr>
-                                        <p:cTn id="6" dur="1" fill="hold">
-                                          <p:stCondLst>
-                                            <p:cond delay="0"/>
-                                          </p:stCondLst>
-                                        </p:cTn>
-                                        <p:tgtEl>
-                                          <p:spTgt spid="17"/>
-                                        </p:tgtEl>
-                                        <p:attrNameLst>
-                                          <p:attrName>style.visibility</p:attrName>
-                                        </p:attrNameLst>
-                                      </p:cBhvr>
-                                      <p:to>
-                                        <p:strVal val="visible"/>
-                                      </p:to>
-                                    </p:set>
-                                  </p:childTnLst>
-                                </p:cTn>
-                              </p:par>
-                            </p:childTnLst>
-                          </p:cTn>
-                        </p:par>
-                      </p:childTnLst>
-                    </p:cTn>
-                  </p:par>
-                  <p:par>
-                    <p:cTn id="7" fill="hold">
-                      <p:stCondLst>
-                        <p:cond delay="indefinite"/>
-                      </p:stCondLst>
-                      <p:childTnLst>
-                        <p:par>
-                          <p:cTn id="8" fill="hold">
-                            <p:stCondLst>
-                              <p:cond delay="0"/>
-                            </p:stCondLst>
-                            <p:childTnLst>
-                              <p:par>
-                                <p:cTn id="9" presetID="1" presetClass="entr" presetSubtype="0" fill="hold" nodeType="clickEffect">
-                                  <p:stCondLst>
-                                    <p:cond delay="0"/>
-                                  </p:stCondLst>
-                                  <p:childTnLst>
-                                    <p:set>
-                                      <p:cBhvr>
-                                        <p:cTn id="10" dur="1" fill="hold">
-                                          <p:stCondLst>
-                                            <p:cond delay="0"/>
-                                          </p:stCondLst>
-                                        </p:cTn>
-                                        <p:tgtEl>
-                                          <p:spTgt spid="18"/>
-                                        </p:tgtEl>
-                                        <p:attrNameLst>
-                                          <p:attrName>style.visibility</p:attrName>
-                                        </p:attrNameLst>
-                                      </p:cBhvr>
-                                      <p:to>
-                                        <p:strVal val="visible"/>
-                                      </p:to>
-                                    </p:set>
-                                  </p:childTnLst>
-                                </p:cTn>
-                              </p:par>
-                            </p:childTnLst>
-                          </p:cTn>
-                        </p:par>
-                      </p:childTnLst>
-                    </p:cTn>
-                  </p:par>
-                  <p:par>
-                    <p:cTn id="11" fill="hold">
-                      <p:stCondLst>
-                        <p:cond delay="indefinite"/>
-                      </p:stCondLst>
-                      <p:childTnLst>
-                        <p:par>
-                          <p:cTn id="12" fill="hold">
-                            <p:stCondLst>
-                              <p:cond delay="0"/>
-                            </p:stCondLst>
-                            <p:childTnLst>
-                              <p:par>
-                                <p:cTn id="13" presetID="1" presetClass="entr" presetSubtype="0" fill="hold" nodeType="clickEffect">
-                                  <p:stCondLst>
-                                    <p:cond delay="0"/>
-                                  </p:stCondLst>
-                                  <p:childTnLst>
-                                    <p:set>
-                                      <p:cBhvr>
-                                        <p:cTn id="14" dur="1" fill="hold">
-                                          <p:stCondLst>
-                                            <p:cond delay="0"/>
-                                          </p:stCondLst>
-                                        </p:cTn>
-                                        <p:tgtEl>
-                                          <p:spTgt spid="6"/>
-                                        </p:tgtEl>
-                                        <p:attrNameLst>
-                                          <p:attrName>style.visibility</p:attrName>
-                                        </p:attrNameLst>
-                                      </p:cBhvr>
-                                      <p:to>
-                                        <p:strVal val="visible"/>
-                                      </p:to>
-                                    </p:set>
-                                  </p:childTnLst>
-                                </p:cTn>
-                              </p:par>
-                            </p:childTnLst>
-                          </p:cTn>
-                        </p:par>
-                      </p:childTnLst>
-                    </p:cTn>
-                  </p:par>
-                  <p:par>
-                    <p:cTn id="15" fill="hold">
-                      <p:stCondLst>
-                        <p:cond delay="indefinite"/>
-                      </p:stCondLst>
-                      <p:childTnLst>
-                        <p:par>
-                          <p:cTn id="16" fill="hold">
-                            <p:stCondLst>
-                              <p:cond delay="0"/>
-                            </p:stCondLst>
-                            <p:childTnLst>
-                              <p:par>
-                                <p:cTn id="17" presetID="1" presetClass="entr" presetSubtype="0" fill="hold" nodeType="clickEffect">
-                                  <p:stCondLst>
-                                    <p:cond delay="0"/>
-                                  </p:stCondLst>
-                                  <p:childTnLst>
-                                    <p:set>
-                                      <p:cBhvr>
-                                        <p:cTn id="18" dur="1" fill="hold">
-                                          <p:stCondLst>
-                                            <p:cond delay="0"/>
-                                          </p:stCondLst>
-                                        </p:cTn>
-                                        <p:tgtEl>
-                                          <p:spTgt spid="21"/>
-                                        </p:tgtEl>
-                                        <p:attrNameLst>
-                                          <p:attrName>style.visibility</p:attrName>
-                                        </p:attrNameLst>
-                                      </p:cBhvr>
-                                      <p:to>
-                                        <p:strVal val="visible"/>
-                                      </p:to>
-                                    </p:set>
-                                  </p:childTnLst>
-                                </p:cTn>
-                              </p:par>
-                            </p:childTnLst>
-                          </p:cTn>
-                        </p:par>
-                      </p:childTnLst>
-                    </p:cTn>
-                  </p:par>
-                </p:childTnLst>
-              </p:cTn>
-              <p:prevCondLst>
-                <p:cond evt="onPrev" delay="0">
-                  <p:tgtEl>
-                    <p:sldTgt/>
-                  </p:tgtEl>
-                </p:cond>
-              </p:prevCondLst>
-              <p:nextCondLst>
-                <p:cond evt="onNext" delay="0">
-                  <p:tgtEl>
-                    <p:sldTgt/>
-                  </p:tgtEl>
-                </p:cond>
-              </p:nextCondLst>
-            </p:seq>
-          </p:childTnLst>
-        </p:cTn>
-      </p:par>
-    </p:tnLst>
   </p:timing>
 </p:sld>
 </file>

--- a/version_control_git.pptx
+++ b/version_control_git.pptx
@@ -406,7 +406,7 @@
           <a:p>
             <a:fld id="{11D3E7B2-0861-45F0-B59E-BA867D5C805D}" type="datetimeFigureOut">
               <a:rPr lang="nl-BE" smtClean="0"/>
-              <a:t>5/11/2022</a:t>
+              <a:t>7/11/2022</a:t>
             </a:fld>
             <a:endParaRPr lang="nl-BE"/>
           </a:p>
@@ -1107,7 +1107,7 @@
           <a:p>
             <a:fld id="{208C4982-2142-4DAC-808C-52C1A6ABA40A}" type="datetime1">
               <a:rPr lang="nl-BE" smtClean="0"/>
-              <a:t>5/11/2022</a:t>
+              <a:t>7/11/2022</a:t>
             </a:fld>
             <a:endParaRPr lang="nl-BE"/>
           </a:p>
@@ -1277,7 +1277,7 @@
           <a:p>
             <a:fld id="{596A4774-AA95-4CEA-9215-BE91EC5FD3A2}" type="datetime1">
               <a:rPr lang="nl-BE" smtClean="0"/>
-              <a:t>5/11/2022</a:t>
+              <a:t>7/11/2022</a:t>
             </a:fld>
             <a:endParaRPr lang="nl-BE"/>
           </a:p>
@@ -1457,7 +1457,7 @@
           <a:p>
             <a:fld id="{E3C938DE-9D5A-4A9D-B2A9-9053FBBA636A}" type="datetime1">
               <a:rPr lang="nl-BE" smtClean="0"/>
-              <a:t>5/11/2022</a:t>
+              <a:t>7/11/2022</a:t>
             </a:fld>
             <a:endParaRPr lang="nl-BE"/>
           </a:p>
@@ -1627,7 +1627,7 @@
           <a:p>
             <a:fld id="{70B73439-F632-4142-A813-39A8890A9414}" type="datetime1">
               <a:rPr lang="nl-BE" smtClean="0"/>
-              <a:t>5/11/2022</a:t>
+              <a:t>7/11/2022</a:t>
             </a:fld>
             <a:endParaRPr lang="nl-BE"/>
           </a:p>
@@ -1873,7 +1873,7 @@
           <a:p>
             <a:fld id="{2DA105E3-7574-4472-893A-A0C7A919BAE6}" type="datetime1">
               <a:rPr lang="nl-BE" smtClean="0"/>
-              <a:t>5/11/2022</a:t>
+              <a:t>7/11/2022</a:t>
             </a:fld>
             <a:endParaRPr lang="nl-BE"/>
           </a:p>
@@ -2161,7 +2161,7 @@
           <a:p>
             <a:fld id="{184B200F-AF61-4171-AE34-7A4B12E0FBA3}" type="datetime1">
               <a:rPr lang="nl-BE" smtClean="0"/>
-              <a:t>5/11/2022</a:t>
+              <a:t>7/11/2022</a:t>
             </a:fld>
             <a:endParaRPr lang="nl-BE"/>
           </a:p>
@@ -2583,7 +2583,7 @@
           <a:p>
             <a:fld id="{4DDD3743-DAF8-4465-AEC2-93735E02B3D0}" type="datetime1">
               <a:rPr lang="nl-BE" smtClean="0"/>
-              <a:t>5/11/2022</a:t>
+              <a:t>7/11/2022</a:t>
             </a:fld>
             <a:endParaRPr lang="nl-BE"/>
           </a:p>
@@ -2701,7 +2701,7 @@
           <a:p>
             <a:fld id="{0E48E2E9-C147-459B-ACCB-D6DDC51735D3}" type="datetime1">
               <a:rPr lang="nl-BE" smtClean="0"/>
-              <a:t>5/11/2022</a:t>
+              <a:t>7/11/2022</a:t>
             </a:fld>
             <a:endParaRPr lang="nl-BE"/>
           </a:p>
@@ -2796,7 +2796,7 @@
           <a:p>
             <a:fld id="{C92A24F5-0967-4B11-849A-0009476290B5}" type="datetime1">
               <a:rPr lang="nl-BE" smtClean="0"/>
-              <a:t>5/11/2022</a:t>
+              <a:t>7/11/2022</a:t>
             </a:fld>
             <a:endParaRPr lang="nl-BE"/>
           </a:p>
@@ -3073,7 +3073,7 @@
           <a:p>
             <a:fld id="{CAAB6B0C-E333-4316-A6EC-161EFC5CB4BD}" type="datetime1">
               <a:rPr lang="nl-BE" smtClean="0"/>
-              <a:t>5/11/2022</a:t>
+              <a:t>7/11/2022</a:t>
             </a:fld>
             <a:endParaRPr lang="nl-BE"/>
           </a:p>
@@ -3326,7 +3326,7 @@
           <a:p>
             <a:fld id="{5AC2428B-24E8-4004-8AB4-EA69DDAD1475}" type="datetime1">
               <a:rPr lang="nl-BE" smtClean="0"/>
-              <a:t>5/11/2022</a:t>
+              <a:t>7/11/2022</a:t>
             </a:fld>
             <a:endParaRPr lang="nl-BE"/>
           </a:p>
@@ -3539,7 +3539,7 @@
           <a:p>
             <a:fld id="{063E4CA3-87AF-44C9-B256-93720A95DFC3}" type="datetime1">
               <a:rPr lang="nl-BE" smtClean="0"/>
-              <a:t>5/11/2022</a:t>
+              <a:t>7/11/2022</a:t>
             </a:fld>
             <a:endParaRPr lang="nl-BE"/>
           </a:p>
@@ -16831,15 +16831,78 @@
                                   </p:childTnLst>
                                 </p:cTn>
                               </p:par>
+                            </p:childTnLst>
+                          </p:cTn>
+                        </p:par>
+                      </p:childTnLst>
+                    </p:cTn>
+                  </p:par>
+                  <p:par>
+                    <p:cTn id="9" fill="hold">
+                      <p:stCondLst>
+                        <p:cond delay="indefinite"/>
+                      </p:stCondLst>
+                      <p:childTnLst>
+                        <p:par>
+                          <p:cTn id="10" fill="hold">
+                            <p:stCondLst>
+                              <p:cond delay="0"/>
+                            </p:stCondLst>
+                            <p:childTnLst>
                               <p:par>
-                                <p:cTn id="9" presetID="1" presetClass="entr" presetSubtype="0" fill="hold" grpId="0" nodeType="withEffect">
+                                <p:cTn id="11" presetID="1" presetClass="entr" presetSubtype="0" fill="hold" nodeType="clickEffect">
                                   <p:stCondLst>
                                     <p:cond delay="0"/>
                                   </p:stCondLst>
                                   <p:childTnLst>
                                     <p:set>
                                       <p:cBhvr>
-                                        <p:cTn id="10" dur="1" fill="hold">
+                                        <p:cTn id="12" dur="1" fill="hold">
+                                          <p:stCondLst>
+                                            <p:cond delay="0"/>
+                                          </p:stCondLst>
+                                        </p:cTn>
+                                        <p:tgtEl>
+                                          <p:spTgt spid="8"/>
+                                        </p:tgtEl>
+                                        <p:attrNameLst>
+                                          <p:attrName>style.visibility</p:attrName>
+                                        </p:attrNameLst>
+                                      </p:cBhvr>
+                                      <p:to>
+                                        <p:strVal val="visible"/>
+                                      </p:to>
+                                    </p:set>
+                                  </p:childTnLst>
+                                </p:cTn>
+                              </p:par>
+                            </p:childTnLst>
+                          </p:cTn>
+                        </p:par>
+                      </p:childTnLst>
+                    </p:cTn>
+                  </p:par>
+                  <p:par>
+                    <p:cTn id="13" fill="hold">
+                      <p:stCondLst>
+                        <p:cond delay="indefinite"/>
+                      </p:stCondLst>
+                      <p:childTnLst>
+                        <p:par>
+                          <p:cTn id="14" fill="hold">
+                            <p:stCondLst>
+                              <p:cond delay="0"/>
+                            </p:stCondLst>
+                            <p:childTnLst>
+                              <p:par>
+                                <p:cTn id="15" presetID="1" presetClass="entr" presetSubtype="0" fill="hold" grpId="0" nodeType="clickEffect">
+                                  <p:stCondLst>
+                                    <p:cond delay="0"/>
+                                  </p:stCondLst>
+                                  <p:childTnLst>
+                                    <p:set>
+                                      <p:cBhvr>
+                                        <p:cTn id="16" dur="1" fill="hold">
                                           <p:stCondLst>
                                             <p:cond delay="0"/>
                                           </p:stCondLst>
@@ -16863,14 +16926,14 @@
                                 </p:cTn>
                               </p:par>
                               <p:par>
-                                <p:cTn id="11" presetID="1" presetClass="entr" presetSubtype="0" fill="hold" grpId="0" nodeType="withEffect">
+                                <p:cTn id="17" presetID="1" presetClass="entr" presetSubtype="0" fill="hold" grpId="0" nodeType="withEffect">
                                   <p:stCondLst>
                                     <p:cond delay="0"/>
                                   </p:stCondLst>
                                   <p:childTnLst>
                                     <p:set>
                                       <p:cBhvr>
-                                        <p:cTn id="12" dur="1" fill="hold">
+                                        <p:cTn id="18" dur="1" fill="hold">
                                           <p:stCondLst>
                                             <p:cond delay="0"/>
                                           </p:stCondLst>
@@ -16894,14 +16957,59 @@
                                 </p:cTn>
                               </p:par>
                               <p:par>
-                                <p:cTn id="13" presetID="1" presetClass="entr" presetSubtype="0" fill="hold" grpId="0" nodeType="withEffect">
+                                <p:cTn id="19" presetID="1" presetClass="entr" presetSubtype="0" fill="hold" grpId="0" nodeType="withEffect">
                                   <p:stCondLst>
                                     <p:cond delay="0"/>
                                   </p:stCondLst>
                                   <p:childTnLst>
                                     <p:set>
                                       <p:cBhvr>
-                                        <p:cTn id="14" dur="1" fill="hold">
+                                        <p:cTn id="20" dur="1" fill="hold">
+                                          <p:stCondLst>
+                                            <p:cond delay="0"/>
+                                          </p:stCondLst>
+                                        </p:cTn>
+                                        <p:tgtEl>
+                                          <p:spTgt spid="5"/>
+                                        </p:tgtEl>
+                                        <p:attrNameLst>
+                                          <p:attrName>style.visibility</p:attrName>
+                                        </p:attrNameLst>
+                                      </p:cBhvr>
+                                      <p:to>
+                                        <p:strVal val="visible"/>
+                                      </p:to>
+                                    </p:set>
+                                  </p:childTnLst>
+                                </p:cTn>
+                              </p:par>
+                            </p:childTnLst>
+                          </p:cTn>
+                        </p:par>
+                      </p:childTnLst>
+                    </p:cTn>
+                  </p:par>
+                  <p:par>
+                    <p:cTn id="21" fill="hold">
+                      <p:stCondLst>
+                        <p:cond delay="indefinite"/>
+                      </p:stCondLst>
+                      <p:childTnLst>
+                        <p:par>
+                          <p:cTn id="22" fill="hold">
+                            <p:stCondLst>
+                              <p:cond delay="0"/>
+                            </p:stCondLst>
+                            <p:childTnLst>
+                              <p:par>
+                                <p:cTn id="23" presetID="1" presetClass="entr" presetSubtype="0" fill="hold" grpId="0" nodeType="clickEffect">
+                                  <p:stCondLst>
+                                    <p:cond delay="0"/>
+                                  </p:stCondLst>
+                                  <p:childTnLst>
+                                    <p:set>
+                                      <p:cBhvr>
+                                        <p:cTn id="24" dur="1" fill="hold">
                                           <p:stCondLst>
                                             <p:cond delay="0"/>
                                           </p:stCondLst>
@@ -16925,14 +17033,14 @@
                                 </p:cTn>
                               </p:par>
                               <p:par>
-                                <p:cTn id="15" presetID="1" presetClass="entr" presetSubtype="0" fill="hold" grpId="0" nodeType="withEffect">
+                                <p:cTn id="25" presetID="1" presetClass="entr" presetSubtype="0" fill="hold" grpId="0" nodeType="withEffect">
                                   <p:stCondLst>
                                     <p:cond delay="0"/>
                                   </p:stCondLst>
                                   <p:childTnLst>
                                     <p:set>
                                       <p:cBhvr>
-                                        <p:cTn id="16" dur="1" fill="hold">
+                                        <p:cTn id="26" dur="1" fill="hold">
                                           <p:stCondLst>
                                             <p:cond delay="0"/>
                                           </p:stCondLst>
@@ -16958,53 +17066,26 @@
                     </p:cTn>
                   </p:par>
                   <p:par>
-                    <p:cTn id="17" fill="hold">
+                    <p:cTn id="27" fill="hold">
                       <p:stCondLst>
                         <p:cond delay="indefinite"/>
                       </p:stCondLst>
                       <p:childTnLst>
                         <p:par>
-                          <p:cTn id="18" fill="hold">
+                          <p:cTn id="28" fill="hold">
                             <p:stCondLst>
                               <p:cond delay="0"/>
                             </p:stCondLst>
                             <p:childTnLst>
                               <p:par>
-                                <p:cTn id="19" presetID="1" presetClass="entr" presetSubtype="0" fill="hold" nodeType="clickEffect">
+                                <p:cTn id="29" presetID="1" presetClass="entr" presetSubtype="0" fill="hold" grpId="0" nodeType="clickEffect">
                                   <p:stCondLst>
                                     <p:cond delay="0"/>
                                   </p:stCondLst>
                                   <p:childTnLst>
                                     <p:set>
                                       <p:cBhvr>
-                                        <p:cTn id="20" dur="1" fill="hold">
-                                          <p:stCondLst>
-                                            <p:cond delay="0"/>
-                                          </p:stCondLst>
-                                        </p:cTn>
-                                        <p:tgtEl>
-                                          <p:spTgt spid="8"/>
-                                        </p:tgtEl>
-                                        <p:attrNameLst>
-                                          <p:attrName>style.visibility</p:attrName>
-                                        </p:attrNameLst>
-                                      </p:cBhvr>
-                                      <p:to>
-                                        <p:strVal val="visible"/>
-                                      </p:to>
-                                    </p:set>
-                                  </p:childTnLst>
-                                </p:cTn>
-                              </p:par>
-                              <p:par>
-                                <p:cTn id="21" presetID="1" presetClass="entr" presetSubtype="0" fill="hold" grpId="0" nodeType="withEffect">
-                                  <p:stCondLst>
-                                    <p:cond delay="0"/>
-                                  </p:stCondLst>
-                                  <p:childTnLst>
-                                    <p:set>
-                                      <p:cBhvr>
-                                        <p:cTn id="22" dur="1" fill="hold">
+                                        <p:cTn id="30" dur="1" fill="hold">
                                           <p:stCondLst>
                                             <p:cond delay="0"/>
                                           </p:stCondLst>
@@ -17056,6 +17137,7 @@
     </p:tnLst>
     <p:bldLst>
       <p:bldP spid="3" grpId="0" uiExpand="1" build="p"/>
+      <p:bldP spid="5" grpId="0" animBg="1"/>
       <p:bldP spid="6" grpId="0" animBg="1"/>
     </p:bldLst>
   </p:timing>
@@ -18197,6 +18279,117 @@
                                           </p:stCondLst>
                                         </p:cTn>
                                         <p:tgtEl>
+                                          <p:spTgt spid="3">
+                                            <p:txEl>
+                                              <p:pRg st="0" end="0"/>
+                                            </p:txEl>
+                                          </p:spTgt>
+                                        </p:tgtEl>
+                                        <p:attrNameLst>
+                                          <p:attrName>style.visibility</p:attrName>
+                                        </p:attrNameLst>
+                                      </p:cBhvr>
+                                      <p:to>
+                                        <p:strVal val="visible"/>
+                                      </p:to>
+                                    </p:set>
+                                  </p:childTnLst>
+                                </p:cTn>
+                              </p:par>
+                              <p:par>
+                                <p:cTn id="7" presetID="1" presetClass="entr" presetSubtype="0" fill="hold" grpId="0" nodeType="withEffect">
+                                  <p:stCondLst>
+                                    <p:cond delay="0"/>
+                                  </p:stCondLst>
+                                  <p:childTnLst>
+                                    <p:set>
+                                      <p:cBhvr>
+                                        <p:cTn id="8" dur="1" fill="hold">
+                                          <p:stCondLst>
+                                            <p:cond delay="0"/>
+                                          </p:stCondLst>
+                                        </p:cTn>
+                                        <p:tgtEl>
+                                          <p:spTgt spid="3">
+                                            <p:txEl>
+                                              <p:pRg st="1" end="1"/>
+                                            </p:txEl>
+                                          </p:spTgt>
+                                        </p:tgtEl>
+                                        <p:attrNameLst>
+                                          <p:attrName>style.visibility</p:attrName>
+                                        </p:attrNameLst>
+                                      </p:cBhvr>
+                                      <p:to>
+                                        <p:strVal val="visible"/>
+                                      </p:to>
+                                    </p:set>
+                                  </p:childTnLst>
+                                </p:cTn>
+                              </p:par>
+                            </p:childTnLst>
+                          </p:cTn>
+                        </p:par>
+                      </p:childTnLst>
+                    </p:cTn>
+                  </p:par>
+                  <p:par>
+                    <p:cTn id="9" fill="hold">
+                      <p:stCondLst>
+                        <p:cond delay="indefinite"/>
+                      </p:stCondLst>
+                      <p:childTnLst>
+                        <p:par>
+                          <p:cTn id="10" fill="hold">
+                            <p:stCondLst>
+                              <p:cond delay="0"/>
+                            </p:stCondLst>
+                            <p:childTnLst>
+                              <p:par>
+                                <p:cTn id="11" presetID="1" presetClass="entr" presetSubtype="0" fill="hold" grpId="0" nodeType="clickEffect">
+                                  <p:stCondLst>
+                                    <p:cond delay="0"/>
+                                  </p:stCondLst>
+                                  <p:childTnLst>
+                                    <p:set>
+                                      <p:cBhvr>
+                                        <p:cTn id="12" dur="1" fill="hold">
+                                          <p:stCondLst>
+                                            <p:cond delay="0"/>
+                                          </p:stCondLst>
+                                        </p:cTn>
+                                        <p:tgtEl>
+                                          <p:spTgt spid="3">
+                                            <p:txEl>
+                                              <p:pRg st="2" end="2"/>
+                                            </p:txEl>
+                                          </p:spTgt>
+                                        </p:tgtEl>
+                                        <p:attrNameLst>
+                                          <p:attrName>style.visibility</p:attrName>
+                                        </p:attrNameLst>
+                                      </p:cBhvr>
+                                      <p:to>
+                                        <p:strVal val="visible"/>
+                                      </p:to>
+                                    </p:set>
+                                  </p:childTnLst>
+                                </p:cTn>
+                              </p:par>
+                              <p:par>
+                                <p:cTn id="13" presetID="1" presetClass="entr" presetSubtype="0" fill="hold" grpId="0" nodeType="withEffect">
+                                  <p:stCondLst>
+                                    <p:cond delay="0"/>
+                                  </p:stCondLst>
+                                  <p:childTnLst>
+                                    <p:set>
+                                      <p:cBhvr>
+                                        <p:cTn id="14" dur="1" fill="hold">
+                                          <p:stCondLst>
+                                            <p:cond delay="0"/>
+                                          </p:stCondLst>
+                                        </p:cTn>
+                                        <p:tgtEl>
                                           <p:spTgt spid="5"/>
                                         </p:tgtEl>
                                         <p:attrNameLst>
@@ -18217,26 +18410,57 @@
                     </p:cTn>
                   </p:par>
                   <p:par>
-                    <p:cTn id="7" fill="hold">
+                    <p:cTn id="15" fill="hold">
                       <p:stCondLst>
                         <p:cond delay="indefinite"/>
                       </p:stCondLst>
                       <p:childTnLst>
                         <p:par>
-                          <p:cTn id="8" fill="hold">
+                          <p:cTn id="16" fill="hold">
                             <p:stCondLst>
                               <p:cond delay="0"/>
                             </p:stCondLst>
                             <p:childTnLst>
                               <p:par>
-                                <p:cTn id="9" presetID="1" presetClass="entr" presetSubtype="0" fill="hold" grpId="0" nodeType="clickEffect">
+                                <p:cTn id="17" presetID="1" presetClass="entr" presetSubtype="0" fill="hold" grpId="0" nodeType="clickEffect">
                                   <p:stCondLst>
                                     <p:cond delay="0"/>
                                   </p:stCondLst>
                                   <p:childTnLst>
                                     <p:set>
                                       <p:cBhvr>
-                                        <p:cTn id="10" dur="1" fill="hold">
+                                        <p:cTn id="18" dur="1" fill="hold">
+                                          <p:stCondLst>
+                                            <p:cond delay="0"/>
+                                          </p:stCondLst>
+                                        </p:cTn>
+                                        <p:tgtEl>
+                                          <p:spTgt spid="3">
+                                            <p:txEl>
+                                              <p:pRg st="6" end="6"/>
+                                            </p:txEl>
+                                          </p:spTgt>
+                                        </p:tgtEl>
+                                        <p:attrNameLst>
+                                          <p:attrName>style.visibility</p:attrName>
+                                        </p:attrNameLst>
+                                      </p:cBhvr>
+                                      <p:to>
+                                        <p:strVal val="visible"/>
+                                      </p:to>
+                                    </p:set>
+                                  </p:childTnLst>
+                                </p:cTn>
+                              </p:par>
+                              <p:par>
+                                <p:cTn id="19" presetID="1" presetClass="entr" presetSubtype="0" fill="hold" grpId="0" nodeType="withEffect">
+                                  <p:stCondLst>
+                                    <p:cond delay="0"/>
+                                  </p:stCondLst>
+                                  <p:childTnLst>
+                                    <p:set>
+                                      <p:cBhvr>
+                                        <p:cTn id="20" dur="1" fill="hold">
                                           <p:stCondLst>
                                             <p:cond delay="0"/>
                                           </p:stCondLst>
@@ -18283,6 +18507,7 @@
       </p:par>
     </p:tnLst>
     <p:bldLst>
+      <p:bldP spid="3" grpId="0" uiExpand="1" build="p"/>
       <p:bldP spid="5" grpId="0" animBg="1"/>
       <p:bldP spid="8" grpId="0" animBg="1"/>
     </p:bldLst>

--- a/version_control_git.pptx
+++ b/version_control_git.pptx
@@ -406,7 +406,7 @@
           <a:p>
             <a:fld id="{11D3E7B2-0861-45F0-B59E-BA867D5C805D}" type="datetimeFigureOut">
               <a:rPr lang="nl-BE" smtClean="0"/>
-              <a:t>7/11/2022</a:t>
+              <a:t>29/03/2023</a:t>
             </a:fld>
             <a:endParaRPr lang="nl-BE"/>
           </a:p>
@@ -1107,7 +1107,7 @@
           <a:p>
             <a:fld id="{208C4982-2142-4DAC-808C-52C1A6ABA40A}" type="datetime1">
               <a:rPr lang="nl-BE" smtClean="0"/>
-              <a:t>7/11/2022</a:t>
+              <a:t>29/03/2023</a:t>
             </a:fld>
             <a:endParaRPr lang="nl-BE"/>
           </a:p>
@@ -1277,7 +1277,7 @@
           <a:p>
             <a:fld id="{596A4774-AA95-4CEA-9215-BE91EC5FD3A2}" type="datetime1">
               <a:rPr lang="nl-BE" smtClean="0"/>
-              <a:t>7/11/2022</a:t>
+              <a:t>29/03/2023</a:t>
             </a:fld>
             <a:endParaRPr lang="nl-BE"/>
           </a:p>
@@ -1457,7 +1457,7 @@
           <a:p>
             <a:fld id="{E3C938DE-9D5A-4A9D-B2A9-9053FBBA636A}" type="datetime1">
               <a:rPr lang="nl-BE" smtClean="0"/>
-              <a:t>7/11/2022</a:t>
+              <a:t>29/03/2023</a:t>
             </a:fld>
             <a:endParaRPr lang="nl-BE"/>
           </a:p>
@@ -1627,7 +1627,7 @@
           <a:p>
             <a:fld id="{70B73439-F632-4142-A813-39A8890A9414}" type="datetime1">
               <a:rPr lang="nl-BE" smtClean="0"/>
-              <a:t>7/11/2022</a:t>
+              <a:t>29/03/2023</a:t>
             </a:fld>
             <a:endParaRPr lang="nl-BE"/>
           </a:p>
@@ -1873,7 +1873,7 @@
           <a:p>
             <a:fld id="{2DA105E3-7574-4472-893A-A0C7A919BAE6}" type="datetime1">
               <a:rPr lang="nl-BE" smtClean="0"/>
-              <a:t>7/11/2022</a:t>
+              <a:t>29/03/2023</a:t>
             </a:fld>
             <a:endParaRPr lang="nl-BE"/>
           </a:p>
@@ -2161,7 +2161,7 @@
           <a:p>
             <a:fld id="{184B200F-AF61-4171-AE34-7A4B12E0FBA3}" type="datetime1">
               <a:rPr lang="nl-BE" smtClean="0"/>
-              <a:t>7/11/2022</a:t>
+              <a:t>29/03/2023</a:t>
             </a:fld>
             <a:endParaRPr lang="nl-BE"/>
           </a:p>
@@ -2583,7 +2583,7 @@
           <a:p>
             <a:fld id="{4DDD3743-DAF8-4465-AEC2-93735E02B3D0}" type="datetime1">
               <a:rPr lang="nl-BE" smtClean="0"/>
-              <a:t>7/11/2022</a:t>
+              <a:t>29/03/2023</a:t>
             </a:fld>
             <a:endParaRPr lang="nl-BE"/>
           </a:p>
@@ -2701,7 +2701,7 @@
           <a:p>
             <a:fld id="{0E48E2E9-C147-459B-ACCB-D6DDC51735D3}" type="datetime1">
               <a:rPr lang="nl-BE" smtClean="0"/>
-              <a:t>7/11/2022</a:t>
+              <a:t>29/03/2023</a:t>
             </a:fld>
             <a:endParaRPr lang="nl-BE"/>
           </a:p>
@@ -2796,7 +2796,7 @@
           <a:p>
             <a:fld id="{C92A24F5-0967-4B11-849A-0009476290B5}" type="datetime1">
               <a:rPr lang="nl-BE" smtClean="0"/>
-              <a:t>7/11/2022</a:t>
+              <a:t>29/03/2023</a:t>
             </a:fld>
             <a:endParaRPr lang="nl-BE"/>
           </a:p>
@@ -3073,7 +3073,7 @@
           <a:p>
             <a:fld id="{CAAB6B0C-E333-4316-A6EC-161EFC5CB4BD}" type="datetime1">
               <a:rPr lang="nl-BE" smtClean="0"/>
-              <a:t>7/11/2022</a:t>
+              <a:t>29/03/2023</a:t>
             </a:fld>
             <a:endParaRPr lang="nl-BE"/>
           </a:p>
@@ -3326,7 +3326,7 @@
           <a:p>
             <a:fld id="{5AC2428B-24E8-4004-8AB4-EA69DDAD1475}" type="datetime1">
               <a:rPr lang="nl-BE" smtClean="0"/>
-              <a:t>7/11/2022</a:t>
+              <a:t>29/03/2023</a:t>
             </a:fld>
             <a:endParaRPr lang="nl-BE"/>
           </a:p>
@@ -3539,7 +3539,7 @@
           <a:p>
             <a:fld id="{063E4CA3-87AF-44C9-B256-93720A95DFC3}" type="datetime1">
               <a:rPr lang="nl-BE" smtClean="0"/>
-              <a:t>7/11/2022</a:t>
+              <a:t>29/03/2023</a:t>
             </a:fld>
             <a:endParaRPr lang="nl-BE"/>
           </a:p>
@@ -23573,7 +23573,7 @@
         <p:spPr>
           <a:xfrm>
             <a:off x="1259632" y="2649686"/>
-            <a:ext cx="3960440" cy="923330"/>
+            <a:ext cx="4464496" cy="923330"/>
           </a:xfrm>
           <a:prstGeom prst="rect">
             <a:avLst/>
@@ -23643,7 +23643,35 @@
                 <a:latin typeface="Courier New" pitchFamily="49" charset="0"/>
                 <a:cs typeface="Courier New" pitchFamily="49" charset="0"/>
               </a:rPr>
-              <a:t>$ git reset  HEAD  </a:t>
+              <a:t>$ git </a:t>
+            </a:r>
+            <a:r>
+              <a:rPr lang="nl-BE" dirty="0" err="1">
+                <a:latin typeface="Courier New" pitchFamily="49" charset="0"/>
+                <a:cs typeface="Courier New" pitchFamily="49" charset="0"/>
+              </a:rPr>
+              <a:t>restore</a:t>
+            </a:r>
+            <a:r>
+              <a:rPr lang="nl-BE" dirty="0">
+                <a:latin typeface="Courier New" pitchFamily="49" charset="0"/>
+                <a:cs typeface="Courier New" pitchFamily="49" charset="0"/>
+              </a:rPr>
+              <a:t>  --</a:t>
+            </a:r>
+            <a:r>
+              <a:rPr lang="nl-BE" dirty="0" err="1">
+                <a:latin typeface="Courier New" pitchFamily="49" charset="0"/>
+                <a:cs typeface="Courier New" pitchFamily="49" charset="0"/>
+              </a:rPr>
+              <a:t>staged</a:t>
+            </a:r>
+            <a:r>
+              <a:rPr lang="nl-BE" dirty="0">
+                <a:latin typeface="Courier New" pitchFamily="49" charset="0"/>
+                <a:cs typeface="Courier New" pitchFamily="49" charset="0"/>
+              </a:rPr>
+              <a:t>  </a:t>
             </a:r>
             <a:r>
               <a:rPr lang="nl-BE" dirty="0" err="1">
@@ -23668,7 +23696,7 @@
         <p:spPr>
           <a:xfrm>
             <a:off x="1259632" y="4941168"/>
-            <a:ext cx="3960440" cy="369332"/>
+            <a:ext cx="4464496" cy="369332"/>
           </a:xfrm>
           <a:prstGeom prst="rect">
             <a:avLst/>
@@ -23752,8 +23780,8 @@
         </p:nvSpPr>
         <p:spPr>
           <a:xfrm>
-            <a:off x="1231719" y="6075144"/>
-            <a:ext cx="3960440" cy="646331"/>
+            <a:off x="1231718" y="6075144"/>
+            <a:ext cx="4492409" cy="646331"/>
           </a:xfrm>
           <a:prstGeom prst="rect">
             <a:avLst/>
@@ -24272,7 +24300,7 @@
         <p:spPr>
           <a:xfrm>
             <a:off x="1187624" y="3933056"/>
-            <a:ext cx="3960440" cy="369332"/>
+            <a:ext cx="5112568" cy="369332"/>
           </a:xfrm>
           <a:prstGeom prst="rect">
             <a:avLst/>
@@ -24309,7 +24337,7 @@
         <p:spPr>
           <a:xfrm>
             <a:off x="1187624" y="2152629"/>
-            <a:ext cx="3960440" cy="1200329"/>
+            <a:ext cx="5112568" cy="1200329"/>
           </a:xfrm>
           <a:prstGeom prst="rect">
             <a:avLst/>
@@ -24341,7 +24369,35 @@
                 <a:latin typeface="Courier New" pitchFamily="49" charset="0"/>
                 <a:cs typeface="Courier New" pitchFamily="49" charset="0"/>
               </a:rPr>
-              <a:t>$ git reset  HEAD  appl.exe</a:t>
+              <a:t>$ git </a:t>
+            </a:r>
+            <a:r>
+              <a:rPr lang="nl-BE" dirty="0" err="1">
+                <a:latin typeface="Courier New" pitchFamily="49" charset="0"/>
+                <a:cs typeface="Courier New" pitchFamily="49" charset="0"/>
+              </a:rPr>
+              <a:t>restore</a:t>
+            </a:r>
+            <a:r>
+              <a:rPr lang="nl-BE" dirty="0">
+                <a:latin typeface="Courier New" pitchFamily="49" charset="0"/>
+                <a:cs typeface="Courier New" pitchFamily="49" charset="0"/>
+              </a:rPr>
+              <a:t>  --</a:t>
+            </a:r>
+            <a:r>
+              <a:rPr lang="nl-BE" dirty="0" err="1">
+                <a:latin typeface="Courier New" pitchFamily="49" charset="0"/>
+                <a:cs typeface="Courier New" pitchFamily="49" charset="0"/>
+              </a:rPr>
+              <a:t>staged</a:t>
+            </a:r>
+            <a:r>
+              <a:rPr lang="nl-BE" dirty="0">
+                <a:latin typeface="Courier New" pitchFamily="49" charset="0"/>
+                <a:cs typeface="Courier New" pitchFamily="49" charset="0"/>
+              </a:rPr>
+              <a:t>   appl.exe</a:t>
             </a:r>
           </a:p>
           <a:p>

--- a/version_control_git.pptx
+++ b/version_control_git.pptx
@@ -34539,7 +34539,7 @@
           <a:p>
             <a:r>
               <a:rPr lang="en-US" dirty="0"/>
-              <a:t>Check out to switch to new branch</a:t>
+              <a:t>Switch to new branch</a:t>
             </a:r>
           </a:p>
           <a:p>

--- a/version_control_git.pptx
+++ b/version_control_git.pptx
@@ -406,7 +406,7 @@
           <a:p>
             <a:fld id="{11D3E7B2-0861-45F0-B59E-BA867D5C805D}" type="datetimeFigureOut">
               <a:rPr lang="nl-BE" smtClean="0"/>
-              <a:t>29/03/2023</a:t>
+              <a:t>23/06/2023</a:t>
             </a:fld>
             <a:endParaRPr lang="nl-BE"/>
           </a:p>
@@ -1107,7 +1107,7 @@
           <a:p>
             <a:fld id="{208C4982-2142-4DAC-808C-52C1A6ABA40A}" type="datetime1">
               <a:rPr lang="nl-BE" smtClean="0"/>
-              <a:t>29/03/2023</a:t>
+              <a:t>23/06/2023</a:t>
             </a:fld>
             <a:endParaRPr lang="nl-BE"/>
           </a:p>
@@ -1277,7 +1277,7 @@
           <a:p>
             <a:fld id="{596A4774-AA95-4CEA-9215-BE91EC5FD3A2}" type="datetime1">
               <a:rPr lang="nl-BE" smtClean="0"/>
-              <a:t>29/03/2023</a:t>
+              <a:t>23/06/2023</a:t>
             </a:fld>
             <a:endParaRPr lang="nl-BE"/>
           </a:p>
@@ -1457,7 +1457,7 @@
           <a:p>
             <a:fld id="{E3C938DE-9D5A-4A9D-B2A9-9053FBBA636A}" type="datetime1">
               <a:rPr lang="nl-BE" smtClean="0"/>
-              <a:t>29/03/2023</a:t>
+              <a:t>23/06/2023</a:t>
             </a:fld>
             <a:endParaRPr lang="nl-BE"/>
           </a:p>
@@ -1627,7 +1627,7 @@
           <a:p>
             <a:fld id="{70B73439-F632-4142-A813-39A8890A9414}" type="datetime1">
               <a:rPr lang="nl-BE" smtClean="0"/>
-              <a:t>29/03/2023</a:t>
+              <a:t>23/06/2023</a:t>
             </a:fld>
             <a:endParaRPr lang="nl-BE"/>
           </a:p>
@@ -1873,7 +1873,7 @@
           <a:p>
             <a:fld id="{2DA105E3-7574-4472-893A-A0C7A919BAE6}" type="datetime1">
               <a:rPr lang="nl-BE" smtClean="0"/>
-              <a:t>29/03/2023</a:t>
+              <a:t>23/06/2023</a:t>
             </a:fld>
             <a:endParaRPr lang="nl-BE"/>
           </a:p>
@@ -2161,7 +2161,7 @@
           <a:p>
             <a:fld id="{184B200F-AF61-4171-AE34-7A4B12E0FBA3}" type="datetime1">
               <a:rPr lang="nl-BE" smtClean="0"/>
-              <a:t>29/03/2023</a:t>
+              <a:t>23/06/2023</a:t>
             </a:fld>
             <a:endParaRPr lang="nl-BE"/>
           </a:p>
@@ -2583,7 +2583,7 @@
           <a:p>
             <a:fld id="{4DDD3743-DAF8-4465-AEC2-93735E02B3D0}" type="datetime1">
               <a:rPr lang="nl-BE" smtClean="0"/>
-              <a:t>29/03/2023</a:t>
+              <a:t>23/06/2023</a:t>
             </a:fld>
             <a:endParaRPr lang="nl-BE"/>
           </a:p>
@@ -2701,7 +2701,7 @@
           <a:p>
             <a:fld id="{0E48E2E9-C147-459B-ACCB-D6DDC51735D3}" type="datetime1">
               <a:rPr lang="nl-BE" smtClean="0"/>
-              <a:t>29/03/2023</a:t>
+              <a:t>23/06/2023</a:t>
             </a:fld>
             <a:endParaRPr lang="nl-BE"/>
           </a:p>
@@ -2796,7 +2796,7 @@
           <a:p>
             <a:fld id="{C92A24F5-0967-4B11-849A-0009476290B5}" type="datetime1">
               <a:rPr lang="nl-BE" smtClean="0"/>
-              <a:t>29/03/2023</a:t>
+              <a:t>23/06/2023</a:t>
             </a:fld>
             <a:endParaRPr lang="nl-BE"/>
           </a:p>
@@ -3073,7 +3073,7 @@
           <a:p>
             <a:fld id="{CAAB6B0C-E333-4316-A6EC-161EFC5CB4BD}" type="datetime1">
               <a:rPr lang="nl-BE" smtClean="0"/>
-              <a:t>29/03/2023</a:t>
+              <a:t>23/06/2023</a:t>
             </a:fld>
             <a:endParaRPr lang="nl-BE"/>
           </a:p>
@@ -3326,7 +3326,7 @@
           <a:p>
             <a:fld id="{5AC2428B-24E8-4004-8AB4-EA69DDAD1475}" type="datetime1">
               <a:rPr lang="nl-BE" smtClean="0"/>
-              <a:t>29/03/2023</a:t>
+              <a:t>23/06/2023</a:t>
             </a:fld>
             <a:endParaRPr lang="nl-BE"/>
           </a:p>
@@ -3539,7 +3539,7 @@
           <a:p>
             <a:fld id="{063E4CA3-87AF-44C9-B256-93720A95DFC3}" type="datetime1">
               <a:rPr lang="nl-BE" smtClean="0"/>
-              <a:t>29/03/2023</a:t>
+              <a:t>23/06/2023</a:t>
             </a:fld>
             <a:endParaRPr lang="nl-BE"/>
           </a:p>
@@ -10397,7 +10397,7 @@
                 <a:latin typeface="Courier New" pitchFamily="49" charset="0"/>
                 <a:cs typeface="Courier New" pitchFamily="49" charset="0"/>
               </a:rPr>
-              <a:t>$ git config  --global  user.name='Geert Jan Bex'</a:t>
+              <a:t>$ git config  --global  user.name 'Geert Jan Bex'</a:t>
             </a:r>
           </a:p>
         </p:txBody>
@@ -10434,7 +10434,21 @@
                 <a:latin typeface="Courier New" pitchFamily="49" charset="0"/>
                 <a:cs typeface="Courier New" pitchFamily="49" charset="0"/>
               </a:rPr>
-              <a:t>$ git config  --global  user.email='geertjan.bex@uhasselt.be'</a:t>
+              <a:t>$ git config  --global  </a:t>
+            </a:r>
+            <a:r>
+              <a:rPr lang="nl-BE" dirty="0" err="1">
+                <a:latin typeface="Courier New" pitchFamily="49" charset="0"/>
+                <a:cs typeface="Courier New" pitchFamily="49" charset="0"/>
+              </a:rPr>
+              <a:t>user.email</a:t>
+            </a:r>
+            <a:r>
+              <a:rPr lang="nl-BE" dirty="0">
+                <a:latin typeface="Courier New" pitchFamily="49" charset="0"/>
+                <a:cs typeface="Courier New" pitchFamily="49" charset="0"/>
+              </a:rPr>
+              <a:t> 'geertjan.bex@uhasselt.be'</a:t>
             </a:r>
           </a:p>
         </p:txBody>

--- a/version_control_git.pptx
+++ b/version_control_git.pptx
@@ -406,7 +406,7 @@
           <a:p>
             <a:fld id="{11D3E7B2-0861-45F0-B59E-BA867D5C805D}" type="datetimeFigureOut">
               <a:rPr lang="nl-BE" smtClean="0"/>
-              <a:t>23/06/2023</a:t>
+              <a:t>18/10/2023</a:t>
             </a:fld>
             <a:endParaRPr lang="nl-BE"/>
           </a:p>
@@ -1107,7 +1107,7 @@
           <a:p>
             <a:fld id="{208C4982-2142-4DAC-808C-52C1A6ABA40A}" type="datetime1">
               <a:rPr lang="nl-BE" smtClean="0"/>
-              <a:t>23/06/2023</a:t>
+              <a:t>18/10/2023</a:t>
             </a:fld>
             <a:endParaRPr lang="nl-BE"/>
           </a:p>
@@ -1277,7 +1277,7 @@
           <a:p>
             <a:fld id="{596A4774-AA95-4CEA-9215-BE91EC5FD3A2}" type="datetime1">
               <a:rPr lang="nl-BE" smtClean="0"/>
-              <a:t>23/06/2023</a:t>
+              <a:t>18/10/2023</a:t>
             </a:fld>
             <a:endParaRPr lang="nl-BE"/>
           </a:p>
@@ -1457,7 +1457,7 @@
           <a:p>
             <a:fld id="{E3C938DE-9D5A-4A9D-B2A9-9053FBBA636A}" type="datetime1">
               <a:rPr lang="nl-BE" smtClean="0"/>
-              <a:t>23/06/2023</a:t>
+              <a:t>18/10/2023</a:t>
             </a:fld>
             <a:endParaRPr lang="nl-BE"/>
           </a:p>
@@ -1627,7 +1627,7 @@
           <a:p>
             <a:fld id="{70B73439-F632-4142-A813-39A8890A9414}" type="datetime1">
               <a:rPr lang="nl-BE" smtClean="0"/>
-              <a:t>23/06/2023</a:t>
+              <a:t>18/10/2023</a:t>
             </a:fld>
             <a:endParaRPr lang="nl-BE"/>
           </a:p>
@@ -1873,7 +1873,7 @@
           <a:p>
             <a:fld id="{2DA105E3-7574-4472-893A-A0C7A919BAE6}" type="datetime1">
               <a:rPr lang="nl-BE" smtClean="0"/>
-              <a:t>23/06/2023</a:t>
+              <a:t>18/10/2023</a:t>
             </a:fld>
             <a:endParaRPr lang="nl-BE"/>
           </a:p>
@@ -2161,7 +2161,7 @@
           <a:p>
             <a:fld id="{184B200F-AF61-4171-AE34-7A4B12E0FBA3}" type="datetime1">
               <a:rPr lang="nl-BE" smtClean="0"/>
-              <a:t>23/06/2023</a:t>
+              <a:t>18/10/2023</a:t>
             </a:fld>
             <a:endParaRPr lang="nl-BE"/>
           </a:p>
@@ -2583,7 +2583,7 @@
           <a:p>
             <a:fld id="{4DDD3743-DAF8-4465-AEC2-93735E02B3D0}" type="datetime1">
               <a:rPr lang="nl-BE" smtClean="0"/>
-              <a:t>23/06/2023</a:t>
+              <a:t>18/10/2023</a:t>
             </a:fld>
             <a:endParaRPr lang="nl-BE"/>
           </a:p>
@@ -2701,7 +2701,7 @@
           <a:p>
             <a:fld id="{0E48E2E9-C147-459B-ACCB-D6DDC51735D3}" type="datetime1">
               <a:rPr lang="nl-BE" smtClean="0"/>
-              <a:t>23/06/2023</a:t>
+              <a:t>18/10/2023</a:t>
             </a:fld>
             <a:endParaRPr lang="nl-BE"/>
           </a:p>
@@ -2796,7 +2796,7 @@
           <a:p>
             <a:fld id="{C92A24F5-0967-4B11-849A-0009476290B5}" type="datetime1">
               <a:rPr lang="nl-BE" smtClean="0"/>
-              <a:t>23/06/2023</a:t>
+              <a:t>18/10/2023</a:t>
             </a:fld>
             <a:endParaRPr lang="nl-BE"/>
           </a:p>
@@ -3073,7 +3073,7 @@
           <a:p>
             <a:fld id="{CAAB6B0C-E333-4316-A6EC-161EFC5CB4BD}" type="datetime1">
               <a:rPr lang="nl-BE" smtClean="0"/>
-              <a:t>23/06/2023</a:t>
+              <a:t>18/10/2023</a:t>
             </a:fld>
             <a:endParaRPr lang="nl-BE"/>
           </a:p>
@@ -3326,7 +3326,7 @@
           <a:p>
             <a:fld id="{5AC2428B-24E8-4004-8AB4-EA69DDAD1475}" type="datetime1">
               <a:rPr lang="nl-BE" smtClean="0"/>
-              <a:t>23/06/2023</a:t>
+              <a:t>18/10/2023</a:t>
             </a:fld>
             <a:endParaRPr lang="nl-BE"/>
           </a:p>
@@ -3539,7 +3539,7 @@
           <a:p>
             <a:fld id="{063E4CA3-87AF-44C9-B256-93720A95DFC3}" type="datetime1">
               <a:rPr lang="nl-BE" smtClean="0"/>
-              <a:t>23/06/2023</a:t>
+              <a:t>18/10/2023</a:t>
             </a:fld>
             <a:endParaRPr lang="nl-BE"/>
           </a:p>
@@ -24046,43 +24046,21 @@
                                   </p:childTnLst>
                                 </p:cTn>
                               </p:par>
-                            </p:childTnLst>
-                          </p:cTn>
-                        </p:par>
-                      </p:childTnLst>
-                    </p:cTn>
-                  </p:par>
-                  <p:par>
-                    <p:cTn id="17" fill="hold">
-                      <p:stCondLst>
-                        <p:cond delay="indefinite"/>
-                      </p:stCondLst>
-                      <p:childTnLst>
-                        <p:par>
-                          <p:cTn id="18" fill="hold">
-                            <p:stCondLst>
-                              <p:cond delay="0"/>
-                            </p:stCondLst>
-                            <p:childTnLst>
                               <p:par>
-                                <p:cTn id="19" presetID="1" presetClass="entr" presetSubtype="0" fill="hold" grpId="0" nodeType="clickEffect">
+                                <p:cTn id="17" presetID="1" presetClass="entr" presetSubtype="0" fill="hold" grpId="0" nodeType="withEffect">
                                   <p:stCondLst>
                                     <p:cond delay="0"/>
                                   </p:stCondLst>
                                   <p:childTnLst>
                                     <p:set>
                                       <p:cBhvr>
-                                        <p:cTn id="20" dur="1" fill="hold">
+                                        <p:cTn id="18" dur="1" fill="hold">
                                           <p:stCondLst>
                                             <p:cond delay="0"/>
                                           </p:stCondLst>
                                         </p:cTn>
                                         <p:tgtEl>
-                                          <p:spTgt spid="3">
-                                            <p:txEl>
-                                              <p:pRg st="6" end="6"/>
-                                            </p:txEl>
-                                          </p:spTgt>
+                                          <p:spTgt spid="6"/>
                                         </p:tgtEl>
                                         <p:attrNameLst>
                                           <p:attrName>style.visibility</p:attrName>
@@ -24095,8 +24073,26 @@
                                   </p:childTnLst>
                                 </p:cTn>
                               </p:par>
+                            </p:childTnLst>
+                          </p:cTn>
+                        </p:par>
+                      </p:childTnLst>
+                    </p:cTn>
+                  </p:par>
+                  <p:par>
+                    <p:cTn id="19" fill="hold">
+                      <p:stCondLst>
+                        <p:cond delay="indefinite"/>
+                      </p:stCondLst>
+                      <p:childTnLst>
+                        <p:par>
+                          <p:cTn id="20" fill="hold">
+                            <p:stCondLst>
+                              <p:cond delay="0"/>
+                            </p:stCondLst>
+                            <p:childTnLst>
                               <p:par>
-                                <p:cTn id="21" presetID="1" presetClass="entr" presetSubtype="0" fill="hold" grpId="0" nodeType="withEffect">
+                                <p:cTn id="21" presetID="1" presetClass="entr" presetSubtype="0" fill="hold" grpId="0" nodeType="clickEffect">
                                   <p:stCondLst>
                                     <p:cond delay="0"/>
                                   </p:stCondLst>
@@ -24109,7 +24105,11 @@
                                           </p:stCondLst>
                                         </p:cTn>
                                         <p:tgtEl>
-                                          <p:spTgt spid="6"/>
+                                          <p:spTgt spid="3">
+                                            <p:txEl>
+                                              <p:pRg st="6" end="6"/>
+                                            </p:txEl>
+                                          </p:spTgt>
                                         </p:tgtEl>
                                         <p:attrNameLst>
                                           <p:attrName>style.visibility</p:attrName>
@@ -43719,7 +43719,7 @@
                 <a:latin typeface="Courier New" pitchFamily="49" charset="0"/>
                 <a:cs typeface="Courier New" pitchFamily="49" charset="0"/>
               </a:rPr>
-              <a:t>$ git switch  -c  feature/</a:t>
+              <a:t>$ git switch  -C  feature/</a:t>
             </a:r>
             <a:r>
               <a:rPr lang="nl-BE" dirty="0" err="1">
